--- a/slides/TP557_13_Prevenindo_o_sobreajuste.pptx
+++ b/slides/TP557_13_Prevenindo_o_sobreajuste.pptx
@@ -5,10 +5,10 @@
     <p:sldMasterId id="2147483648" r:id="rId1"/>
   </p:sldMasterIdLst>
   <p:notesMasterIdLst>
-    <p:notesMasterId r:id="rId19"/>
+    <p:notesMasterId r:id="rId28"/>
   </p:notesMasterIdLst>
   <p:handoutMasterIdLst>
-    <p:handoutMasterId r:id="rId20"/>
+    <p:handoutMasterId r:id="rId29"/>
   </p:handoutMasterIdLst>
   <p:sldIdLst>
     <p:sldId id="256" r:id="rId2"/>
@@ -19,15 +19,24 @@
     <p:sldId id="434" r:id="rId7"/>
     <p:sldId id="435" r:id="rId8"/>
     <p:sldId id="431" r:id="rId9"/>
-    <p:sldId id="433" r:id="rId10"/>
-    <p:sldId id="429" r:id="rId11"/>
-    <p:sldId id="432" r:id="rId12"/>
-    <p:sldId id="436" r:id="rId13"/>
-    <p:sldId id="437" r:id="rId14"/>
-    <p:sldId id="426" r:id="rId15"/>
-    <p:sldId id="405" r:id="rId16"/>
-    <p:sldId id="293" r:id="rId17"/>
-    <p:sldId id="306" r:id="rId18"/>
+    <p:sldId id="438" r:id="rId10"/>
+    <p:sldId id="439" r:id="rId11"/>
+    <p:sldId id="429" r:id="rId12"/>
+    <p:sldId id="440" r:id="rId13"/>
+    <p:sldId id="441" r:id="rId14"/>
+    <p:sldId id="432" r:id="rId15"/>
+    <p:sldId id="442" r:id="rId16"/>
+    <p:sldId id="433" r:id="rId17"/>
+    <p:sldId id="444" r:id="rId18"/>
+    <p:sldId id="445" r:id="rId19"/>
+    <p:sldId id="446" r:id="rId20"/>
+    <p:sldId id="443" r:id="rId21"/>
+    <p:sldId id="436" r:id="rId22"/>
+    <p:sldId id="437" r:id="rId23"/>
+    <p:sldId id="426" r:id="rId24"/>
+    <p:sldId id="405" r:id="rId25"/>
+    <p:sldId id="293" r:id="rId26"/>
+    <p:sldId id="306" r:id="rId27"/>
   </p:sldIdLst>
   <p:sldSz cx="12192000" cy="6858000"/>
   <p:notesSz cx="7315200" cy="9601200"/>
@@ -291,7 +300,7 @@
           <a:p>
             <a:fld id="{144F1436-6906-4D93-B7A2-786C327BFA14}" type="datetimeFigureOut">
               <a:rPr lang="nl-BE" smtClean="0"/>
-              <a:t>12/09/2023</a:t>
+              <a:t>18/09/2023</a:t>
             </a:fld>
             <a:endParaRPr lang="nl-BE"/>
           </a:p>
@@ -456,7 +465,7 @@
           <a:p>
             <a:fld id="{AA8CD09E-2914-4F47-B6C1-51B2C31814C9}" type="datetimeFigureOut">
               <a:rPr lang="pt-BR" smtClean="0"/>
-              <a:t>12/09/2023</a:t>
+              <a:t>18/09/2023</a:t>
             </a:fld>
             <a:endParaRPr lang="pt-BR"/>
           </a:p>
@@ -807,6 +816,1008 @@
 </p:notes>
 </file>
 
+<file path=ppt/notesSlides/notesSlide10.xml><?xml version="1.0" encoding="utf-8"?>
+<p:notes xmlns:a="http://schemas.openxmlformats.org/drawingml/2006/main" xmlns:r="http://schemas.openxmlformats.org/officeDocument/2006/relationships" xmlns:p="http://schemas.openxmlformats.org/presentationml/2006/main">
+  <p:cSld>
+    <p:spTree>
+      <p:nvGrpSpPr>
+        <p:cNvPr id="1" name=""/>
+        <p:cNvGrpSpPr/>
+        <p:nvPr/>
+      </p:nvGrpSpPr>
+      <p:grpSpPr>
+        <a:xfrm>
+          <a:off x="0" y="0"/>
+          <a:ext cx="0" cy="0"/>
+          <a:chOff x="0" y="0"/>
+          <a:chExt cx="0" cy="0"/>
+        </a:xfrm>
+      </p:grpSpPr>
+      <p:sp>
+        <p:nvSpPr>
+          <p:cNvPr id="2" name="Espaço Reservado para Imagem de Slide 1"/>
+          <p:cNvSpPr>
+            <a:spLocks noGrp="1" noRot="1" noChangeAspect="1"/>
+          </p:cNvSpPr>
+          <p:nvPr>
+            <p:ph type="sldImg"/>
+          </p:nvPr>
+        </p:nvSpPr>
+        <p:spPr/>
+      </p:sp>
+      <p:sp>
+        <p:nvSpPr>
+          <p:cNvPr id="3" name="Espaço Reservado para Anotações 2"/>
+          <p:cNvSpPr>
+            <a:spLocks noGrp="1"/>
+          </p:cNvSpPr>
+          <p:nvPr>
+            <p:ph type="body" idx="1"/>
+          </p:nvPr>
+        </p:nvSpPr>
+        <p:spPr/>
+        <p:txBody>
+          <a:bodyPr/>
+          <a:lstStyle/>
+          <a:p>
+            <a:pPr marL="0" marR="0" lvl="0" indent="0" algn="l" defTabSz="914400" rtl="0" eaLnBrk="1" fontAlgn="auto" latinLnBrk="0" hangingPunct="1">
+              <a:lnSpc>
+                <a:spcPct val="100000"/>
+              </a:lnSpc>
+              <a:spcBef>
+                <a:spcPts val="0"/>
+              </a:spcBef>
+              <a:spcAft>
+                <a:spcPts val="0"/>
+              </a:spcAft>
+              <a:buClrTx/>
+              <a:buSzTx/>
+              <a:buFontTx/>
+              <a:buNone/>
+              <a:tabLst/>
+              <a:defRPr/>
+            </a:pPr>
+            <a:r>
+              <a:rPr lang="pt-BR" dirty="0"/>
+              <a:t>Referência</a:t>
+            </a:r>
+          </a:p>
+          <a:p>
+            <a:pPr marL="0" marR="0" lvl="0" indent="0" algn="l" defTabSz="914400" rtl="0" eaLnBrk="1" fontAlgn="auto" latinLnBrk="0" hangingPunct="1">
+              <a:lnSpc>
+                <a:spcPct val="100000"/>
+              </a:lnSpc>
+              <a:spcBef>
+                <a:spcPts val="0"/>
+              </a:spcBef>
+              <a:spcAft>
+                <a:spcPts val="0"/>
+              </a:spcAft>
+              <a:buClrTx/>
+              <a:buSzTx/>
+              <a:buFontTx/>
+              <a:buNone/>
+              <a:tabLst/>
+              <a:defRPr/>
+            </a:pPr>
+            <a:endParaRPr lang="pt-BR" dirty="0"/>
+          </a:p>
+          <a:p>
+            <a:pPr marL="0" marR="0" lvl="0" indent="0" algn="l" defTabSz="914400" rtl="0" eaLnBrk="1" fontAlgn="auto" latinLnBrk="0" hangingPunct="1">
+              <a:lnSpc>
+                <a:spcPct val="100000"/>
+              </a:lnSpc>
+              <a:spcBef>
+                <a:spcPts val="0"/>
+              </a:spcBef>
+              <a:spcAft>
+                <a:spcPts val="0"/>
+              </a:spcAft>
+              <a:buClrTx/>
+              <a:buSzTx/>
+              <a:buFontTx/>
+              <a:buNone/>
+              <a:tabLst/>
+              <a:defRPr/>
+            </a:pPr>
+            <a:r>
+              <a:rPr lang="pt-BR" dirty="0"/>
+              <a:t>[1] https://www.deeplearningbook.com.br/capitulo-23-como-funciona-o-dropout/</a:t>
+            </a:r>
+          </a:p>
+          <a:p>
+            <a:pPr marL="0" marR="0" lvl="0" indent="0" algn="l" defTabSz="914400" rtl="0" eaLnBrk="1" fontAlgn="auto" latinLnBrk="0" hangingPunct="1">
+              <a:lnSpc>
+                <a:spcPct val="100000"/>
+              </a:lnSpc>
+              <a:spcBef>
+                <a:spcPts val="0"/>
+              </a:spcBef>
+              <a:spcAft>
+                <a:spcPts val="0"/>
+              </a:spcAft>
+              <a:buClrTx/>
+              <a:buSzTx/>
+              <a:buFontTx/>
+              <a:buNone/>
+              <a:tabLst/>
+              <a:defRPr/>
+            </a:pPr>
+            <a:endParaRPr lang="pt-BR" dirty="0"/>
+          </a:p>
+          <a:p>
+            <a:pPr marL="0" marR="0" lvl="0" indent="0" algn="l" defTabSz="914400" rtl="0" eaLnBrk="1" fontAlgn="auto" latinLnBrk="0" hangingPunct="1">
+              <a:lnSpc>
+                <a:spcPct val="100000"/>
+              </a:lnSpc>
+              <a:spcBef>
+                <a:spcPts val="0"/>
+              </a:spcBef>
+              <a:spcAft>
+                <a:spcPts val="0"/>
+              </a:spcAft>
+              <a:buClrTx/>
+              <a:buSzTx/>
+              <a:buFontTx/>
+              <a:buNone/>
+              <a:tabLst/>
+              <a:defRPr/>
+            </a:pPr>
+            <a:r>
+              <a:rPr lang="pt-BR" dirty="0"/>
+              <a:t>Exemplo:</a:t>
+            </a:r>
+          </a:p>
+          <a:p>
+            <a:pPr marL="0" marR="0" lvl="0" indent="0" algn="l" defTabSz="914400" rtl="0" eaLnBrk="1" fontAlgn="auto" latinLnBrk="0" hangingPunct="1">
+              <a:lnSpc>
+                <a:spcPct val="100000"/>
+              </a:lnSpc>
+              <a:spcBef>
+                <a:spcPts val="0"/>
+              </a:spcBef>
+              <a:spcAft>
+                <a:spcPts val="0"/>
+              </a:spcAft>
+              <a:buClrTx/>
+              <a:buSzTx/>
+              <a:buFontTx/>
+              <a:buNone/>
+              <a:tabLst/>
+              <a:defRPr/>
+            </a:pPr>
+            <a:endParaRPr lang="pt-BR" dirty="0"/>
+          </a:p>
+          <a:p>
+            <a:pPr marL="0" marR="0" lvl="0" indent="0" algn="l" defTabSz="914400" rtl="0" eaLnBrk="1" fontAlgn="auto" latinLnBrk="0" hangingPunct="1">
+              <a:lnSpc>
+                <a:spcPct val="100000"/>
+              </a:lnSpc>
+              <a:spcBef>
+                <a:spcPts val="0"/>
+              </a:spcBef>
+              <a:spcAft>
+                <a:spcPts val="0"/>
+              </a:spcAft>
+              <a:buClrTx/>
+              <a:buSzTx/>
+              <a:buFontTx/>
+              <a:buNone/>
+              <a:tabLst/>
+              <a:defRPr/>
+            </a:pPr>
+            <a:r>
+              <a:rPr lang="pt-BR" dirty="0"/>
+              <a:t>[1] https://colab.research.google.com/github/zz4fap/tp557-iot-ml/blob/master/examples/</a:t>
+            </a:r>
+            <a:r>
+              <a:rPr lang="en-US" dirty="0" err="1"/>
+              <a:t>Sobreajuste_e_dropout.ipynb</a:t>
+            </a:r>
+            <a:endParaRPr lang="en-US" dirty="0"/>
+          </a:p>
+          <a:p>
+            <a:pPr marL="0" marR="0" lvl="0" indent="0" algn="l" defTabSz="914400" rtl="0" eaLnBrk="1" fontAlgn="auto" latinLnBrk="0" hangingPunct="1">
+              <a:lnSpc>
+                <a:spcPct val="100000"/>
+              </a:lnSpc>
+              <a:spcBef>
+                <a:spcPts val="0"/>
+              </a:spcBef>
+              <a:spcAft>
+                <a:spcPts val="0"/>
+              </a:spcAft>
+              <a:buClrTx/>
+              <a:buSzTx/>
+              <a:buFontTx/>
+              <a:buNone/>
+              <a:tabLst/>
+              <a:defRPr/>
+            </a:pPr>
+            <a:endParaRPr lang="en-US" dirty="0"/>
+          </a:p>
+          <a:p>
+            <a:pPr marL="0" marR="0" lvl="0" indent="0" algn="l" defTabSz="914400" rtl="0" eaLnBrk="1" fontAlgn="auto" latinLnBrk="0" hangingPunct="1">
+              <a:lnSpc>
+                <a:spcPct val="100000"/>
+              </a:lnSpc>
+              <a:spcBef>
+                <a:spcPts val="0"/>
+              </a:spcBef>
+              <a:spcAft>
+                <a:spcPts val="0"/>
+              </a:spcAft>
+              <a:buClrTx/>
+              <a:buSzTx/>
+              <a:buFontTx/>
+              <a:buNone/>
+              <a:tabLst/>
+              <a:defRPr/>
+            </a:pPr>
+            <a:r>
+              <a:rPr lang="pt-BR" dirty="0"/>
+              <a:t>Dropout é uma técnica de regularização usada em redes neurais para evitar o sobreajuste (</a:t>
+            </a:r>
+            <a:r>
+              <a:rPr lang="pt-BR" dirty="0" err="1"/>
+              <a:t>overfitting</a:t>
+            </a:r>
+            <a:r>
+              <a:rPr lang="pt-BR" dirty="0"/>
+              <a:t>). O sobreajuste ocorre quando uma rede neural se torna muito especializada nos dados de treinamento e não generaliza bem para novos dados. O dropout é uma abordagem eficaz para melhorar a generalização de uma rede neural. Aqui está como funciona:</a:t>
+            </a:r>
+          </a:p>
+          <a:p>
+            <a:pPr marL="0" marR="0" lvl="0" indent="0" algn="l" defTabSz="914400" rtl="0" eaLnBrk="1" fontAlgn="auto" latinLnBrk="0" hangingPunct="1">
+              <a:lnSpc>
+                <a:spcPct val="100000"/>
+              </a:lnSpc>
+              <a:spcBef>
+                <a:spcPts val="0"/>
+              </a:spcBef>
+              <a:spcAft>
+                <a:spcPts val="0"/>
+              </a:spcAft>
+              <a:buClrTx/>
+              <a:buSzTx/>
+              <a:buFontTx/>
+              <a:buNone/>
+              <a:tabLst/>
+              <a:defRPr/>
+            </a:pPr>
+            <a:endParaRPr lang="pt-BR" dirty="0"/>
+          </a:p>
+          <a:p>
+            <a:pPr marL="0" marR="0" lvl="0" indent="0" algn="l" defTabSz="914400" rtl="0" eaLnBrk="1" fontAlgn="auto" latinLnBrk="0" hangingPunct="1">
+              <a:lnSpc>
+                <a:spcPct val="100000"/>
+              </a:lnSpc>
+              <a:spcBef>
+                <a:spcPts val="0"/>
+              </a:spcBef>
+              <a:spcAft>
+                <a:spcPts val="0"/>
+              </a:spcAft>
+              <a:buClrTx/>
+              <a:buSzTx/>
+              <a:buFontTx/>
+              <a:buNone/>
+              <a:tabLst/>
+              <a:defRPr/>
+            </a:pPr>
+            <a:r>
+              <a:rPr lang="pt-BR" dirty="0"/>
+              <a:t>1. **Desligamento Aleatório de Neurônios**: Durante o treinamento da rede neural, o dropout envolve aleatoriamente "desligar" ou "descartar" um subconjunto dos neurônios em cada camada. Isso significa que esses neurônios não contribuirão para o cálculo das saídas da rede durante essa iteração de treinamento.</a:t>
+            </a:r>
+          </a:p>
+          <a:p>
+            <a:pPr marL="0" marR="0" lvl="0" indent="0" algn="l" defTabSz="914400" rtl="0" eaLnBrk="1" fontAlgn="auto" latinLnBrk="0" hangingPunct="1">
+              <a:lnSpc>
+                <a:spcPct val="100000"/>
+              </a:lnSpc>
+              <a:spcBef>
+                <a:spcPts val="0"/>
+              </a:spcBef>
+              <a:spcAft>
+                <a:spcPts val="0"/>
+              </a:spcAft>
+              <a:buClrTx/>
+              <a:buSzTx/>
+              <a:buFontTx/>
+              <a:buNone/>
+              <a:tabLst/>
+              <a:defRPr/>
+            </a:pPr>
+            <a:endParaRPr lang="pt-BR" dirty="0"/>
+          </a:p>
+          <a:p>
+            <a:pPr marL="0" marR="0" lvl="0" indent="0" algn="l" defTabSz="914400" rtl="0" eaLnBrk="1" fontAlgn="auto" latinLnBrk="0" hangingPunct="1">
+              <a:lnSpc>
+                <a:spcPct val="100000"/>
+              </a:lnSpc>
+              <a:spcBef>
+                <a:spcPts val="0"/>
+              </a:spcBef>
+              <a:spcAft>
+                <a:spcPts val="0"/>
+              </a:spcAft>
+              <a:buClrTx/>
+              <a:buSzTx/>
+              <a:buFontTx/>
+              <a:buNone/>
+              <a:tabLst/>
+              <a:defRPr/>
+            </a:pPr>
+            <a:r>
+              <a:rPr lang="pt-BR" dirty="0"/>
+              <a:t>2. **Taxa de Dropout**: Um </a:t>
+            </a:r>
+            <a:r>
+              <a:rPr lang="pt-BR" dirty="0" err="1"/>
+              <a:t>hiperparâmetro</a:t>
+            </a:r>
+            <a:r>
+              <a:rPr lang="pt-BR" dirty="0"/>
+              <a:t> chamado "taxa de dropout" é definido antes do treinamento. Essa taxa determina a probabilidade de um neurônio ser desligado durante cada iteração. Por exemplo, uma taxa de dropout de 0,5 significa que, em média, metade dos neurônios será desligada em cada iteração.</a:t>
+            </a:r>
+          </a:p>
+          <a:p>
+            <a:pPr marL="0" marR="0" lvl="0" indent="0" algn="l" defTabSz="914400" rtl="0" eaLnBrk="1" fontAlgn="auto" latinLnBrk="0" hangingPunct="1">
+              <a:lnSpc>
+                <a:spcPct val="100000"/>
+              </a:lnSpc>
+              <a:spcBef>
+                <a:spcPts val="0"/>
+              </a:spcBef>
+              <a:spcAft>
+                <a:spcPts val="0"/>
+              </a:spcAft>
+              <a:buClrTx/>
+              <a:buSzTx/>
+              <a:buFontTx/>
+              <a:buNone/>
+              <a:tabLst/>
+              <a:defRPr/>
+            </a:pPr>
+            <a:endParaRPr lang="pt-BR" dirty="0"/>
+          </a:p>
+          <a:p>
+            <a:pPr marL="0" marR="0" lvl="0" indent="0" algn="l" defTabSz="914400" rtl="0" eaLnBrk="1" fontAlgn="auto" latinLnBrk="0" hangingPunct="1">
+              <a:lnSpc>
+                <a:spcPct val="100000"/>
+              </a:lnSpc>
+              <a:spcBef>
+                <a:spcPts val="0"/>
+              </a:spcBef>
+              <a:spcAft>
+                <a:spcPts val="0"/>
+              </a:spcAft>
+              <a:buClrTx/>
+              <a:buSzTx/>
+              <a:buFontTx/>
+              <a:buNone/>
+              <a:tabLst/>
+              <a:defRPr/>
+            </a:pPr>
+            <a:r>
+              <a:rPr lang="pt-BR" dirty="0"/>
+              <a:t>3. **Treinamento Estocástico**: O dropout introduz uma forma de treinamento estocástico, onde a rede não pode depender excessivamente de nenhum neurônio específico. Isso obriga a rede a aprender recursos mais robustos e a generalizar melhor para dados que não foram vistos durante o treinamento.</a:t>
+            </a:r>
+          </a:p>
+          <a:p>
+            <a:pPr marL="0" marR="0" lvl="0" indent="0" algn="l" defTabSz="914400" rtl="0" eaLnBrk="1" fontAlgn="auto" latinLnBrk="0" hangingPunct="1">
+              <a:lnSpc>
+                <a:spcPct val="100000"/>
+              </a:lnSpc>
+              <a:spcBef>
+                <a:spcPts val="0"/>
+              </a:spcBef>
+              <a:spcAft>
+                <a:spcPts val="0"/>
+              </a:spcAft>
+              <a:buClrTx/>
+              <a:buSzTx/>
+              <a:buFontTx/>
+              <a:buNone/>
+              <a:tabLst/>
+              <a:defRPr/>
+            </a:pPr>
+            <a:endParaRPr lang="pt-BR" dirty="0"/>
+          </a:p>
+          <a:p>
+            <a:pPr marL="0" marR="0" lvl="0" indent="0" algn="l" defTabSz="914400" rtl="0" eaLnBrk="1" fontAlgn="auto" latinLnBrk="0" hangingPunct="1">
+              <a:lnSpc>
+                <a:spcPct val="100000"/>
+              </a:lnSpc>
+              <a:spcBef>
+                <a:spcPts val="0"/>
+              </a:spcBef>
+              <a:spcAft>
+                <a:spcPts val="0"/>
+              </a:spcAft>
+              <a:buClrTx/>
+              <a:buSzTx/>
+              <a:buFontTx/>
+              <a:buNone/>
+              <a:tabLst/>
+              <a:defRPr/>
+            </a:pPr>
+            <a:r>
+              <a:rPr lang="pt-BR" dirty="0"/>
+              <a:t>4. **</a:t>
+            </a:r>
+            <a:r>
+              <a:rPr lang="pt-BR" dirty="0" err="1"/>
+              <a:t>Averaging</a:t>
+            </a:r>
+            <a:r>
+              <a:rPr lang="pt-BR" dirty="0"/>
+              <a:t> de Múltiplos Modelos**: O dropout efetivamente treina várias </a:t>
+            </a:r>
+            <a:r>
+              <a:rPr lang="pt-BR" dirty="0" err="1"/>
+              <a:t>sub-redes</a:t>
+            </a:r>
+            <a:r>
+              <a:rPr lang="pt-BR" dirty="0"/>
+              <a:t> durante o treinamento, já que diferentes subconjuntos de neurônios são desligados a cada iteração. Isso é semelhante a treinar uma série de modelos diferentes e, durante a inferência, os resultados dessas </a:t>
+            </a:r>
+            <a:r>
+              <a:rPr lang="pt-BR" dirty="0" err="1"/>
+              <a:t>sub-redes</a:t>
+            </a:r>
+            <a:r>
+              <a:rPr lang="pt-BR" dirty="0"/>
+              <a:t> são médios ou ponderados de alguma forma para produzir a saída final da rede.</a:t>
+            </a:r>
+          </a:p>
+          <a:p>
+            <a:pPr marL="0" marR="0" lvl="0" indent="0" algn="l" defTabSz="914400" rtl="0" eaLnBrk="1" fontAlgn="auto" latinLnBrk="0" hangingPunct="1">
+              <a:lnSpc>
+                <a:spcPct val="100000"/>
+              </a:lnSpc>
+              <a:spcBef>
+                <a:spcPts val="0"/>
+              </a:spcBef>
+              <a:spcAft>
+                <a:spcPts val="0"/>
+              </a:spcAft>
+              <a:buClrTx/>
+              <a:buSzTx/>
+              <a:buFontTx/>
+              <a:buNone/>
+              <a:tabLst/>
+              <a:defRPr/>
+            </a:pPr>
+            <a:endParaRPr lang="pt-BR" dirty="0"/>
+          </a:p>
+          <a:p>
+            <a:pPr marL="0" marR="0" lvl="0" indent="0" algn="l" defTabSz="914400" rtl="0" eaLnBrk="1" fontAlgn="auto" latinLnBrk="0" hangingPunct="1">
+              <a:lnSpc>
+                <a:spcPct val="100000"/>
+              </a:lnSpc>
+              <a:spcBef>
+                <a:spcPts val="0"/>
+              </a:spcBef>
+              <a:spcAft>
+                <a:spcPts val="0"/>
+              </a:spcAft>
+              <a:buClrTx/>
+              <a:buSzTx/>
+              <a:buFontTx/>
+              <a:buNone/>
+              <a:tabLst/>
+              <a:defRPr/>
+            </a:pPr>
+            <a:r>
+              <a:rPr lang="pt-BR" dirty="0"/>
+              <a:t>Benefícios do Dropout:</a:t>
+            </a:r>
+          </a:p>
+          <a:p>
+            <a:pPr marL="0" marR="0" lvl="0" indent="0" algn="l" defTabSz="914400" rtl="0" eaLnBrk="1" fontAlgn="auto" latinLnBrk="0" hangingPunct="1">
+              <a:lnSpc>
+                <a:spcPct val="100000"/>
+              </a:lnSpc>
+              <a:spcBef>
+                <a:spcPts val="0"/>
+              </a:spcBef>
+              <a:spcAft>
+                <a:spcPts val="0"/>
+              </a:spcAft>
+              <a:buClrTx/>
+              <a:buSzTx/>
+              <a:buFontTx/>
+              <a:buNone/>
+              <a:tabLst/>
+              <a:defRPr/>
+            </a:pPr>
+            <a:endParaRPr lang="pt-BR" dirty="0"/>
+          </a:p>
+          <a:p>
+            <a:pPr marL="0" marR="0" lvl="0" indent="0" algn="l" defTabSz="914400" rtl="0" eaLnBrk="1" fontAlgn="auto" latinLnBrk="0" hangingPunct="1">
+              <a:lnSpc>
+                <a:spcPct val="100000"/>
+              </a:lnSpc>
+              <a:spcBef>
+                <a:spcPts val="0"/>
+              </a:spcBef>
+              <a:spcAft>
+                <a:spcPts val="0"/>
+              </a:spcAft>
+              <a:buClrTx/>
+              <a:buSzTx/>
+              <a:buFontTx/>
+              <a:buNone/>
+              <a:tabLst/>
+              <a:defRPr/>
+            </a:pPr>
+            <a:r>
+              <a:rPr lang="pt-BR" dirty="0"/>
+              <a:t>- Reduz o risco de sobreajuste, permitindo que a rede generalize melhor para novos dados.</a:t>
+            </a:r>
+          </a:p>
+          <a:p>
+            <a:pPr marL="0" marR="0" lvl="0" indent="0" algn="l" defTabSz="914400" rtl="0" eaLnBrk="1" fontAlgn="auto" latinLnBrk="0" hangingPunct="1">
+              <a:lnSpc>
+                <a:spcPct val="100000"/>
+              </a:lnSpc>
+              <a:spcBef>
+                <a:spcPts val="0"/>
+              </a:spcBef>
+              <a:spcAft>
+                <a:spcPts val="0"/>
+              </a:spcAft>
+              <a:buClrTx/>
+              <a:buSzTx/>
+              <a:buFontTx/>
+              <a:buNone/>
+              <a:tabLst/>
+              <a:defRPr/>
+            </a:pPr>
+            <a:r>
+              <a:rPr lang="pt-BR" dirty="0"/>
+              <a:t>- Ajuda a evitar a dependência excessiva de neurônios individuais, tornando o modelo mais robusto.</a:t>
+            </a:r>
+          </a:p>
+          <a:p>
+            <a:pPr marL="0" marR="0" lvl="0" indent="0" algn="l" defTabSz="914400" rtl="0" eaLnBrk="1" fontAlgn="auto" latinLnBrk="0" hangingPunct="1">
+              <a:lnSpc>
+                <a:spcPct val="100000"/>
+              </a:lnSpc>
+              <a:spcBef>
+                <a:spcPts val="0"/>
+              </a:spcBef>
+              <a:spcAft>
+                <a:spcPts val="0"/>
+              </a:spcAft>
+              <a:buClrTx/>
+              <a:buSzTx/>
+              <a:buFontTx/>
+              <a:buNone/>
+              <a:tabLst/>
+              <a:defRPr/>
+            </a:pPr>
+            <a:r>
+              <a:rPr lang="pt-BR" dirty="0"/>
+              <a:t>- Funciona bem em redes neurais profundas, onde o risco de </a:t>
+            </a:r>
+            <a:r>
+              <a:rPr lang="pt-BR" dirty="0" err="1"/>
+              <a:t>overfitting</a:t>
+            </a:r>
+            <a:r>
+              <a:rPr lang="pt-BR" dirty="0"/>
+              <a:t> é mais alto.</a:t>
+            </a:r>
+          </a:p>
+          <a:p>
+            <a:pPr marL="0" marR="0" lvl="0" indent="0" algn="l" defTabSz="914400" rtl="0" eaLnBrk="1" fontAlgn="auto" latinLnBrk="0" hangingPunct="1">
+              <a:lnSpc>
+                <a:spcPct val="100000"/>
+              </a:lnSpc>
+              <a:spcBef>
+                <a:spcPts val="0"/>
+              </a:spcBef>
+              <a:spcAft>
+                <a:spcPts val="0"/>
+              </a:spcAft>
+              <a:buClrTx/>
+              <a:buSzTx/>
+              <a:buFontTx/>
+              <a:buNone/>
+              <a:tabLst/>
+              <a:defRPr/>
+            </a:pPr>
+            <a:endParaRPr lang="pt-BR" dirty="0"/>
+          </a:p>
+          <a:p>
+            <a:pPr marL="0" marR="0" lvl="0" indent="0" algn="l" defTabSz="914400" rtl="0" eaLnBrk="1" fontAlgn="auto" latinLnBrk="0" hangingPunct="1">
+              <a:lnSpc>
+                <a:spcPct val="100000"/>
+              </a:lnSpc>
+              <a:spcBef>
+                <a:spcPts val="0"/>
+              </a:spcBef>
+              <a:spcAft>
+                <a:spcPts val="0"/>
+              </a:spcAft>
+              <a:buClrTx/>
+              <a:buSzTx/>
+              <a:buFontTx/>
+              <a:buNone/>
+              <a:tabLst/>
+              <a:defRPr/>
+            </a:pPr>
+            <a:r>
+              <a:rPr lang="pt-BR" dirty="0"/>
+              <a:t>Embora o dropout seja uma técnica eficaz de regularização, é importante ajustar a taxa de dropout adequadamente, pois uma taxa muito alta pode prejudicar o aprendizado, enquanto uma taxa muito baixa pode não fornecer os benefícios desejados. A taxa de dropout é geralmente escolhida por meio de experimentação e validação cruzada em um conjunto de validação.</a:t>
+            </a:r>
+          </a:p>
+          <a:p>
+            <a:endParaRPr lang="pt-BR" dirty="0"/>
+          </a:p>
+        </p:txBody>
+      </p:sp>
+      <p:sp>
+        <p:nvSpPr>
+          <p:cNvPr id="4" name="Espaço Reservado para Número de Slide 3"/>
+          <p:cNvSpPr>
+            <a:spLocks noGrp="1"/>
+          </p:cNvSpPr>
+          <p:nvPr>
+            <p:ph type="sldNum" sz="quarter" idx="5"/>
+          </p:nvPr>
+        </p:nvSpPr>
+        <p:spPr/>
+        <p:txBody>
+          <a:bodyPr/>
+          <a:lstStyle/>
+          <a:p>
+            <a:fld id="{6FC8D850-966F-45A6-8DE7-15B891E7D40D}" type="slidenum">
+              <a:rPr lang="pt-BR" smtClean="0"/>
+              <a:t>13</a:t>
+            </a:fld>
+            <a:endParaRPr lang="pt-BR"/>
+          </a:p>
+        </p:txBody>
+      </p:sp>
+    </p:spTree>
+    <p:extLst>
+      <p:ext uri="{BB962C8B-B14F-4D97-AF65-F5344CB8AC3E}">
+        <p14:creationId xmlns:p14="http://schemas.microsoft.com/office/powerpoint/2010/main" val="2138774991"/>
+      </p:ext>
+    </p:extLst>
+  </p:cSld>
+  <p:clrMapOvr>
+    <a:masterClrMapping/>
+  </p:clrMapOvr>
+</p:notes>
+</file>
+
+<file path=ppt/notesSlides/notesSlide11.xml><?xml version="1.0" encoding="utf-8"?>
+<p:notes xmlns:a="http://schemas.openxmlformats.org/drawingml/2006/main" xmlns:r="http://schemas.openxmlformats.org/officeDocument/2006/relationships" xmlns:p="http://schemas.openxmlformats.org/presentationml/2006/main">
+  <p:cSld>
+    <p:spTree>
+      <p:nvGrpSpPr>
+        <p:cNvPr id="1" name=""/>
+        <p:cNvGrpSpPr/>
+        <p:nvPr/>
+      </p:nvGrpSpPr>
+      <p:grpSpPr>
+        <a:xfrm>
+          <a:off x="0" y="0"/>
+          <a:ext cx="0" cy="0"/>
+          <a:chOff x="0" y="0"/>
+          <a:chExt cx="0" cy="0"/>
+        </a:xfrm>
+      </p:grpSpPr>
+      <p:sp>
+        <p:nvSpPr>
+          <p:cNvPr id="2" name="Espaço Reservado para Imagem de Slide 1"/>
+          <p:cNvSpPr>
+            <a:spLocks noGrp="1" noRot="1" noChangeAspect="1"/>
+          </p:cNvSpPr>
+          <p:nvPr>
+            <p:ph type="sldImg"/>
+          </p:nvPr>
+        </p:nvSpPr>
+        <p:spPr/>
+      </p:sp>
+      <p:sp>
+        <p:nvSpPr>
+          <p:cNvPr id="3" name="Espaço Reservado para Anotações 2"/>
+          <p:cNvSpPr>
+            <a:spLocks noGrp="1"/>
+          </p:cNvSpPr>
+          <p:nvPr>
+            <p:ph type="body" idx="1"/>
+          </p:nvPr>
+        </p:nvSpPr>
+        <p:spPr/>
+        <p:txBody>
+          <a:bodyPr/>
+          <a:lstStyle/>
+          <a:p>
+            <a:pPr marL="0" marR="0" lvl="0" indent="0" algn="l" defTabSz="914400" rtl="0" eaLnBrk="1" fontAlgn="auto" latinLnBrk="0" hangingPunct="1">
+              <a:lnSpc>
+                <a:spcPct val="100000"/>
+              </a:lnSpc>
+              <a:spcBef>
+                <a:spcPts val="0"/>
+              </a:spcBef>
+              <a:spcAft>
+                <a:spcPts val="0"/>
+              </a:spcAft>
+              <a:buClrTx/>
+              <a:buSzTx/>
+              <a:buFontTx/>
+              <a:buNone/>
+              <a:tabLst/>
+              <a:defRPr/>
+            </a:pPr>
+            <a:r>
+              <a:rPr lang="pt-BR" dirty="0"/>
+              <a:t>https://colab.research.google.com/github/zz4fap/tp557-iot-ml/blob/master/examples/Classification_report.ipynb</a:t>
+            </a:r>
+          </a:p>
+          <a:p>
+            <a:pPr marL="0" marR="0" lvl="0" indent="0" algn="l" defTabSz="914400" rtl="0" eaLnBrk="1" fontAlgn="auto" latinLnBrk="0" hangingPunct="1">
+              <a:lnSpc>
+                <a:spcPct val="100000"/>
+              </a:lnSpc>
+              <a:spcBef>
+                <a:spcPts val="0"/>
+              </a:spcBef>
+              <a:spcAft>
+                <a:spcPts val="0"/>
+              </a:spcAft>
+              <a:buClrTx/>
+              <a:buSzTx/>
+              <a:buFontTx/>
+              <a:buNone/>
+              <a:tabLst/>
+              <a:defRPr/>
+            </a:pPr>
+            <a:endParaRPr lang="pt-BR" dirty="0"/>
+          </a:p>
+          <a:p>
+            <a:pPr marL="0" marR="0" lvl="0" indent="0" algn="l" defTabSz="914400" rtl="0" eaLnBrk="1" fontAlgn="auto" latinLnBrk="0" hangingPunct="1">
+              <a:lnSpc>
+                <a:spcPct val="100000"/>
+              </a:lnSpc>
+              <a:spcBef>
+                <a:spcPts val="0"/>
+              </a:spcBef>
+              <a:spcAft>
+                <a:spcPts val="0"/>
+              </a:spcAft>
+              <a:buClrTx/>
+              <a:buSzTx/>
+              <a:buFontTx/>
+              <a:buNone/>
+              <a:tabLst/>
+              <a:defRPr/>
+            </a:pPr>
+            <a:endParaRPr lang="pt-BR" dirty="0"/>
+          </a:p>
+          <a:p>
+            <a:pPr marL="0" marR="0" lvl="0" indent="0" algn="l" defTabSz="914400" rtl="0" eaLnBrk="1" fontAlgn="auto" latinLnBrk="0" hangingPunct="1">
+              <a:lnSpc>
+                <a:spcPct val="100000"/>
+              </a:lnSpc>
+              <a:spcBef>
+                <a:spcPts val="0"/>
+              </a:spcBef>
+              <a:spcAft>
+                <a:spcPts val="0"/>
+              </a:spcAft>
+              <a:buClrTx/>
+              <a:buSzTx/>
+              <a:buFontTx/>
+              <a:buNone/>
+              <a:tabLst/>
+              <a:defRPr/>
+            </a:pPr>
+            <a:r>
+              <a:rPr lang="pt-BR" dirty="0"/>
+              <a:t>https://github.com/zz4fap/tp557-iot-ml/blob/main/examples/Classification_report.ipynb</a:t>
+            </a:r>
+          </a:p>
+          <a:p>
+            <a:pPr marL="0" marR="0" lvl="0" indent="0" algn="l" defTabSz="914400" rtl="0" eaLnBrk="1" fontAlgn="auto" latinLnBrk="0" hangingPunct="1">
+              <a:lnSpc>
+                <a:spcPct val="100000"/>
+              </a:lnSpc>
+              <a:spcBef>
+                <a:spcPts val="0"/>
+              </a:spcBef>
+              <a:spcAft>
+                <a:spcPts val="0"/>
+              </a:spcAft>
+              <a:buClrTx/>
+              <a:buSzTx/>
+              <a:buFontTx/>
+              <a:buNone/>
+              <a:tabLst/>
+              <a:defRPr/>
+            </a:pPr>
+            <a:endParaRPr lang="pt-BR" dirty="0"/>
+          </a:p>
+          <a:p>
+            <a:pPr marL="0" marR="0" lvl="0" indent="0" algn="l" defTabSz="914400" rtl="0" eaLnBrk="1" fontAlgn="auto" latinLnBrk="0" hangingPunct="1">
+              <a:lnSpc>
+                <a:spcPct val="100000"/>
+              </a:lnSpc>
+              <a:spcBef>
+                <a:spcPts val="0"/>
+              </a:spcBef>
+              <a:spcAft>
+                <a:spcPts val="0"/>
+              </a:spcAft>
+              <a:buClrTx/>
+              <a:buSzTx/>
+              <a:buFontTx/>
+              <a:buNone/>
+              <a:tabLst/>
+              <a:defRPr/>
+            </a:pPr>
+            <a:endParaRPr lang="pt-BR" dirty="0"/>
+          </a:p>
+          <a:p>
+            <a:pPr marL="0" marR="0" lvl="0" indent="0" algn="l" defTabSz="914400" rtl="0" eaLnBrk="1" fontAlgn="auto" latinLnBrk="0" hangingPunct="1">
+              <a:lnSpc>
+                <a:spcPct val="100000"/>
+              </a:lnSpc>
+              <a:spcBef>
+                <a:spcPts val="0"/>
+              </a:spcBef>
+              <a:spcAft>
+                <a:spcPts val="0"/>
+              </a:spcAft>
+              <a:buClrTx/>
+              <a:buSzTx/>
+              <a:buFontTx/>
+              <a:buNone/>
+              <a:tabLst/>
+              <a:defRPr/>
+            </a:pPr>
+            <a:endParaRPr lang="pt-BR" dirty="0"/>
+          </a:p>
+        </p:txBody>
+      </p:sp>
+      <p:sp>
+        <p:nvSpPr>
+          <p:cNvPr id="4" name="Espaço Reservado para Número de Slide 3"/>
+          <p:cNvSpPr>
+            <a:spLocks noGrp="1"/>
+          </p:cNvSpPr>
+          <p:nvPr>
+            <p:ph type="sldNum" sz="quarter" idx="5"/>
+          </p:nvPr>
+        </p:nvSpPr>
+        <p:spPr/>
+        <p:txBody>
+          <a:bodyPr/>
+          <a:lstStyle/>
+          <a:p>
+            <a:fld id="{6FC8D850-966F-45A6-8DE7-15B891E7D40D}" type="slidenum">
+              <a:rPr lang="pt-BR" smtClean="0"/>
+              <a:t>23</a:t>
+            </a:fld>
+            <a:endParaRPr lang="pt-BR"/>
+          </a:p>
+        </p:txBody>
+      </p:sp>
+    </p:spTree>
+    <p:extLst>
+      <p:ext uri="{BB962C8B-B14F-4D97-AF65-F5344CB8AC3E}">
+        <p14:creationId xmlns:p14="http://schemas.microsoft.com/office/powerpoint/2010/main" val="4213120806"/>
+      </p:ext>
+    </p:extLst>
+  </p:cSld>
+  <p:clrMapOvr>
+    <a:masterClrMapping/>
+  </p:clrMapOvr>
+</p:notes>
+</file>
+
+<file path=ppt/notesSlides/notesSlide12.xml><?xml version="1.0" encoding="utf-8"?>
+<p:notes xmlns:a="http://schemas.openxmlformats.org/drawingml/2006/main" xmlns:r="http://schemas.openxmlformats.org/officeDocument/2006/relationships" xmlns:p="http://schemas.openxmlformats.org/presentationml/2006/main">
+  <p:cSld>
+    <p:spTree>
+      <p:nvGrpSpPr>
+        <p:cNvPr id="1" name=""/>
+        <p:cNvGrpSpPr/>
+        <p:nvPr/>
+      </p:nvGrpSpPr>
+      <p:grpSpPr>
+        <a:xfrm>
+          <a:off x="0" y="0"/>
+          <a:ext cx="0" cy="0"/>
+          <a:chOff x="0" y="0"/>
+          <a:chExt cx="0" cy="0"/>
+        </a:xfrm>
+      </p:grpSpPr>
+      <p:sp>
+        <p:nvSpPr>
+          <p:cNvPr id="2" name="Espaço Reservado para Imagem de Slide 1"/>
+          <p:cNvSpPr>
+            <a:spLocks noGrp="1" noRot="1" noChangeAspect="1"/>
+          </p:cNvSpPr>
+          <p:nvPr>
+            <p:ph type="sldImg"/>
+          </p:nvPr>
+        </p:nvSpPr>
+        <p:spPr/>
+      </p:sp>
+      <p:sp>
+        <p:nvSpPr>
+          <p:cNvPr id="3" name="Espaço Reservado para Anotações 2"/>
+          <p:cNvSpPr>
+            <a:spLocks noGrp="1"/>
+          </p:cNvSpPr>
+          <p:nvPr>
+            <p:ph type="body" idx="1"/>
+          </p:nvPr>
+        </p:nvSpPr>
+        <p:spPr/>
+        <p:txBody>
+          <a:bodyPr/>
+          <a:lstStyle/>
+          <a:p>
+            <a:r>
+              <a:rPr lang="pt-BR" dirty="0"/>
+              <a:t>https://colab.research.google.com/github/zz4fap/tp557-iot-ml/blob/master/exercises/Exercicio_sobre_redes_neurais_convolucionais.ipynb</a:t>
+            </a:r>
+          </a:p>
+          <a:p>
+            <a:endParaRPr lang="pt-BR" dirty="0"/>
+          </a:p>
+          <a:p>
+            <a:endParaRPr lang="pt-BR" dirty="0"/>
+          </a:p>
+          <a:p>
+            <a:endParaRPr lang="pt-BR" dirty="0"/>
+          </a:p>
+        </p:txBody>
+      </p:sp>
+      <p:sp>
+        <p:nvSpPr>
+          <p:cNvPr id="4" name="Espaço Reservado para Número de Slide 3"/>
+          <p:cNvSpPr>
+            <a:spLocks noGrp="1"/>
+          </p:cNvSpPr>
+          <p:nvPr>
+            <p:ph type="sldNum" sz="quarter" idx="5"/>
+          </p:nvPr>
+        </p:nvSpPr>
+        <p:spPr/>
+        <p:txBody>
+          <a:bodyPr/>
+          <a:lstStyle/>
+          <a:p>
+            <a:fld id="{6FC8D850-966F-45A6-8DE7-15B891E7D40D}" type="slidenum">
+              <a:rPr lang="pt-BR" smtClean="0"/>
+              <a:t>24</a:t>
+            </a:fld>
+            <a:endParaRPr lang="pt-BR"/>
+          </a:p>
+        </p:txBody>
+      </p:sp>
+    </p:spTree>
+    <p:extLst>
+      <p:ext uri="{BB962C8B-B14F-4D97-AF65-F5344CB8AC3E}">
+        <p14:creationId xmlns:p14="http://schemas.microsoft.com/office/powerpoint/2010/main" val="4247922459"/>
+      </p:ext>
+    </p:extLst>
+  </p:cSld>
+  <p:clrMapOvr>
+    <a:masterClrMapping/>
+  </p:clrMapOvr>
+</p:notes>
+</file>
+
 <file path=ppt/notesSlides/notesSlide2.xml><?xml version="1.0" encoding="utf-8"?>
 <p:notes xmlns:a="http://schemas.openxmlformats.org/drawingml/2006/main" xmlns:r="http://schemas.openxmlformats.org/officeDocument/2006/relationships" xmlns:p="http://schemas.openxmlformats.org/presentationml/2006/main">
   <p:cSld>
@@ -851,6 +1862,36 @@
           <a:bodyPr/>
           <a:lstStyle/>
           <a:p>
+            <a:r>
+              <a:rPr lang="pt-BR" b="0" i="0" dirty="0">
+                <a:solidFill>
+                  <a:srgbClr val="000000"/>
+                </a:solidFill>
+                <a:effectLst/>
+                <a:latin typeface="roboto" panose="02000000000000000000" pitchFamily="2" charset="0"/>
+              </a:rPr>
+              <a:t>o </a:t>
+            </a:r>
+            <a:r>
+              <a:rPr lang="pt-BR" b="0" i="0" dirty="0" err="1">
+                <a:solidFill>
+                  <a:srgbClr val="000000"/>
+                </a:solidFill>
+                <a:effectLst/>
+                <a:latin typeface="roboto" panose="02000000000000000000" pitchFamily="2" charset="0"/>
+              </a:rPr>
+              <a:t>overfitting</a:t>
+            </a:r>
+            <a:r>
+              <a:rPr lang="pt-BR" b="0" i="0" dirty="0">
+                <a:solidFill>
+                  <a:srgbClr val="000000"/>
+                </a:solidFill>
+                <a:effectLst/>
+                <a:latin typeface="roboto" panose="02000000000000000000" pitchFamily="2" charset="0"/>
+              </a:rPr>
+              <a:t> é um grande problema nas redes neurais, especialmente à medida que os computadores se tornam mais poderosos e temos a capacidade de treinar redes maiores.</a:t>
+            </a:r>
             <a:endParaRPr lang="pt-BR" dirty="0"/>
           </a:p>
         </p:txBody>
@@ -1281,16 +2322,8 @@
             </a:pPr>
             <a:r>
               <a:rPr lang="pt-BR" dirty="0"/>
-              <a:t>https://colab.research.google.com/github/zz4fap/tp557-iot-ml/blob/master/examples/</a:t>
-            </a:r>
-            <a:r>
-              <a:rPr lang="en-US" dirty="0" err="1"/>
-              <a:t>Sobreajuste_e_early_stop.ipynb</a:t>
-            </a:r>
-            <a:endParaRPr lang="pt-BR" dirty="0"/>
-          </a:p>
-          <a:p>
-            <a:endParaRPr lang="pt-BR" dirty="0"/>
+              <a:t>https://colab.research.google.com/github/zz4fap/tp557-iot-ml/blob/master/examples/validacao_cruzada_k_fold.ipynb</a:t>
+            </a:r>
           </a:p>
         </p:txBody>
       </p:sp>
@@ -1311,7 +2344,7 @@
           <a:p>
             <a:fld id="{6FC8D850-966F-45A6-8DE7-15B891E7D40D}" type="slidenum">
               <a:rPr lang="pt-BR" smtClean="0"/>
-              <a:t>10</a:t>
+              <a:t>9</a:t>
             </a:fld>
             <a:endParaRPr lang="pt-BR"/>
           </a:p>
@@ -1320,7 +2353,7 @@
     </p:spTree>
     <p:extLst>
       <p:ext uri="{BB962C8B-B14F-4D97-AF65-F5344CB8AC3E}">
-        <p14:creationId xmlns:p14="http://schemas.microsoft.com/office/powerpoint/2010/main" val="1662901360"/>
+        <p14:creationId xmlns:p14="http://schemas.microsoft.com/office/powerpoint/2010/main" val="1939614776"/>
       </p:ext>
     </p:extLst>
   </p:cSld>
@@ -1393,130 +2426,15 @@
             </a:pPr>
             <a:r>
               <a:rPr lang="pt-BR" dirty="0"/>
-              <a:t>https://colab.research.google.com/github/zz4fap/tp557-iot-ml/blob/master/examples/Classification_report.ipynb</a:t>
-            </a:r>
-          </a:p>
-          <a:p>
-            <a:pPr marL="0" marR="0" lvl="0" indent="0" algn="l" defTabSz="914400" rtl="0" eaLnBrk="1" fontAlgn="auto" latinLnBrk="0" hangingPunct="1">
-              <a:lnSpc>
-                <a:spcPct val="100000"/>
-              </a:lnSpc>
-              <a:spcBef>
-                <a:spcPts val="0"/>
-              </a:spcBef>
-              <a:spcAft>
-                <a:spcPts val="0"/>
-              </a:spcAft>
-              <a:buClrTx/>
-              <a:buSzTx/>
-              <a:buFontTx/>
-              <a:buNone/>
-              <a:tabLst/>
-              <a:defRPr/>
-            </a:pPr>
+              <a:t>https://colab.research.google.com/github/zz4fap/tp557-iot-ml/blob/master/examples/</a:t>
+            </a:r>
+            <a:r>
+              <a:rPr lang="en-US" dirty="0" err="1"/>
+              <a:t>Sobreajuste_e_early_stop.ipynb</a:t>
+            </a:r>
             <a:endParaRPr lang="pt-BR" dirty="0"/>
           </a:p>
           <a:p>
-            <a:pPr marL="0" marR="0" lvl="0" indent="0" algn="l" defTabSz="914400" rtl="0" eaLnBrk="1" fontAlgn="auto" latinLnBrk="0" hangingPunct="1">
-              <a:lnSpc>
-                <a:spcPct val="100000"/>
-              </a:lnSpc>
-              <a:spcBef>
-                <a:spcPts val="0"/>
-              </a:spcBef>
-              <a:spcAft>
-                <a:spcPts val="0"/>
-              </a:spcAft>
-              <a:buClrTx/>
-              <a:buSzTx/>
-              <a:buFontTx/>
-              <a:buNone/>
-              <a:tabLst/>
-              <a:defRPr/>
-            </a:pPr>
-            <a:endParaRPr lang="pt-BR" dirty="0"/>
-          </a:p>
-          <a:p>
-            <a:pPr marL="0" marR="0" lvl="0" indent="0" algn="l" defTabSz="914400" rtl="0" eaLnBrk="1" fontAlgn="auto" latinLnBrk="0" hangingPunct="1">
-              <a:lnSpc>
-                <a:spcPct val="100000"/>
-              </a:lnSpc>
-              <a:spcBef>
-                <a:spcPts val="0"/>
-              </a:spcBef>
-              <a:spcAft>
-                <a:spcPts val="0"/>
-              </a:spcAft>
-              <a:buClrTx/>
-              <a:buSzTx/>
-              <a:buFontTx/>
-              <a:buNone/>
-              <a:tabLst/>
-              <a:defRPr/>
-            </a:pPr>
-            <a:r>
-              <a:rPr lang="pt-BR" dirty="0"/>
-              <a:t>https://github.com/zz4fap/tp557-iot-ml/blob/main/examples/Classification_report.ipynb</a:t>
-            </a:r>
-          </a:p>
-          <a:p>
-            <a:pPr marL="0" marR="0" lvl="0" indent="0" algn="l" defTabSz="914400" rtl="0" eaLnBrk="1" fontAlgn="auto" latinLnBrk="0" hangingPunct="1">
-              <a:lnSpc>
-                <a:spcPct val="100000"/>
-              </a:lnSpc>
-              <a:spcBef>
-                <a:spcPts val="0"/>
-              </a:spcBef>
-              <a:spcAft>
-                <a:spcPts val="0"/>
-              </a:spcAft>
-              <a:buClrTx/>
-              <a:buSzTx/>
-              <a:buFontTx/>
-              <a:buNone/>
-              <a:tabLst/>
-              <a:defRPr/>
-            </a:pPr>
-            <a:endParaRPr lang="pt-BR" dirty="0"/>
-          </a:p>
-          <a:p>
-            <a:pPr marL="0" marR="0" lvl="0" indent="0" algn="l" defTabSz="914400" rtl="0" eaLnBrk="1" fontAlgn="auto" latinLnBrk="0" hangingPunct="1">
-              <a:lnSpc>
-                <a:spcPct val="100000"/>
-              </a:lnSpc>
-              <a:spcBef>
-                <a:spcPts val="0"/>
-              </a:spcBef>
-              <a:spcAft>
-                <a:spcPts val="0"/>
-              </a:spcAft>
-              <a:buClrTx/>
-              <a:buSzTx/>
-              <a:buFontTx/>
-              <a:buNone/>
-              <a:tabLst/>
-              <a:defRPr/>
-            </a:pPr>
-            <a:endParaRPr lang="pt-BR" dirty="0"/>
-          </a:p>
-          <a:p>
-            <a:pPr marL="0" marR="0" lvl="0" indent="0" algn="l" defTabSz="914400" rtl="0" eaLnBrk="1" fontAlgn="auto" latinLnBrk="0" hangingPunct="1">
-              <a:lnSpc>
-                <a:spcPct val="100000"/>
-              </a:lnSpc>
-              <a:spcBef>
-                <a:spcPts val="0"/>
-              </a:spcBef>
-              <a:spcAft>
-                <a:spcPts val="0"/>
-              </a:spcAft>
-              <a:buClrTx/>
-              <a:buSzTx/>
-              <a:buFontTx/>
-              <a:buNone/>
-              <a:tabLst/>
-              <a:defRPr/>
-            </a:pPr>
             <a:endParaRPr lang="pt-BR" dirty="0"/>
           </a:p>
         </p:txBody>
@@ -1538,7 +2456,7 @@
           <a:p>
             <a:fld id="{6FC8D850-966F-45A6-8DE7-15B891E7D40D}" type="slidenum">
               <a:rPr lang="pt-BR" smtClean="0"/>
-              <a:t>14</a:t>
+              <a:t>10</a:t>
             </a:fld>
             <a:endParaRPr lang="pt-BR"/>
           </a:p>
@@ -1547,7 +2465,7 @@
     </p:spTree>
     <p:extLst>
       <p:ext uri="{BB962C8B-B14F-4D97-AF65-F5344CB8AC3E}">
-        <p14:creationId xmlns:p14="http://schemas.microsoft.com/office/powerpoint/2010/main" val="4213120806"/>
+        <p14:creationId xmlns:p14="http://schemas.microsoft.com/office/powerpoint/2010/main" val="4258440081"/>
       </p:ext>
     </p:extLst>
   </p:cSld>
@@ -1601,16 +2519,972 @@
           <a:bodyPr/>
           <a:lstStyle/>
           <a:p>
+            <a:pPr marL="0" marR="0" lvl="0" indent="0" algn="l" defTabSz="914400" rtl="0" eaLnBrk="1" fontAlgn="auto" latinLnBrk="0" hangingPunct="1">
+              <a:lnSpc>
+                <a:spcPct val="100000"/>
+              </a:lnSpc>
+              <a:spcBef>
+                <a:spcPts val="0"/>
+              </a:spcBef>
+              <a:spcAft>
+                <a:spcPts val="0"/>
+              </a:spcAft>
+              <a:buClrTx/>
+              <a:buSzTx/>
+              <a:buFontTx/>
+              <a:buNone/>
+              <a:tabLst/>
+              <a:defRPr/>
+            </a:pPr>
             <a:r>
               <a:rPr lang="pt-BR" dirty="0"/>
-              <a:t>https://colab.research.google.com/github/zz4fap/tp557-iot-ml/blob/master/exercises/Exercicio_sobre_redes_neurais_convolucionais.ipynb</a:t>
-            </a:r>
-          </a:p>
-          <a:p>
+              <a:t>https://colab.research.google.com/github/zz4fap/tp557-iot-ml/blob/master/examples/</a:t>
+            </a:r>
+            <a:r>
+              <a:rPr lang="en-US" dirty="0" err="1"/>
+              <a:t>Sobreajuste_e_early_stop.ipynb</a:t>
+            </a:r>
+            <a:endParaRPr lang="en-US" dirty="0"/>
+          </a:p>
+          <a:p>
+            <a:pPr marL="0" marR="0" lvl="0" indent="0" algn="l" defTabSz="914400" rtl="0" eaLnBrk="1" fontAlgn="auto" latinLnBrk="0" hangingPunct="1">
+              <a:lnSpc>
+                <a:spcPct val="100000"/>
+              </a:lnSpc>
+              <a:spcBef>
+                <a:spcPts val="0"/>
+              </a:spcBef>
+              <a:spcAft>
+                <a:spcPts val="0"/>
+              </a:spcAft>
+              <a:buClrTx/>
+              <a:buSzTx/>
+              <a:buFontTx/>
+              <a:buNone/>
+              <a:tabLst/>
+              <a:defRPr/>
+            </a:pPr>
+            <a:endParaRPr lang="en-US" dirty="0"/>
+          </a:p>
+          <a:p>
+            <a:pPr marL="0" marR="0" lvl="0" indent="0" algn="l" defTabSz="914400" rtl="0" eaLnBrk="1" fontAlgn="auto" latinLnBrk="0" hangingPunct="1">
+              <a:lnSpc>
+                <a:spcPct val="100000"/>
+              </a:lnSpc>
+              <a:spcBef>
+                <a:spcPts val="0"/>
+              </a:spcBef>
+              <a:spcAft>
+                <a:spcPts val="0"/>
+              </a:spcAft>
+              <a:buClrTx/>
+              <a:buSzTx/>
+              <a:buFontTx/>
+              <a:buNone/>
+              <a:tabLst/>
+              <a:defRPr/>
+            </a:pPr>
+            <a:r>
+              <a:rPr lang="pt-BR" dirty="0"/>
+              <a:t>Dropout é uma técnica de regularização usada em redes neurais para evitar o sobreajuste (</a:t>
+            </a:r>
+            <a:r>
+              <a:rPr lang="pt-BR" dirty="0" err="1"/>
+              <a:t>overfitting</a:t>
+            </a:r>
+            <a:r>
+              <a:rPr lang="pt-BR" dirty="0"/>
+              <a:t>). O sobreajuste ocorre quando uma rede neural se torna muito especializada nos dados de treinamento e não generaliza bem para novos dados. O dropout é uma abordagem eficaz para melhorar a generalização de uma rede neural. Aqui está como funciona:</a:t>
+            </a:r>
+          </a:p>
+          <a:p>
+            <a:pPr marL="0" marR="0" lvl="0" indent="0" algn="l" defTabSz="914400" rtl="0" eaLnBrk="1" fontAlgn="auto" latinLnBrk="0" hangingPunct="1">
+              <a:lnSpc>
+                <a:spcPct val="100000"/>
+              </a:lnSpc>
+              <a:spcBef>
+                <a:spcPts val="0"/>
+              </a:spcBef>
+              <a:spcAft>
+                <a:spcPts val="0"/>
+              </a:spcAft>
+              <a:buClrTx/>
+              <a:buSzTx/>
+              <a:buFontTx/>
+              <a:buNone/>
+              <a:tabLst/>
+              <a:defRPr/>
+            </a:pPr>
             <a:endParaRPr lang="pt-BR" dirty="0"/>
           </a:p>
           <a:p>
+            <a:pPr marL="0" marR="0" lvl="0" indent="0" algn="l" defTabSz="914400" rtl="0" eaLnBrk="1" fontAlgn="auto" latinLnBrk="0" hangingPunct="1">
+              <a:lnSpc>
+                <a:spcPct val="100000"/>
+              </a:lnSpc>
+              <a:spcBef>
+                <a:spcPts val="0"/>
+              </a:spcBef>
+              <a:spcAft>
+                <a:spcPts val="0"/>
+              </a:spcAft>
+              <a:buClrTx/>
+              <a:buSzTx/>
+              <a:buFontTx/>
+              <a:buNone/>
+              <a:tabLst/>
+              <a:defRPr/>
+            </a:pPr>
+            <a:r>
+              <a:rPr lang="pt-BR" dirty="0"/>
+              <a:t>1. **Desligamento Aleatório de Neurônios**: Durante o treinamento da rede neural, o dropout envolve aleatoriamente "desligar" ou "descartar" um subconjunto dos neurônios em cada camada. Isso significa que esses neurônios não contribuirão para o cálculo das saídas da rede durante essa iteração de treinamento.</a:t>
+            </a:r>
+          </a:p>
+          <a:p>
+            <a:pPr marL="0" marR="0" lvl="0" indent="0" algn="l" defTabSz="914400" rtl="0" eaLnBrk="1" fontAlgn="auto" latinLnBrk="0" hangingPunct="1">
+              <a:lnSpc>
+                <a:spcPct val="100000"/>
+              </a:lnSpc>
+              <a:spcBef>
+                <a:spcPts val="0"/>
+              </a:spcBef>
+              <a:spcAft>
+                <a:spcPts val="0"/>
+              </a:spcAft>
+              <a:buClrTx/>
+              <a:buSzTx/>
+              <a:buFontTx/>
+              <a:buNone/>
+              <a:tabLst/>
+              <a:defRPr/>
+            </a:pPr>
             <a:endParaRPr lang="pt-BR" dirty="0"/>
+          </a:p>
+          <a:p>
+            <a:pPr marL="0" marR="0" lvl="0" indent="0" algn="l" defTabSz="914400" rtl="0" eaLnBrk="1" fontAlgn="auto" latinLnBrk="0" hangingPunct="1">
+              <a:lnSpc>
+                <a:spcPct val="100000"/>
+              </a:lnSpc>
+              <a:spcBef>
+                <a:spcPts val="0"/>
+              </a:spcBef>
+              <a:spcAft>
+                <a:spcPts val="0"/>
+              </a:spcAft>
+              <a:buClrTx/>
+              <a:buSzTx/>
+              <a:buFontTx/>
+              <a:buNone/>
+              <a:tabLst/>
+              <a:defRPr/>
+            </a:pPr>
+            <a:r>
+              <a:rPr lang="pt-BR" dirty="0"/>
+              <a:t>2. **Taxa de Dropout**: Um </a:t>
+            </a:r>
+            <a:r>
+              <a:rPr lang="pt-BR" dirty="0" err="1"/>
+              <a:t>hiperparâmetro</a:t>
+            </a:r>
+            <a:r>
+              <a:rPr lang="pt-BR" dirty="0"/>
+              <a:t> chamado "taxa de dropout" é definido antes do treinamento. Essa taxa determina a probabilidade de um neurônio ser desligado durante cada iteração. Por exemplo, uma taxa de dropout de 0,5 significa que, em média, metade dos neurônios será desligada em cada iteração.</a:t>
+            </a:r>
+          </a:p>
+          <a:p>
+            <a:pPr marL="0" marR="0" lvl="0" indent="0" algn="l" defTabSz="914400" rtl="0" eaLnBrk="1" fontAlgn="auto" latinLnBrk="0" hangingPunct="1">
+              <a:lnSpc>
+                <a:spcPct val="100000"/>
+              </a:lnSpc>
+              <a:spcBef>
+                <a:spcPts val="0"/>
+              </a:spcBef>
+              <a:spcAft>
+                <a:spcPts val="0"/>
+              </a:spcAft>
+              <a:buClrTx/>
+              <a:buSzTx/>
+              <a:buFontTx/>
+              <a:buNone/>
+              <a:tabLst/>
+              <a:defRPr/>
+            </a:pPr>
+            <a:endParaRPr lang="pt-BR" dirty="0"/>
+          </a:p>
+          <a:p>
+            <a:pPr marL="0" marR="0" lvl="0" indent="0" algn="l" defTabSz="914400" rtl="0" eaLnBrk="1" fontAlgn="auto" latinLnBrk="0" hangingPunct="1">
+              <a:lnSpc>
+                <a:spcPct val="100000"/>
+              </a:lnSpc>
+              <a:spcBef>
+                <a:spcPts val="0"/>
+              </a:spcBef>
+              <a:spcAft>
+                <a:spcPts val="0"/>
+              </a:spcAft>
+              <a:buClrTx/>
+              <a:buSzTx/>
+              <a:buFontTx/>
+              <a:buNone/>
+              <a:tabLst/>
+              <a:defRPr/>
+            </a:pPr>
+            <a:r>
+              <a:rPr lang="pt-BR" dirty="0"/>
+              <a:t>3. **Treinamento Estocástico**: O dropout introduz uma forma de treinamento estocástico, onde a rede não pode depender excessivamente de nenhum neurônio específico. Isso obriga a rede a aprender recursos mais robustos e a generalizar melhor para dados que não foram vistos durante o treinamento.</a:t>
+            </a:r>
+          </a:p>
+          <a:p>
+            <a:pPr marL="0" marR="0" lvl="0" indent="0" algn="l" defTabSz="914400" rtl="0" eaLnBrk="1" fontAlgn="auto" latinLnBrk="0" hangingPunct="1">
+              <a:lnSpc>
+                <a:spcPct val="100000"/>
+              </a:lnSpc>
+              <a:spcBef>
+                <a:spcPts val="0"/>
+              </a:spcBef>
+              <a:spcAft>
+                <a:spcPts val="0"/>
+              </a:spcAft>
+              <a:buClrTx/>
+              <a:buSzTx/>
+              <a:buFontTx/>
+              <a:buNone/>
+              <a:tabLst/>
+              <a:defRPr/>
+            </a:pPr>
+            <a:endParaRPr lang="pt-BR" dirty="0"/>
+          </a:p>
+          <a:p>
+            <a:pPr marL="0" marR="0" lvl="0" indent="0" algn="l" defTabSz="914400" rtl="0" eaLnBrk="1" fontAlgn="auto" latinLnBrk="0" hangingPunct="1">
+              <a:lnSpc>
+                <a:spcPct val="100000"/>
+              </a:lnSpc>
+              <a:spcBef>
+                <a:spcPts val="0"/>
+              </a:spcBef>
+              <a:spcAft>
+                <a:spcPts val="0"/>
+              </a:spcAft>
+              <a:buClrTx/>
+              <a:buSzTx/>
+              <a:buFontTx/>
+              <a:buNone/>
+              <a:tabLst/>
+              <a:defRPr/>
+            </a:pPr>
+            <a:r>
+              <a:rPr lang="pt-BR" dirty="0"/>
+              <a:t>4. **</a:t>
+            </a:r>
+            <a:r>
+              <a:rPr lang="pt-BR" dirty="0" err="1"/>
+              <a:t>Averaging</a:t>
+            </a:r>
+            <a:r>
+              <a:rPr lang="pt-BR" dirty="0"/>
+              <a:t> de Múltiplos Modelos**: O dropout efetivamente treina várias </a:t>
+            </a:r>
+            <a:r>
+              <a:rPr lang="pt-BR" dirty="0" err="1"/>
+              <a:t>sub-redes</a:t>
+            </a:r>
+            <a:r>
+              <a:rPr lang="pt-BR" dirty="0"/>
+              <a:t> durante o treinamento, já que diferentes subconjuntos de neurônios são desligados a cada iteração. Isso é semelhante a treinar uma série de modelos diferentes e, durante a inferência, os resultados dessas </a:t>
+            </a:r>
+            <a:r>
+              <a:rPr lang="pt-BR" dirty="0" err="1"/>
+              <a:t>sub-redes</a:t>
+            </a:r>
+            <a:r>
+              <a:rPr lang="pt-BR" dirty="0"/>
+              <a:t> são médios ou ponderados de alguma forma para produzir a saída final da rede.</a:t>
+            </a:r>
+          </a:p>
+          <a:p>
+            <a:pPr marL="0" marR="0" lvl="0" indent="0" algn="l" defTabSz="914400" rtl="0" eaLnBrk="1" fontAlgn="auto" latinLnBrk="0" hangingPunct="1">
+              <a:lnSpc>
+                <a:spcPct val="100000"/>
+              </a:lnSpc>
+              <a:spcBef>
+                <a:spcPts val="0"/>
+              </a:spcBef>
+              <a:spcAft>
+                <a:spcPts val="0"/>
+              </a:spcAft>
+              <a:buClrTx/>
+              <a:buSzTx/>
+              <a:buFontTx/>
+              <a:buNone/>
+              <a:tabLst/>
+              <a:defRPr/>
+            </a:pPr>
+            <a:endParaRPr lang="pt-BR" dirty="0"/>
+          </a:p>
+          <a:p>
+            <a:pPr marL="0" marR="0" lvl="0" indent="0" algn="l" defTabSz="914400" rtl="0" eaLnBrk="1" fontAlgn="auto" latinLnBrk="0" hangingPunct="1">
+              <a:lnSpc>
+                <a:spcPct val="100000"/>
+              </a:lnSpc>
+              <a:spcBef>
+                <a:spcPts val="0"/>
+              </a:spcBef>
+              <a:spcAft>
+                <a:spcPts val="0"/>
+              </a:spcAft>
+              <a:buClrTx/>
+              <a:buSzTx/>
+              <a:buFontTx/>
+              <a:buNone/>
+              <a:tabLst/>
+              <a:defRPr/>
+            </a:pPr>
+            <a:r>
+              <a:rPr lang="pt-BR" dirty="0"/>
+              <a:t>Benefícios do Dropout:</a:t>
+            </a:r>
+          </a:p>
+          <a:p>
+            <a:pPr marL="0" marR="0" lvl="0" indent="0" algn="l" defTabSz="914400" rtl="0" eaLnBrk="1" fontAlgn="auto" latinLnBrk="0" hangingPunct="1">
+              <a:lnSpc>
+                <a:spcPct val="100000"/>
+              </a:lnSpc>
+              <a:spcBef>
+                <a:spcPts val="0"/>
+              </a:spcBef>
+              <a:spcAft>
+                <a:spcPts val="0"/>
+              </a:spcAft>
+              <a:buClrTx/>
+              <a:buSzTx/>
+              <a:buFontTx/>
+              <a:buNone/>
+              <a:tabLst/>
+              <a:defRPr/>
+            </a:pPr>
+            <a:endParaRPr lang="pt-BR" dirty="0"/>
+          </a:p>
+          <a:p>
+            <a:pPr marL="0" marR="0" lvl="0" indent="0" algn="l" defTabSz="914400" rtl="0" eaLnBrk="1" fontAlgn="auto" latinLnBrk="0" hangingPunct="1">
+              <a:lnSpc>
+                <a:spcPct val="100000"/>
+              </a:lnSpc>
+              <a:spcBef>
+                <a:spcPts val="0"/>
+              </a:spcBef>
+              <a:spcAft>
+                <a:spcPts val="0"/>
+              </a:spcAft>
+              <a:buClrTx/>
+              <a:buSzTx/>
+              <a:buFontTx/>
+              <a:buNone/>
+              <a:tabLst/>
+              <a:defRPr/>
+            </a:pPr>
+            <a:r>
+              <a:rPr lang="pt-BR" dirty="0"/>
+              <a:t>- Reduz o risco de sobreajuste, permitindo que a rede generalize melhor para novos dados.</a:t>
+            </a:r>
+          </a:p>
+          <a:p>
+            <a:pPr marL="0" marR="0" lvl="0" indent="0" algn="l" defTabSz="914400" rtl="0" eaLnBrk="1" fontAlgn="auto" latinLnBrk="0" hangingPunct="1">
+              <a:lnSpc>
+                <a:spcPct val="100000"/>
+              </a:lnSpc>
+              <a:spcBef>
+                <a:spcPts val="0"/>
+              </a:spcBef>
+              <a:spcAft>
+                <a:spcPts val="0"/>
+              </a:spcAft>
+              <a:buClrTx/>
+              <a:buSzTx/>
+              <a:buFontTx/>
+              <a:buNone/>
+              <a:tabLst/>
+              <a:defRPr/>
+            </a:pPr>
+            <a:r>
+              <a:rPr lang="pt-BR" dirty="0"/>
+              <a:t>- Ajuda a evitar a dependência excessiva de neurônios individuais, tornando o modelo mais robusto.</a:t>
+            </a:r>
+          </a:p>
+          <a:p>
+            <a:pPr marL="0" marR="0" lvl="0" indent="0" algn="l" defTabSz="914400" rtl="0" eaLnBrk="1" fontAlgn="auto" latinLnBrk="0" hangingPunct="1">
+              <a:lnSpc>
+                <a:spcPct val="100000"/>
+              </a:lnSpc>
+              <a:spcBef>
+                <a:spcPts val="0"/>
+              </a:spcBef>
+              <a:spcAft>
+                <a:spcPts val="0"/>
+              </a:spcAft>
+              <a:buClrTx/>
+              <a:buSzTx/>
+              <a:buFontTx/>
+              <a:buNone/>
+              <a:tabLst/>
+              <a:defRPr/>
+            </a:pPr>
+            <a:r>
+              <a:rPr lang="pt-BR" dirty="0"/>
+              <a:t>- Funciona bem em redes neurais profundas, onde o risco de </a:t>
+            </a:r>
+            <a:r>
+              <a:rPr lang="pt-BR" dirty="0" err="1"/>
+              <a:t>overfitting</a:t>
+            </a:r>
+            <a:r>
+              <a:rPr lang="pt-BR" dirty="0"/>
+              <a:t> é mais alto.</a:t>
+            </a:r>
+          </a:p>
+          <a:p>
+            <a:pPr marL="0" marR="0" lvl="0" indent="0" algn="l" defTabSz="914400" rtl="0" eaLnBrk="1" fontAlgn="auto" latinLnBrk="0" hangingPunct="1">
+              <a:lnSpc>
+                <a:spcPct val="100000"/>
+              </a:lnSpc>
+              <a:spcBef>
+                <a:spcPts val="0"/>
+              </a:spcBef>
+              <a:spcAft>
+                <a:spcPts val="0"/>
+              </a:spcAft>
+              <a:buClrTx/>
+              <a:buSzTx/>
+              <a:buFontTx/>
+              <a:buNone/>
+              <a:tabLst/>
+              <a:defRPr/>
+            </a:pPr>
+            <a:endParaRPr lang="pt-BR" dirty="0"/>
+          </a:p>
+          <a:p>
+            <a:pPr marL="0" marR="0" lvl="0" indent="0" algn="l" defTabSz="914400" rtl="0" eaLnBrk="1" fontAlgn="auto" latinLnBrk="0" hangingPunct="1">
+              <a:lnSpc>
+                <a:spcPct val="100000"/>
+              </a:lnSpc>
+              <a:spcBef>
+                <a:spcPts val="0"/>
+              </a:spcBef>
+              <a:spcAft>
+                <a:spcPts val="0"/>
+              </a:spcAft>
+              <a:buClrTx/>
+              <a:buSzTx/>
+              <a:buFontTx/>
+              <a:buNone/>
+              <a:tabLst/>
+              <a:defRPr/>
+            </a:pPr>
+            <a:r>
+              <a:rPr lang="pt-BR" dirty="0"/>
+              <a:t>Embora o dropout seja uma técnica eficaz de regularização, é importante ajustar a taxa de dropout adequadamente, pois uma taxa muito alta pode prejudicar o aprendizado, enquanto uma taxa muito baixa pode não fornecer os benefícios desejados. A taxa de dropout é geralmente escolhida por meio de experimentação e validação cruzada em um conjunto de validação.</a:t>
+            </a:r>
+          </a:p>
+          <a:p>
+            <a:pPr marL="0" marR="0" lvl="0" indent="0" algn="l" defTabSz="914400" rtl="0" eaLnBrk="1" fontAlgn="auto" latinLnBrk="0" hangingPunct="1">
+              <a:lnSpc>
+                <a:spcPct val="100000"/>
+              </a:lnSpc>
+              <a:spcBef>
+                <a:spcPts val="0"/>
+              </a:spcBef>
+              <a:spcAft>
+                <a:spcPts val="0"/>
+              </a:spcAft>
+              <a:buClrTx/>
+              <a:buSzTx/>
+              <a:buFontTx/>
+              <a:buNone/>
+              <a:tabLst/>
+              <a:defRPr/>
+            </a:pPr>
+            <a:endParaRPr lang="pt-BR" dirty="0"/>
+          </a:p>
+          <a:p>
+            <a:pPr marL="0" marR="0" lvl="0" indent="0" algn="l" defTabSz="914400" rtl="0" eaLnBrk="1" fontAlgn="auto" latinLnBrk="0" hangingPunct="1">
+              <a:lnSpc>
+                <a:spcPct val="100000"/>
+              </a:lnSpc>
+              <a:spcBef>
+                <a:spcPts val="0"/>
+              </a:spcBef>
+              <a:spcAft>
+                <a:spcPts val="0"/>
+              </a:spcAft>
+              <a:buClrTx/>
+              <a:buSzTx/>
+              <a:buFontTx/>
+              <a:buNone/>
+              <a:tabLst/>
+              <a:defRPr/>
+            </a:pPr>
+            <a:r>
+              <a:rPr lang="pt-BR" dirty="0"/>
+              <a:t>O "</a:t>
+            </a:r>
+            <a:r>
+              <a:rPr lang="pt-BR" dirty="0" err="1"/>
+              <a:t>early</a:t>
+            </a:r>
+            <a:r>
+              <a:rPr lang="pt-BR" dirty="0"/>
+              <a:t> stopping" (parada antecipada) é uma técnica de regularização utilizada em treinamento de redes neurais para evitar o sobreajuste e encontrar um ponto ótimo de convergência durante o treinamento. A ideia fundamental por trás do </a:t>
+            </a:r>
+            <a:r>
+              <a:rPr lang="pt-BR" dirty="0" err="1"/>
+              <a:t>early</a:t>
+            </a:r>
+            <a:r>
+              <a:rPr lang="pt-BR" dirty="0"/>
+              <a:t> stopping é interromper o treinamento do modelo assim que o desempenho em um conjunto de validação começa a piorar, em vez de continuar até que o modelo se ajuste demais aos dados de treinamento. Aqui está como o </a:t>
+            </a:r>
+            <a:r>
+              <a:rPr lang="pt-BR" dirty="0" err="1"/>
+              <a:t>early</a:t>
+            </a:r>
+            <a:r>
+              <a:rPr lang="pt-BR" dirty="0"/>
+              <a:t> stopping funciona:</a:t>
+            </a:r>
+          </a:p>
+          <a:p>
+            <a:pPr marL="0" marR="0" lvl="0" indent="0" algn="l" defTabSz="914400" rtl="0" eaLnBrk="1" fontAlgn="auto" latinLnBrk="0" hangingPunct="1">
+              <a:lnSpc>
+                <a:spcPct val="100000"/>
+              </a:lnSpc>
+              <a:spcBef>
+                <a:spcPts val="0"/>
+              </a:spcBef>
+              <a:spcAft>
+                <a:spcPts val="0"/>
+              </a:spcAft>
+              <a:buClrTx/>
+              <a:buSzTx/>
+              <a:buFontTx/>
+              <a:buNone/>
+              <a:tabLst/>
+              <a:defRPr/>
+            </a:pPr>
+            <a:endParaRPr lang="pt-BR" dirty="0"/>
+          </a:p>
+          <a:p>
+            <a:pPr marL="0" marR="0" lvl="0" indent="0" algn="l" defTabSz="914400" rtl="0" eaLnBrk="1" fontAlgn="auto" latinLnBrk="0" hangingPunct="1">
+              <a:lnSpc>
+                <a:spcPct val="100000"/>
+              </a:lnSpc>
+              <a:spcBef>
+                <a:spcPts val="0"/>
+              </a:spcBef>
+              <a:spcAft>
+                <a:spcPts val="0"/>
+              </a:spcAft>
+              <a:buClrTx/>
+              <a:buSzTx/>
+              <a:buFontTx/>
+              <a:buNone/>
+              <a:tabLst/>
+              <a:defRPr/>
+            </a:pPr>
+            <a:r>
+              <a:rPr lang="pt-BR" dirty="0"/>
+              <a:t>1. **Conjunto de Treinamento e Conjunto de Validação**: Durante o treinamento de uma rede neural, geralmente divide-se o conjunto de dados em dois subconjuntos: um conjunto de treinamento usado para atualizar os pesos do modelo e um conjunto de validação usado para avaliar o desempenho do modelo em dados não vistos durante o treinamento.</a:t>
+            </a:r>
+          </a:p>
+          <a:p>
+            <a:pPr marL="0" marR="0" lvl="0" indent="0" algn="l" defTabSz="914400" rtl="0" eaLnBrk="1" fontAlgn="auto" latinLnBrk="0" hangingPunct="1">
+              <a:lnSpc>
+                <a:spcPct val="100000"/>
+              </a:lnSpc>
+              <a:spcBef>
+                <a:spcPts val="0"/>
+              </a:spcBef>
+              <a:spcAft>
+                <a:spcPts val="0"/>
+              </a:spcAft>
+              <a:buClrTx/>
+              <a:buSzTx/>
+              <a:buFontTx/>
+              <a:buNone/>
+              <a:tabLst/>
+              <a:defRPr/>
+            </a:pPr>
+            <a:endParaRPr lang="pt-BR" dirty="0"/>
+          </a:p>
+          <a:p>
+            <a:pPr marL="0" marR="0" lvl="0" indent="0" algn="l" defTabSz="914400" rtl="0" eaLnBrk="1" fontAlgn="auto" latinLnBrk="0" hangingPunct="1">
+              <a:lnSpc>
+                <a:spcPct val="100000"/>
+              </a:lnSpc>
+              <a:spcBef>
+                <a:spcPts val="0"/>
+              </a:spcBef>
+              <a:spcAft>
+                <a:spcPts val="0"/>
+              </a:spcAft>
+              <a:buClrTx/>
+              <a:buSzTx/>
+              <a:buFontTx/>
+              <a:buNone/>
+              <a:tabLst/>
+              <a:defRPr/>
+            </a:pPr>
+            <a:r>
+              <a:rPr lang="pt-BR" dirty="0"/>
+              <a:t>2. **Monitoramento de Métricas**: À medida que o treinamento progride, as métricas de desempenho, como erro ou precisão, são calculadas regularmente no conjunto de validação. Essas métricas fornecem uma indicação de quão bem o modelo está generalizando para novos dados.</a:t>
+            </a:r>
+          </a:p>
+          <a:p>
+            <a:pPr marL="0" marR="0" lvl="0" indent="0" algn="l" defTabSz="914400" rtl="0" eaLnBrk="1" fontAlgn="auto" latinLnBrk="0" hangingPunct="1">
+              <a:lnSpc>
+                <a:spcPct val="100000"/>
+              </a:lnSpc>
+              <a:spcBef>
+                <a:spcPts val="0"/>
+              </a:spcBef>
+              <a:spcAft>
+                <a:spcPts val="0"/>
+              </a:spcAft>
+              <a:buClrTx/>
+              <a:buSzTx/>
+              <a:buFontTx/>
+              <a:buNone/>
+              <a:tabLst/>
+              <a:defRPr/>
+            </a:pPr>
+            <a:endParaRPr lang="pt-BR" dirty="0"/>
+          </a:p>
+          <a:p>
+            <a:pPr marL="0" marR="0" lvl="0" indent="0" algn="l" defTabSz="914400" rtl="0" eaLnBrk="1" fontAlgn="auto" latinLnBrk="0" hangingPunct="1">
+              <a:lnSpc>
+                <a:spcPct val="100000"/>
+              </a:lnSpc>
+              <a:spcBef>
+                <a:spcPts val="0"/>
+              </a:spcBef>
+              <a:spcAft>
+                <a:spcPts val="0"/>
+              </a:spcAft>
+              <a:buClrTx/>
+              <a:buSzTx/>
+              <a:buFontTx/>
+              <a:buNone/>
+              <a:tabLst/>
+              <a:defRPr/>
+            </a:pPr>
+            <a:r>
+              <a:rPr lang="pt-BR" dirty="0"/>
+              <a:t>3. **Critério de Parada**: O critério de parada é uma métrica escolhida com base no problema e nas metas do treinamento. Pode ser o erro de validação, a precisão ou qualquer outra métrica relevante. O treinamento é interrompido quando a métrica de validação não melhora mais ou começa a piorar.</a:t>
+            </a:r>
+          </a:p>
+          <a:p>
+            <a:pPr marL="0" marR="0" lvl="0" indent="0" algn="l" defTabSz="914400" rtl="0" eaLnBrk="1" fontAlgn="auto" latinLnBrk="0" hangingPunct="1">
+              <a:lnSpc>
+                <a:spcPct val="100000"/>
+              </a:lnSpc>
+              <a:spcBef>
+                <a:spcPts val="0"/>
+              </a:spcBef>
+              <a:spcAft>
+                <a:spcPts val="0"/>
+              </a:spcAft>
+              <a:buClrTx/>
+              <a:buSzTx/>
+              <a:buFontTx/>
+              <a:buNone/>
+              <a:tabLst/>
+              <a:defRPr/>
+            </a:pPr>
+            <a:endParaRPr lang="pt-BR" dirty="0"/>
+          </a:p>
+          <a:p>
+            <a:pPr marL="0" marR="0" lvl="0" indent="0" algn="l" defTabSz="914400" rtl="0" eaLnBrk="1" fontAlgn="auto" latinLnBrk="0" hangingPunct="1">
+              <a:lnSpc>
+                <a:spcPct val="100000"/>
+              </a:lnSpc>
+              <a:spcBef>
+                <a:spcPts val="0"/>
+              </a:spcBef>
+              <a:spcAft>
+                <a:spcPts val="0"/>
+              </a:spcAft>
+              <a:buClrTx/>
+              <a:buSzTx/>
+              <a:buFontTx/>
+              <a:buNone/>
+              <a:tabLst/>
+              <a:defRPr/>
+            </a:pPr>
+            <a:r>
+              <a:rPr lang="pt-BR" dirty="0"/>
+              <a:t>4. **Recuperação do Melhor Modelo**: Ao interromper o treinamento, o modelo é revertido para o ponto em que obteve o melhor desempenho no conjunto de validação. Esse modelo é então usado para inferência e avaliação em novos dados.</a:t>
+            </a:r>
+          </a:p>
+          <a:p>
+            <a:pPr marL="0" marR="0" lvl="0" indent="0" algn="l" defTabSz="914400" rtl="0" eaLnBrk="1" fontAlgn="auto" latinLnBrk="0" hangingPunct="1">
+              <a:lnSpc>
+                <a:spcPct val="100000"/>
+              </a:lnSpc>
+              <a:spcBef>
+                <a:spcPts val="0"/>
+              </a:spcBef>
+              <a:spcAft>
+                <a:spcPts val="0"/>
+              </a:spcAft>
+              <a:buClrTx/>
+              <a:buSzTx/>
+              <a:buFontTx/>
+              <a:buNone/>
+              <a:tabLst/>
+              <a:defRPr/>
+            </a:pPr>
+            <a:endParaRPr lang="pt-BR" dirty="0"/>
+          </a:p>
+          <a:p>
+            <a:pPr marL="0" marR="0" lvl="0" indent="0" algn="l" defTabSz="914400" rtl="0" eaLnBrk="1" fontAlgn="auto" latinLnBrk="0" hangingPunct="1">
+              <a:lnSpc>
+                <a:spcPct val="100000"/>
+              </a:lnSpc>
+              <a:spcBef>
+                <a:spcPts val="0"/>
+              </a:spcBef>
+              <a:spcAft>
+                <a:spcPts val="0"/>
+              </a:spcAft>
+              <a:buClrTx/>
+              <a:buSzTx/>
+              <a:buFontTx/>
+              <a:buNone/>
+              <a:tabLst/>
+              <a:defRPr/>
+            </a:pPr>
+            <a:r>
+              <a:rPr lang="pt-BR" dirty="0"/>
+              <a:t>Os benefícios do </a:t>
+            </a:r>
+            <a:r>
+              <a:rPr lang="pt-BR" dirty="0" err="1"/>
+              <a:t>early</a:t>
+            </a:r>
+            <a:r>
+              <a:rPr lang="pt-BR" dirty="0"/>
+              <a:t> stopping incluem:</a:t>
+            </a:r>
+          </a:p>
+          <a:p>
+            <a:pPr marL="0" marR="0" lvl="0" indent="0" algn="l" defTabSz="914400" rtl="0" eaLnBrk="1" fontAlgn="auto" latinLnBrk="0" hangingPunct="1">
+              <a:lnSpc>
+                <a:spcPct val="100000"/>
+              </a:lnSpc>
+              <a:spcBef>
+                <a:spcPts val="0"/>
+              </a:spcBef>
+              <a:spcAft>
+                <a:spcPts val="0"/>
+              </a:spcAft>
+              <a:buClrTx/>
+              <a:buSzTx/>
+              <a:buFontTx/>
+              <a:buNone/>
+              <a:tabLst/>
+              <a:defRPr/>
+            </a:pPr>
+            <a:endParaRPr lang="pt-BR" dirty="0"/>
+          </a:p>
+          <a:p>
+            <a:pPr marL="0" marR="0" lvl="0" indent="0" algn="l" defTabSz="914400" rtl="0" eaLnBrk="1" fontAlgn="auto" latinLnBrk="0" hangingPunct="1">
+              <a:lnSpc>
+                <a:spcPct val="100000"/>
+              </a:lnSpc>
+              <a:spcBef>
+                <a:spcPts val="0"/>
+              </a:spcBef>
+              <a:spcAft>
+                <a:spcPts val="0"/>
+              </a:spcAft>
+              <a:buClrTx/>
+              <a:buSzTx/>
+              <a:buFontTx/>
+              <a:buNone/>
+              <a:tabLst/>
+              <a:defRPr/>
+            </a:pPr>
+            <a:r>
+              <a:rPr lang="pt-BR" dirty="0"/>
+              <a:t>- Evita o sobreajuste: Ao interromper o treinamento antes que o modelo se ajuste demais aos dados de treinamento, o </a:t>
+            </a:r>
+            <a:r>
+              <a:rPr lang="pt-BR" dirty="0" err="1"/>
+              <a:t>early</a:t>
+            </a:r>
+            <a:r>
+              <a:rPr lang="pt-BR" dirty="0"/>
+              <a:t> stopping ajuda a obter modelos mais generalizados e melhores em dados de teste não vistos.</a:t>
+            </a:r>
+          </a:p>
+          <a:p>
+            <a:pPr marL="0" marR="0" lvl="0" indent="0" algn="l" defTabSz="914400" rtl="0" eaLnBrk="1" fontAlgn="auto" latinLnBrk="0" hangingPunct="1">
+              <a:lnSpc>
+                <a:spcPct val="100000"/>
+              </a:lnSpc>
+              <a:spcBef>
+                <a:spcPts val="0"/>
+              </a:spcBef>
+              <a:spcAft>
+                <a:spcPts val="0"/>
+              </a:spcAft>
+              <a:buClrTx/>
+              <a:buSzTx/>
+              <a:buFontTx/>
+              <a:buNone/>
+              <a:tabLst/>
+              <a:defRPr/>
+            </a:pPr>
+            <a:endParaRPr lang="pt-BR" dirty="0"/>
+          </a:p>
+          <a:p>
+            <a:pPr marL="0" marR="0" lvl="0" indent="0" algn="l" defTabSz="914400" rtl="0" eaLnBrk="1" fontAlgn="auto" latinLnBrk="0" hangingPunct="1">
+              <a:lnSpc>
+                <a:spcPct val="100000"/>
+              </a:lnSpc>
+              <a:spcBef>
+                <a:spcPts val="0"/>
+              </a:spcBef>
+              <a:spcAft>
+                <a:spcPts val="0"/>
+              </a:spcAft>
+              <a:buClrTx/>
+              <a:buSzTx/>
+              <a:buFontTx/>
+              <a:buNone/>
+              <a:tabLst/>
+              <a:defRPr/>
+            </a:pPr>
+            <a:r>
+              <a:rPr lang="pt-BR" dirty="0"/>
+              <a:t>- Economiza tempo e recursos computacionais: O treinamento de redes neurais pode ser computacionalmente intensivo, e o </a:t>
+            </a:r>
+            <a:r>
+              <a:rPr lang="pt-BR" dirty="0" err="1"/>
+              <a:t>early</a:t>
+            </a:r>
+            <a:r>
+              <a:rPr lang="pt-BR" dirty="0"/>
+              <a:t> stopping pode ajudar a economizar tempo e recursos interrompendo o treinamento assim que não houver mais ganho significativo no desempenho.</a:t>
+            </a:r>
+          </a:p>
+          <a:p>
+            <a:pPr marL="0" marR="0" lvl="0" indent="0" algn="l" defTabSz="914400" rtl="0" eaLnBrk="1" fontAlgn="auto" latinLnBrk="0" hangingPunct="1">
+              <a:lnSpc>
+                <a:spcPct val="100000"/>
+              </a:lnSpc>
+              <a:spcBef>
+                <a:spcPts val="0"/>
+              </a:spcBef>
+              <a:spcAft>
+                <a:spcPts val="0"/>
+              </a:spcAft>
+              <a:buClrTx/>
+              <a:buSzTx/>
+              <a:buFontTx/>
+              <a:buNone/>
+              <a:tabLst/>
+              <a:defRPr/>
+            </a:pPr>
+            <a:endParaRPr lang="pt-BR" dirty="0"/>
+          </a:p>
+          <a:p>
+            <a:pPr marL="0" marR="0" lvl="0" indent="0" algn="l" defTabSz="914400" rtl="0" eaLnBrk="1" fontAlgn="auto" latinLnBrk="0" hangingPunct="1">
+              <a:lnSpc>
+                <a:spcPct val="100000"/>
+              </a:lnSpc>
+              <a:spcBef>
+                <a:spcPts val="0"/>
+              </a:spcBef>
+              <a:spcAft>
+                <a:spcPts val="0"/>
+              </a:spcAft>
+              <a:buClrTx/>
+              <a:buSzTx/>
+              <a:buFontTx/>
+              <a:buNone/>
+              <a:tabLst/>
+              <a:defRPr/>
+            </a:pPr>
+            <a:r>
+              <a:rPr lang="pt-BR" dirty="0"/>
+              <a:t>- Melhora a robustez: Modelos treinados com </a:t>
+            </a:r>
+            <a:r>
+              <a:rPr lang="pt-BR" dirty="0" err="1"/>
+              <a:t>early</a:t>
+            </a:r>
+            <a:r>
+              <a:rPr lang="pt-BR" dirty="0"/>
+              <a:t> stopping tendem a ser mais robustos e menos sensíveis a variações nos dados de treinamento.</a:t>
+            </a:r>
+          </a:p>
+          <a:p>
+            <a:pPr marL="0" marR="0" lvl="0" indent="0" algn="l" defTabSz="914400" rtl="0" eaLnBrk="1" fontAlgn="auto" latinLnBrk="0" hangingPunct="1">
+              <a:lnSpc>
+                <a:spcPct val="100000"/>
+              </a:lnSpc>
+              <a:spcBef>
+                <a:spcPts val="0"/>
+              </a:spcBef>
+              <a:spcAft>
+                <a:spcPts val="0"/>
+              </a:spcAft>
+              <a:buClrTx/>
+              <a:buSzTx/>
+              <a:buFontTx/>
+              <a:buNone/>
+              <a:tabLst/>
+              <a:defRPr/>
+            </a:pPr>
+            <a:endParaRPr lang="pt-BR" dirty="0"/>
+          </a:p>
+          <a:p>
+            <a:pPr marL="0" marR="0" lvl="0" indent="0" algn="l" defTabSz="914400" rtl="0" eaLnBrk="1" fontAlgn="auto" latinLnBrk="0" hangingPunct="1">
+              <a:lnSpc>
+                <a:spcPct val="100000"/>
+              </a:lnSpc>
+              <a:spcBef>
+                <a:spcPts val="0"/>
+              </a:spcBef>
+              <a:spcAft>
+                <a:spcPts val="0"/>
+              </a:spcAft>
+              <a:buClrTx/>
+              <a:buSzTx/>
+              <a:buFontTx/>
+              <a:buNone/>
+              <a:tabLst/>
+              <a:defRPr/>
+            </a:pPr>
+            <a:r>
+              <a:rPr lang="pt-BR" dirty="0"/>
+              <a:t>É importante ajustar o critério de parada, monitorar regularmente as métricas de validação e implementar o </a:t>
+            </a:r>
+            <a:r>
+              <a:rPr lang="pt-BR" dirty="0" err="1"/>
+              <a:t>early</a:t>
+            </a:r>
+            <a:r>
+              <a:rPr lang="pt-BR" dirty="0"/>
+              <a:t> stopping de maneira adequada para obter os melhores resultados. O </a:t>
+            </a:r>
+            <a:r>
+              <a:rPr lang="pt-BR" dirty="0" err="1"/>
+              <a:t>early</a:t>
+            </a:r>
+            <a:r>
+              <a:rPr lang="pt-BR" dirty="0"/>
+              <a:t> stopping é uma técnica eficaz, especialmente quando o conjunto de dados é limitado e não é possível coletar mais dados para treinamento.</a:t>
+            </a:r>
           </a:p>
           <a:p>
             <a:endParaRPr lang="pt-BR" dirty="0"/>
@@ -1634,7 +3508,7 @@
           <a:p>
             <a:fld id="{6FC8D850-966F-45A6-8DE7-15B891E7D40D}" type="slidenum">
               <a:rPr lang="pt-BR" smtClean="0"/>
-              <a:t>15</a:t>
+              <a:t>11</a:t>
             </a:fld>
             <a:endParaRPr lang="pt-BR"/>
           </a:p>
@@ -1643,7 +3517,557 @@
     </p:spTree>
     <p:extLst>
       <p:ext uri="{BB962C8B-B14F-4D97-AF65-F5344CB8AC3E}">
-        <p14:creationId xmlns:p14="http://schemas.microsoft.com/office/powerpoint/2010/main" val="4247922459"/>
+        <p14:creationId xmlns:p14="http://schemas.microsoft.com/office/powerpoint/2010/main" val="1662901360"/>
+      </p:ext>
+    </p:extLst>
+  </p:cSld>
+  <p:clrMapOvr>
+    <a:masterClrMapping/>
+  </p:clrMapOvr>
+</p:notes>
+</file>
+
+<file path=ppt/notesSlides/notesSlide9.xml><?xml version="1.0" encoding="utf-8"?>
+<p:notes xmlns:a="http://schemas.openxmlformats.org/drawingml/2006/main" xmlns:r="http://schemas.openxmlformats.org/officeDocument/2006/relationships" xmlns:p="http://schemas.openxmlformats.org/presentationml/2006/main">
+  <p:cSld>
+    <p:spTree>
+      <p:nvGrpSpPr>
+        <p:cNvPr id="1" name=""/>
+        <p:cNvGrpSpPr/>
+        <p:nvPr/>
+      </p:nvGrpSpPr>
+      <p:grpSpPr>
+        <a:xfrm>
+          <a:off x="0" y="0"/>
+          <a:ext cx="0" cy="0"/>
+          <a:chOff x="0" y="0"/>
+          <a:chExt cx="0" cy="0"/>
+        </a:xfrm>
+      </p:grpSpPr>
+      <p:sp>
+        <p:nvSpPr>
+          <p:cNvPr id="2" name="Espaço Reservado para Imagem de Slide 1"/>
+          <p:cNvSpPr>
+            <a:spLocks noGrp="1" noRot="1" noChangeAspect="1"/>
+          </p:cNvSpPr>
+          <p:nvPr>
+            <p:ph type="sldImg"/>
+          </p:nvPr>
+        </p:nvSpPr>
+        <p:spPr/>
+      </p:sp>
+      <p:sp>
+        <p:nvSpPr>
+          <p:cNvPr id="3" name="Espaço Reservado para Anotações 2"/>
+          <p:cNvSpPr>
+            <a:spLocks noGrp="1"/>
+          </p:cNvSpPr>
+          <p:nvPr>
+            <p:ph type="body" idx="1"/>
+          </p:nvPr>
+        </p:nvSpPr>
+        <p:spPr/>
+        <p:txBody>
+          <a:bodyPr/>
+          <a:lstStyle/>
+          <a:p>
+            <a:pPr marL="0" marR="0" lvl="0" indent="0" algn="l" defTabSz="914400" rtl="0" eaLnBrk="1" fontAlgn="auto" latinLnBrk="0" hangingPunct="1">
+              <a:lnSpc>
+                <a:spcPct val="100000"/>
+              </a:lnSpc>
+              <a:spcBef>
+                <a:spcPts val="0"/>
+              </a:spcBef>
+              <a:spcAft>
+                <a:spcPts val="0"/>
+              </a:spcAft>
+              <a:buClrTx/>
+              <a:buSzTx/>
+              <a:buFontTx/>
+              <a:buNone/>
+              <a:tabLst/>
+              <a:defRPr/>
+            </a:pPr>
+            <a:r>
+              <a:rPr lang="pt-BR" dirty="0"/>
+              <a:t>https://colab.research.google.com/github/zz4fap/tp557-iot-ml/blob/master/examples/</a:t>
+            </a:r>
+            <a:r>
+              <a:rPr lang="en-US" dirty="0" err="1"/>
+              <a:t>Sobreajuste_e_dropout.ipynb</a:t>
+            </a:r>
+            <a:endParaRPr lang="en-US" dirty="0"/>
+          </a:p>
+          <a:p>
+            <a:pPr marL="0" marR="0" lvl="0" indent="0" algn="l" defTabSz="914400" rtl="0" eaLnBrk="1" fontAlgn="auto" latinLnBrk="0" hangingPunct="1">
+              <a:lnSpc>
+                <a:spcPct val="100000"/>
+              </a:lnSpc>
+              <a:spcBef>
+                <a:spcPts val="0"/>
+              </a:spcBef>
+              <a:spcAft>
+                <a:spcPts val="0"/>
+              </a:spcAft>
+              <a:buClrTx/>
+              <a:buSzTx/>
+              <a:buFontTx/>
+              <a:buNone/>
+              <a:tabLst/>
+              <a:defRPr/>
+            </a:pPr>
+            <a:endParaRPr lang="en-US" dirty="0"/>
+          </a:p>
+          <a:p>
+            <a:pPr marL="0" marR="0" lvl="0" indent="0" algn="l" defTabSz="914400" rtl="0" eaLnBrk="1" fontAlgn="auto" latinLnBrk="0" hangingPunct="1">
+              <a:lnSpc>
+                <a:spcPct val="100000"/>
+              </a:lnSpc>
+              <a:spcBef>
+                <a:spcPts val="0"/>
+              </a:spcBef>
+              <a:spcAft>
+                <a:spcPts val="0"/>
+              </a:spcAft>
+              <a:buClrTx/>
+              <a:buSzTx/>
+              <a:buFontTx/>
+              <a:buNone/>
+              <a:tabLst/>
+              <a:defRPr/>
+            </a:pPr>
+            <a:r>
+              <a:rPr lang="pt-BR" dirty="0"/>
+              <a:t>Dropout é uma técnica de regularização usada em redes neurais para evitar o sobreajuste (</a:t>
+            </a:r>
+            <a:r>
+              <a:rPr lang="pt-BR" dirty="0" err="1"/>
+              <a:t>overfitting</a:t>
+            </a:r>
+            <a:r>
+              <a:rPr lang="pt-BR" dirty="0"/>
+              <a:t>). O sobreajuste ocorre quando uma rede neural se torna muito especializada nos dados de treinamento e não generaliza bem para novos dados. O dropout é uma abordagem eficaz para melhorar a generalização de uma rede neural. Aqui está como funciona:</a:t>
+            </a:r>
+          </a:p>
+          <a:p>
+            <a:pPr marL="0" marR="0" lvl="0" indent="0" algn="l" defTabSz="914400" rtl="0" eaLnBrk="1" fontAlgn="auto" latinLnBrk="0" hangingPunct="1">
+              <a:lnSpc>
+                <a:spcPct val="100000"/>
+              </a:lnSpc>
+              <a:spcBef>
+                <a:spcPts val="0"/>
+              </a:spcBef>
+              <a:spcAft>
+                <a:spcPts val="0"/>
+              </a:spcAft>
+              <a:buClrTx/>
+              <a:buSzTx/>
+              <a:buFontTx/>
+              <a:buNone/>
+              <a:tabLst/>
+              <a:defRPr/>
+            </a:pPr>
+            <a:endParaRPr lang="pt-BR" dirty="0"/>
+          </a:p>
+          <a:p>
+            <a:pPr marL="0" marR="0" lvl="0" indent="0" algn="l" defTabSz="914400" rtl="0" eaLnBrk="1" fontAlgn="auto" latinLnBrk="0" hangingPunct="1">
+              <a:lnSpc>
+                <a:spcPct val="100000"/>
+              </a:lnSpc>
+              <a:spcBef>
+                <a:spcPts val="0"/>
+              </a:spcBef>
+              <a:spcAft>
+                <a:spcPts val="0"/>
+              </a:spcAft>
+              <a:buClrTx/>
+              <a:buSzTx/>
+              <a:buFontTx/>
+              <a:buNone/>
+              <a:tabLst/>
+              <a:defRPr/>
+            </a:pPr>
+            <a:r>
+              <a:rPr lang="pt-BR" dirty="0"/>
+              <a:t>1. **Desligamento Aleatório de Neurônios**: Durante o treinamento da rede neural, o dropout envolve aleatoriamente "desligar" ou "descartar" um subconjunto dos neurônios em cada camada. Isso significa que esses neurônios não contribuirão para o cálculo das saídas da rede durante essa iteração de treinamento.</a:t>
+            </a:r>
+          </a:p>
+          <a:p>
+            <a:pPr marL="0" marR="0" lvl="0" indent="0" algn="l" defTabSz="914400" rtl="0" eaLnBrk="1" fontAlgn="auto" latinLnBrk="0" hangingPunct="1">
+              <a:lnSpc>
+                <a:spcPct val="100000"/>
+              </a:lnSpc>
+              <a:spcBef>
+                <a:spcPts val="0"/>
+              </a:spcBef>
+              <a:spcAft>
+                <a:spcPts val="0"/>
+              </a:spcAft>
+              <a:buClrTx/>
+              <a:buSzTx/>
+              <a:buFontTx/>
+              <a:buNone/>
+              <a:tabLst/>
+              <a:defRPr/>
+            </a:pPr>
+            <a:endParaRPr lang="pt-BR" dirty="0"/>
+          </a:p>
+          <a:p>
+            <a:pPr marL="0" marR="0" lvl="0" indent="0" algn="l" defTabSz="914400" rtl="0" eaLnBrk="1" fontAlgn="auto" latinLnBrk="0" hangingPunct="1">
+              <a:lnSpc>
+                <a:spcPct val="100000"/>
+              </a:lnSpc>
+              <a:spcBef>
+                <a:spcPts val="0"/>
+              </a:spcBef>
+              <a:spcAft>
+                <a:spcPts val="0"/>
+              </a:spcAft>
+              <a:buClrTx/>
+              <a:buSzTx/>
+              <a:buFontTx/>
+              <a:buNone/>
+              <a:tabLst/>
+              <a:defRPr/>
+            </a:pPr>
+            <a:r>
+              <a:rPr lang="pt-BR" dirty="0"/>
+              <a:t>2. **Taxa de Dropout**: Um </a:t>
+            </a:r>
+            <a:r>
+              <a:rPr lang="pt-BR" dirty="0" err="1"/>
+              <a:t>hiperparâmetro</a:t>
+            </a:r>
+            <a:r>
+              <a:rPr lang="pt-BR" dirty="0"/>
+              <a:t> chamado "taxa de dropout" é definido antes do treinamento. Essa taxa determina a probabilidade de um neurônio ser desligado durante cada iteração. Por exemplo, uma taxa de dropout de 0,5 significa que, em média, metade dos neurônios será desligada em cada iteração.</a:t>
+            </a:r>
+          </a:p>
+          <a:p>
+            <a:pPr marL="0" marR="0" lvl="0" indent="0" algn="l" defTabSz="914400" rtl="0" eaLnBrk="1" fontAlgn="auto" latinLnBrk="0" hangingPunct="1">
+              <a:lnSpc>
+                <a:spcPct val="100000"/>
+              </a:lnSpc>
+              <a:spcBef>
+                <a:spcPts val="0"/>
+              </a:spcBef>
+              <a:spcAft>
+                <a:spcPts val="0"/>
+              </a:spcAft>
+              <a:buClrTx/>
+              <a:buSzTx/>
+              <a:buFontTx/>
+              <a:buNone/>
+              <a:tabLst/>
+              <a:defRPr/>
+            </a:pPr>
+            <a:endParaRPr lang="pt-BR" dirty="0"/>
+          </a:p>
+          <a:p>
+            <a:pPr marL="0" marR="0" lvl="0" indent="0" algn="l" defTabSz="914400" rtl="0" eaLnBrk="1" fontAlgn="auto" latinLnBrk="0" hangingPunct="1">
+              <a:lnSpc>
+                <a:spcPct val="100000"/>
+              </a:lnSpc>
+              <a:spcBef>
+                <a:spcPts val="0"/>
+              </a:spcBef>
+              <a:spcAft>
+                <a:spcPts val="0"/>
+              </a:spcAft>
+              <a:buClrTx/>
+              <a:buSzTx/>
+              <a:buFontTx/>
+              <a:buNone/>
+              <a:tabLst/>
+              <a:defRPr/>
+            </a:pPr>
+            <a:r>
+              <a:rPr lang="pt-BR" dirty="0"/>
+              <a:t>3. **Treinamento Estocástico**: O dropout introduz uma forma de treinamento estocástico, onde a rede não pode depender excessivamente de nenhum neurônio específico. Isso obriga a rede a aprender recursos mais robustos e a generalizar melhor para dados que não foram vistos durante o treinamento.</a:t>
+            </a:r>
+          </a:p>
+          <a:p>
+            <a:pPr marL="0" marR="0" lvl="0" indent="0" algn="l" defTabSz="914400" rtl="0" eaLnBrk="1" fontAlgn="auto" latinLnBrk="0" hangingPunct="1">
+              <a:lnSpc>
+                <a:spcPct val="100000"/>
+              </a:lnSpc>
+              <a:spcBef>
+                <a:spcPts val="0"/>
+              </a:spcBef>
+              <a:spcAft>
+                <a:spcPts val="0"/>
+              </a:spcAft>
+              <a:buClrTx/>
+              <a:buSzTx/>
+              <a:buFontTx/>
+              <a:buNone/>
+              <a:tabLst/>
+              <a:defRPr/>
+            </a:pPr>
+            <a:endParaRPr lang="pt-BR" dirty="0"/>
+          </a:p>
+          <a:p>
+            <a:pPr marL="0" marR="0" lvl="0" indent="0" algn="l" defTabSz="914400" rtl="0" eaLnBrk="1" fontAlgn="auto" latinLnBrk="0" hangingPunct="1">
+              <a:lnSpc>
+                <a:spcPct val="100000"/>
+              </a:lnSpc>
+              <a:spcBef>
+                <a:spcPts val="0"/>
+              </a:spcBef>
+              <a:spcAft>
+                <a:spcPts val="0"/>
+              </a:spcAft>
+              <a:buClrTx/>
+              <a:buSzTx/>
+              <a:buFontTx/>
+              <a:buNone/>
+              <a:tabLst/>
+              <a:defRPr/>
+            </a:pPr>
+            <a:r>
+              <a:rPr lang="pt-BR" dirty="0"/>
+              <a:t>4. **</a:t>
+            </a:r>
+            <a:r>
+              <a:rPr lang="pt-BR" dirty="0" err="1"/>
+              <a:t>Averaging</a:t>
+            </a:r>
+            <a:r>
+              <a:rPr lang="pt-BR" dirty="0"/>
+              <a:t> de Múltiplos Modelos**: O dropout efetivamente treina várias </a:t>
+            </a:r>
+            <a:r>
+              <a:rPr lang="pt-BR" dirty="0" err="1"/>
+              <a:t>sub-redes</a:t>
+            </a:r>
+            <a:r>
+              <a:rPr lang="pt-BR" dirty="0"/>
+              <a:t> durante o treinamento, já que diferentes subconjuntos de neurônios são desligados a cada iteração. Isso é semelhante a treinar uma série de modelos diferentes e, durante a inferência, os resultados dessas </a:t>
+            </a:r>
+            <a:r>
+              <a:rPr lang="pt-BR" dirty="0" err="1"/>
+              <a:t>sub-redes</a:t>
+            </a:r>
+            <a:r>
+              <a:rPr lang="pt-BR" dirty="0"/>
+              <a:t> são médios ou ponderados de alguma forma para produzir a saída final da rede.</a:t>
+            </a:r>
+          </a:p>
+          <a:p>
+            <a:pPr marL="0" marR="0" lvl="0" indent="0" algn="l" defTabSz="914400" rtl="0" eaLnBrk="1" fontAlgn="auto" latinLnBrk="0" hangingPunct="1">
+              <a:lnSpc>
+                <a:spcPct val="100000"/>
+              </a:lnSpc>
+              <a:spcBef>
+                <a:spcPts val="0"/>
+              </a:spcBef>
+              <a:spcAft>
+                <a:spcPts val="0"/>
+              </a:spcAft>
+              <a:buClrTx/>
+              <a:buSzTx/>
+              <a:buFontTx/>
+              <a:buNone/>
+              <a:tabLst/>
+              <a:defRPr/>
+            </a:pPr>
+            <a:endParaRPr lang="pt-BR" dirty="0"/>
+          </a:p>
+          <a:p>
+            <a:pPr marL="0" marR="0" lvl="0" indent="0" algn="l" defTabSz="914400" rtl="0" eaLnBrk="1" fontAlgn="auto" latinLnBrk="0" hangingPunct="1">
+              <a:lnSpc>
+                <a:spcPct val="100000"/>
+              </a:lnSpc>
+              <a:spcBef>
+                <a:spcPts val="0"/>
+              </a:spcBef>
+              <a:spcAft>
+                <a:spcPts val="0"/>
+              </a:spcAft>
+              <a:buClrTx/>
+              <a:buSzTx/>
+              <a:buFontTx/>
+              <a:buNone/>
+              <a:tabLst/>
+              <a:defRPr/>
+            </a:pPr>
+            <a:r>
+              <a:rPr lang="pt-BR" dirty="0"/>
+              <a:t>Benefícios do Dropout:</a:t>
+            </a:r>
+          </a:p>
+          <a:p>
+            <a:pPr marL="0" marR="0" lvl="0" indent="0" algn="l" defTabSz="914400" rtl="0" eaLnBrk="1" fontAlgn="auto" latinLnBrk="0" hangingPunct="1">
+              <a:lnSpc>
+                <a:spcPct val="100000"/>
+              </a:lnSpc>
+              <a:spcBef>
+                <a:spcPts val="0"/>
+              </a:spcBef>
+              <a:spcAft>
+                <a:spcPts val="0"/>
+              </a:spcAft>
+              <a:buClrTx/>
+              <a:buSzTx/>
+              <a:buFontTx/>
+              <a:buNone/>
+              <a:tabLst/>
+              <a:defRPr/>
+            </a:pPr>
+            <a:endParaRPr lang="pt-BR" dirty="0"/>
+          </a:p>
+          <a:p>
+            <a:pPr marL="0" marR="0" lvl="0" indent="0" algn="l" defTabSz="914400" rtl="0" eaLnBrk="1" fontAlgn="auto" latinLnBrk="0" hangingPunct="1">
+              <a:lnSpc>
+                <a:spcPct val="100000"/>
+              </a:lnSpc>
+              <a:spcBef>
+                <a:spcPts val="0"/>
+              </a:spcBef>
+              <a:spcAft>
+                <a:spcPts val="0"/>
+              </a:spcAft>
+              <a:buClrTx/>
+              <a:buSzTx/>
+              <a:buFontTx/>
+              <a:buNone/>
+              <a:tabLst/>
+              <a:defRPr/>
+            </a:pPr>
+            <a:r>
+              <a:rPr lang="pt-BR" dirty="0"/>
+              <a:t>- Reduz o risco de sobreajuste, permitindo que a rede generalize melhor para novos dados.</a:t>
+            </a:r>
+          </a:p>
+          <a:p>
+            <a:pPr marL="0" marR="0" lvl="0" indent="0" algn="l" defTabSz="914400" rtl="0" eaLnBrk="1" fontAlgn="auto" latinLnBrk="0" hangingPunct="1">
+              <a:lnSpc>
+                <a:spcPct val="100000"/>
+              </a:lnSpc>
+              <a:spcBef>
+                <a:spcPts val="0"/>
+              </a:spcBef>
+              <a:spcAft>
+                <a:spcPts val="0"/>
+              </a:spcAft>
+              <a:buClrTx/>
+              <a:buSzTx/>
+              <a:buFontTx/>
+              <a:buNone/>
+              <a:tabLst/>
+              <a:defRPr/>
+            </a:pPr>
+            <a:r>
+              <a:rPr lang="pt-BR" dirty="0"/>
+              <a:t>- Ajuda a evitar a dependência excessiva de neurônios individuais, tornando o modelo mais robusto.</a:t>
+            </a:r>
+          </a:p>
+          <a:p>
+            <a:pPr marL="0" marR="0" lvl="0" indent="0" algn="l" defTabSz="914400" rtl="0" eaLnBrk="1" fontAlgn="auto" latinLnBrk="0" hangingPunct="1">
+              <a:lnSpc>
+                <a:spcPct val="100000"/>
+              </a:lnSpc>
+              <a:spcBef>
+                <a:spcPts val="0"/>
+              </a:spcBef>
+              <a:spcAft>
+                <a:spcPts val="0"/>
+              </a:spcAft>
+              <a:buClrTx/>
+              <a:buSzTx/>
+              <a:buFontTx/>
+              <a:buNone/>
+              <a:tabLst/>
+              <a:defRPr/>
+            </a:pPr>
+            <a:r>
+              <a:rPr lang="pt-BR" dirty="0"/>
+              <a:t>- Funciona bem em redes neurais profundas, onde o risco de </a:t>
+            </a:r>
+            <a:r>
+              <a:rPr lang="pt-BR" dirty="0" err="1"/>
+              <a:t>overfitting</a:t>
+            </a:r>
+            <a:r>
+              <a:rPr lang="pt-BR" dirty="0"/>
+              <a:t> é mais alto.</a:t>
+            </a:r>
+          </a:p>
+          <a:p>
+            <a:pPr marL="0" marR="0" lvl="0" indent="0" algn="l" defTabSz="914400" rtl="0" eaLnBrk="1" fontAlgn="auto" latinLnBrk="0" hangingPunct="1">
+              <a:lnSpc>
+                <a:spcPct val="100000"/>
+              </a:lnSpc>
+              <a:spcBef>
+                <a:spcPts val="0"/>
+              </a:spcBef>
+              <a:spcAft>
+                <a:spcPts val="0"/>
+              </a:spcAft>
+              <a:buClrTx/>
+              <a:buSzTx/>
+              <a:buFontTx/>
+              <a:buNone/>
+              <a:tabLst/>
+              <a:defRPr/>
+            </a:pPr>
+            <a:endParaRPr lang="pt-BR" dirty="0"/>
+          </a:p>
+          <a:p>
+            <a:pPr marL="0" marR="0" lvl="0" indent="0" algn="l" defTabSz="914400" rtl="0" eaLnBrk="1" fontAlgn="auto" latinLnBrk="0" hangingPunct="1">
+              <a:lnSpc>
+                <a:spcPct val="100000"/>
+              </a:lnSpc>
+              <a:spcBef>
+                <a:spcPts val="0"/>
+              </a:spcBef>
+              <a:spcAft>
+                <a:spcPts val="0"/>
+              </a:spcAft>
+              <a:buClrTx/>
+              <a:buSzTx/>
+              <a:buFontTx/>
+              <a:buNone/>
+              <a:tabLst/>
+              <a:defRPr/>
+            </a:pPr>
+            <a:r>
+              <a:rPr lang="pt-BR" dirty="0"/>
+              <a:t>Embora o dropout seja uma técnica eficaz de regularização, é importante ajustar a taxa de dropout adequadamente, pois uma taxa muito alta pode prejudicar o aprendizado, enquanto uma taxa muito baixa pode não fornecer os benefícios desejados. A taxa de dropout é geralmente escolhida por meio de experimentação e validação cruzada em um conjunto de validação.</a:t>
+            </a:r>
+          </a:p>
+          <a:p>
+            <a:endParaRPr lang="pt-BR" dirty="0"/>
+          </a:p>
+        </p:txBody>
+      </p:sp>
+      <p:sp>
+        <p:nvSpPr>
+          <p:cNvPr id="4" name="Espaço Reservado para Número de Slide 3"/>
+          <p:cNvSpPr>
+            <a:spLocks noGrp="1"/>
+          </p:cNvSpPr>
+          <p:nvPr>
+            <p:ph type="sldNum" sz="quarter" idx="5"/>
+          </p:nvPr>
+        </p:nvSpPr>
+        <p:spPr/>
+        <p:txBody>
+          <a:bodyPr/>
+          <a:lstStyle/>
+          <a:p>
+            <a:fld id="{6FC8D850-966F-45A6-8DE7-15B891E7D40D}" type="slidenum">
+              <a:rPr lang="pt-BR" smtClean="0"/>
+              <a:t>12</a:t>
+            </a:fld>
+            <a:endParaRPr lang="pt-BR"/>
+          </a:p>
+        </p:txBody>
+      </p:sp>
+    </p:spTree>
+    <p:extLst>
+      <p:ext uri="{BB962C8B-B14F-4D97-AF65-F5344CB8AC3E}">
+        <p14:creationId xmlns:p14="http://schemas.microsoft.com/office/powerpoint/2010/main" val="1568255314"/>
       </p:ext>
     </p:extLst>
   </p:cSld>
@@ -1800,7 +4224,7 @@
           <a:p>
             <a:fld id="{63289F7E-B80B-496E-81B4-D396C37C9454}" type="datetimeFigureOut">
               <a:rPr lang="pt-BR" smtClean="0"/>
-              <a:t>12/09/2023</a:t>
+              <a:t>18/09/2023</a:t>
             </a:fld>
             <a:endParaRPr lang="pt-BR"/>
           </a:p>
@@ -1998,7 +4422,7 @@
           <a:p>
             <a:fld id="{63289F7E-B80B-496E-81B4-D396C37C9454}" type="datetimeFigureOut">
               <a:rPr lang="pt-BR" smtClean="0"/>
-              <a:t>12/09/2023</a:t>
+              <a:t>18/09/2023</a:t>
             </a:fld>
             <a:endParaRPr lang="pt-BR"/>
           </a:p>
@@ -2206,7 +4630,7 @@
           <a:p>
             <a:fld id="{63289F7E-B80B-496E-81B4-D396C37C9454}" type="datetimeFigureOut">
               <a:rPr lang="pt-BR" smtClean="0"/>
-              <a:t>12/09/2023</a:t>
+              <a:t>18/09/2023</a:t>
             </a:fld>
             <a:endParaRPr lang="pt-BR"/>
           </a:p>
@@ -2404,7 +4828,7 @@
           <a:p>
             <a:fld id="{63289F7E-B80B-496E-81B4-D396C37C9454}" type="datetimeFigureOut">
               <a:rPr lang="pt-BR" smtClean="0"/>
-              <a:t>12/09/2023</a:t>
+              <a:t>18/09/2023</a:t>
             </a:fld>
             <a:endParaRPr lang="pt-BR"/>
           </a:p>
@@ -2679,7 +5103,7 @@
           <a:p>
             <a:fld id="{63289F7E-B80B-496E-81B4-D396C37C9454}" type="datetimeFigureOut">
               <a:rPr lang="pt-BR" smtClean="0"/>
-              <a:t>12/09/2023</a:t>
+              <a:t>18/09/2023</a:t>
             </a:fld>
             <a:endParaRPr lang="pt-BR"/>
           </a:p>
@@ -2944,7 +5368,7 @@
           <a:p>
             <a:fld id="{63289F7E-B80B-496E-81B4-D396C37C9454}" type="datetimeFigureOut">
               <a:rPr lang="pt-BR" smtClean="0"/>
-              <a:t>12/09/2023</a:t>
+              <a:t>18/09/2023</a:t>
             </a:fld>
             <a:endParaRPr lang="pt-BR"/>
           </a:p>
@@ -3356,7 +5780,7 @@
           <a:p>
             <a:fld id="{63289F7E-B80B-496E-81B4-D396C37C9454}" type="datetimeFigureOut">
               <a:rPr lang="pt-BR" smtClean="0"/>
-              <a:t>12/09/2023</a:t>
+              <a:t>18/09/2023</a:t>
             </a:fld>
             <a:endParaRPr lang="pt-BR"/>
           </a:p>
@@ -3497,7 +5921,7 @@
           <a:p>
             <a:fld id="{63289F7E-B80B-496E-81B4-D396C37C9454}" type="datetimeFigureOut">
               <a:rPr lang="pt-BR" smtClean="0"/>
-              <a:t>12/09/2023</a:t>
+              <a:t>18/09/2023</a:t>
             </a:fld>
             <a:endParaRPr lang="pt-BR"/>
           </a:p>
@@ -3610,7 +6034,7 @@
           <a:p>
             <a:fld id="{63289F7E-B80B-496E-81B4-D396C37C9454}" type="datetimeFigureOut">
               <a:rPr lang="pt-BR" smtClean="0"/>
-              <a:t>12/09/2023</a:t>
+              <a:t>18/09/2023</a:t>
             </a:fld>
             <a:endParaRPr lang="pt-BR"/>
           </a:p>
@@ -3921,7 +6345,7 @@
           <a:p>
             <a:fld id="{63289F7E-B80B-496E-81B4-D396C37C9454}" type="datetimeFigureOut">
               <a:rPr lang="pt-BR" smtClean="0"/>
-              <a:t>12/09/2023</a:t>
+              <a:t>18/09/2023</a:t>
             </a:fld>
             <a:endParaRPr lang="pt-BR"/>
           </a:p>
@@ -4209,7 +6633,7 @@
           <a:p>
             <a:fld id="{63289F7E-B80B-496E-81B4-D396C37C9454}" type="datetimeFigureOut">
               <a:rPr lang="pt-BR" smtClean="0"/>
-              <a:t>12/09/2023</a:t>
+              <a:t>18/09/2023</a:t>
             </a:fld>
             <a:endParaRPr lang="pt-BR"/>
           </a:p>
@@ -4450,7 +6874,7 @@
           <a:p>
             <a:fld id="{63289F7E-B80B-496E-81B4-D396C37C9454}" type="datetimeFigureOut">
               <a:rPr lang="pt-BR" smtClean="0"/>
-              <a:t>12/09/2023</a:t>
+              <a:t>18/09/2023</a:t>
             </a:fld>
             <a:endParaRPr lang="pt-BR"/>
           </a:p>
@@ -5169,8 +7593,8 @@
         </p:nvSpPr>
         <p:spPr>
           <a:xfrm>
-            <a:off x="6195318" y="1825624"/>
-            <a:ext cx="5691882" cy="5032375"/>
+            <a:off x="5599416" y="1825624"/>
+            <a:ext cx="6431622" cy="5032375"/>
           </a:xfrm>
         </p:spPr>
         <p:txBody>
@@ -5193,72 +7617,38 @@
               <a:rPr lang="pt-BR" b="1" i="0" dirty="0">
                 <a:effectLst/>
               </a:rPr>
-              <a:t>ados:</a:t>
+              <a:t>ados</a:t>
+            </a:r>
+            <a:r>
+              <a:rPr lang="pt-BR" b="1" dirty="0"/>
+              <a:t> </a:t>
             </a:r>
             <a:r>
               <a:rPr lang="pt-BR" b="0" i="0" dirty="0">
                 <a:effectLst/>
               </a:rPr>
-              <a:t> Quando possível, coletar mais dados de treinamento para melhorar a capacidade de generalização do modelo.</a:t>
+              <a:t>de treinamento é uma das estratégias mais eficazes para melhorar a capacidade de generalização do modelo, consequentemente, reduzindo o sobreajuste.</a:t>
+            </a:r>
+          </a:p>
+          <a:p>
+            <a:r>
+              <a:rPr lang="pt-BR" b="0" i="0" dirty="0">
+                <a:effectLst/>
+              </a:rPr>
+              <a:t>Porém, em algumas situações, a coleta de dados adicionais pode ser muito cara, demorada ou simplesmente impossível.</a:t>
             </a:r>
             <a:endParaRPr lang="pt-BR" b="1" i="0" dirty="0">
               <a:effectLst/>
             </a:endParaRPr>
           </a:p>
-          <a:p>
-            <a:r>
-              <a:rPr lang="pt-BR" b="1" i="0" dirty="0">
-                <a:effectLst/>
-              </a:rPr>
-              <a:t>Regularização:</a:t>
-            </a:r>
-            <a:r>
-              <a:rPr lang="pt-BR" b="0" i="0" dirty="0">
-                <a:effectLst/>
-              </a:rPr>
-              <a:t> Utilizar técnicas de regularização, como L1, L2 ou </a:t>
-            </a:r>
-            <a:r>
-              <a:rPr lang="pt-BR" b="0" i="1" dirty="0" err="1">
-                <a:effectLst/>
-              </a:rPr>
-              <a:t>Dropout</a:t>
-            </a:r>
-            <a:r>
-              <a:rPr lang="pt-BR" b="0" i="0" dirty="0">
-                <a:effectLst/>
-              </a:rPr>
-              <a:t> e </a:t>
-            </a:r>
-            <a:r>
-              <a:rPr lang="pt-BR" b="0" i="1" dirty="0">
-                <a:effectLst/>
-              </a:rPr>
-              <a:t>Early-stop</a:t>
-            </a:r>
-            <a:r>
-              <a:rPr lang="pt-BR" b="0" i="0" dirty="0">
-                <a:effectLst/>
-              </a:rPr>
-              <a:t> em redes neurais, para reduzir a complexidade do modelo.</a:t>
-            </a:r>
-          </a:p>
-          <a:p>
-            <a:pPr marL="0" indent="0" algn="l">
-              <a:buNone/>
-            </a:pPr>
-            <a:endParaRPr lang="pt-BR" b="0" i="0" dirty="0">
-              <a:effectLst/>
-            </a:endParaRPr>
-          </a:p>
         </p:txBody>
       </p:sp>
       <p:pic>
         <p:nvPicPr>
-          <p:cNvPr id="2050" name="Picture 2">
-            <a:extLst>
-              <a:ext uri="{FF2B5EF4-FFF2-40B4-BE49-F238E27FC236}">
-                <a16:creationId xmlns:a16="http://schemas.microsoft.com/office/drawing/2014/main" id="{277FAE98-5C78-2BE3-451C-35F914BB2626}"/>
+          <p:cNvPr id="1026" name="Picture 2" descr="The Difference Between Training Data vs. Test Data in Machine Learning">
+            <a:extLst>
+              <a:ext uri="{FF2B5EF4-FFF2-40B4-BE49-F238E27FC236}">
+                <a16:creationId xmlns:a16="http://schemas.microsoft.com/office/drawing/2014/main" id="{65FD752D-DDD7-D638-20EE-6FFAF3C80590}"/>
               </a:ext>
             </a:extLst>
           </p:cNvPr>
@@ -5267,7 +7657,7 @@
           </p:cNvPicPr>
           <p:nvPr/>
         </p:nvPicPr>
-        <p:blipFill>
+        <p:blipFill rotWithShape="1">
           <a:blip r:embed="rId3">
             <a:extLst>
               <a:ext uri="{28A0092B-C50C-407E-A947-70E740481C1C}">
@@ -5275,15 +7665,13 @@
               </a:ext>
             </a:extLst>
           </a:blip>
-          <a:srcRect/>
-          <a:stretch>
-            <a:fillRect/>
-          </a:stretch>
+          <a:srcRect r="15646"/>
+          <a:stretch/>
         </p:blipFill>
         <p:spPr bwMode="auto">
           <a:xfrm>
-            <a:off x="919612" y="1910994"/>
-            <a:ext cx="4817167" cy="3991572"/>
+            <a:off x="569946" y="2455524"/>
+            <a:ext cx="4680147" cy="2980004"/>
           </a:xfrm>
           <a:prstGeom prst="rect">
             <a:avLst/>
@@ -5300,192 +7688,10 @@
           </a:extLst>
         </p:spPr>
       </p:pic>
-      <p:sp>
-        <p:nvSpPr>
-          <p:cNvPr id="4" name="Elipse 3">
-            <a:extLst>
-              <a:ext uri="{FF2B5EF4-FFF2-40B4-BE49-F238E27FC236}">
-                <a16:creationId xmlns:a16="http://schemas.microsoft.com/office/drawing/2014/main" id="{FA37B87A-880A-828C-4447-7827240999C9}"/>
-              </a:ext>
-            </a:extLst>
-          </p:cNvPr>
-          <p:cNvSpPr/>
-          <p:nvPr/>
-        </p:nvSpPr>
-        <p:spPr>
-          <a:xfrm>
-            <a:off x="1428749" y="4219574"/>
-            <a:ext cx="309563" cy="276225"/>
-          </a:xfrm>
-          <a:prstGeom prst="ellipse">
-            <a:avLst/>
-          </a:prstGeom>
-          <a:noFill/>
-          <a:ln>
-            <a:solidFill>
-              <a:srgbClr val="FF0000"/>
-            </a:solidFill>
-          </a:ln>
-        </p:spPr>
-        <p:style>
-          <a:lnRef idx="2">
-            <a:schemeClr val="accent1">
-              <a:shade val="15000"/>
-            </a:schemeClr>
-          </a:lnRef>
-          <a:fillRef idx="1">
-            <a:schemeClr val="accent1"/>
-          </a:fillRef>
-          <a:effectRef idx="0">
-            <a:schemeClr val="accent1"/>
-          </a:effectRef>
-          <a:fontRef idx="minor">
-            <a:schemeClr val="lt1"/>
-          </a:fontRef>
-        </p:style>
-        <p:txBody>
-          <a:bodyPr rtlCol="0" anchor="ctr"/>
-          <a:lstStyle/>
-          <a:p>
-            <a:pPr algn="ctr"/>
-            <a:endParaRPr lang="pt-BR"/>
-          </a:p>
-        </p:txBody>
-      </p:sp>
-      <p:sp>
-        <p:nvSpPr>
-          <p:cNvPr id="5" name="CaixaDeTexto 4">
-            <a:extLst>
-              <a:ext uri="{FF2B5EF4-FFF2-40B4-BE49-F238E27FC236}">
-                <a16:creationId xmlns:a16="http://schemas.microsoft.com/office/drawing/2014/main" id="{A0491ECA-0F21-F4E0-D27B-9EFF1243D0B5}"/>
-              </a:ext>
-            </a:extLst>
-          </p:cNvPr>
-          <p:cNvSpPr txBox="1"/>
-          <p:nvPr/>
-        </p:nvSpPr>
-        <p:spPr>
-          <a:xfrm>
-            <a:off x="1857879" y="4500560"/>
-            <a:ext cx="826769" cy="276999"/>
-          </a:xfrm>
-          <a:prstGeom prst="rect">
-            <a:avLst/>
-          </a:prstGeom>
-          <a:noFill/>
-        </p:spPr>
-        <p:txBody>
-          <a:bodyPr wrap="square" rtlCol="0">
-            <a:spAutoFit/>
-          </a:bodyPr>
-          <a:lstStyle/>
-          <a:p>
-            <a:pPr algn="ctr"/>
-            <a:r>
-              <a:rPr lang="pt-BR" sz="1200" dirty="0"/>
-              <a:t>Early-stop</a:t>
-            </a:r>
-          </a:p>
-        </p:txBody>
-      </p:sp>
-      <p:cxnSp>
-        <p:nvCxnSpPr>
-          <p:cNvPr id="7" name="Conector de Seta Reta 6">
-            <a:extLst>
-              <a:ext uri="{FF2B5EF4-FFF2-40B4-BE49-F238E27FC236}">
-                <a16:creationId xmlns:a16="http://schemas.microsoft.com/office/drawing/2014/main" id="{A07786AB-F3F8-B4AB-0540-9876956F6B3E}"/>
-              </a:ext>
-            </a:extLst>
-          </p:cNvPr>
-          <p:cNvCxnSpPr>
-            <a:stCxn id="4" idx="5"/>
-          </p:cNvCxnSpPr>
-          <p:nvPr/>
-        </p:nvCxnSpPr>
-        <p:spPr>
-          <a:xfrm>
-            <a:off x="1692978" y="4455347"/>
-            <a:ext cx="264410" cy="183712"/>
-          </a:xfrm>
-          <a:prstGeom prst="straightConnector1">
-            <a:avLst/>
-          </a:prstGeom>
-          <a:ln>
-            <a:solidFill>
-              <a:srgbClr val="FF0000"/>
-            </a:solidFill>
-            <a:tailEnd type="triangle"/>
-          </a:ln>
-        </p:spPr>
-        <p:style>
-          <a:lnRef idx="1">
-            <a:schemeClr val="accent1"/>
-          </a:lnRef>
-          <a:fillRef idx="0">
-            <a:schemeClr val="accent1"/>
-          </a:fillRef>
-          <a:effectRef idx="0">
-            <a:schemeClr val="accent1"/>
-          </a:effectRef>
-          <a:fontRef idx="minor">
-            <a:schemeClr val="tx1"/>
-          </a:fontRef>
-        </p:style>
-      </p:cxnSp>
-      <p:sp>
-        <p:nvSpPr>
-          <p:cNvPr id="9" name="CaixaDeTexto 8">
-            <a:extLst>
-              <a:ext uri="{FF2B5EF4-FFF2-40B4-BE49-F238E27FC236}">
-                <a16:creationId xmlns:a16="http://schemas.microsoft.com/office/drawing/2014/main" id="{0A5387B2-D421-E880-9FA0-D213BE79D699}"/>
-              </a:ext>
-            </a:extLst>
-          </p:cNvPr>
-          <p:cNvSpPr txBox="1"/>
-          <p:nvPr/>
-        </p:nvSpPr>
-        <p:spPr>
-          <a:xfrm>
-            <a:off x="0" y="6581001"/>
-            <a:ext cx="2857500" cy="276999"/>
-          </a:xfrm>
-          <a:prstGeom prst="rect">
-            <a:avLst/>
-          </a:prstGeom>
-          <a:noFill/>
-        </p:spPr>
-        <p:txBody>
-          <a:bodyPr wrap="square">
-            <a:spAutoFit/>
-          </a:bodyPr>
-          <a:lstStyle/>
-          <a:p>
-            <a:r>
-              <a:rPr lang="en-US" sz="1200" dirty="0" err="1">
-                <a:hlinkClick r:id="rId4"/>
-              </a:rPr>
-              <a:t>Exemplo</a:t>
-            </a:r>
-            <a:r>
-              <a:rPr lang="en-US" sz="1200" dirty="0">
-                <a:hlinkClick r:id="rId4"/>
-              </a:rPr>
-              <a:t>: </a:t>
-            </a:r>
-            <a:r>
-              <a:rPr lang="en-US" sz="1200" dirty="0" err="1">
-                <a:hlinkClick r:id="rId4"/>
-              </a:rPr>
-              <a:t>Sobreajuste_e_early_stop.ipynb</a:t>
-            </a:r>
-            <a:endParaRPr lang="pt-BR" sz="1200" dirty="0"/>
-          </a:p>
-        </p:txBody>
-      </p:sp>
     </p:spTree>
     <p:extLst>
       <p:ext uri="{BB962C8B-B14F-4D97-AF65-F5344CB8AC3E}">
-        <p14:creationId xmlns:p14="http://schemas.microsoft.com/office/powerpoint/2010/main" val="1668345661"/>
+        <p14:creationId xmlns:p14="http://schemas.microsoft.com/office/powerpoint/2010/main" val="1330125366"/>
       </p:ext>
     </p:extLst>
   </p:cSld>
@@ -5558,8 +7764,460 @@
         </p:nvSpPr>
         <p:spPr>
           <a:xfrm>
-            <a:off x="6955605" y="1825624"/>
-            <a:ext cx="5126804" cy="5032375"/>
+            <a:off x="5637008" y="1825624"/>
+            <a:ext cx="6414580" cy="5032375"/>
+          </a:xfrm>
+        </p:spPr>
+        <p:txBody>
+          <a:bodyPr>
+            <a:normAutofit lnSpcReduction="10000"/>
+          </a:bodyPr>
+          <a:lstStyle/>
+          <a:p>
+            <a:r>
+              <a:rPr lang="pt-BR" b="1" i="0" dirty="0">
+                <a:effectLst/>
+              </a:rPr>
+              <a:t>Regularização:</a:t>
+            </a:r>
+            <a:r>
+              <a:rPr lang="pt-BR" b="0" i="0" dirty="0">
+                <a:effectLst/>
+              </a:rPr>
+              <a:t> Utilizar técnicas de regularização, como L1, L2 ou </a:t>
+            </a:r>
+            <a:r>
+              <a:rPr lang="pt-BR" b="0" i="1" dirty="0">
+                <a:effectLst/>
+              </a:rPr>
+              <a:t>Earl</a:t>
+            </a:r>
+            <a:r>
+              <a:rPr lang="pt-BR" i="1" dirty="0"/>
+              <a:t>y </a:t>
+            </a:r>
+            <a:r>
+              <a:rPr lang="pt-BR" b="0" i="1" dirty="0">
+                <a:effectLst/>
+              </a:rPr>
+              <a:t>stopping</a:t>
+            </a:r>
+            <a:r>
+              <a:rPr lang="pt-BR" b="0" dirty="0">
+                <a:effectLst/>
+              </a:rPr>
+              <a:t> e </a:t>
+            </a:r>
+            <a:r>
+              <a:rPr lang="pt-BR" b="0" i="1" dirty="0">
+                <a:effectLst/>
+              </a:rPr>
+              <a:t>Dropout</a:t>
+            </a:r>
+            <a:r>
+              <a:rPr lang="pt-BR" b="0" i="0" dirty="0">
+                <a:effectLst/>
+              </a:rPr>
+              <a:t> em redes neurais, para reduzir a complexidade do modelo.</a:t>
+            </a:r>
+          </a:p>
+          <a:p>
+            <a:r>
+              <a:rPr lang="pt-BR" b="1" i="1" dirty="0">
+                <a:solidFill>
+                  <a:srgbClr val="00B050"/>
+                </a:solidFill>
+                <a:effectLst/>
+              </a:rPr>
+              <a:t>Early stopping</a:t>
+            </a:r>
+            <a:r>
+              <a:rPr lang="pt-BR" b="1" dirty="0">
+                <a:solidFill>
+                  <a:srgbClr val="00B050"/>
+                </a:solidFill>
+                <a:effectLst/>
+              </a:rPr>
+              <a:t> </a:t>
+            </a:r>
+            <a:r>
+              <a:rPr lang="pt-BR" dirty="0">
+                <a:effectLst/>
+              </a:rPr>
+              <a:t>(ou parada antecipada) é uma técnica de </a:t>
+            </a:r>
+            <a:r>
+              <a:rPr lang="pt-BR" b="1" i="1" dirty="0">
+                <a:effectLst/>
+              </a:rPr>
+              <a:t>regularização temporal</a:t>
+            </a:r>
+            <a:r>
+              <a:rPr lang="pt-BR" dirty="0">
+                <a:effectLst/>
+              </a:rPr>
+              <a:t>.</a:t>
+            </a:r>
+          </a:p>
+          <a:p>
+            <a:r>
+              <a:rPr lang="pt-BR" b="0" i="0" dirty="0">
+                <a:effectLst/>
+              </a:rPr>
+              <a:t>A ideia é interromper o treinamento do modelo assim que o desempenho no conjunto de validação começa a piorar, em vez de continuar até que o modelo se ajuste demais aos dados de treinamento.</a:t>
+            </a:r>
+          </a:p>
+          <a:p>
+            <a:pPr lvl="1">
+              <a:buFont typeface="Wingdings" panose="05000000000000000000" pitchFamily="2" charset="2"/>
+              <a:buChar char="§"/>
+            </a:pPr>
+            <a:r>
+              <a:rPr lang="pt-BR" b="1" i="1" dirty="0">
+                <a:effectLst/>
+              </a:rPr>
+              <a:t>Vantagens</a:t>
+            </a:r>
+            <a:r>
+              <a:rPr lang="pt-BR" b="0" i="0" dirty="0">
+                <a:effectLst/>
+              </a:rPr>
+              <a:t>: economiza tempo e recursos computacionais.</a:t>
+            </a:r>
+            <a:endParaRPr lang="pt-BR" dirty="0">
+              <a:effectLst/>
+            </a:endParaRPr>
+          </a:p>
+        </p:txBody>
+      </p:sp>
+      <p:grpSp>
+        <p:nvGrpSpPr>
+          <p:cNvPr id="6" name="Agrupar 5">
+            <a:extLst>
+              <a:ext uri="{FF2B5EF4-FFF2-40B4-BE49-F238E27FC236}">
+                <a16:creationId xmlns:a16="http://schemas.microsoft.com/office/drawing/2014/main" id="{5B96B489-3B3F-EAC5-5271-479360133A2A}"/>
+              </a:ext>
+            </a:extLst>
+          </p:cNvPr>
+          <p:cNvGrpSpPr/>
+          <p:nvPr/>
+        </p:nvGrpSpPr>
+        <p:grpSpPr>
+          <a:xfrm>
+            <a:off x="448916" y="2140058"/>
+            <a:ext cx="4817167" cy="3991572"/>
+            <a:chOff x="919612" y="1910994"/>
+            <a:chExt cx="4817167" cy="3991572"/>
+          </a:xfrm>
+        </p:grpSpPr>
+        <p:pic>
+          <p:nvPicPr>
+            <p:cNvPr id="2050" name="Picture 2">
+              <a:extLst>
+                <a:ext uri="{FF2B5EF4-FFF2-40B4-BE49-F238E27FC236}">
+                  <a16:creationId xmlns:a16="http://schemas.microsoft.com/office/drawing/2014/main" id="{277FAE98-5C78-2BE3-451C-35F914BB2626}"/>
+                </a:ext>
+              </a:extLst>
+            </p:cNvPr>
+            <p:cNvPicPr>
+              <a:picLocks noChangeAspect="1" noChangeArrowheads="1"/>
+            </p:cNvPicPr>
+            <p:nvPr/>
+          </p:nvPicPr>
+          <p:blipFill>
+            <a:blip r:embed="rId3">
+              <a:extLst>
+                <a:ext uri="{28A0092B-C50C-407E-A947-70E740481C1C}">
+                  <a14:useLocalDpi xmlns:a14="http://schemas.microsoft.com/office/drawing/2010/main" val="0"/>
+                </a:ext>
+              </a:extLst>
+            </a:blip>
+            <a:srcRect/>
+            <a:stretch>
+              <a:fillRect/>
+            </a:stretch>
+          </p:blipFill>
+          <p:spPr bwMode="auto">
+            <a:xfrm>
+              <a:off x="919612" y="1910994"/>
+              <a:ext cx="4817167" cy="3991572"/>
+            </a:xfrm>
+            <a:prstGeom prst="rect">
+              <a:avLst/>
+            </a:prstGeom>
+            <a:noFill/>
+            <a:extLst>
+              <a:ext uri="{909E8E84-426E-40DD-AFC4-6F175D3DCCD1}">
+                <a14:hiddenFill xmlns:a14="http://schemas.microsoft.com/office/drawing/2010/main">
+                  <a:solidFill>
+                    <a:srgbClr val="FFFFFF"/>
+                  </a:solidFill>
+                </a14:hiddenFill>
+              </a:ext>
+            </a:extLst>
+          </p:spPr>
+        </p:pic>
+        <p:sp>
+          <p:nvSpPr>
+            <p:cNvPr id="4" name="Elipse 3">
+              <a:extLst>
+                <a:ext uri="{FF2B5EF4-FFF2-40B4-BE49-F238E27FC236}">
+                  <a16:creationId xmlns:a16="http://schemas.microsoft.com/office/drawing/2014/main" id="{FA37B87A-880A-828C-4447-7827240999C9}"/>
+                </a:ext>
+              </a:extLst>
+            </p:cNvPr>
+            <p:cNvSpPr/>
+            <p:nvPr/>
+          </p:nvSpPr>
+          <p:spPr>
+            <a:xfrm>
+              <a:off x="1428749" y="4219574"/>
+              <a:ext cx="309563" cy="276225"/>
+            </a:xfrm>
+            <a:prstGeom prst="ellipse">
+              <a:avLst/>
+            </a:prstGeom>
+            <a:noFill/>
+            <a:ln>
+              <a:solidFill>
+                <a:srgbClr val="FF0000"/>
+              </a:solidFill>
+            </a:ln>
+          </p:spPr>
+          <p:style>
+            <a:lnRef idx="2">
+              <a:schemeClr val="accent1">
+                <a:shade val="15000"/>
+              </a:schemeClr>
+            </a:lnRef>
+            <a:fillRef idx="1">
+              <a:schemeClr val="accent1"/>
+            </a:fillRef>
+            <a:effectRef idx="0">
+              <a:schemeClr val="accent1"/>
+            </a:effectRef>
+            <a:fontRef idx="minor">
+              <a:schemeClr val="lt1"/>
+            </a:fontRef>
+          </p:style>
+          <p:txBody>
+            <a:bodyPr rtlCol="0" anchor="ctr"/>
+            <a:lstStyle/>
+            <a:p>
+              <a:pPr algn="ctr"/>
+              <a:endParaRPr lang="pt-BR"/>
+            </a:p>
+          </p:txBody>
+        </p:sp>
+        <p:sp>
+          <p:nvSpPr>
+            <p:cNvPr id="5" name="CaixaDeTexto 4">
+              <a:extLst>
+                <a:ext uri="{FF2B5EF4-FFF2-40B4-BE49-F238E27FC236}">
+                  <a16:creationId xmlns:a16="http://schemas.microsoft.com/office/drawing/2014/main" id="{A0491ECA-0F21-F4E0-D27B-9EFF1243D0B5}"/>
+                </a:ext>
+              </a:extLst>
+            </p:cNvPr>
+            <p:cNvSpPr txBox="1"/>
+            <p:nvPr/>
+          </p:nvSpPr>
+          <p:spPr>
+            <a:xfrm>
+              <a:off x="1857879" y="4500560"/>
+              <a:ext cx="826769" cy="276999"/>
+            </a:xfrm>
+            <a:prstGeom prst="rect">
+              <a:avLst/>
+            </a:prstGeom>
+            <a:noFill/>
+          </p:spPr>
+          <p:txBody>
+            <a:bodyPr wrap="square" rtlCol="0">
+              <a:spAutoFit/>
+            </a:bodyPr>
+            <a:lstStyle/>
+            <a:p>
+              <a:pPr algn="ctr"/>
+              <a:r>
+                <a:rPr lang="pt-BR" sz="1200" dirty="0"/>
+                <a:t>Early-stop</a:t>
+              </a:r>
+            </a:p>
+          </p:txBody>
+        </p:sp>
+        <p:cxnSp>
+          <p:nvCxnSpPr>
+            <p:cNvPr id="7" name="Conector de Seta Reta 6">
+              <a:extLst>
+                <a:ext uri="{FF2B5EF4-FFF2-40B4-BE49-F238E27FC236}">
+                  <a16:creationId xmlns:a16="http://schemas.microsoft.com/office/drawing/2014/main" id="{A07786AB-F3F8-B4AB-0540-9876956F6B3E}"/>
+                </a:ext>
+              </a:extLst>
+            </p:cNvPr>
+            <p:cNvCxnSpPr>
+              <a:stCxn id="4" idx="5"/>
+            </p:cNvCxnSpPr>
+            <p:nvPr/>
+          </p:nvCxnSpPr>
+          <p:spPr>
+            <a:xfrm>
+              <a:off x="1692978" y="4455347"/>
+              <a:ext cx="264410" cy="183712"/>
+            </a:xfrm>
+            <a:prstGeom prst="straightConnector1">
+              <a:avLst/>
+            </a:prstGeom>
+            <a:ln>
+              <a:solidFill>
+                <a:srgbClr val="FF0000"/>
+              </a:solidFill>
+              <a:tailEnd type="triangle"/>
+            </a:ln>
+          </p:spPr>
+          <p:style>
+            <a:lnRef idx="1">
+              <a:schemeClr val="accent1"/>
+            </a:lnRef>
+            <a:fillRef idx="0">
+              <a:schemeClr val="accent1"/>
+            </a:fillRef>
+            <a:effectRef idx="0">
+              <a:schemeClr val="accent1"/>
+            </a:effectRef>
+            <a:fontRef idx="minor">
+              <a:schemeClr val="tx1"/>
+            </a:fontRef>
+          </p:style>
+        </p:cxnSp>
+      </p:grpSp>
+      <p:sp>
+        <p:nvSpPr>
+          <p:cNvPr id="9" name="CaixaDeTexto 8">
+            <a:extLst>
+              <a:ext uri="{FF2B5EF4-FFF2-40B4-BE49-F238E27FC236}">
+                <a16:creationId xmlns:a16="http://schemas.microsoft.com/office/drawing/2014/main" id="{0A5387B2-D421-E880-9FA0-D213BE79D699}"/>
+              </a:ext>
+            </a:extLst>
+          </p:cNvPr>
+          <p:cNvSpPr txBox="1"/>
+          <p:nvPr/>
+        </p:nvSpPr>
+        <p:spPr>
+          <a:xfrm>
+            <a:off x="0" y="6581001"/>
+            <a:ext cx="2857500" cy="276999"/>
+          </a:xfrm>
+          <a:prstGeom prst="rect">
+            <a:avLst/>
+          </a:prstGeom>
+          <a:noFill/>
+        </p:spPr>
+        <p:txBody>
+          <a:bodyPr wrap="square">
+            <a:spAutoFit/>
+          </a:bodyPr>
+          <a:lstStyle/>
+          <a:p>
+            <a:r>
+              <a:rPr lang="en-US" sz="1200" dirty="0" err="1">
+                <a:hlinkClick r:id="rId4"/>
+              </a:rPr>
+              <a:t>Exemplo</a:t>
+            </a:r>
+            <a:r>
+              <a:rPr lang="en-US" sz="1200" dirty="0">
+                <a:hlinkClick r:id="rId4"/>
+              </a:rPr>
+              <a:t>: </a:t>
+            </a:r>
+            <a:r>
+              <a:rPr lang="en-US" sz="1200" dirty="0" err="1">
+                <a:hlinkClick r:id="rId4"/>
+              </a:rPr>
+              <a:t>Sobreajuste_e_early_stop.ipynb</a:t>
+            </a:r>
+            <a:endParaRPr lang="pt-BR" sz="1200" dirty="0"/>
+          </a:p>
+        </p:txBody>
+      </p:sp>
+    </p:spTree>
+    <p:extLst>
+      <p:ext uri="{BB962C8B-B14F-4D97-AF65-F5344CB8AC3E}">
+        <p14:creationId xmlns:p14="http://schemas.microsoft.com/office/powerpoint/2010/main" val="1668345661"/>
+      </p:ext>
+    </p:extLst>
+  </p:cSld>
+  <p:clrMapOvr>
+    <a:masterClrMapping/>
+  </p:clrMapOvr>
+</p:sld>
+</file>
+
+<file path=ppt/slides/slide12.xml><?xml version="1.0" encoding="utf-8"?>
+<p:sld xmlns:a="http://schemas.openxmlformats.org/drawingml/2006/main" xmlns:r="http://schemas.openxmlformats.org/officeDocument/2006/relationships" xmlns:p="http://schemas.openxmlformats.org/presentationml/2006/main">
+  <p:cSld>
+    <p:spTree>
+      <p:nvGrpSpPr>
+        <p:cNvPr id="1" name=""/>
+        <p:cNvGrpSpPr/>
+        <p:nvPr/>
+      </p:nvGrpSpPr>
+      <p:grpSpPr>
+        <a:xfrm>
+          <a:off x="0" y="0"/>
+          <a:ext cx="0" cy="0"/>
+          <a:chOff x="0" y="0"/>
+          <a:chExt cx="0" cy="0"/>
+        </a:xfrm>
+      </p:grpSpPr>
+      <p:sp>
+        <p:nvSpPr>
+          <p:cNvPr id="2" name="Título 1">
+            <a:extLst>
+              <a:ext uri="{FF2B5EF4-FFF2-40B4-BE49-F238E27FC236}">
+                <a16:creationId xmlns:a16="http://schemas.microsoft.com/office/drawing/2014/main" id="{6766F209-3E3E-0136-4083-293C5897A43D}"/>
+              </a:ext>
+            </a:extLst>
+          </p:cNvPr>
+          <p:cNvSpPr>
+            <a:spLocks noGrp="1"/>
+          </p:cNvSpPr>
+          <p:nvPr>
+            <p:ph type="title"/>
+          </p:nvPr>
+        </p:nvSpPr>
+        <p:spPr/>
+        <p:txBody>
+          <a:bodyPr/>
+          <a:lstStyle/>
+          <a:p>
+            <a:r>
+              <a:rPr lang="pt-BR" dirty="0"/>
+              <a:t>Como evitar o sobreajuste?</a:t>
+            </a:r>
+          </a:p>
+        </p:txBody>
+      </p:sp>
+      <p:sp>
+        <p:nvSpPr>
+          <p:cNvPr id="3" name="Espaço Reservado para Conteúdo 2">
+            <a:extLst>
+              <a:ext uri="{FF2B5EF4-FFF2-40B4-BE49-F238E27FC236}">
+                <a16:creationId xmlns:a16="http://schemas.microsoft.com/office/drawing/2014/main" id="{D2294B5F-B438-34E2-4845-29E47EF0DECB}"/>
+              </a:ext>
+            </a:extLst>
+          </p:cNvPr>
+          <p:cNvSpPr>
+            <a:spLocks noGrp="1"/>
+          </p:cNvSpPr>
+          <p:nvPr>
+            <p:ph idx="1"/>
+          </p:nvPr>
+        </p:nvSpPr>
+        <p:spPr>
+          <a:xfrm>
+            <a:off x="5787615" y="1825624"/>
+            <a:ext cx="6263972" cy="5032375"/>
           </a:xfrm>
         </p:spPr>
         <p:txBody>
@@ -5569,10 +8227,419 @@
           <a:lstStyle/>
           <a:p>
             <a:r>
+              <a:rPr lang="pt-BR" b="0" dirty="0">
+                <a:effectLst/>
+              </a:rPr>
+              <a:t>O </a:t>
+            </a:r>
+            <a:r>
+              <a:rPr lang="pt-BR" b="1" i="1" dirty="0">
+                <a:solidFill>
+                  <a:srgbClr val="00B050"/>
+                </a:solidFill>
+                <a:effectLst/>
+              </a:rPr>
+              <a:t>dropout</a:t>
+            </a:r>
+            <a:r>
+              <a:rPr lang="pt-BR" b="0" i="1" dirty="0">
+                <a:effectLst/>
+              </a:rPr>
+              <a:t> </a:t>
+            </a:r>
+            <a:r>
+              <a:rPr lang="pt-BR" b="0" i="0" dirty="0">
+                <a:effectLst/>
+              </a:rPr>
+              <a:t>envolve aleatoriamente "desligar" ou "descartar" um subconjunto dos neurônios em cada camada, </a:t>
+            </a:r>
+            <a:r>
+              <a:rPr lang="pt-BR" b="1" i="1" dirty="0">
+                <a:solidFill>
+                  <a:srgbClr val="7030A0"/>
+                </a:solidFill>
+                <a:effectLst/>
+              </a:rPr>
+              <a:t>durante o treinamento </a:t>
+            </a:r>
+            <a:r>
+              <a:rPr lang="pt-BR" b="0" i="0" dirty="0">
+                <a:effectLst/>
+              </a:rPr>
+              <a:t>da rede neural. </a:t>
+            </a:r>
+          </a:p>
+          <a:p>
+            <a:r>
+              <a:rPr lang="pt-BR" b="0" i="0" dirty="0">
+                <a:effectLst/>
+              </a:rPr>
+              <a:t>Isso significa que esses neurônios não contribuirão para o cálculo das saídas da rede durante essa iteração de treinamento.</a:t>
+            </a:r>
+          </a:p>
+          <a:p>
+            <a:r>
+              <a:rPr lang="pt-BR" dirty="0"/>
+              <a:t>Desta forma, o modelo fica menos complexo, diminuindo as chances de sobreajuste.</a:t>
+            </a:r>
+            <a:endParaRPr lang="pt-BR" b="0" i="0" dirty="0">
+              <a:effectLst/>
+            </a:endParaRPr>
+          </a:p>
+        </p:txBody>
+      </p:sp>
+      <p:sp>
+        <p:nvSpPr>
+          <p:cNvPr id="9" name="CaixaDeTexto 8">
+            <a:extLst>
+              <a:ext uri="{FF2B5EF4-FFF2-40B4-BE49-F238E27FC236}">
+                <a16:creationId xmlns:a16="http://schemas.microsoft.com/office/drawing/2014/main" id="{0A5387B2-D421-E880-9FA0-D213BE79D699}"/>
+              </a:ext>
+            </a:extLst>
+          </p:cNvPr>
+          <p:cNvSpPr txBox="1"/>
+          <p:nvPr/>
+        </p:nvSpPr>
+        <p:spPr>
+          <a:xfrm>
+            <a:off x="0" y="6581000"/>
+            <a:ext cx="3708971" cy="276999"/>
+          </a:xfrm>
+          <a:prstGeom prst="rect">
+            <a:avLst/>
+          </a:prstGeom>
+          <a:noFill/>
+        </p:spPr>
+        <p:txBody>
+          <a:bodyPr wrap="square">
+            <a:spAutoFit/>
+          </a:bodyPr>
+          <a:lstStyle/>
+          <a:p>
+            <a:r>
+              <a:rPr lang="pt-BR" sz="1200" dirty="0">
+                <a:hlinkClick r:id="rId3"/>
+              </a:rPr>
+              <a:t>Exemplo: </a:t>
+            </a:r>
+            <a:r>
+              <a:rPr lang="pt-BR" sz="1200" dirty="0" err="1">
+                <a:hlinkClick r:id="rId3"/>
+              </a:rPr>
+              <a:t>Sobreajuste_e_dropout.ipynb</a:t>
+            </a:r>
+            <a:endParaRPr lang="pt-BR" sz="1200" dirty="0"/>
+          </a:p>
+        </p:txBody>
+      </p:sp>
+      <p:pic>
+        <p:nvPicPr>
+          <p:cNvPr id="1026" name="Picture 2" descr="Dropout in Neural Networks. Dropout layers have been the go-to… | by Harsh  Yadav | Towards Data Science">
+            <a:extLst>
+              <a:ext uri="{FF2B5EF4-FFF2-40B4-BE49-F238E27FC236}">
+                <a16:creationId xmlns:a16="http://schemas.microsoft.com/office/drawing/2014/main" id="{7908373E-5974-7415-1DDF-423DEBE8BBF0}"/>
+              </a:ext>
+            </a:extLst>
+          </p:cNvPr>
+          <p:cNvPicPr>
+            <a:picLocks noChangeAspect="1" noChangeArrowheads="1"/>
+          </p:cNvPicPr>
+          <p:nvPr/>
+        </p:nvPicPr>
+        <p:blipFill rotWithShape="1">
+          <a:blip r:embed="rId4">
+            <a:extLst>
+              <a:ext uri="{28A0092B-C50C-407E-A947-70E740481C1C}">
+                <a14:useLocalDpi xmlns:a14="http://schemas.microsoft.com/office/drawing/2010/main" val="0"/>
+              </a:ext>
+            </a:extLst>
+          </a:blip>
+          <a:srcRect l="4461" r="4461"/>
+          <a:stretch/>
+        </p:blipFill>
+        <p:spPr bwMode="auto">
+          <a:xfrm>
+            <a:off x="279699" y="2344492"/>
+            <a:ext cx="5271247" cy="3089917"/>
+          </a:xfrm>
+          <a:prstGeom prst="rect">
+            <a:avLst/>
+          </a:prstGeom>
+          <a:noFill/>
+          <a:extLst>
+            <a:ext uri="{909E8E84-426E-40DD-AFC4-6F175D3DCCD1}">
+              <a14:hiddenFill xmlns:a14="http://schemas.microsoft.com/office/drawing/2010/main">
+                <a:solidFill>
+                  <a:srgbClr val="FFFFFF"/>
+                </a:solidFill>
+              </a14:hiddenFill>
+            </a:ext>
+          </a:extLst>
+        </p:spPr>
+      </p:pic>
+    </p:spTree>
+    <p:extLst>
+      <p:ext uri="{BB962C8B-B14F-4D97-AF65-F5344CB8AC3E}">
+        <p14:creationId xmlns:p14="http://schemas.microsoft.com/office/powerpoint/2010/main" val="800807827"/>
+      </p:ext>
+    </p:extLst>
+  </p:cSld>
+  <p:clrMapOvr>
+    <a:masterClrMapping/>
+  </p:clrMapOvr>
+</p:sld>
+</file>
+
+<file path=ppt/slides/slide13.xml><?xml version="1.0" encoding="utf-8"?>
+<p:sld xmlns:a="http://schemas.openxmlformats.org/drawingml/2006/main" xmlns:r="http://schemas.openxmlformats.org/officeDocument/2006/relationships" xmlns:p="http://schemas.openxmlformats.org/presentationml/2006/main">
+  <p:cSld>
+    <p:spTree>
+      <p:nvGrpSpPr>
+        <p:cNvPr id="1" name=""/>
+        <p:cNvGrpSpPr/>
+        <p:nvPr/>
+      </p:nvGrpSpPr>
+      <p:grpSpPr>
+        <a:xfrm>
+          <a:off x="0" y="0"/>
+          <a:ext cx="0" cy="0"/>
+          <a:chOff x="0" y="0"/>
+          <a:chExt cx="0" cy="0"/>
+        </a:xfrm>
+      </p:grpSpPr>
+      <p:sp>
+        <p:nvSpPr>
+          <p:cNvPr id="2" name="Título 1">
+            <a:extLst>
+              <a:ext uri="{FF2B5EF4-FFF2-40B4-BE49-F238E27FC236}">
+                <a16:creationId xmlns:a16="http://schemas.microsoft.com/office/drawing/2014/main" id="{6766F209-3E3E-0136-4083-293C5897A43D}"/>
+              </a:ext>
+            </a:extLst>
+          </p:cNvPr>
+          <p:cNvSpPr>
+            <a:spLocks noGrp="1"/>
+          </p:cNvSpPr>
+          <p:nvPr>
+            <p:ph type="title"/>
+          </p:nvPr>
+        </p:nvSpPr>
+        <p:spPr/>
+        <p:txBody>
+          <a:bodyPr/>
+          <a:lstStyle/>
+          <a:p>
+            <a:r>
+              <a:rPr lang="pt-BR" dirty="0"/>
+              <a:t>Como evitar o sobreajuste?</a:t>
+            </a:r>
+          </a:p>
+        </p:txBody>
+      </p:sp>
+      <p:sp>
+        <p:nvSpPr>
+          <p:cNvPr id="3" name="Espaço Reservado para Conteúdo 2">
+            <a:extLst>
+              <a:ext uri="{FF2B5EF4-FFF2-40B4-BE49-F238E27FC236}">
+                <a16:creationId xmlns:a16="http://schemas.microsoft.com/office/drawing/2014/main" id="{D2294B5F-B438-34E2-4845-29E47EF0DECB}"/>
+              </a:ext>
+            </a:extLst>
+          </p:cNvPr>
+          <p:cNvSpPr>
+            <a:spLocks noGrp="1"/>
+          </p:cNvSpPr>
+          <p:nvPr>
+            <p:ph idx="1"/>
+          </p:nvPr>
+        </p:nvSpPr>
+        <p:spPr>
+          <a:xfrm>
+            <a:off x="5787615" y="1825624"/>
+            <a:ext cx="6263972" cy="5032375"/>
+          </a:xfrm>
+        </p:spPr>
+        <p:txBody>
+          <a:bodyPr>
+            <a:normAutofit/>
+          </a:bodyPr>
+          <a:lstStyle/>
+          <a:p>
+            <a:r>
+              <a:rPr lang="pt-BR" b="0" i="0" dirty="0">
+                <a:effectLst/>
+              </a:rPr>
+              <a:t>Heuristicamente, quando desligamos diferentes conjuntos de neurônios, é como se estivéssemos treinando várias redes neurais diferentes. </a:t>
+            </a:r>
+          </a:p>
+          <a:p>
+            <a:r>
+              <a:rPr lang="pt-BR" dirty="0"/>
+              <a:t>D</a:t>
+            </a:r>
+            <a:r>
+              <a:rPr lang="pt-BR" b="0" i="0" dirty="0">
+                <a:effectLst/>
+              </a:rPr>
+              <a:t>urante a inferência, os resultados dessas redes são ponderados (e.g., média ou voto majoritário) para produzir a saída final da rede.</a:t>
+            </a:r>
+          </a:p>
+          <a:p>
+            <a:r>
+              <a:rPr lang="pt-BR" b="0" i="0" dirty="0">
+                <a:effectLst/>
+              </a:rPr>
+              <a:t>As diferentes redes se adaptarão de diferentes maneiras, e assim, esperançosamente, o efeito do </a:t>
+            </a:r>
+            <a:r>
+              <a:rPr lang="pt-BR" b="0" i="1" dirty="0">
+                <a:effectLst/>
+              </a:rPr>
+              <a:t>dropout</a:t>
+            </a:r>
+            <a:r>
+              <a:rPr lang="pt-BR" b="0" i="0" dirty="0">
+                <a:effectLst/>
+              </a:rPr>
+              <a:t> será reduzir o sobreajuste.</a:t>
+            </a:r>
+          </a:p>
+        </p:txBody>
+      </p:sp>
+      <p:pic>
+        <p:nvPicPr>
+          <p:cNvPr id="1026" name="Picture 2" descr="Dropout in Neural Networks. Dropout layers have been the go-to… | by Harsh  Yadav | Towards Data Science">
+            <a:extLst>
+              <a:ext uri="{FF2B5EF4-FFF2-40B4-BE49-F238E27FC236}">
+                <a16:creationId xmlns:a16="http://schemas.microsoft.com/office/drawing/2014/main" id="{7908373E-5974-7415-1DDF-423DEBE8BBF0}"/>
+              </a:ext>
+            </a:extLst>
+          </p:cNvPr>
+          <p:cNvPicPr>
+            <a:picLocks noChangeAspect="1" noChangeArrowheads="1"/>
+          </p:cNvPicPr>
+          <p:nvPr/>
+        </p:nvPicPr>
+        <p:blipFill rotWithShape="1">
+          <a:blip r:embed="rId3">
+            <a:extLst>
+              <a:ext uri="{28A0092B-C50C-407E-A947-70E740481C1C}">
+                <a14:useLocalDpi xmlns:a14="http://schemas.microsoft.com/office/drawing/2010/main" val="0"/>
+              </a:ext>
+            </a:extLst>
+          </a:blip>
+          <a:srcRect l="4461" r="4461"/>
+          <a:stretch/>
+        </p:blipFill>
+        <p:spPr bwMode="auto">
+          <a:xfrm>
+            <a:off x="279699" y="2344492"/>
+            <a:ext cx="5271247" cy="3089917"/>
+          </a:xfrm>
+          <a:prstGeom prst="rect">
+            <a:avLst/>
+          </a:prstGeom>
+          <a:noFill/>
+          <a:extLst>
+            <a:ext uri="{909E8E84-426E-40DD-AFC4-6F175D3DCCD1}">
+              <a14:hiddenFill xmlns:a14="http://schemas.microsoft.com/office/drawing/2010/main">
+                <a:solidFill>
+                  <a:srgbClr val="FFFFFF"/>
+                </a:solidFill>
+              </a14:hiddenFill>
+            </a:ext>
+          </a:extLst>
+        </p:spPr>
+      </p:pic>
+    </p:spTree>
+    <p:extLst>
+      <p:ext uri="{BB962C8B-B14F-4D97-AF65-F5344CB8AC3E}">
+        <p14:creationId xmlns:p14="http://schemas.microsoft.com/office/powerpoint/2010/main" val="4145224065"/>
+      </p:ext>
+    </p:extLst>
+  </p:cSld>
+  <p:clrMapOvr>
+    <a:masterClrMapping/>
+  </p:clrMapOvr>
+</p:sld>
+</file>
+
+<file path=ppt/slides/slide14.xml><?xml version="1.0" encoding="utf-8"?>
+<p:sld xmlns:a="http://schemas.openxmlformats.org/drawingml/2006/main" xmlns:r="http://schemas.openxmlformats.org/officeDocument/2006/relationships" xmlns:p="http://schemas.openxmlformats.org/presentationml/2006/main">
+  <p:cSld>
+    <p:spTree>
+      <p:nvGrpSpPr>
+        <p:cNvPr id="1" name=""/>
+        <p:cNvGrpSpPr/>
+        <p:nvPr/>
+      </p:nvGrpSpPr>
+      <p:grpSpPr>
+        <a:xfrm>
+          <a:off x="0" y="0"/>
+          <a:ext cx="0" cy="0"/>
+          <a:chOff x="0" y="0"/>
+          <a:chExt cx="0" cy="0"/>
+        </a:xfrm>
+      </p:grpSpPr>
+      <p:sp>
+        <p:nvSpPr>
+          <p:cNvPr id="2" name="Título 1">
+            <a:extLst>
+              <a:ext uri="{FF2B5EF4-FFF2-40B4-BE49-F238E27FC236}">
+                <a16:creationId xmlns:a16="http://schemas.microsoft.com/office/drawing/2014/main" id="{6766F209-3E3E-0136-4083-293C5897A43D}"/>
+              </a:ext>
+            </a:extLst>
+          </p:cNvPr>
+          <p:cNvSpPr>
+            <a:spLocks noGrp="1"/>
+          </p:cNvSpPr>
+          <p:nvPr>
+            <p:ph type="title"/>
+          </p:nvPr>
+        </p:nvSpPr>
+        <p:spPr/>
+        <p:txBody>
+          <a:bodyPr/>
+          <a:lstStyle/>
+          <a:p>
+            <a:r>
+              <a:rPr lang="pt-BR" dirty="0"/>
+              <a:t>Como evitar o sobreajuste?</a:t>
+            </a:r>
+          </a:p>
+        </p:txBody>
+      </p:sp>
+      <p:sp>
+        <p:nvSpPr>
+          <p:cNvPr id="3" name="Espaço Reservado para Conteúdo 2">
+            <a:extLst>
+              <a:ext uri="{FF2B5EF4-FFF2-40B4-BE49-F238E27FC236}">
+                <a16:creationId xmlns:a16="http://schemas.microsoft.com/office/drawing/2014/main" id="{D2294B5F-B438-34E2-4845-29E47EF0DECB}"/>
+              </a:ext>
+            </a:extLst>
+          </p:cNvPr>
+          <p:cNvSpPr>
+            <a:spLocks noGrp="1"/>
+          </p:cNvSpPr>
+          <p:nvPr>
+            <p:ph idx="1"/>
+          </p:nvPr>
+        </p:nvSpPr>
+        <p:spPr>
+          <a:xfrm>
+            <a:off x="6318608" y="1825624"/>
+            <a:ext cx="5763802" cy="5032375"/>
+          </a:xfrm>
+        </p:spPr>
+        <p:txBody>
+          <a:bodyPr>
+            <a:normAutofit/>
+          </a:bodyPr>
+          <a:lstStyle/>
+          <a:p>
+            <a:r>
               <a:rPr lang="pt-BR" b="1" i="0" dirty="0">
                 <a:effectLst/>
               </a:rPr>
-              <a:t>Aumento dos dados (</a:t>
+              <a:t>Aumentar artificialmente os dados (</a:t>
             </a:r>
             <a:r>
               <a:rPr lang="pt-BR" b="1" i="1" dirty="0">
@@ -5590,33 +8657,85 @@
               <a:rPr lang="pt-BR" b="0" i="0" dirty="0">
                 <a:effectLst/>
               </a:rPr>
-              <a:t> Aumentar o tamanho do conjunto de treinamento sintetizando novos exemplos a partir dos dados existentes.</a:t>
-            </a:r>
-          </a:p>
-          <a:p>
-            <a:pPr lvl="1">
-              <a:buFont typeface="Wingdings" panose="05000000000000000000" pitchFamily="2" charset="2"/>
-              <a:buChar char="§"/>
-            </a:pPr>
-            <a:r>
-              <a:rPr lang="pt-BR" dirty="0"/>
-              <a:t>Com imagens, podemos aplicar </a:t>
+              <a:t> O objetivo é aumentar a </a:t>
+            </a:r>
+            <a:r>
+              <a:rPr lang="pt-BR" b="1" i="1" dirty="0">
+                <a:solidFill>
+                  <a:srgbClr val="00B050"/>
+                </a:solidFill>
+                <a:effectLst/>
+              </a:rPr>
+              <a:t>variedade</a:t>
             </a:r>
             <a:r>
               <a:rPr lang="pt-BR" b="0" i="0" dirty="0">
                 <a:effectLst/>
               </a:rPr>
-              <a:t>transformações, como rotação, espelhamento e corte, modificação do brilho, adição de ruído, desfoque, etc.</a:t>
+              <a:t> e a </a:t>
+            </a:r>
+            <a:r>
+              <a:rPr lang="pt-BR" b="1" i="1" dirty="0">
+                <a:solidFill>
+                  <a:srgbClr val="00B050"/>
+                </a:solidFill>
+                <a:effectLst/>
+              </a:rPr>
+              <a:t>diversidade</a:t>
+            </a:r>
+            <a:r>
+              <a:rPr lang="pt-BR" b="0" i="0" dirty="0">
+                <a:effectLst/>
+              </a:rPr>
+              <a:t> dos dados de treinamento criando novos exemplos a partir dos dados existentes.</a:t>
+            </a:r>
+          </a:p>
+          <a:p>
+            <a:r>
+              <a:rPr lang="pt-BR" b="0" i="0" dirty="0">
+                <a:effectLst/>
+              </a:rPr>
+              <a:t>Essa técnica ajuda a melhorar o desempenho do modelo, tornando-o mais </a:t>
+            </a:r>
+            <a:r>
+              <a:rPr lang="pt-BR" b="1" i="1" dirty="0">
+                <a:solidFill>
+                  <a:srgbClr val="00B050"/>
+                </a:solidFill>
+                <a:effectLst/>
+              </a:rPr>
+              <a:t>robusto</a:t>
+            </a:r>
+            <a:r>
+              <a:rPr lang="pt-BR" b="0" i="0" dirty="0">
+                <a:effectLst/>
+              </a:rPr>
+              <a:t> e capaz de </a:t>
+            </a:r>
+            <a:r>
+              <a:rPr lang="pt-BR" b="1" i="1" dirty="0">
+                <a:solidFill>
+                  <a:srgbClr val="00B050"/>
+                </a:solidFill>
+                <a:effectLst/>
+              </a:rPr>
+              <a:t>generalizar melhor</a:t>
+            </a:r>
+            <a:r>
+              <a:rPr lang="pt-BR" b="0" i="0" dirty="0">
+                <a:effectLst/>
+              </a:rPr>
+              <a:t>. </a:t>
             </a:r>
           </a:p>
         </p:txBody>
       </p:sp>
       <p:pic>
         <p:nvPicPr>
-          <p:cNvPr id="1026" name="Picture 2" descr="Data Augmentation for Computer Vision | by TagX | Medium">
-            <a:extLst>
-              <a:ext uri="{FF2B5EF4-FFF2-40B4-BE49-F238E27FC236}">
-                <a16:creationId xmlns:a16="http://schemas.microsoft.com/office/drawing/2014/main" id="{FB7D8235-3582-6BF9-817B-5D611675B446}"/>
+          <p:cNvPr id="4" name="Picture 2" descr="Data Augmentation for Computer Vision | by TagX | Medium">
+            <a:extLst>
+              <a:ext uri="{FF2B5EF4-FFF2-40B4-BE49-F238E27FC236}">
+                <a16:creationId xmlns:a16="http://schemas.microsoft.com/office/drawing/2014/main" id="{5692B4E6-B888-E061-A50A-821892C9DA1F}"/>
               </a:ext>
             </a:extLst>
           </p:cNvPr>
@@ -5640,8 +8759,8 @@
         </p:blipFill>
         <p:spPr bwMode="auto">
           <a:xfrm>
-            <a:off x="109592" y="2167650"/>
-            <a:ext cx="6696912" cy="3767013"/>
+            <a:off x="238134" y="2463502"/>
+            <a:ext cx="5857866" cy="3295050"/>
           </a:xfrm>
           <a:prstGeom prst="rect">
             <a:avLst/>
@@ -5671,7 +8790,7 @@
 </p:sld>
 </file>
 
-<file path=ppt/slides/slide12.xml><?xml version="1.0" encoding="utf-8"?>
+<file path=ppt/slides/slide15.xml><?xml version="1.0" encoding="utf-8"?>
 <p:sld xmlns:a="http://schemas.openxmlformats.org/drawingml/2006/main" xmlns:r="http://schemas.openxmlformats.org/officeDocument/2006/relationships" xmlns:p="http://schemas.openxmlformats.org/presentationml/2006/main">
   <p:cSld>
     <p:spTree>
@@ -5693,7 +8812,7 @@
           <p:cNvPr id="2" name="Título 1">
             <a:extLst>
               <a:ext uri="{FF2B5EF4-FFF2-40B4-BE49-F238E27FC236}">
-                <a16:creationId xmlns:a16="http://schemas.microsoft.com/office/drawing/2014/main" id="{ECD2EEC3-9F93-F0C7-00C7-2A8406F8F1BE}"/>
+                <a16:creationId xmlns:a16="http://schemas.microsoft.com/office/drawing/2014/main" id="{6766F209-3E3E-0136-4083-293C5897A43D}"/>
               </a:ext>
             </a:extLst>
           </p:cNvPr>
@@ -5721,7 +8840,7 @@
           <p:cNvPr id="3" name="Espaço Reservado para Conteúdo 2">
             <a:extLst>
               <a:ext uri="{FF2B5EF4-FFF2-40B4-BE49-F238E27FC236}">
-                <a16:creationId xmlns:a16="http://schemas.microsoft.com/office/drawing/2014/main" id="{21DAE270-373C-955C-8C3A-BAE8D668DE89}"/>
+                <a16:creationId xmlns:a16="http://schemas.microsoft.com/office/drawing/2014/main" id="{D2294B5F-B438-34E2-4845-29E47EF0DECB}"/>
               </a:ext>
             </a:extLst>
           </p:cNvPr>
@@ -5734,41 +8853,132 @@
         </p:nvSpPr>
         <p:spPr>
           <a:xfrm>
-            <a:off x="7078894" y="1825624"/>
-            <a:ext cx="4931596" cy="5032375"/>
+            <a:off x="6096000" y="1825624"/>
+            <a:ext cx="5986410" cy="5032375"/>
           </a:xfrm>
         </p:spPr>
         <p:txBody>
-          <a:bodyPr/>
+          <a:bodyPr>
+            <a:normAutofit/>
+          </a:bodyPr>
           <a:lstStyle/>
           <a:p>
             <a:r>
-              <a:rPr lang="pt-BR" b="1" i="0" dirty="0">
-                <a:effectLst/>
-              </a:rPr>
-              <a:t>Simplificar o modelo:</a:t>
+              <a:rPr lang="pt-BR" dirty="0"/>
+              <a:t>Quando o problema envolve imagens, podemos aplicar </a:t>
             </a:r>
             <a:r>
               <a:rPr lang="pt-BR" b="0" i="0" dirty="0">
                 <a:effectLst/>
               </a:rPr>
-              <a:t> Usar modelos mais simples, com menos parâmetros, quando os dados não justificarem um modelo complexo.</a:t>
-            </a:r>
-          </a:p>
-          <a:p>
-            <a:endParaRPr lang="pt-BR" b="0" i="0" dirty="0">
-              <a:effectLst/>
-            </a:endParaRPr>
-          </a:p>
-          <a:p>
-            <a:endParaRPr lang="pt-BR" dirty="0"/>
-          </a:p>
-        </p:txBody>
-      </p:sp>
+              <a:t>transformações, como rotação, espelhamento e corte, modificação do brilho, adição de ruído, desfoque, etc.</a:t>
+            </a:r>
+          </a:p>
+          <a:p>
+            <a:r>
+              <a:rPr lang="pt-BR" dirty="0"/>
+              <a:t>O </a:t>
+            </a:r>
+            <a:r>
+              <a:rPr lang="pt-BR" b="1" i="1" dirty="0"/>
+              <a:t>data a</a:t>
+            </a:r>
+            <a:r>
+              <a:rPr lang="pt-BR" b="1" i="1" dirty="0">
+                <a:effectLst/>
+              </a:rPr>
+              <a:t>ugmentation</a:t>
+            </a:r>
+            <a:r>
+              <a:rPr lang="pt-BR" dirty="0"/>
+              <a:t> torna </a:t>
+            </a:r>
+            <a:r>
+              <a:rPr lang="pt-BR" dirty="0" err="1"/>
+              <a:t>CNNs</a:t>
+            </a:r>
+            <a:r>
+              <a:rPr lang="pt-BR" dirty="0"/>
+              <a:t> </a:t>
+            </a:r>
+            <a:r>
+              <a:rPr lang="pt-BR" b="1" i="1" dirty="0"/>
+              <a:t>robustas à rotação das imagens</a:t>
+            </a:r>
+            <a:r>
+              <a:rPr lang="pt-BR" dirty="0"/>
+              <a:t>, pois a rede é treinada com a </a:t>
+            </a:r>
+            <a:r>
+              <a:rPr lang="pt-BR" b="1" i="1" dirty="0"/>
+              <a:t>mesma imagem com diferentes rotações</a:t>
+            </a:r>
+            <a:r>
+              <a:rPr lang="pt-BR" dirty="0"/>
+              <a:t>.</a:t>
+            </a:r>
+          </a:p>
+          <a:p>
+            <a:r>
+              <a:rPr lang="pt-BR" b="0" i="0" dirty="0">
+                <a:effectLst/>
+              </a:rPr>
+              <a:t>Assim a rede aprende a reconhecer padrões independentemente da orientação.</a:t>
+            </a:r>
+          </a:p>
+        </p:txBody>
+      </p:sp>
+      <p:pic>
+        <p:nvPicPr>
+          <p:cNvPr id="1026" name="Picture 2" descr="Data Augmentation for Computer Vision | by TagX | Medium">
+            <a:extLst>
+              <a:ext uri="{FF2B5EF4-FFF2-40B4-BE49-F238E27FC236}">
+                <a16:creationId xmlns:a16="http://schemas.microsoft.com/office/drawing/2014/main" id="{FB7D8235-3582-6BF9-817B-5D611675B446}"/>
+              </a:ext>
+            </a:extLst>
+          </p:cNvPr>
+          <p:cNvPicPr>
+            <a:picLocks noChangeAspect="1" noChangeArrowheads="1"/>
+          </p:cNvPicPr>
+          <p:nvPr/>
+        </p:nvPicPr>
+        <p:blipFill>
+          <a:blip r:embed="rId2">
+            <a:extLst>
+              <a:ext uri="{28A0092B-C50C-407E-A947-70E740481C1C}">
+                <a14:useLocalDpi xmlns:a14="http://schemas.microsoft.com/office/drawing/2010/main" val="0"/>
+              </a:ext>
+            </a:extLst>
+          </a:blip>
+          <a:srcRect/>
+          <a:stretch>
+            <a:fillRect/>
+          </a:stretch>
+        </p:blipFill>
+        <p:spPr bwMode="auto">
+          <a:xfrm>
+            <a:off x="109591" y="2495775"/>
+            <a:ext cx="5857866" cy="3295050"/>
+          </a:xfrm>
+          <a:prstGeom prst="rect">
+            <a:avLst/>
+          </a:prstGeom>
+          <a:noFill/>
+          <a:extLst>
+            <a:ext uri="{909E8E84-426E-40DD-AFC4-6F175D3DCCD1}">
+              <a14:hiddenFill xmlns:a14="http://schemas.microsoft.com/office/drawing/2010/main">
+                <a:solidFill>
+                  <a:srgbClr val="FFFFFF"/>
+                </a:solidFill>
+              </a14:hiddenFill>
+            </a:ext>
+          </a:extLst>
+        </p:spPr>
+      </p:pic>
     </p:spTree>
     <p:extLst>
       <p:ext uri="{BB962C8B-B14F-4D97-AF65-F5344CB8AC3E}">
-        <p14:creationId xmlns:p14="http://schemas.microsoft.com/office/powerpoint/2010/main" val="1162444472"/>
+        <p14:creationId xmlns:p14="http://schemas.microsoft.com/office/powerpoint/2010/main" val="869096838"/>
       </p:ext>
     </p:extLst>
   </p:cSld>
@@ -5778,7 +8988,7 @@
 </p:sld>
 </file>
 
-<file path=ppt/slides/slide13.xml><?xml version="1.0" encoding="utf-8"?>
+<file path=ppt/slides/slide16.xml><?xml version="1.0" encoding="utf-8"?>
 <p:sld xmlns:a="http://schemas.openxmlformats.org/drawingml/2006/main" xmlns:r="http://schemas.openxmlformats.org/officeDocument/2006/relationships" xmlns:p="http://schemas.openxmlformats.org/presentationml/2006/main">
   <p:cSld>
     <p:spTree>
@@ -5800,6 +9010,898 @@
           <p:cNvPr id="2" name="Título 1">
             <a:extLst>
               <a:ext uri="{FF2B5EF4-FFF2-40B4-BE49-F238E27FC236}">
+                <a16:creationId xmlns:a16="http://schemas.microsoft.com/office/drawing/2014/main" id="{CC2D5F9F-A089-BA73-4055-2EB54D07A5C9}"/>
+              </a:ext>
+            </a:extLst>
+          </p:cNvPr>
+          <p:cNvSpPr>
+            <a:spLocks noGrp="1"/>
+          </p:cNvSpPr>
+          <p:nvPr>
+            <p:ph type="title"/>
+          </p:nvPr>
+        </p:nvSpPr>
+        <p:spPr/>
+        <p:txBody>
+          <a:bodyPr/>
+          <a:lstStyle/>
+          <a:p>
+            <a:endParaRPr lang="pt-BR"/>
+          </a:p>
+        </p:txBody>
+      </p:sp>
+      <p:sp>
+        <p:nvSpPr>
+          <p:cNvPr id="3" name="Espaço Reservado para Conteúdo 2">
+            <a:extLst>
+              <a:ext uri="{FF2B5EF4-FFF2-40B4-BE49-F238E27FC236}">
+                <a16:creationId xmlns:a16="http://schemas.microsoft.com/office/drawing/2014/main" id="{D4DCB35F-B12A-B277-7450-FDC64173EEAE}"/>
+              </a:ext>
+            </a:extLst>
+          </p:cNvPr>
+          <p:cNvSpPr>
+            <a:spLocks noGrp="1"/>
+          </p:cNvSpPr>
+          <p:nvPr>
+            <p:ph idx="1"/>
+          </p:nvPr>
+        </p:nvSpPr>
+        <p:spPr/>
+        <p:txBody>
+          <a:bodyPr/>
+          <a:lstStyle/>
+          <a:p>
+            <a:endParaRPr lang="pt-BR"/>
+          </a:p>
+        </p:txBody>
+      </p:sp>
+    </p:spTree>
+    <p:extLst>
+      <p:ext uri="{BB962C8B-B14F-4D97-AF65-F5344CB8AC3E}">
+        <p14:creationId xmlns:p14="http://schemas.microsoft.com/office/powerpoint/2010/main" val="3339531220"/>
+      </p:ext>
+    </p:extLst>
+  </p:cSld>
+  <p:clrMapOvr>
+    <a:masterClrMapping/>
+  </p:clrMapOvr>
+</p:sld>
+</file>
+
+<file path=ppt/slides/slide17.xml><?xml version="1.0" encoding="utf-8"?>
+<p:sld xmlns:a="http://schemas.openxmlformats.org/drawingml/2006/main" xmlns:r="http://schemas.openxmlformats.org/officeDocument/2006/relationships" xmlns:p="http://schemas.openxmlformats.org/presentationml/2006/main">
+  <p:cSld>
+    <p:spTree>
+      <p:nvGrpSpPr>
+        <p:cNvPr id="1" name=""/>
+        <p:cNvGrpSpPr/>
+        <p:nvPr/>
+      </p:nvGrpSpPr>
+      <p:grpSpPr>
+        <a:xfrm>
+          <a:off x="0" y="0"/>
+          <a:ext cx="0" cy="0"/>
+          <a:chOff x="0" y="0"/>
+          <a:chExt cx="0" cy="0"/>
+        </a:xfrm>
+      </p:grpSpPr>
+      <p:sp>
+        <p:nvSpPr>
+          <p:cNvPr id="2" name="Título 1">
+            <a:extLst>
+              <a:ext uri="{FF2B5EF4-FFF2-40B4-BE49-F238E27FC236}">
+                <a16:creationId xmlns:a16="http://schemas.microsoft.com/office/drawing/2014/main" id="{6766F209-3E3E-0136-4083-293C5897A43D}"/>
+              </a:ext>
+            </a:extLst>
+          </p:cNvPr>
+          <p:cNvSpPr>
+            <a:spLocks noGrp="1"/>
+          </p:cNvSpPr>
+          <p:nvPr>
+            <p:ph type="title"/>
+          </p:nvPr>
+        </p:nvSpPr>
+        <p:spPr/>
+        <p:txBody>
+          <a:bodyPr/>
+          <a:lstStyle/>
+          <a:p>
+            <a:r>
+              <a:rPr lang="pt-BR" i="1" dirty="0"/>
+              <a:t>Data augmentation </a:t>
+            </a:r>
+            <a:r>
+              <a:rPr lang="pt-BR" dirty="0"/>
+              <a:t>com Tensorflow</a:t>
+            </a:r>
+          </a:p>
+        </p:txBody>
+      </p:sp>
+      <p:sp>
+        <p:nvSpPr>
+          <p:cNvPr id="3" name="Espaço Reservado para Conteúdo 2">
+            <a:extLst>
+              <a:ext uri="{FF2B5EF4-FFF2-40B4-BE49-F238E27FC236}">
+                <a16:creationId xmlns:a16="http://schemas.microsoft.com/office/drawing/2014/main" id="{D2294B5F-B438-34E2-4845-29E47EF0DECB}"/>
+              </a:ext>
+            </a:extLst>
+          </p:cNvPr>
+          <p:cNvSpPr>
+            <a:spLocks noGrp="1"/>
+          </p:cNvSpPr>
+          <p:nvPr>
+            <p:ph idx="1"/>
+          </p:nvPr>
+        </p:nvSpPr>
+        <p:spPr>
+          <a:xfrm>
+            <a:off x="5421855" y="1825624"/>
+            <a:ext cx="6660556" cy="5032375"/>
+          </a:xfrm>
+        </p:spPr>
+        <p:txBody>
+          <a:bodyPr>
+            <a:normAutofit/>
+          </a:bodyPr>
+          <a:lstStyle/>
+          <a:p>
+            <a:r>
+              <a:rPr lang="pt-BR" b="0" i="0" dirty="0">
+                <a:effectLst/>
+              </a:rPr>
+              <a:t>O Tensorflow possui um módulo de processamento de imagens chamado </a:t>
+            </a:r>
+            <a:r>
+              <a:rPr lang="pt-BR" b="1" i="1" dirty="0">
+                <a:effectLst/>
+              </a:rPr>
+              <a:t>image</a:t>
+            </a:r>
+            <a:r>
+              <a:rPr lang="pt-BR" b="0" i="0" dirty="0">
+                <a:effectLst/>
+              </a:rPr>
+              <a:t> que pode ser usado para criar novas imagens a partir das existentes.</a:t>
+            </a:r>
+          </a:p>
+          <a:p>
+            <a:r>
+              <a:rPr lang="pt-BR" dirty="0"/>
+              <a:t>O módulo possui funções que podem ser usadas para criar imagens a partir das existentes</a:t>
+            </a:r>
+            <a:endParaRPr lang="pt-BR" b="0" i="0" dirty="0">
+              <a:effectLst/>
+            </a:endParaRPr>
+          </a:p>
+          <a:p>
+            <a:r>
+              <a:rPr lang="pt-BR" dirty="0"/>
+              <a:t>Para entendermos como usar essas funções vamos utilizar o dataset </a:t>
+            </a:r>
+            <a:r>
+              <a:rPr lang="pt-BR" b="0" i="1" dirty="0" err="1">
+                <a:effectLst/>
+              </a:rPr>
+              <a:t>horses_or_humans</a:t>
+            </a:r>
+            <a:r>
+              <a:rPr lang="pt-BR" dirty="0"/>
+              <a:t>, que possui 1283 imagens de 2 classes: cavalos ou humanos.</a:t>
+            </a:r>
+          </a:p>
+        </p:txBody>
+      </p:sp>
+      <p:pic>
+        <p:nvPicPr>
+          <p:cNvPr id="2052" name="Picture 4" descr="Horses or Humans with Validation | RUOCHI.AI">
+            <a:extLst>
+              <a:ext uri="{FF2B5EF4-FFF2-40B4-BE49-F238E27FC236}">
+                <a16:creationId xmlns:a16="http://schemas.microsoft.com/office/drawing/2014/main" id="{DA1FED8D-D4D2-CAC7-0085-A2ED8602C8CC}"/>
+              </a:ext>
+            </a:extLst>
+          </p:cNvPr>
+          <p:cNvPicPr>
+            <a:picLocks noChangeAspect="1" noChangeArrowheads="1"/>
+          </p:cNvPicPr>
+          <p:nvPr/>
+        </p:nvPicPr>
+        <p:blipFill>
+          <a:blip r:embed="rId2">
+            <a:extLst>
+              <a:ext uri="{28A0092B-C50C-407E-A947-70E740481C1C}">
+                <a14:useLocalDpi xmlns:a14="http://schemas.microsoft.com/office/drawing/2010/main" val="0"/>
+              </a:ext>
+            </a:extLst>
+          </a:blip>
+          <a:srcRect/>
+          <a:stretch>
+            <a:fillRect/>
+          </a:stretch>
+        </p:blipFill>
+        <p:spPr bwMode="auto">
+          <a:xfrm>
+            <a:off x="838200" y="2119254"/>
+            <a:ext cx="4196379" cy="4048315"/>
+          </a:xfrm>
+          <a:prstGeom prst="rect">
+            <a:avLst/>
+          </a:prstGeom>
+          <a:noFill/>
+          <a:extLst>
+            <a:ext uri="{909E8E84-426E-40DD-AFC4-6F175D3DCCD1}">
+              <a14:hiddenFill xmlns:a14="http://schemas.microsoft.com/office/drawing/2010/main">
+                <a:solidFill>
+                  <a:srgbClr val="FFFFFF"/>
+                </a:solidFill>
+              </a14:hiddenFill>
+            </a:ext>
+          </a:extLst>
+        </p:spPr>
+      </p:pic>
+    </p:spTree>
+    <p:extLst>
+      <p:ext uri="{BB962C8B-B14F-4D97-AF65-F5344CB8AC3E}">
+        <p14:creationId xmlns:p14="http://schemas.microsoft.com/office/powerpoint/2010/main" val="3756459902"/>
+      </p:ext>
+    </p:extLst>
+  </p:cSld>
+  <p:clrMapOvr>
+    <a:masterClrMapping/>
+  </p:clrMapOvr>
+</p:sld>
+</file>
+
+<file path=ppt/slides/slide18.xml><?xml version="1.0" encoding="utf-8"?>
+<p:sld xmlns:a="http://schemas.openxmlformats.org/drawingml/2006/main" xmlns:r="http://schemas.openxmlformats.org/officeDocument/2006/relationships" xmlns:p="http://schemas.openxmlformats.org/presentationml/2006/main">
+  <p:cSld>
+    <p:spTree>
+      <p:nvGrpSpPr>
+        <p:cNvPr id="1" name=""/>
+        <p:cNvGrpSpPr/>
+        <p:nvPr/>
+      </p:nvGrpSpPr>
+      <p:grpSpPr>
+        <a:xfrm>
+          <a:off x="0" y="0"/>
+          <a:ext cx="0" cy="0"/>
+          <a:chOff x="0" y="0"/>
+          <a:chExt cx="0" cy="0"/>
+        </a:xfrm>
+      </p:grpSpPr>
+      <p:sp>
+        <p:nvSpPr>
+          <p:cNvPr id="2" name="Título 1">
+            <a:extLst>
+              <a:ext uri="{FF2B5EF4-FFF2-40B4-BE49-F238E27FC236}">
+                <a16:creationId xmlns:a16="http://schemas.microsoft.com/office/drawing/2014/main" id="{6766F209-3E3E-0136-4083-293C5897A43D}"/>
+              </a:ext>
+            </a:extLst>
+          </p:cNvPr>
+          <p:cNvSpPr>
+            <a:spLocks noGrp="1"/>
+          </p:cNvSpPr>
+          <p:nvPr>
+            <p:ph type="title"/>
+          </p:nvPr>
+        </p:nvSpPr>
+        <p:spPr/>
+        <p:txBody>
+          <a:bodyPr/>
+          <a:lstStyle/>
+          <a:p>
+            <a:r>
+              <a:rPr lang="pt-BR" i="1" dirty="0"/>
+              <a:t>Data augmentation </a:t>
+            </a:r>
+            <a:r>
+              <a:rPr lang="pt-BR" dirty="0"/>
+              <a:t>com Tensorflow</a:t>
+            </a:r>
+          </a:p>
+        </p:txBody>
+      </p:sp>
+      <p:pic>
+        <p:nvPicPr>
+          <p:cNvPr id="5" name="Imagem 4">
+            <a:extLst>
+              <a:ext uri="{FF2B5EF4-FFF2-40B4-BE49-F238E27FC236}">
+                <a16:creationId xmlns:a16="http://schemas.microsoft.com/office/drawing/2014/main" id="{92795CF5-1691-AB30-33ED-5A378EDD702D}"/>
+              </a:ext>
+            </a:extLst>
+          </p:cNvPr>
+          <p:cNvPicPr>
+            <a:picLocks noChangeAspect="1"/>
+          </p:cNvPicPr>
+          <p:nvPr/>
+        </p:nvPicPr>
+        <p:blipFill>
+          <a:blip r:embed="rId2"/>
+          <a:stretch>
+            <a:fillRect/>
+          </a:stretch>
+        </p:blipFill>
+        <p:spPr>
+          <a:xfrm>
+            <a:off x="838200" y="2007497"/>
+            <a:ext cx="4238625" cy="676275"/>
+          </a:xfrm>
+          <a:prstGeom prst="rect">
+            <a:avLst/>
+          </a:prstGeom>
+        </p:spPr>
+      </p:pic>
+      <p:pic>
+        <p:nvPicPr>
+          <p:cNvPr id="7" name="Imagem 6">
+            <a:extLst>
+              <a:ext uri="{FF2B5EF4-FFF2-40B4-BE49-F238E27FC236}">
+                <a16:creationId xmlns:a16="http://schemas.microsoft.com/office/drawing/2014/main" id="{21682CF1-3CAB-212A-FF92-08B29D150B71}"/>
+              </a:ext>
+            </a:extLst>
+          </p:cNvPr>
+          <p:cNvPicPr>
+            <a:picLocks noChangeAspect="1"/>
+          </p:cNvPicPr>
+          <p:nvPr/>
+        </p:nvPicPr>
+        <p:blipFill>
+          <a:blip r:embed="rId3"/>
+          <a:stretch>
+            <a:fillRect/>
+          </a:stretch>
+        </p:blipFill>
+        <p:spPr>
+          <a:xfrm>
+            <a:off x="6096000" y="2045596"/>
+            <a:ext cx="4162425" cy="600075"/>
+          </a:xfrm>
+          <a:prstGeom prst="rect">
+            <a:avLst/>
+          </a:prstGeom>
+        </p:spPr>
+      </p:pic>
+    </p:spTree>
+    <p:extLst>
+      <p:ext uri="{BB962C8B-B14F-4D97-AF65-F5344CB8AC3E}">
+        <p14:creationId xmlns:p14="http://schemas.microsoft.com/office/powerpoint/2010/main" val="1074434023"/>
+      </p:ext>
+    </p:extLst>
+  </p:cSld>
+  <p:clrMapOvr>
+    <a:masterClrMapping/>
+  </p:clrMapOvr>
+</p:sld>
+</file>
+
+<file path=ppt/slides/slide19.xml><?xml version="1.0" encoding="utf-8"?>
+<p:sld xmlns:a="http://schemas.openxmlformats.org/drawingml/2006/main" xmlns:r="http://schemas.openxmlformats.org/officeDocument/2006/relationships" xmlns:p="http://schemas.openxmlformats.org/presentationml/2006/main">
+  <p:cSld>
+    <p:spTree>
+      <p:nvGrpSpPr>
+        <p:cNvPr id="1" name=""/>
+        <p:cNvGrpSpPr/>
+        <p:nvPr/>
+      </p:nvGrpSpPr>
+      <p:grpSpPr>
+        <a:xfrm>
+          <a:off x="0" y="0"/>
+          <a:ext cx="0" cy="0"/>
+          <a:chOff x="0" y="0"/>
+          <a:chExt cx="0" cy="0"/>
+        </a:xfrm>
+      </p:grpSpPr>
+      <p:sp>
+        <p:nvSpPr>
+          <p:cNvPr id="2" name="Título 1">
+            <a:extLst>
+              <a:ext uri="{FF2B5EF4-FFF2-40B4-BE49-F238E27FC236}">
+                <a16:creationId xmlns:a16="http://schemas.microsoft.com/office/drawing/2014/main" id="{039B0700-9B3E-5B03-9F91-6AF0EAAFF788}"/>
+              </a:ext>
+            </a:extLst>
+          </p:cNvPr>
+          <p:cNvSpPr>
+            <a:spLocks noGrp="1"/>
+          </p:cNvSpPr>
+          <p:nvPr>
+            <p:ph type="title"/>
+          </p:nvPr>
+        </p:nvSpPr>
+        <p:spPr/>
+        <p:txBody>
+          <a:bodyPr/>
+          <a:lstStyle/>
+          <a:p>
+            <a:r>
+              <a:rPr lang="pt-BR" i="1" dirty="0"/>
+              <a:t>Data </a:t>
+            </a:r>
+            <a:r>
+              <a:rPr lang="pt-BR" i="1" dirty="0" err="1"/>
+              <a:t>augmentation</a:t>
+            </a:r>
+            <a:r>
+              <a:rPr lang="pt-BR" i="1"/>
+              <a:t> </a:t>
+            </a:r>
+            <a:r>
+              <a:rPr lang="pt-BR"/>
+              <a:t>com Tensorflow</a:t>
+            </a:r>
+          </a:p>
+        </p:txBody>
+      </p:sp>
+      <p:pic>
+        <p:nvPicPr>
+          <p:cNvPr id="5" name="Imagem 4">
+            <a:extLst>
+              <a:ext uri="{FF2B5EF4-FFF2-40B4-BE49-F238E27FC236}">
+                <a16:creationId xmlns:a16="http://schemas.microsoft.com/office/drawing/2014/main" id="{E0B01EE6-CE2C-012E-BA5D-CD2EB299C55C}"/>
+              </a:ext>
+            </a:extLst>
+          </p:cNvPr>
+          <p:cNvPicPr>
+            <a:picLocks noChangeAspect="1"/>
+          </p:cNvPicPr>
+          <p:nvPr/>
+        </p:nvPicPr>
+        <p:blipFill>
+          <a:blip r:embed="rId2"/>
+          <a:stretch>
+            <a:fillRect/>
+          </a:stretch>
+        </p:blipFill>
+        <p:spPr>
+          <a:xfrm>
+            <a:off x="950843" y="2708619"/>
+            <a:ext cx="3810000" cy="466725"/>
+          </a:xfrm>
+          <a:prstGeom prst="rect">
+            <a:avLst/>
+          </a:prstGeom>
+        </p:spPr>
+      </p:pic>
+      <p:pic>
+        <p:nvPicPr>
+          <p:cNvPr id="7" name="Imagem 6">
+            <a:extLst>
+              <a:ext uri="{FF2B5EF4-FFF2-40B4-BE49-F238E27FC236}">
+                <a16:creationId xmlns:a16="http://schemas.microsoft.com/office/drawing/2014/main" id="{3D0B9DD3-56E6-256F-DCF7-FCC15BFA792F}"/>
+              </a:ext>
+            </a:extLst>
+          </p:cNvPr>
+          <p:cNvPicPr>
+            <a:picLocks noChangeAspect="1"/>
+          </p:cNvPicPr>
+          <p:nvPr/>
+        </p:nvPicPr>
+        <p:blipFill>
+          <a:blip r:embed="rId3"/>
+          <a:stretch>
+            <a:fillRect/>
+          </a:stretch>
+        </p:blipFill>
+        <p:spPr>
+          <a:xfrm>
+            <a:off x="2058021" y="5148470"/>
+            <a:ext cx="3762375" cy="457200"/>
+          </a:xfrm>
+          <a:prstGeom prst="rect">
+            <a:avLst/>
+          </a:prstGeom>
+        </p:spPr>
+      </p:pic>
+      <p:pic>
+        <p:nvPicPr>
+          <p:cNvPr id="9" name="Imagem 8">
+            <a:extLst>
+              <a:ext uri="{FF2B5EF4-FFF2-40B4-BE49-F238E27FC236}">
+                <a16:creationId xmlns:a16="http://schemas.microsoft.com/office/drawing/2014/main" id="{20023BB3-2A53-3751-2515-0935658F78F3}"/>
+              </a:ext>
+            </a:extLst>
+          </p:cNvPr>
+          <p:cNvPicPr>
+            <a:picLocks noChangeAspect="1"/>
+          </p:cNvPicPr>
+          <p:nvPr/>
+        </p:nvPicPr>
+        <p:blipFill>
+          <a:blip r:embed="rId4"/>
+          <a:stretch>
+            <a:fillRect/>
+          </a:stretch>
+        </p:blipFill>
+        <p:spPr>
+          <a:xfrm>
+            <a:off x="7562850" y="2318094"/>
+            <a:ext cx="3790950" cy="857250"/>
+          </a:xfrm>
+          <a:prstGeom prst="rect">
+            <a:avLst/>
+          </a:prstGeom>
+        </p:spPr>
+      </p:pic>
+    </p:spTree>
+    <p:extLst>
+      <p:ext uri="{BB962C8B-B14F-4D97-AF65-F5344CB8AC3E}">
+        <p14:creationId xmlns:p14="http://schemas.microsoft.com/office/powerpoint/2010/main" val="3445522316"/>
+      </p:ext>
+    </p:extLst>
+  </p:cSld>
+  <p:clrMapOvr>
+    <a:masterClrMapping/>
+  </p:clrMapOvr>
+</p:sld>
+</file>
+
+<file path=ppt/slides/slide2.xml><?xml version="1.0" encoding="utf-8"?>
+<p:sld xmlns:a="http://schemas.openxmlformats.org/drawingml/2006/main" xmlns:r="http://schemas.openxmlformats.org/officeDocument/2006/relationships" xmlns:p="http://schemas.openxmlformats.org/presentationml/2006/main">
+  <p:cSld>
+    <p:spTree>
+      <p:nvGrpSpPr>
+        <p:cNvPr id="1" name=""/>
+        <p:cNvGrpSpPr/>
+        <p:nvPr/>
+      </p:nvGrpSpPr>
+      <p:grpSpPr>
+        <a:xfrm>
+          <a:off x="0" y="0"/>
+          <a:ext cx="0" cy="0"/>
+          <a:chOff x="0" y="0"/>
+          <a:chExt cx="0" cy="0"/>
+        </a:xfrm>
+      </p:grpSpPr>
+      <p:sp>
+        <p:nvSpPr>
+          <p:cNvPr id="2" name="Título 1">
+            <a:extLst>
+              <a:ext uri="{FF2B5EF4-FFF2-40B4-BE49-F238E27FC236}">
+                <a16:creationId xmlns:a16="http://schemas.microsoft.com/office/drawing/2014/main" id="{EECB3FED-5D1A-7084-5333-A3B2FA75F608}"/>
+              </a:ext>
+            </a:extLst>
+          </p:cNvPr>
+          <p:cNvSpPr>
+            <a:spLocks noGrp="1"/>
+          </p:cNvSpPr>
+          <p:nvPr>
+            <p:ph type="title"/>
+          </p:nvPr>
+        </p:nvSpPr>
+        <p:spPr/>
+        <p:txBody>
+          <a:bodyPr/>
+          <a:lstStyle/>
+          <a:p>
+            <a:r>
+              <a:rPr lang="pt-BR" dirty="0"/>
+              <a:t>O que vamos ver?</a:t>
+            </a:r>
+          </a:p>
+        </p:txBody>
+      </p:sp>
+      <p:sp>
+        <p:nvSpPr>
+          <p:cNvPr id="3" name="Espaço Reservado para Conteúdo 2">
+            <a:extLst>
+              <a:ext uri="{FF2B5EF4-FFF2-40B4-BE49-F238E27FC236}">
+                <a16:creationId xmlns:a16="http://schemas.microsoft.com/office/drawing/2014/main" id="{25FE7774-7186-A846-D8DE-518B2CBF4EBD}"/>
+              </a:ext>
+            </a:extLst>
+          </p:cNvPr>
+          <p:cNvSpPr>
+            <a:spLocks noGrp="1"/>
+          </p:cNvSpPr>
+          <p:nvPr>
+            <p:ph idx="1"/>
+          </p:nvPr>
+        </p:nvSpPr>
+        <p:spPr>
+          <a:xfrm>
+            <a:off x="838199" y="1825624"/>
+            <a:ext cx="11154103" cy="5032376"/>
+          </a:xfrm>
+        </p:spPr>
+        <p:txBody>
+          <a:bodyPr>
+            <a:normAutofit/>
+          </a:bodyPr>
+          <a:lstStyle/>
+          <a:p>
+            <a:r>
+              <a:rPr lang="pt-BR" b="0" i="0" dirty="0">
+                <a:effectLst/>
+              </a:rPr>
+              <a:t>Vimos anteriormente que o sobreajuste (</a:t>
+            </a:r>
+            <a:r>
+              <a:rPr lang="pt-BR" b="0" i="1" dirty="0" err="1">
+                <a:effectLst/>
+              </a:rPr>
+              <a:t>overfitting</a:t>
+            </a:r>
+            <a:r>
+              <a:rPr lang="pt-BR" b="0" i="0" dirty="0">
+                <a:effectLst/>
+              </a:rPr>
+              <a:t>) é um fenômeno indesejado que ocorre em modelos de aprendizado de máquina, no qual o modelo se </a:t>
+            </a:r>
+            <a:r>
+              <a:rPr lang="pt-BR" b="1" i="1" dirty="0">
+                <a:solidFill>
+                  <a:srgbClr val="00B050"/>
+                </a:solidFill>
+                <a:effectLst/>
+              </a:rPr>
+              <a:t>ajusta excessivamente aos dados de treinamento</a:t>
+            </a:r>
+            <a:r>
+              <a:rPr lang="pt-BR" b="0" i="0" dirty="0">
+                <a:effectLst/>
+              </a:rPr>
+              <a:t>, em vez de generalizar bem para dados inéditos. </a:t>
+            </a:r>
+          </a:p>
+          <a:p>
+            <a:r>
+              <a:rPr lang="pt-BR" b="0" i="0" dirty="0">
+                <a:effectLst/>
+              </a:rPr>
+              <a:t>Em outras palavras, o </a:t>
+            </a:r>
+            <a:r>
+              <a:rPr lang="pt-BR" b="1" i="1" dirty="0">
+                <a:solidFill>
+                  <a:srgbClr val="00B050"/>
+                </a:solidFill>
+                <a:effectLst/>
+              </a:rPr>
+              <a:t>modelo "decora" os dados de treinamento capturando até mesmo o ruído presente nos dados</a:t>
+            </a:r>
+            <a:r>
+              <a:rPr lang="pt-BR" b="0" i="0" dirty="0">
+                <a:effectLst/>
+              </a:rPr>
+              <a:t> em vez de aprender o padrão geral que pode ser aplicado a exemplos desconhecidos.</a:t>
+            </a:r>
+          </a:p>
+          <a:p>
+            <a:r>
+              <a:rPr lang="pt-BR" dirty="0"/>
+              <a:t>Em geral, é mais comum um modelo se sobreajustar do que subajustar.</a:t>
+            </a:r>
+            <a:endParaRPr lang="pt-BR" b="0" i="0" dirty="0">
+              <a:effectLst/>
+            </a:endParaRPr>
+          </a:p>
+          <a:p>
+            <a:r>
+              <a:rPr lang="pt-BR" dirty="0"/>
+              <a:t>Portanto, neste tópico, veremos algumas formas de se evitar o sobreajuste.</a:t>
+            </a:r>
+          </a:p>
+        </p:txBody>
+      </p:sp>
+    </p:spTree>
+    <p:extLst>
+      <p:ext uri="{BB962C8B-B14F-4D97-AF65-F5344CB8AC3E}">
+        <p14:creationId xmlns:p14="http://schemas.microsoft.com/office/powerpoint/2010/main" val="529739951"/>
+      </p:ext>
+    </p:extLst>
+  </p:cSld>
+  <p:clrMapOvr>
+    <a:masterClrMapping/>
+  </p:clrMapOvr>
+</p:sld>
+</file>
+
+<file path=ppt/slides/slide20.xml><?xml version="1.0" encoding="utf-8"?>
+<p:sld xmlns:a="http://schemas.openxmlformats.org/drawingml/2006/main" xmlns:r="http://schemas.openxmlformats.org/officeDocument/2006/relationships" xmlns:p="http://schemas.openxmlformats.org/presentationml/2006/main">
+  <p:cSld>
+    <p:spTree>
+      <p:nvGrpSpPr>
+        <p:cNvPr id="1" name=""/>
+        <p:cNvGrpSpPr/>
+        <p:nvPr/>
+      </p:nvGrpSpPr>
+      <p:grpSpPr>
+        <a:xfrm>
+          <a:off x="0" y="0"/>
+          <a:ext cx="0" cy="0"/>
+          <a:chOff x="0" y="0"/>
+          <a:chExt cx="0" cy="0"/>
+        </a:xfrm>
+      </p:grpSpPr>
+      <p:sp>
+        <p:nvSpPr>
+          <p:cNvPr id="2" name="Título 1">
+            <a:extLst>
+              <a:ext uri="{FF2B5EF4-FFF2-40B4-BE49-F238E27FC236}">
+                <a16:creationId xmlns:a16="http://schemas.microsoft.com/office/drawing/2014/main" id="{6A7F502D-41D9-439D-0801-54458D781C8D}"/>
+              </a:ext>
+            </a:extLst>
+          </p:cNvPr>
+          <p:cNvSpPr>
+            <a:spLocks noGrp="1"/>
+          </p:cNvSpPr>
+          <p:nvPr>
+            <p:ph type="title"/>
+          </p:nvPr>
+        </p:nvSpPr>
+        <p:spPr/>
+        <p:txBody>
+          <a:bodyPr/>
+          <a:lstStyle/>
+          <a:p>
+            <a:endParaRPr lang="pt-BR"/>
+          </a:p>
+        </p:txBody>
+      </p:sp>
+      <p:sp>
+        <p:nvSpPr>
+          <p:cNvPr id="3" name="Espaço Reservado para Conteúdo 2">
+            <a:extLst>
+              <a:ext uri="{FF2B5EF4-FFF2-40B4-BE49-F238E27FC236}">
+                <a16:creationId xmlns:a16="http://schemas.microsoft.com/office/drawing/2014/main" id="{7B837828-0602-DA1F-02DF-9A97CA439F5F}"/>
+              </a:ext>
+            </a:extLst>
+          </p:cNvPr>
+          <p:cNvSpPr>
+            <a:spLocks noGrp="1"/>
+          </p:cNvSpPr>
+          <p:nvPr>
+            <p:ph idx="1"/>
+          </p:nvPr>
+        </p:nvSpPr>
+        <p:spPr/>
+        <p:txBody>
+          <a:bodyPr/>
+          <a:lstStyle/>
+          <a:p>
+            <a:endParaRPr lang="pt-BR"/>
+          </a:p>
+        </p:txBody>
+      </p:sp>
+    </p:spTree>
+    <p:extLst>
+      <p:ext uri="{BB962C8B-B14F-4D97-AF65-F5344CB8AC3E}">
+        <p14:creationId xmlns:p14="http://schemas.microsoft.com/office/powerpoint/2010/main" val="70390755"/>
+      </p:ext>
+    </p:extLst>
+  </p:cSld>
+  <p:clrMapOvr>
+    <a:masterClrMapping/>
+  </p:clrMapOvr>
+</p:sld>
+</file>
+
+<file path=ppt/slides/slide21.xml><?xml version="1.0" encoding="utf-8"?>
+<p:sld xmlns:a="http://schemas.openxmlformats.org/drawingml/2006/main" xmlns:r="http://schemas.openxmlformats.org/officeDocument/2006/relationships" xmlns:p="http://schemas.openxmlformats.org/presentationml/2006/main">
+  <p:cSld>
+    <p:spTree>
+      <p:nvGrpSpPr>
+        <p:cNvPr id="1" name=""/>
+        <p:cNvGrpSpPr/>
+        <p:nvPr/>
+      </p:nvGrpSpPr>
+      <p:grpSpPr>
+        <a:xfrm>
+          <a:off x="0" y="0"/>
+          <a:ext cx="0" cy="0"/>
+          <a:chOff x="0" y="0"/>
+          <a:chExt cx="0" cy="0"/>
+        </a:xfrm>
+      </p:grpSpPr>
+      <p:sp>
+        <p:nvSpPr>
+          <p:cNvPr id="2" name="Título 1">
+            <a:extLst>
+              <a:ext uri="{FF2B5EF4-FFF2-40B4-BE49-F238E27FC236}">
+                <a16:creationId xmlns:a16="http://schemas.microsoft.com/office/drawing/2014/main" id="{ECD2EEC3-9F93-F0C7-00C7-2A8406F8F1BE}"/>
+              </a:ext>
+            </a:extLst>
+          </p:cNvPr>
+          <p:cNvSpPr>
+            <a:spLocks noGrp="1"/>
+          </p:cNvSpPr>
+          <p:nvPr>
+            <p:ph type="title"/>
+          </p:nvPr>
+        </p:nvSpPr>
+        <p:spPr/>
+        <p:txBody>
+          <a:bodyPr/>
+          <a:lstStyle/>
+          <a:p>
+            <a:r>
+              <a:rPr lang="pt-BR" dirty="0"/>
+              <a:t>Como evitar o sobreajuste?</a:t>
+            </a:r>
+          </a:p>
+        </p:txBody>
+      </p:sp>
+      <p:sp>
+        <p:nvSpPr>
+          <p:cNvPr id="3" name="Espaço Reservado para Conteúdo 2">
+            <a:extLst>
+              <a:ext uri="{FF2B5EF4-FFF2-40B4-BE49-F238E27FC236}">
+                <a16:creationId xmlns:a16="http://schemas.microsoft.com/office/drawing/2014/main" id="{21DAE270-373C-955C-8C3A-BAE8D668DE89}"/>
+              </a:ext>
+            </a:extLst>
+          </p:cNvPr>
+          <p:cNvSpPr>
+            <a:spLocks noGrp="1"/>
+          </p:cNvSpPr>
+          <p:nvPr>
+            <p:ph idx="1"/>
+          </p:nvPr>
+        </p:nvSpPr>
+        <p:spPr>
+          <a:xfrm>
+            <a:off x="6096000" y="1825624"/>
+            <a:ext cx="5914490" cy="5032375"/>
+          </a:xfrm>
+        </p:spPr>
+        <p:txBody>
+          <a:bodyPr/>
+          <a:lstStyle/>
+          <a:p>
+            <a:r>
+              <a:rPr lang="pt-BR" b="1" i="0" dirty="0">
+                <a:effectLst/>
+              </a:rPr>
+              <a:t>Simplificar o modelo:</a:t>
+            </a:r>
+            <a:r>
+              <a:rPr lang="pt-BR" b="0" i="0" dirty="0">
+                <a:effectLst/>
+              </a:rPr>
+              <a:t> Usar modelos mais simples, com menos parâmetros, quando os dados não justificarem um modelo complexo.</a:t>
+            </a:r>
+          </a:p>
+          <a:p>
+            <a:endParaRPr lang="pt-BR" b="0" i="0" dirty="0">
+              <a:effectLst/>
+            </a:endParaRPr>
+          </a:p>
+          <a:p>
+            <a:endParaRPr lang="pt-BR" dirty="0"/>
+          </a:p>
+        </p:txBody>
+      </p:sp>
+    </p:spTree>
+    <p:extLst>
+      <p:ext uri="{BB962C8B-B14F-4D97-AF65-F5344CB8AC3E}">
+        <p14:creationId xmlns:p14="http://schemas.microsoft.com/office/powerpoint/2010/main" val="1162444472"/>
+      </p:ext>
+    </p:extLst>
+  </p:cSld>
+  <p:clrMapOvr>
+    <a:masterClrMapping/>
+  </p:clrMapOvr>
+</p:sld>
+</file>
+
+<file path=ppt/slides/slide22.xml><?xml version="1.0" encoding="utf-8"?>
+<p:sld xmlns:a="http://schemas.openxmlformats.org/drawingml/2006/main" xmlns:r="http://schemas.openxmlformats.org/officeDocument/2006/relationships" xmlns:p="http://schemas.openxmlformats.org/presentationml/2006/main">
+  <p:cSld>
+    <p:spTree>
+      <p:nvGrpSpPr>
+        <p:cNvPr id="1" name=""/>
+        <p:cNvGrpSpPr/>
+        <p:nvPr/>
+      </p:nvGrpSpPr>
+      <p:grpSpPr>
+        <a:xfrm>
+          <a:off x="0" y="0"/>
+          <a:ext cx="0" cy="0"/>
+          <a:chOff x="0" y="0"/>
+          <a:chExt cx="0" cy="0"/>
+        </a:xfrm>
+      </p:grpSpPr>
+      <p:sp>
+        <p:nvSpPr>
+          <p:cNvPr id="2" name="Título 1">
+            <a:extLst>
+              <a:ext uri="{FF2B5EF4-FFF2-40B4-BE49-F238E27FC236}">
                 <a16:creationId xmlns:a16="http://schemas.microsoft.com/office/drawing/2014/main" id="{A74DDB77-2ADD-1183-CAAA-7C3763BFBA8D}"/>
               </a:ext>
             </a:extLst>
@@ -5905,7 +10007,7 @@
 </p:sld>
 </file>
 
-<file path=ppt/slides/slide14.xml><?xml version="1.0" encoding="utf-8"?>
+<file path=ppt/slides/slide23.xml><?xml version="1.0" encoding="utf-8"?>
 <p:sld xmlns:a="http://schemas.openxmlformats.org/drawingml/2006/main" xmlns:r="http://schemas.openxmlformats.org/officeDocument/2006/relationships" xmlns:p="http://schemas.openxmlformats.org/presentationml/2006/main">
   <p:cSld>
     <p:spTree>
@@ -6324,7 +10426,7 @@
 </p:sld>
 </file>
 
-<file path=ppt/slides/slide15.xml><?xml version="1.0" encoding="utf-8"?>
+<file path=ppt/slides/slide24.xml><?xml version="1.0" encoding="utf-8"?>
 <p:sld xmlns:a="http://schemas.openxmlformats.org/drawingml/2006/main" xmlns:r="http://schemas.openxmlformats.org/officeDocument/2006/relationships" xmlns:p="http://schemas.openxmlformats.org/presentationml/2006/main">
   <p:cSld>
     <p:spTree>
@@ -6429,7 +10531,7 @@
 </p:sld>
 </file>
 
-<file path=ppt/slides/slide16.xml><?xml version="1.0" encoding="utf-8"?>
+<file path=ppt/slides/slide25.xml><?xml version="1.0" encoding="utf-8"?>
 <p:sld xmlns:a="http://schemas.openxmlformats.org/drawingml/2006/main" xmlns:r="http://schemas.openxmlformats.org/officeDocument/2006/relationships" xmlns:p="http://schemas.openxmlformats.org/presentationml/2006/main">
   <p:cSld>
     <p:spTree>
@@ -6515,7 +10617,7 @@
 </p:sld>
 </file>
 
-<file path=ppt/slides/slide17.xml><?xml version="1.0" encoding="utf-8"?>
+<file path=ppt/slides/slide26.xml><?xml version="1.0" encoding="utf-8"?>
 <p:sld xmlns:a="http://schemas.openxmlformats.org/drawingml/2006/main" xmlns:r="http://schemas.openxmlformats.org/officeDocument/2006/relationships" xmlns:p="http://schemas.openxmlformats.org/presentationml/2006/main">
   <p:cSld>
     <p:spTree>
@@ -6592,157 +10694,6 @@
     <p:extLst>
       <p:ext uri="{BB962C8B-B14F-4D97-AF65-F5344CB8AC3E}">
         <p14:creationId xmlns:p14="http://schemas.microsoft.com/office/powerpoint/2010/main" val="599145874"/>
-      </p:ext>
-    </p:extLst>
-  </p:cSld>
-  <p:clrMapOvr>
-    <a:masterClrMapping/>
-  </p:clrMapOvr>
-</p:sld>
-</file>
-
-<file path=ppt/slides/slide2.xml><?xml version="1.0" encoding="utf-8"?>
-<p:sld xmlns:a="http://schemas.openxmlformats.org/drawingml/2006/main" xmlns:r="http://schemas.openxmlformats.org/officeDocument/2006/relationships" xmlns:p="http://schemas.openxmlformats.org/presentationml/2006/main">
-  <p:cSld>
-    <p:spTree>
-      <p:nvGrpSpPr>
-        <p:cNvPr id="1" name=""/>
-        <p:cNvGrpSpPr/>
-        <p:nvPr/>
-      </p:nvGrpSpPr>
-      <p:grpSpPr>
-        <a:xfrm>
-          <a:off x="0" y="0"/>
-          <a:ext cx="0" cy="0"/>
-          <a:chOff x="0" y="0"/>
-          <a:chExt cx="0" cy="0"/>
-        </a:xfrm>
-      </p:grpSpPr>
-      <p:sp>
-        <p:nvSpPr>
-          <p:cNvPr id="2" name="Título 1">
-            <a:extLst>
-              <a:ext uri="{FF2B5EF4-FFF2-40B4-BE49-F238E27FC236}">
-                <a16:creationId xmlns:a16="http://schemas.microsoft.com/office/drawing/2014/main" id="{EECB3FED-5D1A-7084-5333-A3B2FA75F608}"/>
-              </a:ext>
-            </a:extLst>
-          </p:cNvPr>
-          <p:cNvSpPr>
-            <a:spLocks noGrp="1"/>
-          </p:cNvSpPr>
-          <p:nvPr>
-            <p:ph type="title"/>
-          </p:nvPr>
-        </p:nvSpPr>
-        <p:spPr/>
-        <p:txBody>
-          <a:bodyPr/>
-          <a:lstStyle/>
-          <a:p>
-            <a:r>
-              <a:rPr lang="pt-BR" dirty="0"/>
-              <a:t>O que vamos ver?</a:t>
-            </a:r>
-          </a:p>
-        </p:txBody>
-      </p:sp>
-      <p:sp>
-        <p:nvSpPr>
-          <p:cNvPr id="3" name="Espaço Reservado para Conteúdo 2">
-            <a:extLst>
-              <a:ext uri="{FF2B5EF4-FFF2-40B4-BE49-F238E27FC236}">
-                <a16:creationId xmlns:a16="http://schemas.microsoft.com/office/drawing/2014/main" id="{25FE7774-7186-A846-D8DE-518B2CBF4EBD}"/>
-              </a:ext>
-            </a:extLst>
-          </p:cNvPr>
-          <p:cNvSpPr>
-            <a:spLocks noGrp="1"/>
-          </p:cNvSpPr>
-          <p:nvPr>
-            <p:ph idx="1"/>
-          </p:nvPr>
-        </p:nvSpPr>
-        <p:spPr>
-          <a:xfrm>
-            <a:off x="838199" y="1825624"/>
-            <a:ext cx="11154103" cy="5032376"/>
-          </a:xfrm>
-        </p:spPr>
-        <p:txBody>
-          <a:bodyPr>
-            <a:normAutofit/>
-          </a:bodyPr>
-          <a:lstStyle/>
-          <a:p>
-            <a:r>
-              <a:rPr lang="pt-BR" b="0" i="0" dirty="0">
-                <a:effectLst/>
-              </a:rPr>
-              <a:t>Vimos anteriormente que o sobreajuste (</a:t>
-            </a:r>
-            <a:r>
-              <a:rPr lang="pt-BR" b="0" i="1" dirty="0" err="1">
-                <a:effectLst/>
-              </a:rPr>
-              <a:t>overfitting</a:t>
-            </a:r>
-            <a:r>
-              <a:rPr lang="pt-BR" b="0" i="0" dirty="0">
-                <a:effectLst/>
-              </a:rPr>
-              <a:t>) é um fenômeno indesejado que ocorre em modelos de aprendizado de máquina, no qual o modelo se </a:t>
-            </a:r>
-            <a:r>
-              <a:rPr lang="pt-BR" b="1" i="1" dirty="0">
-                <a:solidFill>
-                  <a:srgbClr val="00B050"/>
-                </a:solidFill>
-                <a:effectLst/>
-              </a:rPr>
-              <a:t>ajusta excessivamente aos dados de treinamento</a:t>
-            </a:r>
-            <a:r>
-              <a:rPr lang="pt-BR" b="0" i="0" dirty="0">
-                <a:effectLst/>
-              </a:rPr>
-              <a:t>, em vez de generalizar bem para dados inéditos. </a:t>
-            </a:r>
-          </a:p>
-          <a:p>
-            <a:r>
-              <a:rPr lang="pt-BR" b="0" i="0" dirty="0">
-                <a:effectLst/>
-              </a:rPr>
-              <a:t>Em outras palavras, o </a:t>
-            </a:r>
-            <a:r>
-              <a:rPr lang="pt-BR" b="1" i="1" dirty="0">
-                <a:solidFill>
-                  <a:srgbClr val="00B050"/>
-                </a:solidFill>
-                <a:effectLst/>
-              </a:rPr>
-              <a:t>modelo "decora" os dados de treinamento capturando até mesmo o ruído nos dados</a:t>
-            </a:r>
-            <a:r>
-              <a:rPr lang="pt-BR" b="0" i="0" dirty="0">
-                <a:effectLst/>
-              </a:rPr>
-              <a:t> em vez de aprender um padrão geral que pode ser aplicado a exemplos desconhecidos.</a:t>
-            </a:r>
-          </a:p>
-          <a:p>
-            <a:r>
-              <a:rPr lang="pt-BR" dirty="0"/>
-              <a:t>Nesta aula, veremos algumas formas de se evitar o sobreajuste.</a:t>
-            </a:r>
-          </a:p>
-        </p:txBody>
-      </p:sp>
-    </p:spTree>
-    <p:extLst>
-      <p:ext uri="{BB962C8B-B14F-4D97-AF65-F5344CB8AC3E}">
-        <p14:creationId xmlns:p14="http://schemas.microsoft.com/office/powerpoint/2010/main" val="529739951"/>
       </p:ext>
     </p:extLst>
   </p:cSld>
@@ -7958,16 +11909,10 @@
           <a:lstStyle/>
           <a:p>
             <a:r>
-              <a:rPr lang="pt-BR" b="1" i="0" dirty="0">
-                <a:effectLst/>
-              </a:rPr>
-              <a:t>Validação cruzada:</a:t>
-            </a:r>
-            <a:r>
               <a:rPr lang="pt-BR" b="0" i="0" dirty="0">
                 <a:effectLst/>
               </a:rPr>
-              <a:t> Usar validação cruzada para avaliar o desempenho do modelo em várias divisões de dados de treinamento e validação.</a:t>
+              <a:t>Técnicas de validação cruzada avaliam o desempenho do modelo em várias divisões de dados de treinamento e validação.</a:t>
             </a:r>
           </a:p>
           <a:p>
@@ -7975,7 +11920,7 @@
               <a:rPr lang="pt-BR" b="0" i="0" dirty="0">
                 <a:effectLst/>
               </a:rPr>
-              <a:t>Se o modelo mostrar variações significativas no desempenho entre as divisões dos dados, isso pode ser um sinal de sobreajuste.</a:t>
+              <a:t>Se o modelo mostrar variações significativas no desempenho entre as divisões dos dados, isso pode ser um sinal de sobreajuste ou subajuste.</a:t>
             </a:r>
           </a:p>
           <a:p>
@@ -8070,50 +12015,6 @@
           </a:extLst>
         </p:spPr>
       </p:pic>
-      <p:sp>
-        <p:nvSpPr>
-          <p:cNvPr id="5" name="CaixaDeTexto 4">
-            <a:extLst>
-              <a:ext uri="{FF2B5EF4-FFF2-40B4-BE49-F238E27FC236}">
-                <a16:creationId xmlns:a16="http://schemas.microsoft.com/office/drawing/2014/main" id="{4C98CA81-D5B4-3FB5-6A37-8D8EDAE72660}"/>
-              </a:ext>
-            </a:extLst>
-          </p:cNvPr>
-          <p:cNvSpPr txBox="1"/>
-          <p:nvPr/>
-        </p:nvSpPr>
-        <p:spPr>
-          <a:xfrm>
-            <a:off x="0" y="6581000"/>
-            <a:ext cx="2786865" cy="276999"/>
-          </a:xfrm>
-          <a:prstGeom prst="rect">
-            <a:avLst/>
-          </a:prstGeom>
-          <a:noFill/>
-        </p:spPr>
-        <p:txBody>
-          <a:bodyPr wrap="square">
-            <a:spAutoFit/>
-          </a:bodyPr>
-          <a:lstStyle/>
-          <a:p>
-            <a:r>
-              <a:rPr lang="pt-BR" sz="1200" dirty="0">
-                <a:hlinkClick r:id="rId4"/>
-              </a:rPr>
-              <a:t>Exemplo: </a:t>
-            </a:r>
-            <a:r>
-              <a:rPr lang="pt-BR" sz="1200" dirty="0" err="1">
-                <a:hlinkClick r:id="rId4"/>
-              </a:rPr>
-              <a:t>validacao_cruzada_k_fold.ipynb</a:t>
-            </a:r>
-            <a:endParaRPr lang="pt-BR" sz="1200" dirty="0"/>
-          </a:p>
-        </p:txBody>
-      </p:sp>
     </p:spTree>
     <p:extLst>
       <p:ext uri="{BB962C8B-B14F-4D97-AF65-F5344CB8AC3E}">
@@ -8144,60 +12045,418 @@
           <a:chExt cx="0" cy="0"/>
         </a:xfrm>
       </p:grpSpPr>
-      <p:sp>
-        <p:nvSpPr>
-          <p:cNvPr id="2" name="Título 1">
-            <a:extLst>
-              <a:ext uri="{FF2B5EF4-FFF2-40B4-BE49-F238E27FC236}">
-                <a16:creationId xmlns:a16="http://schemas.microsoft.com/office/drawing/2014/main" id="{CC2D5F9F-A089-BA73-4055-2EB54D07A5C9}"/>
-              </a:ext>
-            </a:extLst>
-          </p:cNvPr>
-          <p:cNvSpPr>
-            <a:spLocks noGrp="1"/>
-          </p:cNvSpPr>
-          <p:nvPr>
-            <p:ph type="title"/>
-          </p:nvPr>
-        </p:nvSpPr>
-        <p:spPr/>
-        <p:txBody>
-          <a:bodyPr/>
+      <mc:AlternateContent xmlns:mc="http://schemas.openxmlformats.org/markup-compatibility/2006" xmlns:a14="http://schemas.microsoft.com/office/drawing/2010/main">
+        <mc:Choice Requires="a14">
+          <p:sp>
+            <p:nvSpPr>
+              <p:cNvPr id="2" name="Título 1">
+                <a:extLst>
+                  <a:ext uri="{FF2B5EF4-FFF2-40B4-BE49-F238E27FC236}">
+                    <a16:creationId xmlns:a16="http://schemas.microsoft.com/office/drawing/2014/main" id="{F64A88D9-2D97-A5AC-70C5-4C08644355AE}"/>
+                  </a:ext>
+                </a:extLst>
+              </p:cNvPr>
+              <p:cNvSpPr>
+                <a:spLocks noGrp="1"/>
+              </p:cNvSpPr>
+              <p:nvPr>
+                <p:ph type="title"/>
+              </p:nvPr>
+            </p:nvSpPr>
+            <p:spPr/>
+            <p:txBody>
+              <a:bodyPr/>
+              <a:lstStyle/>
+              <a:p>
+                <a:r>
+                  <a:rPr lang="pt-BR" dirty="0"/>
+                  <a:t>Como detectar o sobreajuste: </a:t>
+                </a:r>
+                <a14:m>
+                  <m:oMath xmlns:m="http://schemas.openxmlformats.org/officeDocument/2006/math">
+                    <m:r>
+                      <a:rPr lang="pt-BR" b="0" i="1" smtClean="0">
+                        <a:effectLst/>
+                        <a:latin typeface="Cambria Math" panose="02040503050406030204" pitchFamily="18" charset="0"/>
+                      </a:rPr>
+                      <m:t>𝑘</m:t>
+                    </m:r>
+                  </m:oMath>
+                </a14:m>
+                <a:r>
+                  <a:rPr lang="pt-BR" i="1" dirty="0"/>
+                  <a:t>-</a:t>
+                </a:r>
+                <a:r>
+                  <a:rPr lang="pt-BR" i="1" dirty="0" err="1"/>
+                  <a:t>fold</a:t>
+                </a:r>
+                <a:endParaRPr lang="pt-BR" i="1" dirty="0"/>
+              </a:p>
+            </p:txBody>
+          </p:sp>
+        </mc:Choice>
+        <mc:Fallback xmlns="">
+          <p:sp>
+            <p:nvSpPr>
+              <p:cNvPr id="2" name="Título 1">
+                <a:extLst>
+                  <a:ext uri="{FF2B5EF4-FFF2-40B4-BE49-F238E27FC236}">
+                    <a16:creationId xmlns:a16="http://schemas.microsoft.com/office/drawing/2014/main" id="{F64A88D9-2D97-A5AC-70C5-4C08644355AE}"/>
+                  </a:ext>
+                </a:extLst>
+              </p:cNvPr>
+              <p:cNvSpPr>
+                <a:spLocks noGrp="1" noRot="1" noChangeAspect="1" noMove="1" noResize="1" noEditPoints="1" noAdjustHandles="1" noChangeArrowheads="1" noChangeShapeType="1" noTextEdit="1"/>
+              </p:cNvSpPr>
+              <p:nvPr>
+                <p:ph type="title"/>
+              </p:nvPr>
+            </p:nvSpPr>
+            <p:spPr>
+              <a:blipFill>
+                <a:blip r:embed="rId3"/>
+                <a:stretch>
+                  <a:fillRect l="-2377"/>
+                </a:stretch>
+              </a:blipFill>
+            </p:spPr>
+            <p:txBody>
+              <a:bodyPr/>
+              <a:lstStyle/>
+              <a:p>
+                <a:r>
+                  <a:rPr lang="pt-BR">
+                    <a:noFill/>
+                  </a:rPr>
+                  <a:t> </a:t>
+                </a:r>
+              </a:p>
+            </p:txBody>
+          </p:sp>
+        </mc:Fallback>
+      </mc:AlternateContent>
+      <mc:AlternateContent xmlns:mc="http://schemas.openxmlformats.org/markup-compatibility/2006" xmlns:a14="http://schemas.microsoft.com/office/drawing/2010/main">
+        <mc:Choice Requires="a14">
+          <p:sp>
+            <p:nvSpPr>
+              <p:cNvPr id="3" name="Espaço Reservado para Conteúdo 2">
+                <a:extLst>
+                  <a:ext uri="{FF2B5EF4-FFF2-40B4-BE49-F238E27FC236}">
+                    <a16:creationId xmlns:a16="http://schemas.microsoft.com/office/drawing/2014/main" id="{E3DFD790-B161-AACA-37D4-2B1B5B84E569}"/>
+                  </a:ext>
+                </a:extLst>
+              </p:cNvPr>
+              <p:cNvSpPr>
+                <a:spLocks noGrp="1"/>
+              </p:cNvSpPr>
+              <p:nvPr>
+                <p:ph idx="1"/>
+              </p:nvPr>
+            </p:nvSpPr>
+            <p:spPr>
+              <a:xfrm>
+                <a:off x="5753529" y="1825624"/>
+                <a:ext cx="6287784" cy="5032375"/>
+              </a:xfrm>
+            </p:spPr>
+            <p:txBody>
+              <a:bodyPr>
+                <a:normAutofit/>
+              </a:bodyPr>
+              <a:lstStyle/>
+              <a:p>
+                <a:r>
+                  <a:rPr lang="pt-BR" b="0" i="0" dirty="0">
+                    <a:solidFill>
+                      <a:schemeClr val="tx1"/>
+                    </a:solidFill>
+                    <a:effectLst/>
+                  </a:rPr>
+                  <a:t>A técnica divide o conjunto de dados em </a:t>
+                </a:r>
+                <a14:m>
+                  <m:oMath xmlns:m="http://schemas.openxmlformats.org/officeDocument/2006/math">
+                    <m:r>
+                      <a:rPr lang="pt-BR" b="0" i="1" smtClean="0">
+                        <a:solidFill>
+                          <a:schemeClr val="tx1"/>
+                        </a:solidFill>
+                        <a:effectLst/>
+                        <a:latin typeface="Cambria Math" panose="02040503050406030204" pitchFamily="18" charset="0"/>
+                      </a:rPr>
+                      <m:t>𝑘</m:t>
+                    </m:r>
+                  </m:oMath>
+                </a14:m>
+                <a:r>
+                  <a:rPr lang="pt-BR" b="0" i="0" dirty="0">
+                    <a:solidFill>
+                      <a:schemeClr val="tx1"/>
+                    </a:solidFill>
+                    <a:effectLst/>
+                  </a:rPr>
+                  <a:t> subconjuntos, chamados dobras (</a:t>
+                </a:r>
+                <a:r>
+                  <a:rPr lang="pt-BR" b="0" i="1" dirty="0">
+                    <a:solidFill>
+                      <a:schemeClr val="tx1"/>
+                    </a:solidFill>
+                    <a:effectLst/>
+                  </a:rPr>
+                  <a:t>folds</a:t>
+                </a:r>
+                <a:r>
+                  <a:rPr lang="pt-BR" b="0" i="0" dirty="0">
+                    <a:solidFill>
+                      <a:schemeClr val="tx1"/>
+                    </a:solidFill>
+                    <a:effectLst/>
+                  </a:rPr>
+                  <a:t>), </a:t>
+                </a:r>
+                <a:r>
+                  <a:rPr lang="pt-BR" dirty="0">
+                    <a:solidFill>
+                      <a:schemeClr val="tx1"/>
+                    </a:solidFill>
+                  </a:rPr>
+                  <a:t>treinando e avaliando o modelo </a:t>
+                </a:r>
+                <a14:m>
+                  <m:oMath xmlns:m="http://schemas.openxmlformats.org/officeDocument/2006/math">
+                    <m:r>
+                      <a:rPr lang="pt-BR" b="0" i="1" smtClean="0">
+                        <a:solidFill>
+                          <a:schemeClr val="tx1"/>
+                        </a:solidFill>
+                        <a:latin typeface="Cambria Math" panose="02040503050406030204" pitchFamily="18" charset="0"/>
+                      </a:rPr>
+                      <m:t>𝑘</m:t>
+                    </m:r>
+                  </m:oMath>
+                </a14:m>
+                <a:r>
+                  <a:rPr lang="pt-BR" dirty="0">
+                    <a:solidFill>
+                      <a:schemeClr val="tx1"/>
+                    </a:solidFill>
+                  </a:rPr>
+                  <a:t> vezes (e.g., MSE ou acurácia), cada vez com um subconjunto diferente como conjunto de teste e os </a:t>
+                </a:r>
+                <a14:m>
+                  <m:oMath xmlns:m="http://schemas.openxmlformats.org/officeDocument/2006/math">
+                    <m:r>
+                      <a:rPr lang="pt-BR" i="1">
+                        <a:solidFill>
+                          <a:schemeClr val="tx1"/>
+                        </a:solidFill>
+                        <a:latin typeface="Cambria Math" panose="02040503050406030204" pitchFamily="18" charset="0"/>
+                      </a:rPr>
+                      <m:t>𝑘</m:t>
+                    </m:r>
+                  </m:oMath>
+                </a14:m>
+                <a:r>
+                  <a:rPr lang="pt-BR" dirty="0">
+                    <a:solidFill>
+                      <a:schemeClr val="tx1"/>
+                    </a:solidFill>
+                  </a:rPr>
+                  <a:t>-1 subconjuntos restantes como conjunto de treinamento</a:t>
+                </a:r>
+                <a:r>
+                  <a:rPr lang="pt-BR" b="0" i="0" dirty="0">
+                    <a:solidFill>
+                      <a:schemeClr val="tx1"/>
+                    </a:solidFill>
+                    <a:effectLst/>
+                  </a:rPr>
+                  <a:t>.</a:t>
+                </a:r>
+              </a:p>
+              <a:p>
+                <a:r>
+                  <a:rPr lang="pt-BR" b="0" i="0" dirty="0">
+                    <a:solidFill>
+                      <a:schemeClr val="tx1"/>
+                    </a:solidFill>
+                    <a:effectLst/>
+                  </a:rPr>
+                  <a:t>Ao final, calcula-se a média e a variância das</a:t>
+                </a:r>
+                <a:r>
+                  <a:rPr lang="pt-BR" b="0" dirty="0">
+                    <a:solidFill>
+                      <a:schemeClr val="tx1"/>
+                    </a:solidFill>
+                  </a:rPr>
+                  <a:t> </a:t>
+                </a:r>
+                <a14:m>
+                  <m:oMath xmlns:m="http://schemas.openxmlformats.org/officeDocument/2006/math">
+                    <m:r>
+                      <a:rPr lang="pt-BR" b="0" i="1" smtClean="0">
+                        <a:solidFill>
+                          <a:schemeClr val="tx1"/>
+                        </a:solidFill>
+                        <a:latin typeface="Cambria Math" panose="02040503050406030204" pitchFamily="18" charset="0"/>
+                      </a:rPr>
+                      <m:t>𝑘</m:t>
+                    </m:r>
+                  </m:oMath>
+                </a14:m>
+                <a:r>
+                  <a:rPr lang="pt-BR" b="0" i="0" dirty="0">
+                    <a:solidFill>
+                      <a:schemeClr val="tx1"/>
+                    </a:solidFill>
+                    <a:effectLst/>
+                  </a:rPr>
+                  <a:t> métricas individuais de desempenho para fornecer uma única métrica geral do modelo.</a:t>
+                </a:r>
+              </a:p>
+            </p:txBody>
+          </p:sp>
+        </mc:Choice>
+        <mc:Fallback xmlns="">
+          <p:sp>
+            <p:nvSpPr>
+              <p:cNvPr id="3" name="Espaço Reservado para Conteúdo 2">
+                <a:extLst>
+                  <a:ext uri="{FF2B5EF4-FFF2-40B4-BE49-F238E27FC236}">
+                    <a16:creationId xmlns:a16="http://schemas.microsoft.com/office/drawing/2014/main" id="{E3DFD790-B161-AACA-37D4-2B1B5B84E569}"/>
+                  </a:ext>
+                </a:extLst>
+              </p:cNvPr>
+              <p:cNvSpPr>
+                <a:spLocks noGrp="1" noRot="1" noChangeAspect="1" noMove="1" noResize="1" noEditPoints="1" noAdjustHandles="1" noChangeArrowheads="1" noChangeShapeType="1" noTextEdit="1"/>
+              </p:cNvSpPr>
+              <p:nvPr>
+                <p:ph idx="1"/>
+              </p:nvPr>
+            </p:nvSpPr>
+            <p:spPr>
+              <a:xfrm>
+                <a:off x="5753529" y="1825624"/>
+                <a:ext cx="6287784" cy="5032375"/>
+              </a:xfrm>
+              <a:blipFill>
+                <a:blip r:embed="rId4"/>
+                <a:stretch>
+                  <a:fillRect l="-1746" t="-1937" r="-2716"/>
+                </a:stretch>
+              </a:blipFill>
+            </p:spPr>
+            <p:txBody>
+              <a:bodyPr/>
+              <a:lstStyle/>
+              <a:p>
+                <a:r>
+                  <a:rPr lang="pt-BR">
+                    <a:noFill/>
+                  </a:rPr>
+                  <a:t> </a:t>
+                </a:r>
+              </a:p>
+            </p:txBody>
+          </p:sp>
+        </mc:Fallback>
+      </mc:AlternateContent>
+      <p:pic>
+        <p:nvPicPr>
+          <p:cNvPr id="3076" name="Picture 4">
+            <a:extLst>
+              <a:ext uri="{FF2B5EF4-FFF2-40B4-BE49-F238E27FC236}">
+                <a16:creationId xmlns:a16="http://schemas.microsoft.com/office/drawing/2014/main" id="{23C6D210-29E4-BEC4-2587-5A703B9EA81E}"/>
+              </a:ext>
+            </a:extLst>
+          </p:cNvPr>
+          <p:cNvPicPr>
+            <a:picLocks noChangeAspect="1" noChangeArrowheads="1"/>
+          </p:cNvPicPr>
+          <p:nvPr/>
+        </p:nvPicPr>
+        <p:blipFill rotWithShape="1">
+          <a:blip r:embed="rId5">
+            <a:extLst>
+              <a:ext uri="{28A0092B-C50C-407E-A947-70E740481C1C}">
+                <a14:useLocalDpi xmlns:a14="http://schemas.microsoft.com/office/drawing/2010/main" val="0"/>
+              </a:ext>
+            </a:extLst>
+          </a:blip>
+          <a:srcRect l="5542" t="7613" r="2875"/>
+          <a:stretch/>
+        </p:blipFill>
+        <p:spPr bwMode="auto">
+          <a:xfrm>
+            <a:off x="150687" y="2250039"/>
+            <a:ext cx="5437713" cy="3298005"/>
+          </a:xfrm>
+          <a:prstGeom prst="rect">
+            <a:avLst/>
+          </a:prstGeom>
+          <a:noFill/>
+          <a:extLst>
+            <a:ext uri="{909E8E84-426E-40DD-AFC4-6F175D3DCCD1}">
+              <a14:hiddenFill xmlns:a14="http://schemas.microsoft.com/office/drawing/2010/main">
+                <a:solidFill>
+                  <a:srgbClr val="FFFFFF"/>
+                </a:solidFill>
+              </a14:hiddenFill>
+            </a:ext>
+          </a:extLst>
+        </p:spPr>
+      </p:pic>
+      <p:sp>
+        <p:nvSpPr>
+          <p:cNvPr id="5" name="CaixaDeTexto 4">
+            <a:extLst>
+              <a:ext uri="{FF2B5EF4-FFF2-40B4-BE49-F238E27FC236}">
+                <a16:creationId xmlns:a16="http://schemas.microsoft.com/office/drawing/2014/main" id="{4C98CA81-D5B4-3FB5-6A37-8D8EDAE72660}"/>
+              </a:ext>
+            </a:extLst>
+          </p:cNvPr>
+          <p:cNvSpPr txBox="1"/>
+          <p:nvPr/>
+        </p:nvSpPr>
+        <p:spPr>
+          <a:xfrm>
+            <a:off x="0" y="6581000"/>
+            <a:ext cx="2786865" cy="276999"/>
+          </a:xfrm>
+          <a:prstGeom prst="rect">
+            <a:avLst/>
+          </a:prstGeom>
+          <a:noFill/>
+        </p:spPr>
+        <p:txBody>
+          <a:bodyPr wrap="square">
+            <a:spAutoFit/>
+          </a:bodyPr>
           <a:lstStyle/>
           <a:p>
-            <a:endParaRPr lang="pt-BR"/>
-          </a:p>
-        </p:txBody>
-      </p:sp>
-      <p:sp>
-        <p:nvSpPr>
-          <p:cNvPr id="3" name="Espaço Reservado para Conteúdo 2">
-            <a:extLst>
-              <a:ext uri="{FF2B5EF4-FFF2-40B4-BE49-F238E27FC236}">
-                <a16:creationId xmlns:a16="http://schemas.microsoft.com/office/drawing/2014/main" id="{D4DCB35F-B12A-B277-7450-FDC64173EEAE}"/>
-              </a:ext>
-            </a:extLst>
-          </p:cNvPr>
-          <p:cNvSpPr>
-            <a:spLocks noGrp="1"/>
-          </p:cNvSpPr>
-          <p:nvPr>
-            <p:ph idx="1"/>
-          </p:nvPr>
-        </p:nvSpPr>
-        <p:spPr/>
-        <p:txBody>
-          <a:bodyPr/>
-          <a:lstStyle/>
-          <a:p>
-            <a:endParaRPr lang="pt-BR"/>
+            <a:r>
+              <a:rPr lang="pt-BR" sz="1200" dirty="0">
+                <a:hlinkClick r:id="rId6"/>
+              </a:rPr>
+              <a:t>Exemplo: </a:t>
+            </a:r>
+            <a:r>
+              <a:rPr lang="pt-BR" sz="1200" dirty="0" err="1">
+                <a:hlinkClick r:id="rId6"/>
+              </a:rPr>
+              <a:t>validacao_cruzada_k_fold.ipynb</a:t>
+            </a:r>
+            <a:endParaRPr lang="pt-BR" sz="1200" dirty="0"/>
           </a:p>
         </p:txBody>
       </p:sp>
     </p:spTree>
     <p:extLst>
       <p:ext uri="{BB962C8B-B14F-4D97-AF65-F5344CB8AC3E}">
-        <p14:creationId xmlns:p14="http://schemas.microsoft.com/office/powerpoint/2010/main" val="3339531220"/>
+        <p14:creationId xmlns:p14="http://schemas.microsoft.com/office/powerpoint/2010/main" val="3171147947"/>
       </p:ext>
     </p:extLst>
   </p:cSld>

--- a/slides/TP557_13_Prevenindo_o_sobreajuste.pptx
+++ b/slides/TP557_13_Prevenindo_o_sobreajuste.pptx
@@ -5,10 +5,10 @@
     <p:sldMasterId id="2147483648" r:id="rId1"/>
   </p:sldMasterIdLst>
   <p:notesMasterIdLst>
-    <p:notesMasterId r:id="rId28"/>
+    <p:notesMasterId r:id="rId27"/>
   </p:notesMasterIdLst>
   <p:handoutMasterIdLst>
-    <p:handoutMasterId r:id="rId29"/>
+    <p:handoutMasterId r:id="rId28"/>
   </p:handoutMasterIdLst>
   <p:sldIdLst>
     <p:sldId id="256" r:id="rId2"/>
@@ -26,17 +26,16 @@
     <p:sldId id="441" r:id="rId14"/>
     <p:sldId id="432" r:id="rId15"/>
     <p:sldId id="442" r:id="rId16"/>
-    <p:sldId id="433" r:id="rId17"/>
-    <p:sldId id="444" r:id="rId18"/>
-    <p:sldId id="445" r:id="rId19"/>
-    <p:sldId id="446" r:id="rId20"/>
-    <p:sldId id="443" r:id="rId21"/>
-    <p:sldId id="436" r:id="rId22"/>
-    <p:sldId id="437" r:id="rId23"/>
-    <p:sldId id="426" r:id="rId24"/>
-    <p:sldId id="405" r:id="rId25"/>
-    <p:sldId id="293" r:id="rId26"/>
-    <p:sldId id="306" r:id="rId27"/>
+    <p:sldId id="444" r:id="rId17"/>
+    <p:sldId id="447" r:id="rId18"/>
+    <p:sldId id="446" r:id="rId19"/>
+    <p:sldId id="443" r:id="rId20"/>
+    <p:sldId id="436" r:id="rId21"/>
+    <p:sldId id="437" r:id="rId22"/>
+    <p:sldId id="426" r:id="rId23"/>
+    <p:sldId id="405" r:id="rId24"/>
+    <p:sldId id="293" r:id="rId25"/>
+    <p:sldId id="306" r:id="rId26"/>
   </p:sldIdLst>
   <p:sldSz cx="12192000" cy="6858000"/>
   <p:notesSz cx="7315200" cy="9601200"/>
@@ -300,7 +299,7 @@
           <a:p>
             <a:fld id="{144F1436-6906-4D93-B7A2-786C327BFA14}" type="datetimeFigureOut">
               <a:rPr lang="nl-BE" smtClean="0"/>
-              <a:t>18/09/2023</a:t>
+              <a:t>19/09/2023</a:t>
             </a:fld>
             <a:endParaRPr lang="nl-BE"/>
           </a:p>
@@ -465,7 +464,7 @@
           <a:p>
             <a:fld id="{AA8CD09E-2914-4F47-B6C1-51B2C31814C9}" type="datetimeFigureOut">
               <a:rPr lang="pt-BR" smtClean="0"/>
-              <a:t>18/09/2023</a:t>
+              <a:t>19/09/2023</a:t>
             </a:fld>
             <a:endParaRPr lang="pt-BR"/>
           </a:p>
@@ -1703,7 +1702,7 @@
           <a:p>
             <a:fld id="{6FC8D850-966F-45A6-8DE7-15B891E7D40D}" type="slidenum">
               <a:rPr lang="pt-BR" smtClean="0"/>
-              <a:t>23</a:t>
+              <a:t>22</a:t>
             </a:fld>
             <a:endParaRPr lang="pt-BR"/>
           </a:p>
@@ -1799,7 +1798,7 @@
           <a:p>
             <a:fld id="{6FC8D850-966F-45A6-8DE7-15B891E7D40D}" type="slidenum">
               <a:rPr lang="pt-BR" smtClean="0"/>
-              <a:t>24</a:t>
+              <a:t>23</a:t>
             </a:fld>
             <a:endParaRPr lang="pt-BR"/>
           </a:p>
@@ -4224,7 +4223,7 @@
           <a:p>
             <a:fld id="{63289F7E-B80B-496E-81B4-D396C37C9454}" type="datetimeFigureOut">
               <a:rPr lang="pt-BR" smtClean="0"/>
-              <a:t>18/09/2023</a:t>
+              <a:t>19/09/2023</a:t>
             </a:fld>
             <a:endParaRPr lang="pt-BR"/>
           </a:p>
@@ -4422,7 +4421,7 @@
           <a:p>
             <a:fld id="{63289F7E-B80B-496E-81B4-D396C37C9454}" type="datetimeFigureOut">
               <a:rPr lang="pt-BR" smtClean="0"/>
-              <a:t>18/09/2023</a:t>
+              <a:t>19/09/2023</a:t>
             </a:fld>
             <a:endParaRPr lang="pt-BR"/>
           </a:p>
@@ -4630,7 +4629,7 @@
           <a:p>
             <a:fld id="{63289F7E-B80B-496E-81B4-D396C37C9454}" type="datetimeFigureOut">
               <a:rPr lang="pt-BR" smtClean="0"/>
-              <a:t>18/09/2023</a:t>
+              <a:t>19/09/2023</a:t>
             </a:fld>
             <a:endParaRPr lang="pt-BR"/>
           </a:p>
@@ -4828,7 +4827,7 @@
           <a:p>
             <a:fld id="{63289F7E-B80B-496E-81B4-D396C37C9454}" type="datetimeFigureOut">
               <a:rPr lang="pt-BR" smtClean="0"/>
-              <a:t>18/09/2023</a:t>
+              <a:t>19/09/2023</a:t>
             </a:fld>
             <a:endParaRPr lang="pt-BR"/>
           </a:p>
@@ -5103,7 +5102,7 @@
           <a:p>
             <a:fld id="{63289F7E-B80B-496E-81B4-D396C37C9454}" type="datetimeFigureOut">
               <a:rPr lang="pt-BR" smtClean="0"/>
-              <a:t>18/09/2023</a:t>
+              <a:t>19/09/2023</a:t>
             </a:fld>
             <a:endParaRPr lang="pt-BR"/>
           </a:p>
@@ -5368,7 +5367,7 @@
           <a:p>
             <a:fld id="{63289F7E-B80B-496E-81B4-D396C37C9454}" type="datetimeFigureOut">
               <a:rPr lang="pt-BR" smtClean="0"/>
-              <a:t>18/09/2023</a:t>
+              <a:t>19/09/2023</a:t>
             </a:fld>
             <a:endParaRPr lang="pt-BR"/>
           </a:p>
@@ -5780,7 +5779,7 @@
           <a:p>
             <a:fld id="{63289F7E-B80B-496E-81B4-D396C37C9454}" type="datetimeFigureOut">
               <a:rPr lang="pt-BR" smtClean="0"/>
-              <a:t>18/09/2023</a:t>
+              <a:t>19/09/2023</a:t>
             </a:fld>
             <a:endParaRPr lang="pt-BR"/>
           </a:p>
@@ -5921,7 +5920,7 @@
           <a:p>
             <a:fld id="{63289F7E-B80B-496E-81B4-D396C37C9454}" type="datetimeFigureOut">
               <a:rPr lang="pt-BR" smtClean="0"/>
-              <a:t>18/09/2023</a:t>
+              <a:t>19/09/2023</a:t>
             </a:fld>
             <a:endParaRPr lang="pt-BR"/>
           </a:p>
@@ -6034,7 +6033,7 @@
           <a:p>
             <a:fld id="{63289F7E-B80B-496E-81B4-D396C37C9454}" type="datetimeFigureOut">
               <a:rPr lang="pt-BR" smtClean="0"/>
-              <a:t>18/09/2023</a:t>
+              <a:t>19/09/2023</a:t>
             </a:fld>
             <a:endParaRPr lang="pt-BR"/>
           </a:p>
@@ -6345,7 +6344,7 @@
           <a:p>
             <a:fld id="{63289F7E-B80B-496E-81B4-D396C37C9454}" type="datetimeFigureOut">
               <a:rPr lang="pt-BR" smtClean="0"/>
-              <a:t>18/09/2023</a:t>
+              <a:t>19/09/2023</a:t>
             </a:fld>
             <a:endParaRPr lang="pt-BR"/>
           </a:p>
@@ -6633,7 +6632,7 @@
           <a:p>
             <a:fld id="{63289F7E-B80B-496E-81B4-D396C37C9454}" type="datetimeFigureOut">
               <a:rPr lang="pt-BR" smtClean="0"/>
-              <a:t>18/09/2023</a:t>
+              <a:t>19/09/2023</a:t>
             </a:fld>
             <a:endParaRPr lang="pt-BR"/>
           </a:p>
@@ -6874,7 +6873,7 @@
           <a:p>
             <a:fld id="{63289F7E-B80B-496E-81B4-D396C37C9454}" type="datetimeFigureOut">
               <a:rPr lang="pt-BR" smtClean="0"/>
-              <a:t>18/09/2023</a:t>
+              <a:t>19/09/2023</a:t>
             </a:fld>
             <a:endParaRPr lang="pt-BR"/>
           </a:p>
@@ -9010,7 +9009,7 @@
           <p:cNvPr id="2" name="Título 1">
             <a:extLst>
               <a:ext uri="{FF2B5EF4-FFF2-40B4-BE49-F238E27FC236}">
-                <a16:creationId xmlns:a16="http://schemas.microsoft.com/office/drawing/2014/main" id="{CC2D5F9F-A089-BA73-4055-2EB54D07A5C9}"/>
+                <a16:creationId xmlns:a16="http://schemas.microsoft.com/office/drawing/2014/main" id="{6766F209-3E3E-0136-4083-293C5897A43D}"/>
               </a:ext>
             </a:extLst>
           </p:cNvPr>
@@ -9026,7 +9025,14 @@
           <a:bodyPr/>
           <a:lstStyle/>
           <a:p>
-            <a:endParaRPr lang="pt-BR"/>
+            <a:r>
+              <a:rPr lang="pt-BR" i="1" dirty="0"/>
+              <a:t>Data augmentation </a:t>
+            </a:r>
+            <a:r>
+              <a:rPr lang="pt-BR" dirty="0"/>
+              <a:t>com Tensorflow</a:t>
+            </a:r>
           </a:p>
         </p:txBody>
       </p:sp>
@@ -9035,7 +9041,7 @@
           <p:cNvPr id="3" name="Espaço Reservado para Conteúdo 2">
             <a:extLst>
               <a:ext uri="{FF2B5EF4-FFF2-40B4-BE49-F238E27FC236}">
-                <a16:creationId xmlns:a16="http://schemas.microsoft.com/office/drawing/2014/main" id="{D4DCB35F-B12A-B277-7450-FDC64173EEAE}"/>
+                <a16:creationId xmlns:a16="http://schemas.microsoft.com/office/drawing/2014/main" id="{D2294B5F-B438-34E2-4845-29E47EF0DECB}"/>
               </a:ext>
             </a:extLst>
           </p:cNvPr>
@@ -9046,19 +9052,768 @@
             <p:ph idx="1"/>
           </p:nvPr>
         </p:nvSpPr>
-        <p:spPr/>
-        <p:txBody>
-          <a:bodyPr/>
+        <p:spPr>
+          <a:xfrm>
+            <a:off x="6206835" y="1825624"/>
+            <a:ext cx="5875575" cy="5032375"/>
+          </a:xfrm>
+        </p:spPr>
+        <p:txBody>
+          <a:bodyPr>
+            <a:normAutofit lnSpcReduction="10000"/>
+          </a:bodyPr>
           <a:lstStyle/>
           <a:p>
-            <a:endParaRPr lang="pt-BR"/>
+            <a:r>
+              <a:rPr lang="pt-BR" b="0" i="0" dirty="0">
+                <a:effectLst/>
+              </a:rPr>
+              <a:t>O Tensorflow possui </a:t>
+            </a:r>
+            <a:r>
+              <a:rPr lang="pt-BR" dirty="0"/>
+              <a:t>várias camadas que podem ser usadas </a:t>
+            </a:r>
+            <a:r>
+              <a:rPr lang="pt-BR" b="0" i="0" dirty="0">
+                <a:effectLst/>
+              </a:rPr>
+              <a:t>para criar novas imagens a partir das existentes:</a:t>
+            </a:r>
+          </a:p>
+          <a:p>
+            <a:pPr lvl="1">
+              <a:buFont typeface="Wingdings" panose="05000000000000000000" pitchFamily="2" charset="2"/>
+              <a:buChar char="§"/>
+            </a:pPr>
+            <a:r>
+              <a:rPr lang="pt-BR" dirty="0" err="1"/>
+              <a:t>tf.keras.layers.RandomCrop</a:t>
+            </a:r>
+            <a:r>
+              <a:rPr lang="pt-BR" dirty="0"/>
+              <a:t>(),</a:t>
+            </a:r>
+          </a:p>
+          <a:p>
+            <a:pPr lvl="1">
+              <a:buFont typeface="Wingdings" panose="05000000000000000000" pitchFamily="2" charset="2"/>
+              <a:buChar char="§"/>
+            </a:pPr>
+            <a:r>
+              <a:rPr lang="pt-BR" dirty="0" err="1"/>
+              <a:t>tf.keras.layers.RandomZoom</a:t>
+            </a:r>
+            <a:r>
+              <a:rPr lang="pt-BR" dirty="0"/>
+              <a:t>(),</a:t>
+            </a:r>
+          </a:p>
+          <a:p>
+            <a:pPr lvl="1">
+              <a:buFont typeface="Wingdings" panose="05000000000000000000" pitchFamily="2" charset="2"/>
+              <a:buChar char="§"/>
+            </a:pPr>
+            <a:r>
+              <a:rPr lang="pt-BR" dirty="0" err="1"/>
+              <a:t>tf.keras.layers.RandomFlip</a:t>
+            </a:r>
+            <a:r>
+              <a:rPr lang="pt-BR" dirty="0"/>
+              <a:t>(),</a:t>
+            </a:r>
+          </a:p>
+          <a:p>
+            <a:pPr lvl="1">
+              <a:buFont typeface="Wingdings" panose="05000000000000000000" pitchFamily="2" charset="2"/>
+              <a:buChar char="§"/>
+            </a:pPr>
+            <a:r>
+              <a:rPr lang="pt-BR" dirty="0" err="1"/>
+              <a:t>tf.keras.layers.RandomRotation</a:t>
+            </a:r>
+            <a:r>
+              <a:rPr lang="pt-BR" dirty="0"/>
+              <a:t>(), etc.</a:t>
+            </a:r>
+          </a:p>
+          <a:p>
+            <a:r>
+              <a:rPr lang="pt-BR" b="0" i="0" dirty="0">
+                <a:effectLst/>
+              </a:rPr>
+              <a:t>Essas camadas podem ser adicionadas como camadas iniciais em seu modelo e o TensorFlow cuidará automaticamente do pré-processamento durante o treinamento e a inferência.</a:t>
+            </a:r>
+          </a:p>
+        </p:txBody>
+      </p:sp>
+      <p:sp>
+        <p:nvSpPr>
+          <p:cNvPr id="5" name="CaixaDeTexto 4">
+            <a:extLst>
+              <a:ext uri="{FF2B5EF4-FFF2-40B4-BE49-F238E27FC236}">
+                <a16:creationId xmlns:a16="http://schemas.microsoft.com/office/drawing/2014/main" id="{1C36DA5E-2BA2-E248-545D-D53ECB51FE80}"/>
+              </a:ext>
+            </a:extLst>
+          </p:cNvPr>
+          <p:cNvSpPr txBox="1"/>
+          <p:nvPr/>
+        </p:nvSpPr>
+        <p:spPr>
+          <a:xfrm>
+            <a:off x="208971" y="1825624"/>
+            <a:ext cx="6336146" cy="1600438"/>
+          </a:xfrm>
+          <a:prstGeom prst="rect">
+            <a:avLst/>
+          </a:prstGeom>
+          <a:noFill/>
+        </p:spPr>
+        <p:txBody>
+          <a:bodyPr wrap="square">
+            <a:spAutoFit/>
+          </a:bodyPr>
+          <a:lstStyle/>
+          <a:p>
+            <a:r>
+              <a:rPr lang="pt-BR" sz="1400" dirty="0" err="1">
+                <a:solidFill>
+                  <a:srgbClr val="000000"/>
+                </a:solidFill>
+                <a:highlight>
+                  <a:srgbClr val="FFFFFF"/>
+                </a:highlight>
+              </a:rPr>
+              <a:t>data_augmentation</a:t>
+            </a:r>
+            <a:r>
+              <a:rPr lang="pt-BR" sz="1400" dirty="0">
+                <a:solidFill>
+                  <a:srgbClr val="000000"/>
+                </a:solidFill>
+                <a:highlight>
+                  <a:srgbClr val="FFFFFF"/>
+                </a:highlight>
+              </a:rPr>
+              <a:t> </a:t>
+            </a:r>
+            <a:r>
+              <a:rPr lang="pt-BR" sz="1400" b="1" dirty="0">
+                <a:solidFill>
+                  <a:srgbClr val="000080"/>
+                </a:solidFill>
+                <a:highlight>
+                  <a:srgbClr val="FFFFFF"/>
+                </a:highlight>
+              </a:rPr>
+              <a:t>=</a:t>
+            </a:r>
+            <a:r>
+              <a:rPr lang="pt-BR" sz="1400" b="0" dirty="0">
+                <a:solidFill>
+                  <a:srgbClr val="000000"/>
+                </a:solidFill>
+                <a:highlight>
+                  <a:srgbClr val="FFFFFF"/>
+                </a:highlight>
+              </a:rPr>
+              <a:t> </a:t>
+            </a:r>
+            <a:r>
+              <a:rPr lang="pt-BR" sz="1400" b="0" dirty="0" err="1">
+                <a:solidFill>
+                  <a:srgbClr val="000000"/>
+                </a:solidFill>
+                <a:highlight>
+                  <a:srgbClr val="FFFFFF"/>
+                </a:highlight>
+              </a:rPr>
+              <a:t>keras</a:t>
+            </a:r>
+            <a:r>
+              <a:rPr lang="pt-BR" sz="1400" b="1" dirty="0" err="1">
+                <a:solidFill>
+                  <a:srgbClr val="000080"/>
+                </a:solidFill>
+                <a:highlight>
+                  <a:srgbClr val="FFFFFF"/>
+                </a:highlight>
+              </a:rPr>
+              <a:t>.</a:t>
+            </a:r>
+            <a:r>
+              <a:rPr lang="pt-BR" sz="1400" b="0" dirty="0" err="1">
+                <a:solidFill>
+                  <a:srgbClr val="000000"/>
+                </a:solidFill>
+                <a:highlight>
+                  <a:srgbClr val="FFFFFF"/>
+                </a:highlight>
+              </a:rPr>
+              <a:t>Sequential</a:t>
+            </a:r>
+            <a:r>
+              <a:rPr lang="pt-BR" sz="1400" b="1" dirty="0">
+                <a:solidFill>
+                  <a:srgbClr val="000080"/>
+                </a:solidFill>
+                <a:highlight>
+                  <a:srgbClr val="FFFFFF"/>
+                </a:highlight>
+              </a:rPr>
+              <a:t>(</a:t>
+            </a:r>
+            <a:endParaRPr lang="pt-BR" sz="1400" b="0" dirty="0">
+              <a:solidFill>
+                <a:srgbClr val="000000"/>
+              </a:solidFill>
+              <a:highlight>
+                <a:srgbClr val="FFFFFF"/>
+              </a:highlight>
+            </a:endParaRPr>
+          </a:p>
+          <a:p>
+            <a:r>
+              <a:rPr lang="pt-BR" sz="1400" b="0" dirty="0">
+                <a:solidFill>
+                  <a:srgbClr val="000000"/>
+                </a:solidFill>
+                <a:highlight>
+                  <a:srgbClr val="FFFFFF"/>
+                </a:highlight>
+              </a:rPr>
+              <a:t>  </a:t>
+            </a:r>
+            <a:r>
+              <a:rPr lang="pt-BR" sz="1400" b="1" dirty="0">
+                <a:solidFill>
+                  <a:srgbClr val="000080"/>
+                </a:solidFill>
+                <a:highlight>
+                  <a:srgbClr val="FFFFFF"/>
+                </a:highlight>
+              </a:rPr>
+              <a:t>[</a:t>
+            </a:r>
+            <a:endParaRPr lang="pt-BR" sz="1400" b="0" dirty="0">
+              <a:solidFill>
+                <a:srgbClr val="000000"/>
+              </a:solidFill>
+              <a:highlight>
+                <a:srgbClr val="FFFFFF"/>
+              </a:highlight>
+            </a:endParaRPr>
+          </a:p>
+          <a:p>
+            <a:r>
+              <a:rPr lang="pt-BR" sz="1400" b="0" dirty="0">
+                <a:solidFill>
+                  <a:srgbClr val="000000"/>
+                </a:solidFill>
+                <a:highlight>
+                  <a:srgbClr val="FFFFFF"/>
+                </a:highlight>
+              </a:rPr>
+              <a:t>    </a:t>
+            </a:r>
+            <a:r>
+              <a:rPr lang="pt-BR" sz="1400" b="0" dirty="0" err="1">
+                <a:solidFill>
+                  <a:srgbClr val="000000"/>
+                </a:solidFill>
+                <a:highlight>
+                  <a:srgbClr val="FFFFFF"/>
+                </a:highlight>
+              </a:rPr>
+              <a:t>layers</a:t>
+            </a:r>
+            <a:r>
+              <a:rPr lang="pt-BR" sz="1400" b="1" dirty="0" err="1">
+                <a:solidFill>
+                  <a:srgbClr val="000080"/>
+                </a:solidFill>
+                <a:highlight>
+                  <a:srgbClr val="FFFFFF"/>
+                </a:highlight>
+              </a:rPr>
+              <a:t>.</a:t>
+            </a:r>
+            <a:r>
+              <a:rPr lang="pt-BR" sz="1400" b="0" dirty="0" err="1">
+                <a:solidFill>
+                  <a:srgbClr val="000000"/>
+                </a:solidFill>
+                <a:highlight>
+                  <a:srgbClr val="FFFFFF"/>
+                </a:highlight>
+              </a:rPr>
+              <a:t>RandomFlip</a:t>
+            </a:r>
+            <a:r>
+              <a:rPr lang="pt-BR" sz="1400" b="1" dirty="0">
+                <a:solidFill>
+                  <a:srgbClr val="000080"/>
+                </a:solidFill>
+                <a:highlight>
+                  <a:srgbClr val="FFFFFF"/>
+                </a:highlight>
+              </a:rPr>
+              <a:t>(</a:t>
+            </a:r>
+            <a:r>
+              <a:rPr lang="pt-BR" sz="1400" b="0" dirty="0">
+                <a:solidFill>
+                  <a:srgbClr val="808080"/>
+                </a:solidFill>
+                <a:highlight>
+                  <a:srgbClr val="FFFFFF"/>
+                </a:highlight>
+              </a:rPr>
+              <a:t>"horizontal"</a:t>
+            </a:r>
+            <a:r>
+              <a:rPr lang="pt-BR" sz="1400" b="1" dirty="0">
+                <a:solidFill>
+                  <a:srgbClr val="000080"/>
+                </a:solidFill>
+                <a:highlight>
+                  <a:srgbClr val="FFFFFF"/>
+                </a:highlight>
+              </a:rPr>
+              <a:t>, </a:t>
+            </a:r>
+            <a:r>
+              <a:rPr lang="pt-BR" sz="1400" b="0" dirty="0" err="1">
+                <a:solidFill>
+                  <a:srgbClr val="000000"/>
+                </a:solidFill>
+                <a:highlight>
+                  <a:srgbClr val="FFFFFF"/>
+                </a:highlight>
+              </a:rPr>
+              <a:t>input_shape</a:t>
+            </a:r>
+            <a:r>
+              <a:rPr lang="pt-BR" sz="1400" b="1" dirty="0">
+                <a:solidFill>
+                  <a:srgbClr val="000080"/>
+                </a:solidFill>
+                <a:highlight>
+                  <a:srgbClr val="FFFFFF"/>
+                </a:highlight>
+              </a:rPr>
+              <a:t>=(</a:t>
+            </a:r>
+            <a:r>
+              <a:rPr lang="pt-BR" sz="1400" b="0" dirty="0" err="1">
+                <a:solidFill>
+                  <a:srgbClr val="000000"/>
+                </a:solidFill>
+                <a:highlight>
+                  <a:srgbClr val="FFFFFF"/>
+                </a:highlight>
+              </a:rPr>
+              <a:t>img_height</a:t>
+            </a:r>
+            <a:r>
+              <a:rPr lang="pt-BR" sz="1400" b="1" dirty="0">
+                <a:solidFill>
+                  <a:srgbClr val="000080"/>
+                </a:solidFill>
+                <a:highlight>
+                  <a:srgbClr val="FFFFFF"/>
+                </a:highlight>
+              </a:rPr>
+              <a:t>,</a:t>
+            </a:r>
+            <a:r>
+              <a:rPr lang="pt-BR" sz="1400" b="0" dirty="0">
+                <a:solidFill>
+                  <a:srgbClr val="000000"/>
+                </a:solidFill>
+                <a:highlight>
+                  <a:srgbClr val="FFFFFF"/>
+                </a:highlight>
+              </a:rPr>
+              <a:t> </a:t>
+            </a:r>
+            <a:r>
+              <a:rPr lang="pt-BR" sz="1400" b="0" dirty="0" err="1">
+                <a:solidFill>
+                  <a:srgbClr val="000000"/>
+                </a:solidFill>
+                <a:highlight>
+                  <a:srgbClr val="FFFFFF"/>
+                </a:highlight>
+              </a:rPr>
+              <a:t>img_width</a:t>
+            </a:r>
+            <a:r>
+              <a:rPr lang="pt-BR" sz="1400" b="1" dirty="0">
+                <a:solidFill>
+                  <a:srgbClr val="000080"/>
+                </a:solidFill>
+                <a:highlight>
+                  <a:srgbClr val="FFFFFF"/>
+                </a:highlight>
+              </a:rPr>
+              <a:t>,</a:t>
+            </a:r>
+            <a:r>
+              <a:rPr lang="pt-BR" sz="1400" b="0" dirty="0">
+                <a:solidFill>
+                  <a:srgbClr val="000000"/>
+                </a:solidFill>
+                <a:highlight>
+                  <a:srgbClr val="FFFFFF"/>
+                </a:highlight>
+              </a:rPr>
+              <a:t> </a:t>
+            </a:r>
+            <a:r>
+              <a:rPr lang="pt-BR" sz="1400" b="0" dirty="0">
+                <a:solidFill>
+                  <a:srgbClr val="FF0000"/>
+                </a:solidFill>
+                <a:highlight>
+                  <a:srgbClr val="FFFFFF"/>
+                </a:highlight>
+              </a:rPr>
+              <a:t>3</a:t>
+            </a:r>
+            <a:r>
+              <a:rPr lang="pt-BR" sz="1400" b="1" dirty="0">
+                <a:solidFill>
+                  <a:srgbClr val="000080"/>
+                </a:solidFill>
+                <a:highlight>
+                  <a:srgbClr val="FFFFFF"/>
+                </a:highlight>
+              </a:rPr>
+              <a:t>)),</a:t>
+            </a:r>
+            <a:endParaRPr lang="pt-BR" sz="1400" b="0" dirty="0">
+              <a:solidFill>
+                <a:srgbClr val="000000"/>
+              </a:solidFill>
+              <a:highlight>
+                <a:srgbClr val="FFFFFF"/>
+              </a:highlight>
+            </a:endParaRPr>
+          </a:p>
+          <a:p>
+            <a:r>
+              <a:rPr lang="pt-BR" sz="1400" b="0" dirty="0">
+                <a:solidFill>
+                  <a:srgbClr val="000000"/>
+                </a:solidFill>
+                <a:highlight>
+                  <a:srgbClr val="FFFFFF"/>
+                </a:highlight>
+              </a:rPr>
+              <a:t>    </a:t>
+            </a:r>
+            <a:r>
+              <a:rPr lang="pt-BR" sz="1400" b="0" dirty="0" err="1">
+                <a:solidFill>
+                  <a:srgbClr val="000000"/>
+                </a:solidFill>
+                <a:highlight>
+                  <a:srgbClr val="FFFFFF"/>
+                </a:highlight>
+              </a:rPr>
+              <a:t>layers</a:t>
+            </a:r>
+            <a:r>
+              <a:rPr lang="pt-BR" sz="1400" b="1" dirty="0" err="1">
+                <a:solidFill>
+                  <a:srgbClr val="000080"/>
+                </a:solidFill>
+                <a:highlight>
+                  <a:srgbClr val="FFFFFF"/>
+                </a:highlight>
+              </a:rPr>
+              <a:t>.</a:t>
+            </a:r>
+            <a:r>
+              <a:rPr lang="pt-BR" sz="1400" b="0" dirty="0" err="1">
+                <a:solidFill>
+                  <a:srgbClr val="000000"/>
+                </a:solidFill>
+                <a:highlight>
+                  <a:srgbClr val="FFFFFF"/>
+                </a:highlight>
+              </a:rPr>
+              <a:t>RandomRotation</a:t>
+            </a:r>
+            <a:r>
+              <a:rPr lang="pt-BR" sz="1400" b="1" dirty="0">
+                <a:solidFill>
+                  <a:srgbClr val="000080"/>
+                </a:solidFill>
+                <a:highlight>
+                  <a:srgbClr val="FFFFFF"/>
+                </a:highlight>
+              </a:rPr>
+              <a:t>(</a:t>
+            </a:r>
+            <a:r>
+              <a:rPr lang="pt-BR" sz="1400" b="0" dirty="0">
+                <a:solidFill>
+                  <a:srgbClr val="FF0000"/>
+                </a:solidFill>
+                <a:highlight>
+                  <a:srgbClr val="FFFFFF"/>
+                </a:highlight>
+              </a:rPr>
+              <a:t>0.1</a:t>
+            </a:r>
+            <a:r>
+              <a:rPr lang="pt-BR" sz="1400" b="1" dirty="0">
+                <a:solidFill>
+                  <a:srgbClr val="000080"/>
+                </a:solidFill>
+                <a:highlight>
+                  <a:srgbClr val="FFFFFF"/>
+                </a:highlight>
+              </a:rPr>
+              <a:t>),</a:t>
+            </a:r>
+            <a:endParaRPr lang="pt-BR" sz="1400" b="0" dirty="0">
+              <a:solidFill>
+                <a:srgbClr val="000000"/>
+              </a:solidFill>
+              <a:highlight>
+                <a:srgbClr val="FFFFFF"/>
+              </a:highlight>
+            </a:endParaRPr>
+          </a:p>
+          <a:p>
+            <a:r>
+              <a:rPr lang="pt-BR" sz="1400" b="0" dirty="0">
+                <a:solidFill>
+                  <a:srgbClr val="000000"/>
+                </a:solidFill>
+                <a:highlight>
+                  <a:srgbClr val="FFFFFF"/>
+                </a:highlight>
+              </a:rPr>
+              <a:t>    </a:t>
+            </a:r>
+            <a:r>
+              <a:rPr lang="pt-BR" sz="1400" b="0" dirty="0" err="1">
+                <a:solidFill>
+                  <a:srgbClr val="000000"/>
+                </a:solidFill>
+                <a:highlight>
+                  <a:srgbClr val="FFFFFF"/>
+                </a:highlight>
+              </a:rPr>
+              <a:t>layers</a:t>
+            </a:r>
+            <a:r>
+              <a:rPr lang="pt-BR" sz="1400" b="1" dirty="0" err="1">
+                <a:solidFill>
+                  <a:srgbClr val="000080"/>
+                </a:solidFill>
+                <a:highlight>
+                  <a:srgbClr val="FFFFFF"/>
+                </a:highlight>
+              </a:rPr>
+              <a:t>.</a:t>
+            </a:r>
+            <a:r>
+              <a:rPr lang="pt-BR" sz="1400" b="0" dirty="0" err="1">
+                <a:solidFill>
+                  <a:srgbClr val="000000"/>
+                </a:solidFill>
+                <a:highlight>
+                  <a:srgbClr val="FFFFFF"/>
+                </a:highlight>
+              </a:rPr>
+              <a:t>RandomZoom</a:t>
+            </a:r>
+            <a:r>
+              <a:rPr lang="pt-BR" sz="1400" b="1" dirty="0">
+                <a:solidFill>
+                  <a:srgbClr val="000080"/>
+                </a:solidFill>
+                <a:highlight>
+                  <a:srgbClr val="FFFFFF"/>
+                </a:highlight>
+              </a:rPr>
+              <a:t>(</a:t>
+            </a:r>
+            <a:r>
+              <a:rPr lang="pt-BR" sz="1400" b="0" dirty="0">
+                <a:solidFill>
+                  <a:srgbClr val="FF0000"/>
+                </a:solidFill>
+                <a:highlight>
+                  <a:srgbClr val="FFFFFF"/>
+                </a:highlight>
+              </a:rPr>
+              <a:t>0.1</a:t>
+            </a:r>
+            <a:r>
+              <a:rPr lang="pt-BR" sz="1400" b="1" dirty="0">
+                <a:solidFill>
+                  <a:srgbClr val="000080"/>
+                </a:solidFill>
+                <a:highlight>
+                  <a:srgbClr val="FFFFFF"/>
+                </a:highlight>
+              </a:rPr>
+              <a:t>),</a:t>
+            </a:r>
+            <a:endParaRPr lang="pt-BR" sz="1400" b="0" dirty="0">
+              <a:solidFill>
+                <a:srgbClr val="000000"/>
+              </a:solidFill>
+              <a:highlight>
+                <a:srgbClr val="FFFFFF"/>
+              </a:highlight>
+            </a:endParaRPr>
+          </a:p>
+          <a:p>
+            <a:r>
+              <a:rPr lang="pt-BR" sz="1400" b="0" dirty="0">
+                <a:solidFill>
+                  <a:srgbClr val="000000"/>
+                </a:solidFill>
+                <a:highlight>
+                  <a:srgbClr val="FFFFFF"/>
+                </a:highlight>
+              </a:rPr>
+              <a:t>  </a:t>
+            </a:r>
+            <a:r>
+              <a:rPr lang="pt-BR" sz="1400" b="1" dirty="0">
+                <a:solidFill>
+                  <a:srgbClr val="000080"/>
+                </a:solidFill>
+                <a:highlight>
+                  <a:srgbClr val="FFFFFF"/>
+                </a:highlight>
+              </a:rPr>
+              <a:t>]</a:t>
+            </a:r>
+            <a:endParaRPr lang="pt-BR" sz="1400" b="0" dirty="0">
+              <a:solidFill>
+                <a:srgbClr val="000000"/>
+              </a:solidFill>
+              <a:highlight>
+                <a:srgbClr val="FFFFFF"/>
+              </a:highlight>
+            </a:endParaRPr>
+          </a:p>
+          <a:p>
+            <a:r>
+              <a:rPr lang="pt-BR" sz="1400" b="1" dirty="0">
+                <a:solidFill>
+                  <a:srgbClr val="000080"/>
+                </a:solidFill>
+                <a:highlight>
+                  <a:srgbClr val="FFFFFF"/>
+                </a:highlight>
+              </a:rPr>
+              <a:t>)</a:t>
+            </a:r>
+            <a:endParaRPr lang="pt-BR" sz="1400" dirty="0"/>
+          </a:p>
+        </p:txBody>
+      </p:sp>
+      <p:pic>
+        <p:nvPicPr>
+          <p:cNvPr id="1026" name="Picture 2" descr="png">
+            <a:extLst>
+              <a:ext uri="{FF2B5EF4-FFF2-40B4-BE49-F238E27FC236}">
+                <a16:creationId xmlns:a16="http://schemas.microsoft.com/office/drawing/2014/main" id="{C682B81E-8FB9-B056-F838-5063C9F24A7E}"/>
+              </a:ext>
+            </a:extLst>
+          </p:cNvPr>
+          <p:cNvPicPr>
+            <a:picLocks noChangeAspect="1" noChangeArrowheads="1"/>
+          </p:cNvPicPr>
+          <p:nvPr/>
+        </p:nvPicPr>
+        <p:blipFill>
+          <a:blip r:embed="rId2">
+            <a:extLst>
+              <a:ext uri="{28A0092B-C50C-407E-A947-70E740481C1C}">
+                <a14:useLocalDpi xmlns:a14="http://schemas.microsoft.com/office/drawing/2010/main" val="0"/>
+              </a:ext>
+            </a:extLst>
+          </a:blip>
+          <a:srcRect/>
+          <a:stretch>
+            <a:fillRect/>
+          </a:stretch>
+        </p:blipFill>
+        <p:spPr bwMode="auto">
+          <a:xfrm>
+            <a:off x="1407095" y="3140364"/>
+            <a:ext cx="3601616" cy="3588326"/>
+          </a:xfrm>
+          <a:prstGeom prst="rect">
+            <a:avLst/>
+          </a:prstGeom>
+          <a:noFill/>
+          <a:extLst>
+            <a:ext uri="{909E8E84-426E-40DD-AFC4-6F175D3DCCD1}">
+              <a14:hiddenFill xmlns:a14="http://schemas.microsoft.com/office/drawing/2010/main">
+                <a:solidFill>
+                  <a:srgbClr val="FFFFFF"/>
+                </a:solidFill>
+              </a14:hiddenFill>
+            </a:ext>
+          </a:extLst>
+        </p:spPr>
+      </p:pic>
+      <p:sp>
+        <p:nvSpPr>
+          <p:cNvPr id="6" name="CaixaDeTexto 5">
+            <a:extLst>
+              <a:ext uri="{FF2B5EF4-FFF2-40B4-BE49-F238E27FC236}">
+                <a16:creationId xmlns:a16="http://schemas.microsoft.com/office/drawing/2014/main" id="{00EA2D64-8F5C-BFDB-74C3-103B55491DD7}"/>
+              </a:ext>
+            </a:extLst>
+          </p:cNvPr>
+          <p:cNvSpPr txBox="1"/>
+          <p:nvPr/>
+        </p:nvSpPr>
+        <p:spPr>
+          <a:xfrm>
+            <a:off x="9783905" y="6581001"/>
+            <a:ext cx="2408095" cy="276999"/>
+          </a:xfrm>
+          <a:prstGeom prst="rect">
+            <a:avLst/>
+          </a:prstGeom>
+          <a:noFill/>
+        </p:spPr>
+        <p:txBody>
+          <a:bodyPr wrap="none" rtlCol="0">
+            <a:spAutoFit/>
+          </a:bodyPr>
+          <a:lstStyle/>
+          <a:p>
+            <a:r>
+              <a:rPr lang="pt-BR" sz="1200" dirty="0"/>
+              <a:t>Exemplo: </a:t>
+            </a:r>
+            <a:r>
+              <a:rPr lang="pt-BR" sz="1200" dirty="0" err="1"/>
+              <a:t>data_augmentation.ipynb</a:t>
+            </a:r>
+            <a:endParaRPr lang="pt-BR" sz="1200" dirty="0"/>
           </a:p>
         </p:txBody>
       </p:sp>
     </p:spTree>
     <p:extLst>
       <p:ext uri="{BB962C8B-B14F-4D97-AF65-F5344CB8AC3E}">
-        <p14:creationId xmlns:p14="http://schemas.microsoft.com/office/powerpoint/2010/main" val="3339531220"/>
+        <p14:creationId xmlns:p14="http://schemas.microsoft.com/office/powerpoint/2010/main" val="3756459902"/>
       </p:ext>
     </p:extLst>
   </p:cSld>
@@ -9135,8 +9890,8 @@
         </p:nvSpPr>
         <p:spPr>
           <a:xfrm>
-            <a:off x="5421855" y="1825624"/>
-            <a:ext cx="6660556" cy="5032375"/>
+            <a:off x="6530109" y="1825624"/>
+            <a:ext cx="5552301" cy="5032375"/>
           </a:xfrm>
         </p:spPr>
         <p:txBody>
@@ -9146,57 +9901,282 @@
           <a:lstStyle/>
           <a:p>
             <a:r>
+              <a:rPr lang="pt-BR" dirty="0"/>
+              <a:t>Além das camadas, o </a:t>
+            </a:r>
+            <a:r>
               <a:rPr lang="pt-BR" b="0" i="0" dirty="0">
                 <a:effectLst/>
               </a:rPr>
-              <a:t>O Tensorflow possui um módulo de processamento de imagens chamado </a:t>
-            </a:r>
-            <a:r>
-              <a:rPr lang="pt-BR" b="1" i="1" dirty="0">
+              <a:t>Tensorflow possui um módulo de pré-processamento de imagens chamado </a:t>
+            </a:r>
+            <a:r>
+              <a:rPr lang="pt-BR" b="1" i="1" dirty="0" err="1">
                 <a:effectLst/>
               </a:rPr>
-              <a:t>image</a:t>
+              <a:t>tf.image</a:t>
             </a:r>
             <a:r>
               <a:rPr lang="pt-BR" b="0" i="0" dirty="0">
                 <a:effectLst/>
               </a:rPr>
-              <a:t> que pode ser usado para criar novas imagens a partir das existentes.</a:t>
+              <a:t> que também pode ser usado para criar novas imagens.</a:t>
             </a:r>
           </a:p>
           <a:p>
             <a:r>
               <a:rPr lang="pt-BR" dirty="0"/>
-              <a:t>O módulo possui funções que podem ser usadas para criar imagens a partir das existentes</a:t>
-            </a:r>
-            <a:endParaRPr lang="pt-BR" b="0" i="0" dirty="0">
-              <a:effectLst/>
+              <a:t>Elas são usadas para um controle mais preciso do pré-processamento.</a:t>
+            </a:r>
+          </a:p>
+        </p:txBody>
+      </p:sp>
+      <p:sp>
+        <p:nvSpPr>
+          <p:cNvPr id="6" name="CaixaDeTexto 5">
+            <a:extLst>
+              <a:ext uri="{FF2B5EF4-FFF2-40B4-BE49-F238E27FC236}">
+                <a16:creationId xmlns:a16="http://schemas.microsoft.com/office/drawing/2014/main" id="{3D968FA2-907F-A936-0FB9-FBCC7031AE78}"/>
+              </a:ext>
+            </a:extLst>
+          </p:cNvPr>
+          <p:cNvSpPr txBox="1"/>
+          <p:nvPr/>
+        </p:nvSpPr>
+        <p:spPr>
+          <a:xfrm>
+            <a:off x="1966767" y="1880026"/>
+            <a:ext cx="3131128" cy="523220"/>
+          </a:xfrm>
+          <a:prstGeom prst="rect">
+            <a:avLst/>
+          </a:prstGeom>
+          <a:noFill/>
+        </p:spPr>
+        <p:txBody>
+          <a:bodyPr wrap="square">
+            <a:spAutoFit/>
+          </a:bodyPr>
+          <a:lstStyle/>
+          <a:p>
+            <a:r>
+              <a:rPr lang="en-US" sz="1400" dirty="0">
+                <a:solidFill>
+                  <a:srgbClr val="000000"/>
+                </a:solidFill>
+                <a:highlight>
+                  <a:srgbClr val="FFFFFF"/>
+                </a:highlight>
+              </a:rPr>
+              <a:t>flipped </a:t>
+            </a:r>
+            <a:r>
+              <a:rPr lang="en-US" sz="1400" b="1" dirty="0">
+                <a:solidFill>
+                  <a:srgbClr val="000080"/>
+                </a:solidFill>
+                <a:highlight>
+                  <a:srgbClr val="FFFFFF"/>
+                </a:highlight>
+              </a:rPr>
+              <a:t>=</a:t>
+            </a:r>
+            <a:r>
+              <a:rPr lang="en-US" sz="1400" b="0" dirty="0">
+                <a:solidFill>
+                  <a:srgbClr val="000000"/>
+                </a:solidFill>
+                <a:highlight>
+                  <a:srgbClr val="FFFFFF"/>
+                </a:highlight>
+              </a:rPr>
+              <a:t> </a:t>
+            </a:r>
+            <a:r>
+              <a:rPr lang="en-US" sz="1400" b="0" dirty="0" err="1">
+                <a:solidFill>
+                  <a:srgbClr val="000000"/>
+                </a:solidFill>
+                <a:highlight>
+                  <a:srgbClr val="FFFFFF"/>
+                </a:highlight>
+              </a:rPr>
+              <a:t>tf</a:t>
+            </a:r>
+            <a:r>
+              <a:rPr lang="en-US" sz="1400" b="1" dirty="0" err="1">
+                <a:solidFill>
+                  <a:srgbClr val="000080"/>
+                </a:solidFill>
+                <a:highlight>
+                  <a:srgbClr val="FFFFFF"/>
+                </a:highlight>
+              </a:rPr>
+              <a:t>.</a:t>
+            </a:r>
+            <a:r>
+              <a:rPr lang="en-US" sz="1400" b="0" dirty="0" err="1">
+                <a:solidFill>
+                  <a:srgbClr val="000000"/>
+                </a:solidFill>
+                <a:highlight>
+                  <a:srgbClr val="FFFFFF"/>
+                </a:highlight>
+              </a:rPr>
+              <a:t>image</a:t>
+            </a:r>
+            <a:r>
+              <a:rPr lang="en-US" sz="1400" b="1" dirty="0" err="1">
+                <a:solidFill>
+                  <a:srgbClr val="000080"/>
+                </a:solidFill>
+                <a:highlight>
+                  <a:srgbClr val="FFFFFF"/>
+                </a:highlight>
+              </a:rPr>
+              <a:t>.</a:t>
+            </a:r>
+            <a:r>
+              <a:rPr lang="en-US" sz="1400" b="0" dirty="0" err="1">
+                <a:solidFill>
+                  <a:srgbClr val="000000"/>
+                </a:solidFill>
+                <a:highlight>
+                  <a:srgbClr val="FFFFFF"/>
+                </a:highlight>
+              </a:rPr>
+              <a:t>flip_left_right</a:t>
+            </a:r>
+            <a:r>
+              <a:rPr lang="en-US" sz="1400" b="1" dirty="0">
+                <a:solidFill>
+                  <a:srgbClr val="000080"/>
+                </a:solidFill>
+                <a:highlight>
+                  <a:srgbClr val="FFFFFF"/>
+                </a:highlight>
+              </a:rPr>
+              <a:t>(</a:t>
+            </a:r>
+            <a:r>
+              <a:rPr lang="en-US" sz="1400" b="0" dirty="0">
+                <a:solidFill>
+                  <a:srgbClr val="000000"/>
+                </a:solidFill>
+                <a:highlight>
+                  <a:srgbClr val="FFFFFF"/>
+                </a:highlight>
+              </a:rPr>
+              <a:t>image</a:t>
+            </a:r>
+            <a:r>
+              <a:rPr lang="en-US" sz="1400" b="1" dirty="0">
+                <a:solidFill>
+                  <a:srgbClr val="000080"/>
+                </a:solidFill>
+                <a:highlight>
+                  <a:srgbClr val="FFFFFF"/>
+                </a:highlight>
+              </a:rPr>
+              <a:t>)</a:t>
+            </a:r>
+            <a:endParaRPr lang="en-US" sz="1400" b="0" dirty="0">
+              <a:solidFill>
+                <a:srgbClr val="000000"/>
+              </a:solidFill>
+              <a:highlight>
+                <a:srgbClr val="FFFFFF"/>
+              </a:highlight>
             </a:endParaRPr>
           </a:p>
           <a:p>
             <a:r>
-              <a:rPr lang="pt-BR" dirty="0"/>
-              <a:t>Para entendermos como usar essas funções vamos utilizar o dataset </a:t>
-            </a:r>
-            <a:r>
-              <a:rPr lang="pt-BR" b="0" i="1" dirty="0" err="1">
-                <a:effectLst/>
-              </a:rPr>
-              <a:t>horses_or_humans</a:t>
-            </a:r>
-            <a:r>
-              <a:rPr lang="pt-BR" dirty="0"/>
-              <a:t>, que possui 1283 imagens de 2 classes: cavalos ou humanos.</a:t>
-            </a:r>
+              <a:rPr lang="pt-BR" sz="1400" b="0" dirty="0">
+                <a:solidFill>
+                  <a:srgbClr val="000000"/>
+                </a:solidFill>
+                <a:highlight>
+                  <a:srgbClr val="FFFFFF"/>
+                </a:highlight>
+              </a:rPr>
+              <a:t>visualize</a:t>
+            </a:r>
+            <a:r>
+              <a:rPr lang="pt-BR" sz="1400" b="1" dirty="0">
+                <a:solidFill>
+                  <a:srgbClr val="000080"/>
+                </a:solidFill>
+                <a:highlight>
+                  <a:srgbClr val="FFFFFF"/>
+                </a:highlight>
+              </a:rPr>
+              <a:t>(</a:t>
+            </a:r>
+            <a:r>
+              <a:rPr lang="pt-BR" sz="1400" b="0" dirty="0" err="1">
+                <a:solidFill>
+                  <a:srgbClr val="000000"/>
+                </a:solidFill>
+                <a:highlight>
+                  <a:srgbClr val="FFFFFF"/>
+                </a:highlight>
+              </a:rPr>
+              <a:t>image</a:t>
+            </a:r>
+            <a:r>
+              <a:rPr lang="pt-BR" sz="1400" b="1" dirty="0">
+                <a:solidFill>
+                  <a:srgbClr val="000080"/>
+                </a:solidFill>
+                <a:highlight>
+                  <a:srgbClr val="FFFFFF"/>
+                </a:highlight>
+              </a:rPr>
+              <a:t>,</a:t>
+            </a:r>
+            <a:r>
+              <a:rPr lang="pt-BR" sz="1400" b="0" dirty="0">
+                <a:solidFill>
+                  <a:srgbClr val="000000"/>
+                </a:solidFill>
+                <a:highlight>
+                  <a:srgbClr val="FFFFFF"/>
+                </a:highlight>
+              </a:rPr>
+              <a:t> </a:t>
+            </a:r>
+            <a:r>
+              <a:rPr lang="pt-BR" sz="1400" b="0" dirty="0" err="1">
+                <a:solidFill>
+                  <a:srgbClr val="000000"/>
+                </a:solidFill>
+                <a:highlight>
+                  <a:srgbClr val="FFFFFF"/>
+                </a:highlight>
+              </a:rPr>
+              <a:t>flipped</a:t>
+            </a:r>
+            <a:r>
+              <a:rPr lang="pt-BR" sz="1400" b="1" dirty="0">
+                <a:solidFill>
+                  <a:srgbClr val="000080"/>
+                </a:solidFill>
+                <a:highlight>
+                  <a:srgbClr val="FFFFFF"/>
+                </a:highlight>
+              </a:rPr>
+              <a:t>)</a:t>
+            </a:r>
+            <a:endParaRPr lang="pt-BR" sz="1400" dirty="0"/>
           </a:p>
         </p:txBody>
       </p:sp>
       <p:pic>
         <p:nvPicPr>
-          <p:cNvPr id="2052" name="Picture 4" descr="Horses or Humans with Validation | RUOCHI.AI">
+          <p:cNvPr id="2051" name="Picture 3" descr="png">
             <a:extLst>
               <a:ext uri="{FF2B5EF4-FFF2-40B4-BE49-F238E27FC236}">
-                <a16:creationId xmlns:a16="http://schemas.microsoft.com/office/drawing/2014/main" id="{DA1FED8D-D4D2-CAC7-0085-A2ED8602C8CC}"/>
+                <a16:creationId xmlns:a16="http://schemas.microsoft.com/office/drawing/2014/main" id="{D2E157D4-2C63-4035-BFF9-51F204A13719}"/>
               </a:ext>
             </a:extLst>
           </p:cNvPr>
@@ -9220,8 +10200,8 @@
         </p:blipFill>
         <p:spPr bwMode="auto">
           <a:xfrm>
-            <a:off x="838200" y="2119254"/>
-            <a:ext cx="4196379" cy="4048315"/>
+            <a:off x="1003876" y="2434556"/>
+            <a:ext cx="4324927" cy="1692363"/>
           </a:xfrm>
           <a:prstGeom prst="rect">
             <a:avLst/>
@@ -9238,10 +10218,286 @@
           </a:extLst>
         </p:spPr>
       </p:pic>
+      <p:pic>
+        <p:nvPicPr>
+          <p:cNvPr id="2053" name="Picture 5" descr="png">
+            <a:extLst>
+              <a:ext uri="{FF2B5EF4-FFF2-40B4-BE49-F238E27FC236}">
+                <a16:creationId xmlns:a16="http://schemas.microsoft.com/office/drawing/2014/main" id="{9E28E4D6-8A51-D550-1ED9-41F8AE7BA571}"/>
+              </a:ext>
+            </a:extLst>
+          </p:cNvPr>
+          <p:cNvPicPr>
+            <a:picLocks noChangeAspect="1" noChangeArrowheads="1"/>
+          </p:cNvPicPr>
+          <p:nvPr/>
+        </p:nvPicPr>
+        <p:blipFill>
+          <a:blip r:embed="rId3">
+            <a:extLst>
+              <a:ext uri="{28A0092B-C50C-407E-A947-70E740481C1C}">
+                <a14:useLocalDpi xmlns:a14="http://schemas.microsoft.com/office/drawing/2010/main" val="0"/>
+              </a:ext>
+            </a:extLst>
+          </a:blip>
+          <a:srcRect/>
+          <a:stretch>
+            <a:fillRect/>
+          </a:stretch>
+        </p:blipFill>
+        <p:spPr bwMode="auto">
+          <a:xfrm>
+            <a:off x="2557849" y="4341811"/>
+            <a:ext cx="3380509" cy="2474140"/>
+          </a:xfrm>
+          <a:prstGeom prst="rect">
+            <a:avLst/>
+          </a:prstGeom>
+          <a:noFill/>
+          <a:extLst>
+            <a:ext uri="{909E8E84-426E-40DD-AFC4-6F175D3DCCD1}">
+              <a14:hiddenFill xmlns:a14="http://schemas.microsoft.com/office/drawing/2010/main">
+                <a:solidFill>
+                  <a:srgbClr val="FFFFFF"/>
+                </a:solidFill>
+              </a14:hiddenFill>
+            </a:ext>
+          </a:extLst>
+        </p:spPr>
+      </p:pic>
+      <p:sp>
+        <p:nvSpPr>
+          <p:cNvPr id="8" name="CaixaDeTexto 7">
+            <a:extLst>
+              <a:ext uri="{FF2B5EF4-FFF2-40B4-BE49-F238E27FC236}">
+                <a16:creationId xmlns:a16="http://schemas.microsoft.com/office/drawing/2014/main" id="{C9E67CF0-3415-EE05-0025-2E6D9FA8DF5D}"/>
+              </a:ext>
+            </a:extLst>
+          </p:cNvPr>
+          <p:cNvSpPr txBox="1"/>
+          <p:nvPr/>
+        </p:nvSpPr>
+        <p:spPr>
+          <a:xfrm>
+            <a:off x="1966767" y="4347567"/>
+            <a:ext cx="2631948" cy="523220"/>
+          </a:xfrm>
+          <a:prstGeom prst="rect">
+            <a:avLst/>
+          </a:prstGeom>
+          <a:noFill/>
+        </p:spPr>
+        <p:txBody>
+          <a:bodyPr wrap="square">
+            <a:spAutoFit/>
+          </a:bodyPr>
+          <a:lstStyle/>
+          <a:p>
+            <a:r>
+              <a:rPr lang="en-US" sz="1400" dirty="0">
+                <a:solidFill>
+                  <a:srgbClr val="000000"/>
+                </a:solidFill>
+                <a:highlight>
+                  <a:srgbClr val="FFFFFF"/>
+                </a:highlight>
+              </a:rPr>
+              <a:t>rotated </a:t>
+            </a:r>
+            <a:r>
+              <a:rPr lang="en-US" sz="1400" b="1" dirty="0">
+                <a:solidFill>
+                  <a:srgbClr val="000080"/>
+                </a:solidFill>
+                <a:highlight>
+                  <a:srgbClr val="FFFFFF"/>
+                </a:highlight>
+              </a:rPr>
+              <a:t>=</a:t>
+            </a:r>
+            <a:r>
+              <a:rPr lang="en-US" sz="1400" b="0" dirty="0">
+                <a:solidFill>
+                  <a:srgbClr val="000000"/>
+                </a:solidFill>
+                <a:highlight>
+                  <a:srgbClr val="FFFFFF"/>
+                </a:highlight>
+              </a:rPr>
+              <a:t> tf</a:t>
+            </a:r>
+            <a:r>
+              <a:rPr lang="en-US" sz="1400" b="1" dirty="0">
+                <a:solidFill>
+                  <a:srgbClr val="000080"/>
+                </a:solidFill>
+                <a:highlight>
+                  <a:srgbClr val="FFFFFF"/>
+                </a:highlight>
+              </a:rPr>
+              <a:t>.</a:t>
+            </a:r>
+            <a:r>
+              <a:rPr lang="en-US" sz="1400" b="0" dirty="0">
+                <a:solidFill>
+                  <a:srgbClr val="000000"/>
+                </a:solidFill>
+                <a:highlight>
+                  <a:srgbClr val="FFFFFF"/>
+                </a:highlight>
+              </a:rPr>
+              <a:t>image</a:t>
+            </a:r>
+            <a:r>
+              <a:rPr lang="en-US" sz="1400" b="1" dirty="0">
+                <a:solidFill>
+                  <a:srgbClr val="000080"/>
+                </a:solidFill>
+                <a:highlight>
+                  <a:srgbClr val="FFFFFF"/>
+                </a:highlight>
+              </a:rPr>
+              <a:t>.</a:t>
+            </a:r>
+            <a:r>
+              <a:rPr lang="en-US" sz="1400" b="0" dirty="0">
+                <a:solidFill>
+                  <a:srgbClr val="000000"/>
+                </a:solidFill>
+                <a:highlight>
+                  <a:srgbClr val="FFFFFF"/>
+                </a:highlight>
+              </a:rPr>
+              <a:t>rot90</a:t>
+            </a:r>
+            <a:r>
+              <a:rPr lang="en-US" sz="1400" b="1" dirty="0">
+                <a:solidFill>
+                  <a:srgbClr val="000080"/>
+                </a:solidFill>
+                <a:highlight>
+                  <a:srgbClr val="FFFFFF"/>
+                </a:highlight>
+              </a:rPr>
+              <a:t>(</a:t>
+            </a:r>
+            <a:r>
+              <a:rPr lang="en-US" sz="1400" b="0" dirty="0">
+                <a:solidFill>
+                  <a:srgbClr val="000000"/>
+                </a:solidFill>
+                <a:highlight>
+                  <a:srgbClr val="FFFFFF"/>
+                </a:highlight>
+              </a:rPr>
+              <a:t>image</a:t>
+            </a:r>
+            <a:r>
+              <a:rPr lang="en-US" sz="1400" b="1" dirty="0">
+                <a:solidFill>
+                  <a:srgbClr val="000080"/>
+                </a:solidFill>
+                <a:highlight>
+                  <a:srgbClr val="FFFFFF"/>
+                </a:highlight>
+              </a:rPr>
+              <a:t>)</a:t>
+            </a:r>
+            <a:endParaRPr lang="en-US" sz="1400" b="0" dirty="0">
+              <a:solidFill>
+                <a:srgbClr val="000000"/>
+              </a:solidFill>
+              <a:highlight>
+                <a:srgbClr val="FFFFFF"/>
+              </a:highlight>
+            </a:endParaRPr>
+          </a:p>
+          <a:p>
+            <a:r>
+              <a:rPr lang="pt-BR" sz="1400" b="0" dirty="0">
+                <a:solidFill>
+                  <a:srgbClr val="000000"/>
+                </a:solidFill>
+                <a:highlight>
+                  <a:srgbClr val="FFFFFF"/>
+                </a:highlight>
+              </a:rPr>
+              <a:t>visualize</a:t>
+            </a:r>
+            <a:r>
+              <a:rPr lang="pt-BR" sz="1400" b="1" dirty="0">
+                <a:solidFill>
+                  <a:srgbClr val="000080"/>
+                </a:solidFill>
+                <a:highlight>
+                  <a:srgbClr val="FFFFFF"/>
+                </a:highlight>
+              </a:rPr>
+              <a:t>(</a:t>
+            </a:r>
+            <a:r>
+              <a:rPr lang="pt-BR" sz="1400" b="0" dirty="0" err="1">
+                <a:solidFill>
+                  <a:srgbClr val="000000"/>
+                </a:solidFill>
+                <a:highlight>
+                  <a:srgbClr val="FFFFFF"/>
+                </a:highlight>
+              </a:rPr>
+              <a:t>image</a:t>
+            </a:r>
+            <a:r>
+              <a:rPr lang="pt-BR" sz="1400" b="1" dirty="0">
+                <a:solidFill>
+                  <a:srgbClr val="000080"/>
+                </a:solidFill>
+                <a:highlight>
+                  <a:srgbClr val="FFFFFF"/>
+                </a:highlight>
+              </a:rPr>
+              <a:t>,</a:t>
+            </a:r>
+            <a:r>
+              <a:rPr lang="pt-BR" sz="1400" b="0" dirty="0">
+                <a:solidFill>
+                  <a:srgbClr val="000000"/>
+                </a:solidFill>
+                <a:highlight>
+                  <a:srgbClr val="FFFFFF"/>
+                </a:highlight>
+              </a:rPr>
+              <a:t> </a:t>
+            </a:r>
+            <a:r>
+              <a:rPr lang="pt-BR" sz="1400" b="0" dirty="0" err="1">
+                <a:solidFill>
+                  <a:srgbClr val="000000"/>
+                </a:solidFill>
+                <a:highlight>
+                  <a:srgbClr val="FFFFFF"/>
+                </a:highlight>
+              </a:rPr>
+              <a:t>rotated</a:t>
+            </a:r>
+            <a:r>
+              <a:rPr lang="pt-BR" sz="1400" b="1" dirty="0">
+                <a:solidFill>
+                  <a:srgbClr val="000080"/>
+                </a:solidFill>
+                <a:highlight>
+                  <a:srgbClr val="FFFFFF"/>
+                </a:highlight>
+              </a:rPr>
+              <a:t>)</a:t>
+            </a:r>
+            <a:endParaRPr lang="pt-BR" sz="1400" dirty="0"/>
+          </a:p>
+        </p:txBody>
+      </p:sp>
     </p:spTree>
     <p:extLst>
       <p:ext uri="{BB962C8B-B14F-4D97-AF65-F5344CB8AC3E}">
-        <p14:creationId xmlns:p14="http://schemas.microsoft.com/office/powerpoint/2010/main" val="3756459902"/>
+        <p14:creationId xmlns:p14="http://schemas.microsoft.com/office/powerpoint/2010/main" val="250198042"/>
       </p:ext>
     </p:extLst>
   </p:cSld>
@@ -9273,7 +10529,7 @@
           <p:cNvPr id="2" name="Título 1">
             <a:extLst>
               <a:ext uri="{FF2B5EF4-FFF2-40B4-BE49-F238E27FC236}">
-                <a16:creationId xmlns:a16="http://schemas.microsoft.com/office/drawing/2014/main" id="{6766F209-3E3E-0136-4083-293C5897A43D}"/>
+                <a16:creationId xmlns:a16="http://schemas.microsoft.com/office/drawing/2014/main" id="{039B0700-9B3E-5B03-9F91-6AF0EAAFF788}"/>
               </a:ext>
             </a:extLst>
           </p:cNvPr>
@@ -9291,10 +10547,18 @@
           <a:p>
             <a:r>
               <a:rPr lang="pt-BR" i="1" dirty="0"/>
-              <a:t>Data augmentation </a:t>
-            </a:r>
-            <a:r>
-              <a:rPr lang="pt-BR" dirty="0"/>
+              <a:t>Data </a:t>
+            </a:r>
+            <a:r>
+              <a:rPr lang="pt-BR" i="1" dirty="0" err="1"/>
+              <a:t>augmentation</a:t>
+            </a:r>
+            <a:r>
+              <a:rPr lang="pt-BR" i="1"/>
+              <a:t> </a:t>
+            </a:r>
+            <a:r>
+              <a:rPr lang="pt-BR"/>
               <a:t>com Tensorflow</a:t>
             </a:r>
           </a:p>
@@ -9302,68 +10566,1487 @@
       </p:sp>
       <p:pic>
         <p:nvPicPr>
-          <p:cNvPr id="5" name="Imagem 4">
+          <p:cNvPr id="3074" name="Picture 2" descr="png">
             <a:extLst>
               <a:ext uri="{FF2B5EF4-FFF2-40B4-BE49-F238E27FC236}">
-                <a16:creationId xmlns:a16="http://schemas.microsoft.com/office/drawing/2014/main" id="{92795CF5-1691-AB30-33ED-5A378EDD702D}"/>
+                <a16:creationId xmlns:a16="http://schemas.microsoft.com/office/drawing/2014/main" id="{25EF3148-3622-8172-1AAB-58A2B6E686A8}"/>
               </a:ext>
             </a:extLst>
           </p:cNvPr>
           <p:cNvPicPr>
-            <a:picLocks noChangeAspect="1"/>
+            <a:picLocks noChangeAspect="1" noChangeArrowheads="1"/>
           </p:cNvPicPr>
           <p:nvPr/>
         </p:nvPicPr>
         <p:blipFill>
-          <a:blip r:embed="rId2"/>
+          <a:blip r:embed="rId2">
+            <a:extLst>
+              <a:ext uri="{28A0092B-C50C-407E-A947-70E740481C1C}">
+                <a14:useLocalDpi xmlns:a14="http://schemas.microsoft.com/office/drawing/2010/main" val="0"/>
+              </a:ext>
+            </a:extLst>
+          </a:blip>
+          <a:srcRect/>
           <a:stretch>
             <a:fillRect/>
           </a:stretch>
         </p:blipFill>
-        <p:spPr>
+        <p:spPr bwMode="auto">
           <a:xfrm>
-            <a:off x="838200" y="2007497"/>
-            <a:ext cx="4238625" cy="676275"/>
+            <a:off x="497609" y="2257808"/>
+            <a:ext cx="4753264" cy="1859973"/>
           </a:xfrm>
           <a:prstGeom prst="rect">
             <a:avLst/>
           </a:prstGeom>
+          <a:noFill/>
+          <a:extLst>
+            <a:ext uri="{909E8E84-426E-40DD-AFC4-6F175D3DCCD1}">
+              <a14:hiddenFill xmlns:a14="http://schemas.microsoft.com/office/drawing/2010/main">
+                <a:solidFill>
+                  <a:srgbClr val="FFFFFF"/>
+                </a:solidFill>
+              </a14:hiddenFill>
+            </a:ext>
+          </a:extLst>
         </p:spPr>
       </p:pic>
+      <p:sp>
+        <p:nvSpPr>
+          <p:cNvPr id="4" name="CaixaDeTexto 3">
+            <a:extLst>
+              <a:ext uri="{FF2B5EF4-FFF2-40B4-BE49-F238E27FC236}">
+                <a16:creationId xmlns:a16="http://schemas.microsoft.com/office/drawing/2014/main" id="{829C95C0-18FE-E837-A2FA-27DC9488373C}"/>
+              </a:ext>
+            </a:extLst>
+          </p:cNvPr>
+          <p:cNvSpPr txBox="1"/>
+          <p:nvPr/>
+        </p:nvSpPr>
+        <p:spPr>
+          <a:xfrm>
+            <a:off x="1104900" y="1747346"/>
+            <a:ext cx="3814618" cy="523220"/>
+          </a:xfrm>
+          <a:prstGeom prst="rect">
+            <a:avLst/>
+          </a:prstGeom>
+          <a:noFill/>
+        </p:spPr>
+        <p:txBody>
+          <a:bodyPr wrap="square">
+            <a:spAutoFit/>
+          </a:bodyPr>
+          <a:lstStyle/>
+          <a:p>
+            <a:r>
+              <a:rPr lang="en-US" sz="1400" dirty="0">
+                <a:solidFill>
+                  <a:srgbClr val="000000"/>
+                </a:solidFill>
+                <a:highlight>
+                  <a:srgbClr val="FFFFFF"/>
+                </a:highlight>
+              </a:rPr>
+              <a:t>saturated </a:t>
+            </a:r>
+            <a:r>
+              <a:rPr lang="en-US" sz="1400" b="1" dirty="0">
+                <a:solidFill>
+                  <a:srgbClr val="000080"/>
+                </a:solidFill>
+                <a:highlight>
+                  <a:srgbClr val="FFFFFF"/>
+                </a:highlight>
+              </a:rPr>
+              <a:t>=</a:t>
+            </a:r>
+            <a:r>
+              <a:rPr lang="en-US" sz="1400" b="0" dirty="0">
+                <a:solidFill>
+                  <a:srgbClr val="000000"/>
+                </a:solidFill>
+                <a:highlight>
+                  <a:srgbClr val="FFFFFF"/>
+                </a:highlight>
+              </a:rPr>
+              <a:t> </a:t>
+            </a:r>
+            <a:r>
+              <a:rPr lang="en-US" sz="1400" b="0" dirty="0" err="1">
+                <a:solidFill>
+                  <a:srgbClr val="000000"/>
+                </a:solidFill>
+                <a:highlight>
+                  <a:srgbClr val="FFFFFF"/>
+                </a:highlight>
+              </a:rPr>
+              <a:t>tf</a:t>
+            </a:r>
+            <a:r>
+              <a:rPr lang="en-US" sz="1400" b="1" dirty="0" err="1">
+                <a:solidFill>
+                  <a:srgbClr val="000080"/>
+                </a:solidFill>
+                <a:highlight>
+                  <a:srgbClr val="FFFFFF"/>
+                </a:highlight>
+              </a:rPr>
+              <a:t>.</a:t>
+            </a:r>
+            <a:r>
+              <a:rPr lang="en-US" sz="1400" b="0" dirty="0" err="1">
+                <a:solidFill>
+                  <a:srgbClr val="000000"/>
+                </a:solidFill>
+                <a:highlight>
+                  <a:srgbClr val="FFFFFF"/>
+                </a:highlight>
+              </a:rPr>
+              <a:t>image</a:t>
+            </a:r>
+            <a:r>
+              <a:rPr lang="en-US" sz="1400" b="1" dirty="0" err="1">
+                <a:solidFill>
+                  <a:srgbClr val="000080"/>
+                </a:solidFill>
+                <a:highlight>
+                  <a:srgbClr val="FFFFFF"/>
+                </a:highlight>
+              </a:rPr>
+              <a:t>.</a:t>
+            </a:r>
+            <a:r>
+              <a:rPr lang="en-US" sz="1400" b="0" dirty="0" err="1">
+                <a:solidFill>
+                  <a:srgbClr val="000000"/>
+                </a:solidFill>
+                <a:highlight>
+                  <a:srgbClr val="FFFFFF"/>
+                </a:highlight>
+              </a:rPr>
+              <a:t>adjust_saturation</a:t>
+            </a:r>
+            <a:r>
+              <a:rPr lang="en-US" sz="1400" b="1" dirty="0">
+                <a:solidFill>
+                  <a:srgbClr val="000080"/>
+                </a:solidFill>
+                <a:highlight>
+                  <a:srgbClr val="FFFFFF"/>
+                </a:highlight>
+              </a:rPr>
+              <a:t>(</a:t>
+            </a:r>
+            <a:r>
+              <a:rPr lang="en-US" sz="1400" b="0" dirty="0">
+                <a:solidFill>
+                  <a:srgbClr val="000000"/>
+                </a:solidFill>
+                <a:highlight>
+                  <a:srgbClr val="FFFFFF"/>
+                </a:highlight>
+              </a:rPr>
+              <a:t>image</a:t>
+            </a:r>
+            <a:r>
+              <a:rPr lang="en-US" sz="1400" b="1" dirty="0">
+                <a:solidFill>
+                  <a:srgbClr val="000080"/>
+                </a:solidFill>
+                <a:highlight>
+                  <a:srgbClr val="FFFFFF"/>
+                </a:highlight>
+              </a:rPr>
+              <a:t>,</a:t>
+            </a:r>
+            <a:r>
+              <a:rPr lang="en-US" sz="1400" b="0" dirty="0">
+                <a:solidFill>
+                  <a:srgbClr val="000000"/>
+                </a:solidFill>
+                <a:highlight>
+                  <a:srgbClr val="FFFFFF"/>
+                </a:highlight>
+              </a:rPr>
+              <a:t> </a:t>
+            </a:r>
+            <a:r>
+              <a:rPr lang="en-US" sz="1400" b="0" dirty="0">
+                <a:solidFill>
+                  <a:srgbClr val="FF0000"/>
+                </a:solidFill>
+                <a:highlight>
+                  <a:srgbClr val="FFFFFF"/>
+                </a:highlight>
+              </a:rPr>
+              <a:t>3</a:t>
+            </a:r>
+            <a:r>
+              <a:rPr lang="en-US" sz="1400" b="1" dirty="0">
+                <a:solidFill>
+                  <a:srgbClr val="000080"/>
+                </a:solidFill>
+                <a:highlight>
+                  <a:srgbClr val="FFFFFF"/>
+                </a:highlight>
+              </a:rPr>
+              <a:t>)</a:t>
+            </a:r>
+            <a:endParaRPr lang="en-US" sz="1400" b="0" dirty="0">
+              <a:solidFill>
+                <a:srgbClr val="000000"/>
+              </a:solidFill>
+              <a:highlight>
+                <a:srgbClr val="FFFFFF"/>
+              </a:highlight>
+            </a:endParaRPr>
+          </a:p>
+          <a:p>
+            <a:r>
+              <a:rPr lang="pt-BR" sz="1400" b="0" dirty="0">
+                <a:solidFill>
+                  <a:srgbClr val="000000"/>
+                </a:solidFill>
+                <a:highlight>
+                  <a:srgbClr val="FFFFFF"/>
+                </a:highlight>
+              </a:rPr>
+              <a:t>visualize</a:t>
+            </a:r>
+            <a:r>
+              <a:rPr lang="pt-BR" sz="1400" b="1" dirty="0">
+                <a:solidFill>
+                  <a:srgbClr val="000080"/>
+                </a:solidFill>
+                <a:highlight>
+                  <a:srgbClr val="FFFFFF"/>
+                </a:highlight>
+              </a:rPr>
+              <a:t>(</a:t>
+            </a:r>
+            <a:r>
+              <a:rPr lang="pt-BR" sz="1400" b="0" dirty="0" err="1">
+                <a:solidFill>
+                  <a:srgbClr val="000000"/>
+                </a:solidFill>
+                <a:highlight>
+                  <a:srgbClr val="FFFFFF"/>
+                </a:highlight>
+              </a:rPr>
+              <a:t>image</a:t>
+            </a:r>
+            <a:r>
+              <a:rPr lang="pt-BR" sz="1400" b="1" dirty="0">
+                <a:solidFill>
+                  <a:srgbClr val="000080"/>
+                </a:solidFill>
+                <a:highlight>
+                  <a:srgbClr val="FFFFFF"/>
+                </a:highlight>
+              </a:rPr>
+              <a:t>,</a:t>
+            </a:r>
+            <a:r>
+              <a:rPr lang="pt-BR" sz="1400" b="0" dirty="0">
+                <a:solidFill>
+                  <a:srgbClr val="000000"/>
+                </a:solidFill>
+                <a:highlight>
+                  <a:srgbClr val="FFFFFF"/>
+                </a:highlight>
+              </a:rPr>
+              <a:t> </a:t>
+            </a:r>
+            <a:r>
+              <a:rPr lang="pt-BR" sz="1400" b="0" dirty="0" err="1">
+                <a:solidFill>
+                  <a:srgbClr val="000000"/>
+                </a:solidFill>
+                <a:highlight>
+                  <a:srgbClr val="FFFFFF"/>
+                </a:highlight>
+              </a:rPr>
+              <a:t>saturated</a:t>
+            </a:r>
+            <a:r>
+              <a:rPr lang="pt-BR" sz="1400" b="1" dirty="0">
+                <a:solidFill>
+                  <a:srgbClr val="000080"/>
+                </a:solidFill>
+                <a:highlight>
+                  <a:srgbClr val="FFFFFF"/>
+                </a:highlight>
+              </a:rPr>
+              <a:t>)</a:t>
+            </a:r>
+            <a:endParaRPr lang="pt-BR" sz="1400" dirty="0"/>
+          </a:p>
+        </p:txBody>
+      </p:sp>
+      <p:sp>
+        <p:nvSpPr>
+          <p:cNvPr id="8" name="CaixaDeTexto 7">
+            <a:extLst>
+              <a:ext uri="{FF2B5EF4-FFF2-40B4-BE49-F238E27FC236}">
+                <a16:creationId xmlns:a16="http://schemas.microsoft.com/office/drawing/2014/main" id="{F99AE112-4A81-249F-61FC-87A439D9BAAB}"/>
+              </a:ext>
+            </a:extLst>
+          </p:cNvPr>
+          <p:cNvSpPr txBox="1"/>
+          <p:nvPr/>
+        </p:nvSpPr>
+        <p:spPr>
+          <a:xfrm>
+            <a:off x="1224973" y="4253699"/>
+            <a:ext cx="3694545" cy="523220"/>
+          </a:xfrm>
+          <a:prstGeom prst="rect">
+            <a:avLst/>
+          </a:prstGeom>
+          <a:noFill/>
+        </p:spPr>
+        <p:txBody>
+          <a:bodyPr wrap="square">
+            <a:spAutoFit/>
+          </a:bodyPr>
+          <a:lstStyle/>
+          <a:p>
+            <a:r>
+              <a:rPr lang="en-US" sz="1400" dirty="0">
+                <a:solidFill>
+                  <a:srgbClr val="000000"/>
+                </a:solidFill>
+                <a:highlight>
+                  <a:srgbClr val="FFFFFF"/>
+                </a:highlight>
+              </a:rPr>
+              <a:t>bright </a:t>
+            </a:r>
+            <a:r>
+              <a:rPr lang="en-US" sz="1400" b="1" dirty="0">
+                <a:solidFill>
+                  <a:srgbClr val="000080"/>
+                </a:solidFill>
+                <a:highlight>
+                  <a:srgbClr val="FFFFFF"/>
+                </a:highlight>
+              </a:rPr>
+              <a:t>=</a:t>
+            </a:r>
+            <a:r>
+              <a:rPr lang="en-US" sz="1400" b="0" dirty="0">
+                <a:solidFill>
+                  <a:srgbClr val="000000"/>
+                </a:solidFill>
+                <a:highlight>
+                  <a:srgbClr val="FFFFFF"/>
+                </a:highlight>
+              </a:rPr>
+              <a:t> </a:t>
+            </a:r>
+            <a:r>
+              <a:rPr lang="en-US" sz="1400" b="0" dirty="0" err="1">
+                <a:solidFill>
+                  <a:srgbClr val="000000"/>
+                </a:solidFill>
+                <a:highlight>
+                  <a:srgbClr val="FFFFFF"/>
+                </a:highlight>
+              </a:rPr>
+              <a:t>tf</a:t>
+            </a:r>
+            <a:r>
+              <a:rPr lang="en-US" sz="1400" b="1" dirty="0" err="1">
+                <a:solidFill>
+                  <a:srgbClr val="000080"/>
+                </a:solidFill>
+                <a:highlight>
+                  <a:srgbClr val="FFFFFF"/>
+                </a:highlight>
+              </a:rPr>
+              <a:t>.</a:t>
+            </a:r>
+            <a:r>
+              <a:rPr lang="en-US" sz="1400" b="0" dirty="0" err="1">
+                <a:solidFill>
+                  <a:srgbClr val="000000"/>
+                </a:solidFill>
+                <a:highlight>
+                  <a:srgbClr val="FFFFFF"/>
+                </a:highlight>
+              </a:rPr>
+              <a:t>image</a:t>
+            </a:r>
+            <a:r>
+              <a:rPr lang="en-US" sz="1400" b="1" dirty="0" err="1">
+                <a:solidFill>
+                  <a:srgbClr val="000080"/>
+                </a:solidFill>
+                <a:highlight>
+                  <a:srgbClr val="FFFFFF"/>
+                </a:highlight>
+              </a:rPr>
+              <a:t>.</a:t>
+            </a:r>
+            <a:r>
+              <a:rPr lang="en-US" sz="1400" b="0" dirty="0" err="1">
+                <a:solidFill>
+                  <a:srgbClr val="000000"/>
+                </a:solidFill>
+                <a:highlight>
+                  <a:srgbClr val="FFFFFF"/>
+                </a:highlight>
+              </a:rPr>
+              <a:t>adjust_brightness</a:t>
+            </a:r>
+            <a:r>
+              <a:rPr lang="en-US" sz="1400" b="1" dirty="0">
+                <a:solidFill>
+                  <a:srgbClr val="000080"/>
+                </a:solidFill>
+                <a:highlight>
+                  <a:srgbClr val="FFFFFF"/>
+                </a:highlight>
+              </a:rPr>
+              <a:t>(</a:t>
+            </a:r>
+            <a:r>
+              <a:rPr lang="en-US" sz="1400" b="0" dirty="0">
+                <a:solidFill>
+                  <a:srgbClr val="000000"/>
+                </a:solidFill>
+                <a:highlight>
+                  <a:srgbClr val="FFFFFF"/>
+                </a:highlight>
+              </a:rPr>
+              <a:t>image</a:t>
+            </a:r>
+            <a:r>
+              <a:rPr lang="en-US" sz="1400" b="1" dirty="0">
+                <a:solidFill>
+                  <a:srgbClr val="000080"/>
+                </a:solidFill>
+                <a:highlight>
+                  <a:srgbClr val="FFFFFF"/>
+                </a:highlight>
+              </a:rPr>
+              <a:t>,</a:t>
+            </a:r>
+            <a:r>
+              <a:rPr lang="en-US" sz="1400" b="0" dirty="0">
+                <a:solidFill>
+                  <a:srgbClr val="000000"/>
+                </a:solidFill>
+                <a:highlight>
+                  <a:srgbClr val="FFFFFF"/>
+                </a:highlight>
+              </a:rPr>
+              <a:t> </a:t>
+            </a:r>
+            <a:r>
+              <a:rPr lang="en-US" sz="1400" b="0" dirty="0">
+                <a:solidFill>
+                  <a:srgbClr val="FF0000"/>
+                </a:solidFill>
+                <a:highlight>
+                  <a:srgbClr val="FFFFFF"/>
+                </a:highlight>
+              </a:rPr>
+              <a:t>0.4</a:t>
+            </a:r>
+            <a:r>
+              <a:rPr lang="en-US" sz="1400" b="1" dirty="0">
+                <a:solidFill>
+                  <a:srgbClr val="000080"/>
+                </a:solidFill>
+                <a:highlight>
+                  <a:srgbClr val="FFFFFF"/>
+                </a:highlight>
+              </a:rPr>
+              <a:t>)</a:t>
+            </a:r>
+            <a:endParaRPr lang="en-US" sz="1400" b="0" dirty="0">
+              <a:solidFill>
+                <a:srgbClr val="000000"/>
+              </a:solidFill>
+              <a:highlight>
+                <a:srgbClr val="FFFFFF"/>
+              </a:highlight>
+            </a:endParaRPr>
+          </a:p>
+          <a:p>
+            <a:r>
+              <a:rPr lang="pt-BR" sz="1400" b="0" dirty="0">
+                <a:solidFill>
+                  <a:srgbClr val="000000"/>
+                </a:solidFill>
+                <a:highlight>
+                  <a:srgbClr val="FFFFFF"/>
+                </a:highlight>
+              </a:rPr>
+              <a:t>visualize</a:t>
+            </a:r>
+            <a:r>
+              <a:rPr lang="pt-BR" sz="1400" b="1" dirty="0">
+                <a:solidFill>
+                  <a:srgbClr val="000080"/>
+                </a:solidFill>
+                <a:highlight>
+                  <a:srgbClr val="FFFFFF"/>
+                </a:highlight>
+              </a:rPr>
+              <a:t>(</a:t>
+            </a:r>
+            <a:r>
+              <a:rPr lang="pt-BR" sz="1400" b="0" dirty="0" err="1">
+                <a:solidFill>
+                  <a:srgbClr val="000000"/>
+                </a:solidFill>
+                <a:highlight>
+                  <a:srgbClr val="FFFFFF"/>
+                </a:highlight>
+              </a:rPr>
+              <a:t>image</a:t>
+            </a:r>
+            <a:r>
+              <a:rPr lang="pt-BR" sz="1400" b="1" dirty="0">
+                <a:solidFill>
+                  <a:srgbClr val="000080"/>
+                </a:solidFill>
+                <a:highlight>
+                  <a:srgbClr val="FFFFFF"/>
+                </a:highlight>
+              </a:rPr>
+              <a:t>,</a:t>
+            </a:r>
+            <a:r>
+              <a:rPr lang="pt-BR" sz="1400" b="0" dirty="0">
+                <a:solidFill>
+                  <a:srgbClr val="000000"/>
+                </a:solidFill>
+                <a:highlight>
+                  <a:srgbClr val="FFFFFF"/>
+                </a:highlight>
+              </a:rPr>
+              <a:t> </a:t>
+            </a:r>
+            <a:r>
+              <a:rPr lang="pt-BR" sz="1400" b="0" dirty="0" err="1">
+                <a:solidFill>
+                  <a:srgbClr val="000000"/>
+                </a:solidFill>
+                <a:highlight>
+                  <a:srgbClr val="FFFFFF"/>
+                </a:highlight>
+              </a:rPr>
+              <a:t>bright</a:t>
+            </a:r>
+            <a:r>
+              <a:rPr lang="pt-BR" sz="1400" b="1" dirty="0">
+                <a:solidFill>
+                  <a:srgbClr val="000080"/>
+                </a:solidFill>
+                <a:highlight>
+                  <a:srgbClr val="FFFFFF"/>
+                </a:highlight>
+              </a:rPr>
+              <a:t>)</a:t>
+            </a:r>
+            <a:endParaRPr lang="pt-BR" sz="1400" dirty="0"/>
+          </a:p>
+        </p:txBody>
+      </p:sp>
       <p:pic>
         <p:nvPicPr>
-          <p:cNvPr id="7" name="Imagem 6">
+          <p:cNvPr id="3076" name="Picture 4" descr="png">
             <a:extLst>
               <a:ext uri="{FF2B5EF4-FFF2-40B4-BE49-F238E27FC236}">
-                <a16:creationId xmlns:a16="http://schemas.microsoft.com/office/drawing/2014/main" id="{21682CF1-3CAB-212A-FF92-08B29D150B71}"/>
+                <a16:creationId xmlns:a16="http://schemas.microsoft.com/office/drawing/2014/main" id="{4C4D1D85-8669-9771-6467-CBB9B7C9E32A}"/>
               </a:ext>
             </a:extLst>
           </p:cNvPr>
           <p:cNvPicPr>
-            <a:picLocks noChangeAspect="1"/>
+            <a:picLocks noChangeAspect="1" noChangeArrowheads="1"/>
           </p:cNvPicPr>
           <p:nvPr/>
         </p:nvPicPr>
         <p:blipFill>
-          <a:blip r:embed="rId3"/>
+          <a:blip r:embed="rId3">
+            <a:extLst>
+              <a:ext uri="{28A0092B-C50C-407E-A947-70E740481C1C}">
+                <a14:useLocalDpi xmlns:a14="http://schemas.microsoft.com/office/drawing/2010/main" val="0"/>
+              </a:ext>
+            </a:extLst>
+          </a:blip>
+          <a:srcRect/>
           <a:stretch>
             <a:fillRect/>
           </a:stretch>
         </p:blipFill>
-        <p:spPr>
+        <p:spPr bwMode="auto">
           <a:xfrm>
-            <a:off x="6096000" y="2045596"/>
-            <a:ext cx="4162425" cy="600075"/>
+            <a:off x="617682" y="4751404"/>
+            <a:ext cx="4753264" cy="1859973"/>
           </a:xfrm>
           <a:prstGeom prst="rect">
             <a:avLst/>
           </a:prstGeom>
+          <a:noFill/>
+          <a:extLst>
+            <a:ext uri="{909E8E84-426E-40DD-AFC4-6F175D3DCCD1}">
+              <a14:hiddenFill xmlns:a14="http://schemas.microsoft.com/office/drawing/2010/main">
+                <a:solidFill>
+                  <a:srgbClr val="FFFFFF"/>
+                </a:solidFill>
+              </a14:hiddenFill>
+            </a:ext>
+          </a:extLst>
         </p:spPr>
       </p:pic>
+      <p:sp>
+        <p:nvSpPr>
+          <p:cNvPr id="11" name="CaixaDeTexto 10">
+            <a:extLst>
+              <a:ext uri="{FF2B5EF4-FFF2-40B4-BE49-F238E27FC236}">
+                <a16:creationId xmlns:a16="http://schemas.microsoft.com/office/drawing/2014/main" id="{3C899D25-2A06-8FD6-11F7-D9F302FDAFE6}"/>
+              </a:ext>
+            </a:extLst>
+          </p:cNvPr>
+          <p:cNvSpPr txBox="1"/>
+          <p:nvPr/>
+        </p:nvSpPr>
+        <p:spPr>
+          <a:xfrm>
+            <a:off x="6605155" y="1747346"/>
+            <a:ext cx="4862945" cy="1169551"/>
+          </a:xfrm>
+          <a:prstGeom prst="rect">
+            <a:avLst/>
+          </a:prstGeom>
+          <a:noFill/>
+        </p:spPr>
+        <p:txBody>
+          <a:bodyPr wrap="square">
+            <a:spAutoFit/>
+          </a:bodyPr>
+          <a:lstStyle/>
+          <a:p>
+            <a:r>
+              <a:rPr lang="en-US" sz="1400" b="1" dirty="0">
+                <a:solidFill>
+                  <a:srgbClr val="0000FF"/>
+                </a:solidFill>
+                <a:highlight>
+                  <a:srgbClr val="FFFFFF"/>
+                </a:highlight>
+              </a:rPr>
+              <a:t>for</a:t>
+            </a:r>
+            <a:r>
+              <a:rPr lang="en-US" sz="1400" b="0" dirty="0">
+                <a:solidFill>
+                  <a:srgbClr val="000000"/>
+                </a:solidFill>
+                <a:highlight>
+                  <a:srgbClr val="FFFFFF"/>
+                </a:highlight>
+              </a:rPr>
+              <a:t> </a:t>
+            </a:r>
+            <a:r>
+              <a:rPr lang="en-US" sz="1400" b="0" dirty="0" err="1">
+                <a:solidFill>
+                  <a:srgbClr val="000000"/>
+                </a:solidFill>
+                <a:highlight>
+                  <a:srgbClr val="FFFFFF"/>
+                </a:highlight>
+              </a:rPr>
+              <a:t>i</a:t>
+            </a:r>
+            <a:r>
+              <a:rPr lang="en-US" sz="1400" b="0" dirty="0">
+                <a:solidFill>
+                  <a:srgbClr val="000000"/>
+                </a:solidFill>
+                <a:highlight>
+                  <a:srgbClr val="FFFFFF"/>
+                </a:highlight>
+              </a:rPr>
+              <a:t> </a:t>
+            </a:r>
+            <a:r>
+              <a:rPr lang="en-US" sz="1400" b="1" dirty="0">
+                <a:solidFill>
+                  <a:srgbClr val="0000FF"/>
+                </a:solidFill>
+                <a:highlight>
+                  <a:srgbClr val="FFFFFF"/>
+                </a:highlight>
+              </a:rPr>
+              <a:t>in</a:t>
+            </a:r>
+            <a:r>
+              <a:rPr lang="en-US" sz="1400" b="0" dirty="0">
+                <a:solidFill>
+                  <a:srgbClr val="000000"/>
+                </a:solidFill>
+                <a:highlight>
+                  <a:srgbClr val="FFFFFF"/>
+                </a:highlight>
+              </a:rPr>
+              <a:t> </a:t>
+            </a:r>
+            <a:r>
+              <a:rPr lang="en-US" sz="1400" b="1" dirty="0">
+                <a:solidFill>
+                  <a:srgbClr val="880088"/>
+                </a:solidFill>
+                <a:highlight>
+                  <a:srgbClr val="FFFFFF"/>
+                </a:highlight>
+              </a:rPr>
+              <a:t>range</a:t>
+            </a:r>
+            <a:r>
+              <a:rPr lang="en-US" sz="1400" b="1" dirty="0">
+                <a:solidFill>
+                  <a:srgbClr val="000080"/>
+                </a:solidFill>
+                <a:highlight>
+                  <a:srgbClr val="FFFFFF"/>
+                </a:highlight>
+              </a:rPr>
+              <a:t>(</a:t>
+            </a:r>
+            <a:r>
+              <a:rPr lang="en-US" sz="1400" b="0" dirty="0">
+                <a:solidFill>
+                  <a:srgbClr val="FF0000"/>
+                </a:solidFill>
+                <a:highlight>
+                  <a:srgbClr val="FFFFFF"/>
+                </a:highlight>
+              </a:rPr>
+              <a:t>3</a:t>
+            </a:r>
+            <a:r>
+              <a:rPr lang="en-US" sz="1400" b="1" dirty="0">
+                <a:solidFill>
+                  <a:srgbClr val="000080"/>
+                </a:solidFill>
+                <a:highlight>
+                  <a:srgbClr val="FFFFFF"/>
+                </a:highlight>
+              </a:rPr>
+              <a:t>):</a:t>
+            </a:r>
+            <a:endParaRPr lang="en-US" sz="1400" b="0" dirty="0">
+              <a:solidFill>
+                <a:srgbClr val="000000"/>
+              </a:solidFill>
+              <a:highlight>
+                <a:srgbClr val="FFFFFF"/>
+              </a:highlight>
+            </a:endParaRPr>
+          </a:p>
+          <a:p>
+            <a:r>
+              <a:rPr lang="en-US" sz="1400" b="0" dirty="0">
+                <a:solidFill>
+                  <a:srgbClr val="000000"/>
+                </a:solidFill>
+                <a:highlight>
+                  <a:srgbClr val="FFFFFF"/>
+                </a:highlight>
+              </a:rPr>
+              <a:t>  seed </a:t>
+            </a:r>
+            <a:r>
+              <a:rPr lang="en-US" sz="1400" b="1" dirty="0">
+                <a:solidFill>
+                  <a:srgbClr val="000080"/>
+                </a:solidFill>
+                <a:highlight>
+                  <a:srgbClr val="FFFFFF"/>
+                </a:highlight>
+              </a:rPr>
+              <a:t>=</a:t>
+            </a:r>
+            <a:r>
+              <a:rPr lang="en-US" sz="1400" b="0" dirty="0">
+                <a:solidFill>
+                  <a:srgbClr val="000000"/>
+                </a:solidFill>
+                <a:highlight>
+                  <a:srgbClr val="FFFFFF"/>
+                </a:highlight>
+              </a:rPr>
+              <a:t> </a:t>
+            </a:r>
+            <a:r>
+              <a:rPr lang="en-US" sz="1400" b="1" dirty="0">
+                <a:solidFill>
+                  <a:srgbClr val="000080"/>
+                </a:solidFill>
+                <a:highlight>
+                  <a:srgbClr val="FFFFFF"/>
+                </a:highlight>
+              </a:rPr>
+              <a:t>(</a:t>
+            </a:r>
+            <a:r>
+              <a:rPr lang="en-US" sz="1400" b="0" dirty="0" err="1">
+                <a:solidFill>
+                  <a:srgbClr val="000000"/>
+                </a:solidFill>
+                <a:highlight>
+                  <a:srgbClr val="FFFFFF"/>
+                </a:highlight>
+              </a:rPr>
+              <a:t>i</a:t>
+            </a:r>
+            <a:r>
+              <a:rPr lang="en-US" sz="1400" b="1" dirty="0">
+                <a:solidFill>
+                  <a:srgbClr val="000080"/>
+                </a:solidFill>
+                <a:highlight>
+                  <a:srgbClr val="FFFFFF"/>
+                </a:highlight>
+              </a:rPr>
+              <a:t>,</a:t>
+            </a:r>
+            <a:r>
+              <a:rPr lang="en-US" sz="1400" b="0" dirty="0">
+                <a:solidFill>
+                  <a:srgbClr val="000000"/>
+                </a:solidFill>
+                <a:highlight>
+                  <a:srgbClr val="FFFFFF"/>
+                </a:highlight>
+              </a:rPr>
+              <a:t> </a:t>
+            </a:r>
+            <a:r>
+              <a:rPr lang="en-US" sz="1400" b="0" dirty="0">
+                <a:solidFill>
+                  <a:srgbClr val="FF0000"/>
+                </a:solidFill>
+                <a:highlight>
+                  <a:srgbClr val="FFFFFF"/>
+                </a:highlight>
+              </a:rPr>
+              <a:t>0</a:t>
+            </a:r>
+            <a:r>
+              <a:rPr lang="en-US" sz="1400" b="1" dirty="0">
+                <a:solidFill>
+                  <a:srgbClr val="000080"/>
+                </a:solidFill>
+                <a:highlight>
+                  <a:srgbClr val="FFFFFF"/>
+                </a:highlight>
+              </a:rPr>
+              <a:t>)</a:t>
+            </a:r>
+            <a:r>
+              <a:rPr lang="en-US" sz="1400" b="0" dirty="0">
+                <a:solidFill>
+                  <a:srgbClr val="000000"/>
+                </a:solidFill>
+                <a:highlight>
+                  <a:srgbClr val="FFFFFF"/>
+                </a:highlight>
+              </a:rPr>
+              <a:t>  </a:t>
+            </a:r>
+            <a:r>
+              <a:rPr lang="en-US" sz="1400" b="0" dirty="0">
+                <a:solidFill>
+                  <a:srgbClr val="008000"/>
+                </a:solidFill>
+                <a:highlight>
+                  <a:srgbClr val="FFFFFF"/>
+                </a:highlight>
+              </a:rPr>
+              <a:t># tuple of size (2,)</a:t>
+            </a:r>
+            <a:endParaRPr lang="en-US" sz="1400" b="0" dirty="0">
+              <a:solidFill>
+                <a:srgbClr val="000000"/>
+              </a:solidFill>
+              <a:highlight>
+                <a:srgbClr val="FFFFFF"/>
+              </a:highlight>
+            </a:endParaRPr>
+          </a:p>
+          <a:p>
+            <a:r>
+              <a:rPr lang="en-US" sz="1400" b="0" dirty="0">
+                <a:solidFill>
+                  <a:srgbClr val="000000"/>
+                </a:solidFill>
+                <a:highlight>
+                  <a:srgbClr val="FFFFFF"/>
+                </a:highlight>
+              </a:rPr>
+              <a:t>  </a:t>
+            </a:r>
+            <a:r>
+              <a:rPr lang="en-US" sz="1400" b="0" dirty="0" err="1">
+                <a:solidFill>
+                  <a:srgbClr val="000000"/>
+                </a:solidFill>
+                <a:highlight>
+                  <a:srgbClr val="FFFFFF"/>
+                </a:highlight>
+              </a:rPr>
+              <a:t>stateless_random_crop</a:t>
+            </a:r>
+            <a:r>
+              <a:rPr lang="en-US" sz="1400" b="0" dirty="0">
+                <a:solidFill>
+                  <a:srgbClr val="000000"/>
+                </a:solidFill>
+                <a:highlight>
+                  <a:srgbClr val="FFFFFF"/>
+                </a:highlight>
+              </a:rPr>
+              <a:t> </a:t>
+            </a:r>
+            <a:r>
+              <a:rPr lang="en-US" sz="1400" b="1" dirty="0">
+                <a:solidFill>
+                  <a:srgbClr val="000080"/>
+                </a:solidFill>
+                <a:highlight>
+                  <a:srgbClr val="FFFFFF"/>
+                </a:highlight>
+              </a:rPr>
+              <a:t>=</a:t>
+            </a:r>
+            <a:r>
+              <a:rPr lang="en-US" sz="1400" b="0" dirty="0">
+                <a:solidFill>
+                  <a:srgbClr val="000000"/>
+                </a:solidFill>
+                <a:highlight>
+                  <a:srgbClr val="FFFFFF"/>
+                </a:highlight>
+              </a:rPr>
+              <a:t> </a:t>
+            </a:r>
+            <a:r>
+              <a:rPr lang="en-US" sz="1400" b="0" dirty="0" err="1">
+                <a:solidFill>
+                  <a:srgbClr val="000000"/>
+                </a:solidFill>
+                <a:highlight>
+                  <a:srgbClr val="FFFFFF"/>
+                </a:highlight>
+              </a:rPr>
+              <a:t>tf</a:t>
+            </a:r>
+            <a:r>
+              <a:rPr lang="en-US" sz="1400" b="1" dirty="0" err="1">
+                <a:solidFill>
+                  <a:srgbClr val="000080"/>
+                </a:solidFill>
+                <a:highlight>
+                  <a:srgbClr val="FFFFFF"/>
+                </a:highlight>
+              </a:rPr>
+              <a:t>.</a:t>
+            </a:r>
+            <a:r>
+              <a:rPr lang="en-US" sz="1400" b="0" dirty="0" err="1">
+                <a:solidFill>
+                  <a:srgbClr val="000000"/>
+                </a:solidFill>
+                <a:highlight>
+                  <a:srgbClr val="FFFFFF"/>
+                </a:highlight>
+              </a:rPr>
+              <a:t>image</a:t>
+            </a:r>
+            <a:r>
+              <a:rPr lang="en-US" sz="1400" b="1" dirty="0" err="1">
+                <a:solidFill>
+                  <a:srgbClr val="000080"/>
+                </a:solidFill>
+                <a:highlight>
+                  <a:srgbClr val="FFFFFF"/>
+                </a:highlight>
+              </a:rPr>
+              <a:t>.</a:t>
+            </a:r>
+            <a:r>
+              <a:rPr lang="en-US" sz="1400" b="0" dirty="0" err="1">
+                <a:solidFill>
+                  <a:srgbClr val="000000"/>
+                </a:solidFill>
+                <a:highlight>
+                  <a:srgbClr val="FFFFFF"/>
+                </a:highlight>
+              </a:rPr>
+              <a:t>stateless_random_crop</a:t>
+            </a:r>
+            <a:r>
+              <a:rPr lang="en-US" sz="1400" b="1" dirty="0">
+                <a:solidFill>
+                  <a:srgbClr val="000080"/>
+                </a:solidFill>
+                <a:highlight>
+                  <a:srgbClr val="FFFFFF"/>
+                </a:highlight>
+              </a:rPr>
+              <a:t>(</a:t>
+            </a:r>
+            <a:endParaRPr lang="en-US" sz="1400" b="0" dirty="0">
+              <a:solidFill>
+                <a:srgbClr val="000000"/>
+              </a:solidFill>
+              <a:highlight>
+                <a:srgbClr val="FFFFFF"/>
+              </a:highlight>
+            </a:endParaRPr>
+          </a:p>
+          <a:p>
+            <a:r>
+              <a:rPr lang="en-US" sz="1400" b="0" dirty="0">
+                <a:solidFill>
+                  <a:srgbClr val="000000"/>
+                </a:solidFill>
+                <a:highlight>
+                  <a:srgbClr val="FFFFFF"/>
+                </a:highlight>
+              </a:rPr>
+              <a:t>      image</a:t>
+            </a:r>
+            <a:r>
+              <a:rPr lang="en-US" sz="1400" b="1" dirty="0">
+                <a:solidFill>
+                  <a:srgbClr val="000080"/>
+                </a:solidFill>
+                <a:highlight>
+                  <a:srgbClr val="FFFFFF"/>
+                </a:highlight>
+              </a:rPr>
+              <a:t>,</a:t>
+            </a:r>
+            <a:r>
+              <a:rPr lang="en-US" sz="1400" b="0" dirty="0">
+                <a:solidFill>
+                  <a:srgbClr val="000000"/>
+                </a:solidFill>
+                <a:highlight>
+                  <a:srgbClr val="FFFFFF"/>
+                </a:highlight>
+              </a:rPr>
+              <a:t> size</a:t>
+            </a:r>
+            <a:r>
+              <a:rPr lang="en-US" sz="1400" b="1" dirty="0">
+                <a:solidFill>
+                  <a:srgbClr val="000080"/>
+                </a:solidFill>
+                <a:highlight>
+                  <a:srgbClr val="FFFFFF"/>
+                </a:highlight>
+              </a:rPr>
+              <a:t>=[</a:t>
+            </a:r>
+            <a:r>
+              <a:rPr lang="en-US" sz="1400" b="0" dirty="0">
+                <a:solidFill>
+                  <a:srgbClr val="FF0000"/>
+                </a:solidFill>
+                <a:highlight>
+                  <a:srgbClr val="FFFFFF"/>
+                </a:highlight>
+              </a:rPr>
+              <a:t>210</a:t>
+            </a:r>
+            <a:r>
+              <a:rPr lang="en-US" sz="1400" b="1" dirty="0">
+                <a:solidFill>
+                  <a:srgbClr val="000080"/>
+                </a:solidFill>
+                <a:highlight>
+                  <a:srgbClr val="FFFFFF"/>
+                </a:highlight>
+              </a:rPr>
+              <a:t>,</a:t>
+            </a:r>
+            <a:r>
+              <a:rPr lang="en-US" sz="1400" b="0" dirty="0">
+                <a:solidFill>
+                  <a:srgbClr val="000000"/>
+                </a:solidFill>
+                <a:highlight>
+                  <a:srgbClr val="FFFFFF"/>
+                </a:highlight>
+              </a:rPr>
+              <a:t> </a:t>
+            </a:r>
+            <a:r>
+              <a:rPr lang="en-US" sz="1400" b="0" dirty="0">
+                <a:solidFill>
+                  <a:srgbClr val="FF0000"/>
+                </a:solidFill>
+                <a:highlight>
+                  <a:srgbClr val="FFFFFF"/>
+                </a:highlight>
+              </a:rPr>
+              <a:t>300</a:t>
+            </a:r>
+            <a:r>
+              <a:rPr lang="en-US" sz="1400" b="1" dirty="0">
+                <a:solidFill>
+                  <a:srgbClr val="000080"/>
+                </a:solidFill>
+                <a:highlight>
+                  <a:srgbClr val="FFFFFF"/>
+                </a:highlight>
+              </a:rPr>
+              <a:t>,</a:t>
+            </a:r>
+            <a:r>
+              <a:rPr lang="en-US" sz="1400" b="0" dirty="0">
+                <a:solidFill>
+                  <a:srgbClr val="000000"/>
+                </a:solidFill>
+                <a:highlight>
+                  <a:srgbClr val="FFFFFF"/>
+                </a:highlight>
+              </a:rPr>
+              <a:t> </a:t>
+            </a:r>
+            <a:r>
+              <a:rPr lang="en-US" sz="1400" b="0" dirty="0">
+                <a:solidFill>
+                  <a:srgbClr val="FF0000"/>
+                </a:solidFill>
+                <a:highlight>
+                  <a:srgbClr val="FFFFFF"/>
+                </a:highlight>
+              </a:rPr>
+              <a:t>3</a:t>
+            </a:r>
+            <a:r>
+              <a:rPr lang="en-US" sz="1400" b="1" dirty="0">
+                <a:solidFill>
+                  <a:srgbClr val="000080"/>
+                </a:solidFill>
+                <a:highlight>
+                  <a:srgbClr val="FFFFFF"/>
+                </a:highlight>
+              </a:rPr>
+              <a:t>],</a:t>
+            </a:r>
+            <a:r>
+              <a:rPr lang="en-US" sz="1400" b="0" dirty="0">
+                <a:solidFill>
+                  <a:srgbClr val="000000"/>
+                </a:solidFill>
+                <a:highlight>
+                  <a:srgbClr val="FFFFFF"/>
+                </a:highlight>
+              </a:rPr>
+              <a:t> seed</a:t>
+            </a:r>
+            <a:r>
+              <a:rPr lang="en-US" sz="1400" b="1" dirty="0">
+                <a:solidFill>
+                  <a:srgbClr val="000080"/>
+                </a:solidFill>
+                <a:highlight>
+                  <a:srgbClr val="FFFFFF"/>
+                </a:highlight>
+              </a:rPr>
+              <a:t>=</a:t>
+            </a:r>
+            <a:r>
+              <a:rPr lang="en-US" sz="1400" b="0" dirty="0">
+                <a:solidFill>
+                  <a:srgbClr val="000000"/>
+                </a:solidFill>
+                <a:highlight>
+                  <a:srgbClr val="FFFFFF"/>
+                </a:highlight>
+              </a:rPr>
+              <a:t>seed</a:t>
+            </a:r>
+            <a:r>
+              <a:rPr lang="en-US" sz="1400" b="1" dirty="0">
+                <a:solidFill>
+                  <a:srgbClr val="000080"/>
+                </a:solidFill>
+                <a:highlight>
+                  <a:srgbClr val="FFFFFF"/>
+                </a:highlight>
+              </a:rPr>
+              <a:t>)</a:t>
+            </a:r>
+            <a:endParaRPr lang="en-US" sz="1400" b="0" dirty="0">
+              <a:solidFill>
+                <a:srgbClr val="000000"/>
+              </a:solidFill>
+              <a:highlight>
+                <a:srgbClr val="FFFFFF"/>
+              </a:highlight>
+            </a:endParaRPr>
+          </a:p>
+          <a:p>
+            <a:r>
+              <a:rPr lang="en-US" sz="1400" b="0" dirty="0">
+                <a:solidFill>
+                  <a:srgbClr val="000000"/>
+                </a:solidFill>
+                <a:highlight>
+                  <a:srgbClr val="FFFFFF"/>
+                </a:highlight>
+              </a:rPr>
+              <a:t>  visualize</a:t>
+            </a:r>
+            <a:r>
+              <a:rPr lang="en-US" sz="1400" b="1" dirty="0">
+                <a:solidFill>
+                  <a:srgbClr val="000080"/>
+                </a:solidFill>
+                <a:highlight>
+                  <a:srgbClr val="FFFFFF"/>
+                </a:highlight>
+              </a:rPr>
+              <a:t>(</a:t>
+            </a:r>
+            <a:r>
+              <a:rPr lang="en-US" sz="1400" b="0" dirty="0">
+                <a:solidFill>
+                  <a:srgbClr val="000000"/>
+                </a:solidFill>
+                <a:highlight>
+                  <a:srgbClr val="FFFFFF"/>
+                </a:highlight>
+              </a:rPr>
+              <a:t>image</a:t>
+            </a:r>
+            <a:r>
+              <a:rPr lang="en-US" sz="1400" b="1" dirty="0">
+                <a:solidFill>
+                  <a:srgbClr val="000080"/>
+                </a:solidFill>
+                <a:highlight>
+                  <a:srgbClr val="FFFFFF"/>
+                </a:highlight>
+              </a:rPr>
+              <a:t>,</a:t>
+            </a:r>
+            <a:r>
+              <a:rPr lang="en-US" sz="1400" b="0" dirty="0">
+                <a:solidFill>
+                  <a:srgbClr val="000000"/>
+                </a:solidFill>
+                <a:highlight>
+                  <a:srgbClr val="FFFFFF"/>
+                </a:highlight>
+              </a:rPr>
+              <a:t> </a:t>
+            </a:r>
+            <a:r>
+              <a:rPr lang="en-US" sz="1400" b="0" dirty="0" err="1">
+                <a:solidFill>
+                  <a:srgbClr val="000000"/>
+                </a:solidFill>
+                <a:highlight>
+                  <a:srgbClr val="FFFFFF"/>
+                </a:highlight>
+              </a:rPr>
+              <a:t>stateless_random_crop</a:t>
+            </a:r>
+            <a:r>
+              <a:rPr lang="en-US" sz="1400" b="1" dirty="0">
+                <a:solidFill>
+                  <a:srgbClr val="000080"/>
+                </a:solidFill>
+                <a:highlight>
+                  <a:srgbClr val="FFFFFF"/>
+                </a:highlight>
+              </a:rPr>
+              <a:t>)</a:t>
+            </a:r>
+            <a:endParaRPr lang="pt-BR" sz="1400" dirty="0"/>
+          </a:p>
+        </p:txBody>
+      </p:sp>
+      <p:grpSp>
+        <p:nvGrpSpPr>
+          <p:cNvPr id="12" name="Agrupar 11">
+            <a:extLst>
+              <a:ext uri="{FF2B5EF4-FFF2-40B4-BE49-F238E27FC236}">
+                <a16:creationId xmlns:a16="http://schemas.microsoft.com/office/drawing/2014/main" id="{6B395245-CB74-E4E9-769F-4C87CFB92D24}"/>
+              </a:ext>
+            </a:extLst>
+          </p:cNvPr>
+          <p:cNvGrpSpPr/>
+          <p:nvPr/>
+        </p:nvGrpSpPr>
+        <p:grpSpPr>
+          <a:xfrm>
+            <a:off x="7207829" y="2878269"/>
+            <a:ext cx="3225685" cy="3930305"/>
+            <a:chOff x="7423264" y="2916897"/>
+            <a:chExt cx="3225685" cy="3930305"/>
+          </a:xfrm>
+        </p:grpSpPr>
+        <p:pic>
+          <p:nvPicPr>
+            <p:cNvPr id="3082" name="Picture 10" descr="png">
+              <a:extLst>
+                <a:ext uri="{FF2B5EF4-FFF2-40B4-BE49-F238E27FC236}">
+                  <a16:creationId xmlns:a16="http://schemas.microsoft.com/office/drawing/2014/main" id="{74911A61-241F-E975-8D00-94B9314142D8}"/>
+                </a:ext>
+              </a:extLst>
+            </p:cNvPr>
+            <p:cNvPicPr>
+              <a:picLocks noChangeAspect="1" noChangeArrowheads="1"/>
+            </p:cNvPicPr>
+            <p:nvPr/>
+          </p:nvPicPr>
+          <p:blipFill>
+            <a:blip r:embed="rId4">
+              <a:extLst>
+                <a:ext uri="{28A0092B-C50C-407E-A947-70E740481C1C}">
+                  <a14:useLocalDpi xmlns:a14="http://schemas.microsoft.com/office/drawing/2010/main" val="0"/>
+                </a:ext>
+              </a:extLst>
+            </a:blip>
+            <a:srcRect/>
+            <a:stretch>
+              <a:fillRect/>
+            </a:stretch>
+          </p:blipFill>
+          <p:spPr bwMode="auto">
+            <a:xfrm>
+              <a:off x="7423264" y="2916897"/>
+              <a:ext cx="3225685" cy="1303130"/>
+            </a:xfrm>
+            <a:prstGeom prst="rect">
+              <a:avLst/>
+            </a:prstGeom>
+            <a:noFill/>
+            <a:extLst>
+              <a:ext uri="{909E8E84-426E-40DD-AFC4-6F175D3DCCD1}">
+                <a14:hiddenFill xmlns:a14="http://schemas.microsoft.com/office/drawing/2010/main">
+                  <a:solidFill>
+                    <a:srgbClr val="FFFFFF"/>
+                  </a:solidFill>
+                </a14:hiddenFill>
+              </a:ext>
+            </a:extLst>
+          </p:spPr>
+        </p:pic>
+        <p:pic>
+          <p:nvPicPr>
+            <p:cNvPr id="3084" name="Picture 12" descr="png">
+              <a:extLst>
+                <a:ext uri="{FF2B5EF4-FFF2-40B4-BE49-F238E27FC236}">
+                  <a16:creationId xmlns:a16="http://schemas.microsoft.com/office/drawing/2014/main" id="{CD62BDC1-600E-20F9-80B1-E62D1316471C}"/>
+                </a:ext>
+              </a:extLst>
+            </p:cNvPr>
+            <p:cNvPicPr>
+              <a:picLocks noChangeAspect="1" noChangeArrowheads="1"/>
+            </p:cNvPicPr>
+            <p:nvPr/>
+          </p:nvPicPr>
+          <p:blipFill>
+            <a:blip r:embed="rId5">
+              <a:extLst>
+                <a:ext uri="{28A0092B-C50C-407E-A947-70E740481C1C}">
+                  <a14:useLocalDpi xmlns:a14="http://schemas.microsoft.com/office/drawing/2010/main" val="0"/>
+                </a:ext>
+              </a:extLst>
+            </a:blip>
+            <a:srcRect/>
+            <a:stretch>
+              <a:fillRect/>
+            </a:stretch>
+          </p:blipFill>
+          <p:spPr bwMode="auto">
+            <a:xfrm>
+              <a:off x="7423264" y="4240942"/>
+              <a:ext cx="3225685" cy="1303130"/>
+            </a:xfrm>
+            <a:prstGeom prst="rect">
+              <a:avLst/>
+            </a:prstGeom>
+            <a:noFill/>
+            <a:extLst>
+              <a:ext uri="{909E8E84-426E-40DD-AFC4-6F175D3DCCD1}">
+                <a14:hiddenFill xmlns:a14="http://schemas.microsoft.com/office/drawing/2010/main">
+                  <a:solidFill>
+                    <a:srgbClr val="FFFFFF"/>
+                  </a:solidFill>
+                </a14:hiddenFill>
+              </a:ext>
+            </a:extLst>
+          </p:spPr>
+        </p:pic>
+        <p:pic>
+          <p:nvPicPr>
+            <p:cNvPr id="3086" name="Picture 14" descr="png">
+              <a:extLst>
+                <a:ext uri="{FF2B5EF4-FFF2-40B4-BE49-F238E27FC236}">
+                  <a16:creationId xmlns:a16="http://schemas.microsoft.com/office/drawing/2014/main" id="{D4ABFA9C-260A-B673-4E41-F2435F0F3BB2}"/>
+                </a:ext>
+              </a:extLst>
+            </p:cNvPr>
+            <p:cNvPicPr>
+              <a:picLocks noChangeAspect="1" noChangeArrowheads="1"/>
+            </p:cNvPicPr>
+            <p:nvPr/>
+          </p:nvPicPr>
+          <p:blipFill>
+            <a:blip r:embed="rId6">
+              <a:extLst>
+                <a:ext uri="{28A0092B-C50C-407E-A947-70E740481C1C}">
+                  <a14:useLocalDpi xmlns:a14="http://schemas.microsoft.com/office/drawing/2010/main" val="0"/>
+                </a:ext>
+              </a:extLst>
+            </a:blip>
+            <a:srcRect/>
+            <a:stretch>
+              <a:fillRect/>
+            </a:stretch>
+          </p:blipFill>
+          <p:spPr bwMode="auto">
+            <a:xfrm>
+              <a:off x="7423264" y="5544072"/>
+              <a:ext cx="3225685" cy="1303130"/>
+            </a:xfrm>
+            <a:prstGeom prst="rect">
+              <a:avLst/>
+            </a:prstGeom>
+            <a:noFill/>
+            <a:extLst>
+              <a:ext uri="{909E8E84-426E-40DD-AFC4-6F175D3DCCD1}">
+                <a14:hiddenFill xmlns:a14="http://schemas.microsoft.com/office/drawing/2010/main">
+                  <a:solidFill>
+                    <a:srgbClr val="FFFFFF"/>
+                  </a:solidFill>
+                </a14:hiddenFill>
+              </a:ext>
+            </a:extLst>
+          </p:spPr>
+        </p:pic>
+      </p:grpSp>
     </p:spTree>
     <p:extLst>
       <p:ext uri="{BB962C8B-B14F-4D97-AF65-F5344CB8AC3E}">
-        <p14:creationId xmlns:p14="http://schemas.microsoft.com/office/powerpoint/2010/main" val="1074434023"/>
+        <p14:creationId xmlns:p14="http://schemas.microsoft.com/office/powerpoint/2010/main" val="3445522316"/>
       </p:ext>
     </p:extLst>
   </p:cSld>
@@ -9395,7 +12078,7 @@
           <p:cNvPr id="2" name="Título 1">
             <a:extLst>
               <a:ext uri="{FF2B5EF4-FFF2-40B4-BE49-F238E27FC236}">
-                <a16:creationId xmlns:a16="http://schemas.microsoft.com/office/drawing/2014/main" id="{039B0700-9B3E-5B03-9F91-6AF0EAAFF788}"/>
+                <a16:creationId xmlns:a16="http://schemas.microsoft.com/office/drawing/2014/main" id="{6A7F502D-41D9-439D-0801-54458D781C8D}"/>
               </a:ext>
             </a:extLst>
           </p:cNvPr>
@@ -9411,119 +12094,39 @@
           <a:bodyPr/>
           <a:lstStyle/>
           <a:p>
-            <a:r>
-              <a:rPr lang="pt-BR" i="1" dirty="0"/>
-              <a:t>Data </a:t>
-            </a:r>
-            <a:r>
-              <a:rPr lang="pt-BR" i="1" dirty="0" err="1"/>
-              <a:t>augmentation</a:t>
-            </a:r>
-            <a:r>
-              <a:rPr lang="pt-BR" i="1"/>
-              <a:t> </a:t>
-            </a:r>
-            <a:r>
-              <a:rPr lang="pt-BR"/>
-              <a:t>com Tensorflow</a:t>
-            </a:r>
-          </a:p>
-        </p:txBody>
-      </p:sp>
-      <p:pic>
-        <p:nvPicPr>
-          <p:cNvPr id="5" name="Imagem 4">
+            <a:endParaRPr lang="pt-BR"/>
+          </a:p>
+        </p:txBody>
+      </p:sp>
+      <p:sp>
+        <p:nvSpPr>
+          <p:cNvPr id="3" name="Espaço Reservado para Conteúdo 2">
             <a:extLst>
               <a:ext uri="{FF2B5EF4-FFF2-40B4-BE49-F238E27FC236}">
-                <a16:creationId xmlns:a16="http://schemas.microsoft.com/office/drawing/2014/main" id="{E0B01EE6-CE2C-012E-BA5D-CD2EB299C55C}"/>
+                <a16:creationId xmlns:a16="http://schemas.microsoft.com/office/drawing/2014/main" id="{7B837828-0602-DA1F-02DF-9A97CA439F5F}"/>
               </a:ext>
             </a:extLst>
           </p:cNvPr>
-          <p:cNvPicPr>
-            <a:picLocks noChangeAspect="1"/>
-          </p:cNvPicPr>
-          <p:nvPr/>
-        </p:nvPicPr>
-        <p:blipFill>
-          <a:blip r:embed="rId2"/>
-          <a:stretch>
-            <a:fillRect/>
-          </a:stretch>
-        </p:blipFill>
-        <p:spPr>
-          <a:xfrm>
-            <a:off x="950843" y="2708619"/>
-            <a:ext cx="3810000" cy="466725"/>
-          </a:xfrm>
-          <a:prstGeom prst="rect">
-            <a:avLst/>
-          </a:prstGeom>
-        </p:spPr>
-      </p:pic>
-      <p:pic>
-        <p:nvPicPr>
-          <p:cNvPr id="7" name="Imagem 6">
-            <a:extLst>
-              <a:ext uri="{FF2B5EF4-FFF2-40B4-BE49-F238E27FC236}">
-                <a16:creationId xmlns:a16="http://schemas.microsoft.com/office/drawing/2014/main" id="{3D0B9DD3-56E6-256F-DCF7-FCC15BFA792F}"/>
-              </a:ext>
-            </a:extLst>
-          </p:cNvPr>
-          <p:cNvPicPr>
-            <a:picLocks noChangeAspect="1"/>
-          </p:cNvPicPr>
-          <p:nvPr/>
-        </p:nvPicPr>
-        <p:blipFill>
-          <a:blip r:embed="rId3"/>
-          <a:stretch>
-            <a:fillRect/>
-          </a:stretch>
-        </p:blipFill>
-        <p:spPr>
-          <a:xfrm>
-            <a:off x="2058021" y="5148470"/>
-            <a:ext cx="3762375" cy="457200"/>
-          </a:xfrm>
-          <a:prstGeom prst="rect">
-            <a:avLst/>
-          </a:prstGeom>
-        </p:spPr>
-      </p:pic>
-      <p:pic>
-        <p:nvPicPr>
-          <p:cNvPr id="9" name="Imagem 8">
-            <a:extLst>
-              <a:ext uri="{FF2B5EF4-FFF2-40B4-BE49-F238E27FC236}">
-                <a16:creationId xmlns:a16="http://schemas.microsoft.com/office/drawing/2014/main" id="{20023BB3-2A53-3751-2515-0935658F78F3}"/>
-              </a:ext>
-            </a:extLst>
-          </p:cNvPr>
-          <p:cNvPicPr>
-            <a:picLocks noChangeAspect="1"/>
-          </p:cNvPicPr>
-          <p:nvPr/>
-        </p:nvPicPr>
-        <p:blipFill>
-          <a:blip r:embed="rId4"/>
-          <a:stretch>
-            <a:fillRect/>
-          </a:stretch>
-        </p:blipFill>
-        <p:spPr>
-          <a:xfrm>
-            <a:off x="7562850" y="2318094"/>
-            <a:ext cx="3790950" cy="857250"/>
-          </a:xfrm>
-          <a:prstGeom prst="rect">
-            <a:avLst/>
-          </a:prstGeom>
-        </p:spPr>
-      </p:pic>
+          <p:cNvSpPr>
+            <a:spLocks noGrp="1"/>
+          </p:cNvSpPr>
+          <p:nvPr>
+            <p:ph idx="1"/>
+          </p:nvPr>
+        </p:nvSpPr>
+        <p:spPr/>
+        <p:txBody>
+          <a:bodyPr/>
+          <a:lstStyle/>
+          <a:p>
+            <a:endParaRPr lang="pt-BR"/>
+          </a:p>
+        </p:txBody>
+      </p:sp>
     </p:spTree>
     <p:extLst>
       <p:ext uri="{BB962C8B-B14F-4D97-AF65-F5344CB8AC3E}">
-        <p14:creationId xmlns:p14="http://schemas.microsoft.com/office/powerpoint/2010/main" val="3445522316"/>
+        <p14:creationId xmlns:p14="http://schemas.microsoft.com/office/powerpoint/2010/main" val="70390755"/>
       </p:ext>
     </p:extLst>
   </p:cSld>
@@ -9715,7 +12318,7 @@
           <p:cNvPr id="2" name="Título 1">
             <a:extLst>
               <a:ext uri="{FF2B5EF4-FFF2-40B4-BE49-F238E27FC236}">
-                <a16:creationId xmlns:a16="http://schemas.microsoft.com/office/drawing/2014/main" id="{6A7F502D-41D9-439D-0801-54458D781C8D}"/>
+                <a16:creationId xmlns:a16="http://schemas.microsoft.com/office/drawing/2014/main" id="{ECD2EEC3-9F93-F0C7-00C7-2A8406F8F1BE}"/>
               </a:ext>
             </a:extLst>
           </p:cNvPr>
@@ -9731,7 +12334,10 @@
           <a:bodyPr/>
           <a:lstStyle/>
           <a:p>
-            <a:endParaRPr lang="pt-BR"/>
+            <a:r>
+              <a:rPr lang="pt-BR" dirty="0"/>
+              <a:t>Como evitar o sobreajuste?</a:t>
+            </a:r>
           </a:p>
         </p:txBody>
       </p:sp>
@@ -9740,7 +12346,7 @@
           <p:cNvPr id="3" name="Espaço Reservado para Conteúdo 2">
             <a:extLst>
               <a:ext uri="{FF2B5EF4-FFF2-40B4-BE49-F238E27FC236}">
-                <a16:creationId xmlns:a16="http://schemas.microsoft.com/office/drawing/2014/main" id="{7B837828-0602-DA1F-02DF-9A97CA439F5F}"/>
+                <a16:creationId xmlns:a16="http://schemas.microsoft.com/office/drawing/2014/main" id="{21DAE270-373C-955C-8C3A-BAE8D668DE89}"/>
               </a:ext>
             </a:extLst>
           </p:cNvPr>
@@ -9751,19 +12357,43 @@
             <p:ph idx="1"/>
           </p:nvPr>
         </p:nvSpPr>
-        <p:spPr/>
+        <p:spPr>
+          <a:xfrm>
+            <a:off x="6096000" y="1825624"/>
+            <a:ext cx="5914490" cy="5032375"/>
+          </a:xfrm>
+        </p:spPr>
         <p:txBody>
           <a:bodyPr/>
           <a:lstStyle/>
           <a:p>
-            <a:endParaRPr lang="pt-BR"/>
+            <a:r>
+              <a:rPr lang="pt-BR" b="1" i="0" dirty="0">
+                <a:effectLst/>
+              </a:rPr>
+              <a:t>Simplificar o modelo:</a:t>
+            </a:r>
+            <a:r>
+              <a:rPr lang="pt-BR" b="0" i="0" dirty="0">
+                <a:effectLst/>
+              </a:rPr>
+              <a:t> Usar modelos mais simples, com menos parâmetros, quando os dados não justificarem um modelo complexo.</a:t>
+            </a:r>
+          </a:p>
+          <a:p>
+            <a:endParaRPr lang="pt-BR" b="0" i="0" dirty="0">
+              <a:effectLst/>
+            </a:endParaRPr>
+          </a:p>
+          <a:p>
+            <a:endParaRPr lang="pt-BR" dirty="0"/>
           </a:p>
         </p:txBody>
       </p:sp>
     </p:spTree>
     <p:extLst>
       <p:ext uri="{BB962C8B-B14F-4D97-AF65-F5344CB8AC3E}">
-        <p14:creationId xmlns:p14="http://schemas.microsoft.com/office/powerpoint/2010/main" val="70390755"/>
+        <p14:creationId xmlns:p14="http://schemas.microsoft.com/office/powerpoint/2010/main" val="1162444472"/>
       </p:ext>
     </p:extLst>
   </p:cSld>
@@ -9795,7 +12425,7 @@
           <p:cNvPr id="2" name="Título 1">
             <a:extLst>
               <a:ext uri="{FF2B5EF4-FFF2-40B4-BE49-F238E27FC236}">
-                <a16:creationId xmlns:a16="http://schemas.microsoft.com/office/drawing/2014/main" id="{ECD2EEC3-9F93-F0C7-00C7-2A8406F8F1BE}"/>
+                <a16:creationId xmlns:a16="http://schemas.microsoft.com/office/drawing/2014/main" id="{A74DDB77-2ADD-1183-CAAA-7C3763BFBA8D}"/>
               </a:ext>
             </a:extLst>
           </p:cNvPr>
@@ -9823,7 +12453,7 @@
           <p:cNvPr id="3" name="Espaço Reservado para Conteúdo 2">
             <a:extLst>
               <a:ext uri="{FF2B5EF4-FFF2-40B4-BE49-F238E27FC236}">
-                <a16:creationId xmlns:a16="http://schemas.microsoft.com/office/drawing/2014/main" id="{21DAE270-373C-955C-8C3A-BAE8D668DE89}"/>
+                <a16:creationId xmlns:a16="http://schemas.microsoft.com/office/drawing/2014/main" id="{0F005E55-CF79-10BA-EFE2-7E4460C2F6E6}"/>
               </a:ext>
             </a:extLst>
           </p:cNvPr>
@@ -9834,35 +12464,55 @@
             <p:ph idx="1"/>
           </p:nvPr>
         </p:nvSpPr>
-        <p:spPr>
-          <a:xfrm>
-            <a:off x="6096000" y="1825624"/>
-            <a:ext cx="5914490" cy="5032375"/>
-          </a:xfrm>
-        </p:spPr>
+        <p:spPr/>
         <p:txBody>
           <a:bodyPr/>
           <a:lstStyle/>
           <a:p>
             <a:r>
-              <a:rPr lang="pt-BR" b="1" i="0" dirty="0">
+              <a:rPr lang="pt-BR" dirty="0" err="1"/>
+              <a:t>T</a:t>
+            </a:r>
+            <a:r>
+              <a:rPr lang="pt-BR" b="0" i="0" dirty="0" err="1">
                 <a:effectLst/>
               </a:rPr>
-              <a:t>Simplificar o modelo:</a:t>
+              <a:t>ransfer</a:t>
             </a:r>
             <a:r>
               <a:rPr lang="pt-BR" b="0" i="0" dirty="0">
                 <a:effectLst/>
               </a:rPr>
-              <a:t> Usar modelos mais simples, com menos parâmetros, quando os dados não justificarem um modelo complexo.</a:t>
-            </a:r>
-          </a:p>
-          <a:p>
-            <a:endParaRPr lang="pt-BR" b="0" i="0" dirty="0">
-              <a:effectLst/>
-            </a:endParaRPr>
-          </a:p>
-          <a:p>
+              <a:t> </a:t>
+            </a:r>
+            <a:r>
+              <a:rPr lang="pt-BR" b="0" i="0" dirty="0" err="1">
+                <a:effectLst/>
+              </a:rPr>
+              <a:t>learning</a:t>
+            </a:r>
+            <a:r>
+              <a:rPr lang="pt-BR" dirty="0"/>
+              <a:t>: É</a:t>
+            </a:r>
+            <a:r>
+              <a:rPr lang="pt-BR" b="0" i="0" dirty="0">
+                <a:effectLst/>
+              </a:rPr>
+              <a:t> uma abordagem que envolve o uso de um modelo </a:t>
+            </a:r>
+            <a:r>
+              <a:rPr lang="pt-BR" b="0" i="0" dirty="0" err="1">
+                <a:effectLst/>
+              </a:rPr>
+              <a:t>pré</a:t>
+            </a:r>
+            <a:r>
+              <a:rPr lang="pt-BR" b="0" i="0" dirty="0">
+                <a:effectLst/>
+              </a:rPr>
+              <a:t>-treinado em uma tarefa relacionada como ponto de partida para uma nova tarefa.</a:t>
+            </a:r>
             <a:endParaRPr lang="pt-BR" dirty="0"/>
           </a:p>
         </p:txBody>
@@ -9870,7 +12520,7 @@
     </p:spTree>
     <p:extLst>
       <p:ext uri="{BB962C8B-B14F-4D97-AF65-F5344CB8AC3E}">
-        <p14:creationId xmlns:p14="http://schemas.microsoft.com/office/powerpoint/2010/main" val="1162444472"/>
+        <p14:creationId xmlns:p14="http://schemas.microsoft.com/office/powerpoint/2010/main" val="4133299073"/>
       </p:ext>
     </p:extLst>
   </p:cSld>
@@ -9902,7 +12552,7 @@
           <p:cNvPr id="2" name="Título 1">
             <a:extLst>
               <a:ext uri="{FF2B5EF4-FFF2-40B4-BE49-F238E27FC236}">
-                <a16:creationId xmlns:a16="http://schemas.microsoft.com/office/drawing/2014/main" id="{A74DDB77-2ADD-1183-CAAA-7C3763BFBA8D}"/>
+                <a16:creationId xmlns:a16="http://schemas.microsoft.com/office/drawing/2014/main" id="{9CD00B3E-85D7-8B25-6629-4A85FF36133A}"/>
               </a:ext>
             </a:extLst>
           </p:cNvPr>
@@ -9920,7 +12570,7 @@
           <a:p>
             <a:r>
               <a:rPr lang="pt-BR" dirty="0"/>
-              <a:t>Como evitar o sobreajuste?</a:t>
+              <a:t>Exemplo</a:t>
             </a:r>
           </a:p>
         </p:txBody>
@@ -9930,7 +12580,7 @@
           <p:cNvPr id="3" name="Espaço Reservado para Conteúdo 2">
             <a:extLst>
               <a:ext uri="{FF2B5EF4-FFF2-40B4-BE49-F238E27FC236}">
-                <a16:creationId xmlns:a16="http://schemas.microsoft.com/office/drawing/2014/main" id="{0F005E55-CF79-10BA-EFE2-7E4460C2F6E6}"/>
+                <a16:creationId xmlns:a16="http://schemas.microsoft.com/office/drawing/2014/main" id="{9730104F-E6BA-B308-644A-11A7E4939EBD}"/>
               </a:ext>
             </a:extLst>
           </p:cNvPr>
@@ -9941,63 +12591,355 @@
             <p:ph idx="1"/>
           </p:nvPr>
         </p:nvSpPr>
-        <p:spPr/>
+        <p:spPr>
+          <a:xfrm>
+            <a:off x="838200" y="1825625"/>
+            <a:ext cx="11157898" cy="4351338"/>
+          </a:xfrm>
+        </p:spPr>
         <p:txBody>
           <a:bodyPr/>
           <a:lstStyle/>
           <a:p>
             <a:r>
-              <a:rPr lang="pt-BR" dirty="0" err="1"/>
-              <a:t>T</a:t>
-            </a:r>
-            <a:r>
-              <a:rPr lang="pt-BR" b="0" i="0" dirty="0" err="1">
-                <a:effectLst/>
-              </a:rPr>
-              <a:t>ransfer</a:t>
-            </a:r>
-            <a:r>
-              <a:rPr lang="pt-BR" b="0" i="0" dirty="0">
-                <a:effectLst/>
-              </a:rPr>
-              <a:t> </a:t>
-            </a:r>
-            <a:r>
-              <a:rPr lang="pt-BR" b="0" i="0" dirty="0" err="1">
-                <a:effectLst/>
-              </a:rPr>
-              <a:t>learning</a:t>
-            </a:r>
-            <a:r>
               <a:rPr lang="pt-BR" dirty="0"/>
-              <a:t>: É</a:t>
-            </a:r>
-            <a:r>
-              <a:rPr lang="pt-BR" b="0" i="0" dirty="0">
-                <a:effectLst/>
-              </a:rPr>
-              <a:t> uma abordagem que envolve o uso de um modelo </a:t>
-            </a:r>
-            <a:r>
-              <a:rPr lang="pt-BR" b="0" i="0" dirty="0" err="1">
-                <a:effectLst/>
-              </a:rPr>
-              <a:t>pré</a:t>
-            </a:r>
-            <a:r>
-              <a:rPr lang="pt-BR" b="0" i="0" dirty="0">
-                <a:effectLst/>
-              </a:rPr>
-              <a:t>-treinado em uma tarefa relacionada como ponto de partida para uma nova tarefa.</a:t>
-            </a:r>
-            <a:endParaRPr lang="pt-BR" dirty="0"/>
+              <a:t>Exemplo:</a:t>
+            </a:r>
+          </a:p>
+        </p:txBody>
+      </p:sp>
+      <p:pic>
+        <p:nvPicPr>
+          <p:cNvPr id="2050" name="Picture 2" descr="TensorFlow">
+            <a:extLst>
+              <a:ext uri="{FF2B5EF4-FFF2-40B4-BE49-F238E27FC236}">
+                <a16:creationId xmlns:a16="http://schemas.microsoft.com/office/drawing/2014/main" id="{87B75C17-2A48-E33A-B66B-927CA792D831}"/>
+              </a:ext>
+            </a:extLst>
+          </p:cNvPr>
+          <p:cNvPicPr>
+            <a:picLocks noChangeAspect="1" noChangeArrowheads="1"/>
+          </p:cNvPicPr>
+          <p:nvPr/>
+        </p:nvPicPr>
+        <p:blipFill>
+          <a:blip r:embed="rId3">
+            <a:extLst>
+              <a:ext uri="{28A0092B-C50C-407E-A947-70E740481C1C}">
+                <a14:useLocalDpi xmlns:a14="http://schemas.microsoft.com/office/drawing/2010/main" val="0"/>
+              </a:ext>
+            </a:extLst>
+          </a:blip>
+          <a:srcRect/>
+          <a:stretch>
+            <a:fillRect/>
+          </a:stretch>
+        </p:blipFill>
+        <p:spPr bwMode="auto">
+          <a:xfrm>
+            <a:off x="1939875" y="2923470"/>
+            <a:ext cx="4099479" cy="2305957"/>
+          </a:xfrm>
+          <a:prstGeom prst="rect">
+            <a:avLst/>
+          </a:prstGeom>
+          <a:noFill/>
+          <a:extLst>
+            <a:ext uri="{909E8E84-426E-40DD-AFC4-6F175D3DCCD1}">
+              <a14:hiddenFill xmlns:a14="http://schemas.microsoft.com/office/drawing/2010/main">
+                <a:solidFill>
+                  <a:srgbClr val="FFFFFF"/>
+                </a:solidFill>
+              </a14:hiddenFill>
+            </a:ext>
+          </a:extLst>
+        </p:spPr>
+      </p:pic>
+      <p:pic>
+        <p:nvPicPr>
+          <p:cNvPr id="2052" name="Picture 4" descr="Project Jupyter | Try Jupyter">
+            <a:extLst>
+              <a:ext uri="{FF2B5EF4-FFF2-40B4-BE49-F238E27FC236}">
+                <a16:creationId xmlns:a16="http://schemas.microsoft.com/office/drawing/2014/main" id="{FC70A9A5-A2C7-C005-C6C5-A9FF775654D9}"/>
+              </a:ext>
+            </a:extLst>
+          </p:cNvPr>
+          <p:cNvPicPr>
+            <a:picLocks noChangeAspect="1" noChangeArrowheads="1"/>
+          </p:cNvPicPr>
+          <p:nvPr/>
+        </p:nvPicPr>
+        <p:blipFill>
+          <a:blip r:embed="rId4">
+            <a:extLst>
+              <a:ext uri="{28A0092B-C50C-407E-A947-70E740481C1C}">
+                <a14:useLocalDpi xmlns:a14="http://schemas.microsoft.com/office/drawing/2010/main" val="0"/>
+              </a:ext>
+            </a:extLst>
+          </a:blip>
+          <a:srcRect/>
+          <a:stretch>
+            <a:fillRect/>
+          </a:stretch>
+        </p:blipFill>
+        <p:spPr bwMode="auto">
+          <a:xfrm>
+            <a:off x="5203370" y="3167764"/>
+            <a:ext cx="3461657" cy="1817370"/>
+          </a:xfrm>
+          <a:prstGeom prst="rect">
+            <a:avLst/>
+          </a:prstGeom>
+          <a:noFill/>
+          <a:extLst>
+            <a:ext uri="{909E8E84-426E-40DD-AFC4-6F175D3DCCD1}">
+              <a14:hiddenFill xmlns:a14="http://schemas.microsoft.com/office/drawing/2010/main">
+                <a:solidFill>
+                  <a:srgbClr val="FFFFFF"/>
+                </a:solidFill>
+              </a14:hiddenFill>
+            </a:ext>
+          </a:extLst>
+        </p:spPr>
+      </p:pic>
+      <p:pic>
+        <p:nvPicPr>
+          <p:cNvPr id="2056" name="Picture 8" descr="Google Colaboratory Colab - Guía Completa Español - Marketing Branding">
+            <a:extLst>
+              <a:ext uri="{FF2B5EF4-FFF2-40B4-BE49-F238E27FC236}">
+                <a16:creationId xmlns:a16="http://schemas.microsoft.com/office/drawing/2014/main" id="{8A007768-2032-FE11-22C9-9394A0EF02EF}"/>
+              </a:ext>
+            </a:extLst>
+          </p:cNvPr>
+          <p:cNvPicPr>
+            <a:picLocks noChangeAspect="1" noChangeArrowheads="1"/>
+          </p:cNvPicPr>
+          <p:nvPr/>
+        </p:nvPicPr>
+        <p:blipFill rotWithShape="1">
+          <a:blip r:embed="rId5">
+            <a:extLst>
+              <a:ext uri="{28A0092B-C50C-407E-A947-70E740481C1C}">
+                <a14:useLocalDpi xmlns:a14="http://schemas.microsoft.com/office/drawing/2010/main" val="0"/>
+              </a:ext>
+            </a:extLst>
+          </a:blip>
+          <a:srcRect l="5865" r="10641"/>
+          <a:stretch/>
+        </p:blipFill>
+        <p:spPr bwMode="auto">
+          <a:xfrm>
+            <a:off x="8665027" y="2746576"/>
+            <a:ext cx="3331071" cy="2659743"/>
+          </a:xfrm>
+          <a:prstGeom prst="rect">
+            <a:avLst/>
+          </a:prstGeom>
+          <a:noFill/>
+          <a:extLst>
+            <a:ext uri="{909E8E84-426E-40DD-AFC4-6F175D3DCCD1}">
+              <a14:hiddenFill xmlns:a14="http://schemas.microsoft.com/office/drawing/2010/main">
+                <a:solidFill>
+                  <a:srgbClr val="FFFFFF"/>
+                </a:solidFill>
+              </a14:hiddenFill>
+            </a:ext>
+          </a:extLst>
+        </p:spPr>
+      </p:pic>
+      <p:pic>
+        <p:nvPicPr>
+          <p:cNvPr id="2058" name="Picture 10" descr="IT12A01: FUNDAMENTALS OF PYTHON PROGRAMMING (SF) (SYNCHRONOUS E-LEARNING) -  NTUC LearningHub">
+            <a:extLst>
+              <a:ext uri="{FF2B5EF4-FFF2-40B4-BE49-F238E27FC236}">
+                <a16:creationId xmlns:a16="http://schemas.microsoft.com/office/drawing/2014/main" id="{80EDF8DB-E749-8471-3ACA-2FFE3006FC46}"/>
+              </a:ext>
+            </a:extLst>
+          </p:cNvPr>
+          <p:cNvPicPr>
+            <a:picLocks noChangeAspect="1" noChangeArrowheads="1"/>
+          </p:cNvPicPr>
+          <p:nvPr/>
+        </p:nvPicPr>
+        <p:blipFill rotWithShape="1">
+          <a:blip r:embed="rId6">
+            <a:extLst>
+              <a:ext uri="{28A0092B-C50C-407E-A947-70E740481C1C}">
+                <a14:useLocalDpi xmlns:a14="http://schemas.microsoft.com/office/drawing/2010/main" val="0"/>
+              </a:ext>
+            </a:extLst>
+          </a:blip>
+          <a:srcRect l="23319" r="20198"/>
+          <a:stretch/>
+        </p:blipFill>
+        <p:spPr bwMode="auto">
+          <a:xfrm>
+            <a:off x="304800" y="3167764"/>
+            <a:ext cx="1894114" cy="1877924"/>
+          </a:xfrm>
+          <a:prstGeom prst="rect">
+            <a:avLst/>
+          </a:prstGeom>
+          <a:noFill/>
+          <a:extLst>
+            <a:ext uri="{909E8E84-426E-40DD-AFC4-6F175D3DCCD1}">
+              <a14:hiddenFill xmlns:a14="http://schemas.microsoft.com/office/drawing/2010/main">
+                <a:solidFill>
+                  <a:srgbClr val="FFFFFF"/>
+                </a:solidFill>
+              </a14:hiddenFill>
+            </a:ext>
+          </a:extLst>
+        </p:spPr>
+      </p:pic>
+      <p:sp>
+        <p:nvSpPr>
+          <p:cNvPr id="8" name="Sinal de Adição 7">
+            <a:extLst>
+              <a:ext uri="{FF2B5EF4-FFF2-40B4-BE49-F238E27FC236}">
+                <a16:creationId xmlns:a16="http://schemas.microsoft.com/office/drawing/2014/main" id="{89317CF7-D83C-5980-45A9-863C64A2BE61}"/>
+              </a:ext>
+            </a:extLst>
+          </p:cNvPr>
+          <p:cNvSpPr>
+            <a:spLocks noChangeAspect="1"/>
+          </p:cNvSpPr>
+          <p:nvPr/>
+        </p:nvSpPr>
+        <p:spPr>
+          <a:xfrm>
+            <a:off x="2198914" y="3535968"/>
+            <a:ext cx="468000" cy="468000"/>
+          </a:xfrm>
+          <a:prstGeom prst="mathPlus">
+            <a:avLst/>
+          </a:prstGeom>
+        </p:spPr>
+        <p:style>
+          <a:lnRef idx="2">
+            <a:schemeClr val="accent1">
+              <a:shade val="15000"/>
+            </a:schemeClr>
+          </a:lnRef>
+          <a:fillRef idx="1">
+            <a:schemeClr val="accent1"/>
+          </a:fillRef>
+          <a:effectRef idx="0">
+            <a:schemeClr val="accent1"/>
+          </a:effectRef>
+          <a:fontRef idx="minor">
+            <a:schemeClr val="lt1"/>
+          </a:fontRef>
+        </p:style>
+        <p:txBody>
+          <a:bodyPr rtlCol="0" anchor="ctr"/>
+          <a:lstStyle/>
+          <a:p>
+            <a:pPr algn="ctr"/>
+            <a:endParaRPr lang="pt-BR"/>
+          </a:p>
+        </p:txBody>
+      </p:sp>
+      <p:sp>
+        <p:nvSpPr>
+          <p:cNvPr id="10" name="Sinal de Adição 9">
+            <a:extLst>
+              <a:ext uri="{FF2B5EF4-FFF2-40B4-BE49-F238E27FC236}">
+                <a16:creationId xmlns:a16="http://schemas.microsoft.com/office/drawing/2014/main" id="{C6DC4B29-EABA-20F7-BB46-C33BEC93E2DD}"/>
+              </a:ext>
+            </a:extLst>
+          </p:cNvPr>
+          <p:cNvSpPr>
+            <a:spLocks noChangeAspect="1"/>
+          </p:cNvSpPr>
+          <p:nvPr/>
+        </p:nvSpPr>
+        <p:spPr>
+          <a:xfrm>
+            <a:off x="5279613" y="3535968"/>
+            <a:ext cx="468000" cy="468000"/>
+          </a:xfrm>
+          <a:prstGeom prst="mathPlus">
+            <a:avLst/>
+          </a:prstGeom>
+        </p:spPr>
+        <p:style>
+          <a:lnRef idx="2">
+            <a:schemeClr val="accent1">
+              <a:shade val="15000"/>
+            </a:schemeClr>
+          </a:lnRef>
+          <a:fillRef idx="1">
+            <a:schemeClr val="accent1"/>
+          </a:fillRef>
+          <a:effectRef idx="0">
+            <a:schemeClr val="accent1"/>
+          </a:effectRef>
+          <a:fontRef idx="minor">
+            <a:schemeClr val="lt1"/>
+          </a:fontRef>
+        </p:style>
+        <p:txBody>
+          <a:bodyPr rtlCol="0" anchor="ctr"/>
+          <a:lstStyle/>
+          <a:p>
+            <a:pPr algn="ctr"/>
+            <a:endParaRPr lang="pt-BR"/>
+          </a:p>
+        </p:txBody>
+      </p:sp>
+      <p:sp>
+        <p:nvSpPr>
+          <p:cNvPr id="11" name="Sinal de Adição 10">
+            <a:extLst>
+              <a:ext uri="{FF2B5EF4-FFF2-40B4-BE49-F238E27FC236}">
+                <a16:creationId xmlns:a16="http://schemas.microsoft.com/office/drawing/2014/main" id="{FF65B64B-136B-DCC4-8A01-509D3D5CD19F}"/>
+              </a:ext>
+            </a:extLst>
+          </p:cNvPr>
+          <p:cNvSpPr>
+            <a:spLocks noChangeAspect="1"/>
+          </p:cNvSpPr>
+          <p:nvPr/>
+        </p:nvSpPr>
+        <p:spPr>
+          <a:xfrm>
+            <a:off x="7968386" y="3533294"/>
+            <a:ext cx="468000" cy="468000"/>
+          </a:xfrm>
+          <a:prstGeom prst="mathPlus">
+            <a:avLst/>
+          </a:prstGeom>
+        </p:spPr>
+        <p:style>
+          <a:lnRef idx="2">
+            <a:schemeClr val="accent1">
+              <a:shade val="15000"/>
+            </a:schemeClr>
+          </a:lnRef>
+          <a:fillRef idx="1">
+            <a:schemeClr val="accent1"/>
+          </a:fillRef>
+          <a:effectRef idx="0">
+            <a:schemeClr val="accent1"/>
+          </a:effectRef>
+          <a:fontRef idx="minor">
+            <a:schemeClr val="lt1"/>
+          </a:fontRef>
+        </p:style>
+        <p:txBody>
+          <a:bodyPr rtlCol="0" anchor="ctr"/>
+          <a:lstStyle/>
+          <a:p>
+            <a:pPr algn="ctr"/>
+            <a:endParaRPr lang="pt-BR"/>
           </a:p>
         </p:txBody>
       </p:sp>
     </p:spTree>
     <p:extLst>
       <p:ext uri="{BB962C8B-B14F-4D97-AF65-F5344CB8AC3E}">
-        <p14:creationId xmlns:p14="http://schemas.microsoft.com/office/powerpoint/2010/main" val="4133299073"/>
+        <p14:creationId xmlns:p14="http://schemas.microsoft.com/office/powerpoint/2010/main" val="94961935"/>
       </p:ext>
     </p:extLst>
   </p:cSld>
@@ -10029,7 +12971,7 @@
           <p:cNvPr id="2" name="Título 1">
             <a:extLst>
               <a:ext uri="{FF2B5EF4-FFF2-40B4-BE49-F238E27FC236}">
-                <a16:creationId xmlns:a16="http://schemas.microsoft.com/office/drawing/2014/main" id="{9CD00B3E-85D7-8B25-6629-4A85FF36133A}"/>
+                <a16:creationId xmlns:a16="http://schemas.microsoft.com/office/drawing/2014/main" id="{2755BD9F-A5F9-C006-2D60-3988AFB742AA}"/>
               </a:ext>
             </a:extLst>
           </p:cNvPr>
@@ -10047,7 +12989,7 @@
           <a:p>
             <a:r>
               <a:rPr lang="pt-BR" dirty="0"/>
-              <a:t>Exemplo</a:t>
+              <a:t>Atividades</a:t>
             </a:r>
           </a:p>
         </p:txBody>
@@ -10057,7 +12999,7 @@
           <p:cNvPr id="3" name="Espaço Reservado para Conteúdo 2">
             <a:extLst>
               <a:ext uri="{FF2B5EF4-FFF2-40B4-BE49-F238E27FC236}">
-                <a16:creationId xmlns:a16="http://schemas.microsoft.com/office/drawing/2014/main" id="{9730104F-E6BA-B308-644A-11A7E4939EBD}"/>
+                <a16:creationId xmlns:a16="http://schemas.microsoft.com/office/drawing/2014/main" id="{DE398648-3AD3-9986-3010-6210876DC9B1}"/>
               </a:ext>
             </a:extLst>
           </p:cNvPr>
@@ -10071,7 +13013,7 @@
         <p:spPr>
           <a:xfrm>
             <a:off x="838200" y="1825625"/>
-            <a:ext cx="11157898" cy="4351338"/>
+            <a:ext cx="10849304" cy="4351338"/>
           </a:xfrm>
         </p:spPr>
         <p:txBody>
@@ -10080,343 +13022,29 @@
           <a:p>
             <a:r>
               <a:rPr lang="pt-BR" dirty="0"/>
-              <a:t>Exemplo:</a:t>
-            </a:r>
-          </a:p>
-        </p:txBody>
-      </p:sp>
-      <p:pic>
-        <p:nvPicPr>
-          <p:cNvPr id="2050" name="Picture 2" descr="TensorFlow">
-            <a:extLst>
-              <a:ext uri="{FF2B5EF4-FFF2-40B4-BE49-F238E27FC236}">
-                <a16:creationId xmlns:a16="http://schemas.microsoft.com/office/drawing/2014/main" id="{87B75C17-2A48-E33A-B66B-927CA792D831}"/>
-              </a:ext>
-            </a:extLst>
-          </p:cNvPr>
-          <p:cNvPicPr>
-            <a:picLocks noChangeAspect="1" noChangeArrowheads="1"/>
-          </p:cNvPicPr>
-          <p:nvPr/>
-        </p:nvPicPr>
-        <p:blipFill>
-          <a:blip r:embed="rId3">
-            <a:extLst>
-              <a:ext uri="{28A0092B-C50C-407E-A947-70E740481C1C}">
-                <a14:useLocalDpi xmlns:a14="http://schemas.microsoft.com/office/drawing/2010/main" val="0"/>
-              </a:ext>
-            </a:extLst>
-          </a:blip>
-          <a:srcRect/>
-          <a:stretch>
-            <a:fillRect/>
-          </a:stretch>
-        </p:blipFill>
-        <p:spPr bwMode="auto">
-          <a:xfrm>
-            <a:off x="1939875" y="2923470"/>
-            <a:ext cx="4099479" cy="2305957"/>
-          </a:xfrm>
-          <a:prstGeom prst="rect">
-            <a:avLst/>
-          </a:prstGeom>
-          <a:noFill/>
-          <a:extLst>
-            <a:ext uri="{909E8E84-426E-40DD-AFC4-6F175D3DCCD1}">
-              <a14:hiddenFill xmlns:a14="http://schemas.microsoft.com/office/drawing/2010/main">
-                <a:solidFill>
-                  <a:srgbClr val="FFFFFF"/>
-                </a:solidFill>
-              </a14:hiddenFill>
-            </a:ext>
-          </a:extLst>
-        </p:spPr>
-      </p:pic>
-      <p:pic>
-        <p:nvPicPr>
-          <p:cNvPr id="2052" name="Picture 4" descr="Project Jupyter | Try Jupyter">
-            <a:extLst>
-              <a:ext uri="{FF2B5EF4-FFF2-40B4-BE49-F238E27FC236}">
-                <a16:creationId xmlns:a16="http://schemas.microsoft.com/office/drawing/2014/main" id="{FC70A9A5-A2C7-C005-C6C5-A9FF775654D9}"/>
-              </a:ext>
-            </a:extLst>
-          </p:cNvPr>
-          <p:cNvPicPr>
-            <a:picLocks noChangeAspect="1" noChangeArrowheads="1"/>
-          </p:cNvPicPr>
-          <p:nvPr/>
-        </p:nvPicPr>
-        <p:blipFill>
-          <a:blip r:embed="rId4">
-            <a:extLst>
-              <a:ext uri="{28A0092B-C50C-407E-A947-70E740481C1C}">
-                <a14:useLocalDpi xmlns:a14="http://schemas.microsoft.com/office/drawing/2010/main" val="0"/>
-              </a:ext>
-            </a:extLst>
-          </a:blip>
-          <a:srcRect/>
-          <a:stretch>
-            <a:fillRect/>
-          </a:stretch>
-        </p:blipFill>
-        <p:spPr bwMode="auto">
-          <a:xfrm>
-            <a:off x="5203370" y="3167764"/>
-            <a:ext cx="3461657" cy="1817370"/>
-          </a:xfrm>
-          <a:prstGeom prst="rect">
-            <a:avLst/>
-          </a:prstGeom>
-          <a:noFill/>
-          <a:extLst>
-            <a:ext uri="{909E8E84-426E-40DD-AFC4-6F175D3DCCD1}">
-              <a14:hiddenFill xmlns:a14="http://schemas.microsoft.com/office/drawing/2010/main">
-                <a:solidFill>
-                  <a:srgbClr val="FFFFFF"/>
-                </a:solidFill>
-              </a14:hiddenFill>
-            </a:ext>
-          </a:extLst>
-        </p:spPr>
-      </p:pic>
-      <p:pic>
-        <p:nvPicPr>
-          <p:cNvPr id="2056" name="Picture 8" descr="Google Colaboratory Colab - Guía Completa Español - Marketing Branding">
-            <a:extLst>
-              <a:ext uri="{FF2B5EF4-FFF2-40B4-BE49-F238E27FC236}">
-                <a16:creationId xmlns:a16="http://schemas.microsoft.com/office/drawing/2014/main" id="{8A007768-2032-FE11-22C9-9394A0EF02EF}"/>
-              </a:ext>
-            </a:extLst>
-          </p:cNvPr>
-          <p:cNvPicPr>
-            <a:picLocks noChangeAspect="1" noChangeArrowheads="1"/>
-          </p:cNvPicPr>
-          <p:nvPr/>
-        </p:nvPicPr>
-        <p:blipFill rotWithShape="1">
-          <a:blip r:embed="rId5">
-            <a:extLst>
-              <a:ext uri="{28A0092B-C50C-407E-A947-70E740481C1C}">
-                <a14:useLocalDpi xmlns:a14="http://schemas.microsoft.com/office/drawing/2010/main" val="0"/>
-              </a:ext>
-            </a:extLst>
-          </a:blip>
-          <a:srcRect l="5865" r="10641"/>
-          <a:stretch/>
-        </p:blipFill>
-        <p:spPr bwMode="auto">
-          <a:xfrm>
-            <a:off x="8665027" y="2746576"/>
-            <a:ext cx="3331071" cy="2659743"/>
-          </a:xfrm>
-          <a:prstGeom prst="rect">
-            <a:avLst/>
-          </a:prstGeom>
-          <a:noFill/>
-          <a:extLst>
-            <a:ext uri="{909E8E84-426E-40DD-AFC4-6F175D3DCCD1}">
-              <a14:hiddenFill xmlns:a14="http://schemas.microsoft.com/office/drawing/2010/main">
-                <a:solidFill>
-                  <a:srgbClr val="FFFFFF"/>
-                </a:solidFill>
-              </a14:hiddenFill>
-            </a:ext>
-          </a:extLst>
-        </p:spPr>
-      </p:pic>
-      <p:pic>
-        <p:nvPicPr>
-          <p:cNvPr id="2058" name="Picture 10" descr="IT12A01: FUNDAMENTALS OF PYTHON PROGRAMMING (SF) (SYNCHRONOUS E-LEARNING) -  NTUC LearningHub">
-            <a:extLst>
-              <a:ext uri="{FF2B5EF4-FFF2-40B4-BE49-F238E27FC236}">
-                <a16:creationId xmlns:a16="http://schemas.microsoft.com/office/drawing/2014/main" id="{80EDF8DB-E749-8471-3ACA-2FFE3006FC46}"/>
-              </a:ext>
-            </a:extLst>
-          </p:cNvPr>
-          <p:cNvPicPr>
-            <a:picLocks noChangeAspect="1" noChangeArrowheads="1"/>
-          </p:cNvPicPr>
-          <p:nvPr/>
-        </p:nvPicPr>
-        <p:blipFill rotWithShape="1">
-          <a:blip r:embed="rId6">
-            <a:extLst>
-              <a:ext uri="{28A0092B-C50C-407E-A947-70E740481C1C}">
-                <a14:useLocalDpi xmlns:a14="http://schemas.microsoft.com/office/drawing/2010/main" val="0"/>
-              </a:ext>
-            </a:extLst>
-          </a:blip>
-          <a:srcRect l="23319" r="20198"/>
-          <a:stretch/>
-        </p:blipFill>
-        <p:spPr bwMode="auto">
-          <a:xfrm>
-            <a:off x="304800" y="3167764"/>
-            <a:ext cx="1894114" cy="1877924"/>
-          </a:xfrm>
-          <a:prstGeom prst="rect">
-            <a:avLst/>
-          </a:prstGeom>
-          <a:noFill/>
-          <a:extLst>
-            <a:ext uri="{909E8E84-426E-40DD-AFC4-6F175D3DCCD1}">
-              <a14:hiddenFill xmlns:a14="http://schemas.microsoft.com/office/drawing/2010/main">
-                <a:solidFill>
-                  <a:srgbClr val="FFFFFF"/>
-                </a:solidFill>
-              </a14:hiddenFill>
-            </a:ext>
-          </a:extLst>
-        </p:spPr>
-      </p:pic>
-      <p:sp>
-        <p:nvSpPr>
-          <p:cNvPr id="8" name="Sinal de Adição 7">
-            <a:extLst>
-              <a:ext uri="{FF2B5EF4-FFF2-40B4-BE49-F238E27FC236}">
-                <a16:creationId xmlns:a16="http://schemas.microsoft.com/office/drawing/2014/main" id="{89317CF7-D83C-5980-45A9-863C64A2BE61}"/>
-              </a:ext>
-            </a:extLst>
-          </p:cNvPr>
-          <p:cNvSpPr>
-            <a:spLocks noChangeAspect="1"/>
-          </p:cNvSpPr>
-          <p:nvPr/>
-        </p:nvSpPr>
-        <p:spPr>
-          <a:xfrm>
-            <a:off x="2198914" y="3535968"/>
-            <a:ext cx="468000" cy="468000"/>
-          </a:xfrm>
-          <a:prstGeom prst="mathPlus">
-            <a:avLst/>
-          </a:prstGeom>
-        </p:spPr>
-        <p:style>
-          <a:lnRef idx="2">
-            <a:schemeClr val="accent1">
-              <a:shade val="15000"/>
-            </a:schemeClr>
-          </a:lnRef>
-          <a:fillRef idx="1">
-            <a:schemeClr val="accent1"/>
-          </a:fillRef>
-          <a:effectRef idx="0">
-            <a:schemeClr val="accent1"/>
-          </a:effectRef>
-          <a:fontRef idx="minor">
-            <a:schemeClr val="lt1"/>
-          </a:fontRef>
-        </p:style>
-        <p:txBody>
-          <a:bodyPr rtlCol="0" anchor="ctr"/>
-          <a:lstStyle/>
-          <a:p>
-            <a:pPr algn="ctr"/>
-            <a:endParaRPr lang="pt-BR"/>
-          </a:p>
-        </p:txBody>
-      </p:sp>
-      <p:sp>
-        <p:nvSpPr>
-          <p:cNvPr id="10" name="Sinal de Adição 9">
-            <a:extLst>
-              <a:ext uri="{FF2B5EF4-FFF2-40B4-BE49-F238E27FC236}">
-                <a16:creationId xmlns:a16="http://schemas.microsoft.com/office/drawing/2014/main" id="{C6DC4B29-EABA-20F7-BB46-C33BEC93E2DD}"/>
-              </a:ext>
-            </a:extLst>
-          </p:cNvPr>
-          <p:cNvSpPr>
-            <a:spLocks noChangeAspect="1"/>
-          </p:cNvSpPr>
-          <p:nvPr/>
-        </p:nvSpPr>
-        <p:spPr>
-          <a:xfrm>
-            <a:off x="5279613" y="3535968"/>
-            <a:ext cx="468000" cy="468000"/>
-          </a:xfrm>
-          <a:prstGeom prst="mathPlus">
-            <a:avLst/>
-          </a:prstGeom>
-        </p:spPr>
-        <p:style>
-          <a:lnRef idx="2">
-            <a:schemeClr val="accent1">
-              <a:shade val="15000"/>
-            </a:schemeClr>
-          </a:lnRef>
-          <a:fillRef idx="1">
-            <a:schemeClr val="accent1"/>
-          </a:fillRef>
-          <a:effectRef idx="0">
-            <a:schemeClr val="accent1"/>
-          </a:effectRef>
-          <a:fontRef idx="minor">
-            <a:schemeClr val="lt1"/>
-          </a:fontRef>
-        </p:style>
-        <p:txBody>
-          <a:bodyPr rtlCol="0" anchor="ctr"/>
-          <a:lstStyle/>
-          <a:p>
-            <a:pPr algn="ctr"/>
-            <a:endParaRPr lang="pt-BR"/>
-          </a:p>
-        </p:txBody>
-      </p:sp>
-      <p:sp>
-        <p:nvSpPr>
-          <p:cNvPr id="11" name="Sinal de Adição 10">
-            <a:extLst>
-              <a:ext uri="{FF2B5EF4-FFF2-40B4-BE49-F238E27FC236}">
-                <a16:creationId xmlns:a16="http://schemas.microsoft.com/office/drawing/2014/main" id="{FF65B64B-136B-DCC4-8A01-509D3D5CD19F}"/>
-              </a:ext>
-            </a:extLst>
-          </p:cNvPr>
-          <p:cNvSpPr>
-            <a:spLocks noChangeAspect="1"/>
-          </p:cNvSpPr>
-          <p:nvPr/>
-        </p:nvSpPr>
-        <p:spPr>
-          <a:xfrm>
-            <a:off x="7968386" y="3533294"/>
-            <a:ext cx="468000" cy="468000"/>
-          </a:xfrm>
-          <a:prstGeom prst="mathPlus">
-            <a:avLst/>
-          </a:prstGeom>
-        </p:spPr>
-        <p:style>
-          <a:lnRef idx="2">
-            <a:schemeClr val="accent1">
-              <a:shade val="15000"/>
-            </a:schemeClr>
-          </a:lnRef>
-          <a:fillRef idx="1">
-            <a:schemeClr val="accent1"/>
-          </a:fillRef>
-          <a:effectRef idx="0">
-            <a:schemeClr val="accent1"/>
-          </a:effectRef>
-          <a:fontRef idx="minor">
-            <a:schemeClr val="lt1"/>
-          </a:fontRef>
-        </p:style>
-        <p:txBody>
-          <a:bodyPr rtlCol="0" anchor="ctr"/>
-          <a:lstStyle/>
-          <a:p>
-            <a:pPr algn="ctr"/>
-            <a:endParaRPr lang="pt-BR"/>
+              <a:t>Quiz: “</a:t>
+            </a:r>
+            <a:r>
+              <a:rPr lang="pt-BR" b="1" i="1" dirty="0"/>
+              <a:t>TP557 – Evitando o sobreajuste</a:t>
+            </a:r>
+            <a:r>
+              <a:rPr lang="pt-BR" dirty="0"/>
+              <a:t>”.</a:t>
+            </a:r>
+          </a:p>
+          <a:p>
+            <a:r>
+              <a:rPr lang="pt-BR" dirty="0"/>
+              <a:t>Exercício #1: Sobreajuste em dados não ruidosos.</a:t>
+            </a:r>
           </a:p>
         </p:txBody>
       </p:sp>
     </p:spTree>
     <p:extLst>
       <p:ext uri="{BB962C8B-B14F-4D97-AF65-F5344CB8AC3E}">
-        <p14:creationId xmlns:p14="http://schemas.microsoft.com/office/powerpoint/2010/main" val="94961935"/>
+        <p14:creationId xmlns:p14="http://schemas.microsoft.com/office/powerpoint/2010/main" val="2918520294"/>
       </p:ext>
     </p:extLst>
   </p:cSld>
@@ -10445,111 +13073,6 @@
       </p:grpSpPr>
       <p:sp>
         <p:nvSpPr>
-          <p:cNvPr id="2" name="Título 1">
-            <a:extLst>
-              <a:ext uri="{FF2B5EF4-FFF2-40B4-BE49-F238E27FC236}">
-                <a16:creationId xmlns:a16="http://schemas.microsoft.com/office/drawing/2014/main" id="{2755BD9F-A5F9-C006-2D60-3988AFB742AA}"/>
-              </a:ext>
-            </a:extLst>
-          </p:cNvPr>
-          <p:cNvSpPr>
-            <a:spLocks noGrp="1"/>
-          </p:cNvSpPr>
-          <p:nvPr>
-            <p:ph type="title"/>
-          </p:nvPr>
-        </p:nvSpPr>
-        <p:spPr/>
-        <p:txBody>
-          <a:bodyPr/>
-          <a:lstStyle/>
-          <a:p>
-            <a:r>
-              <a:rPr lang="pt-BR" dirty="0"/>
-              <a:t>Atividades</a:t>
-            </a:r>
-          </a:p>
-        </p:txBody>
-      </p:sp>
-      <p:sp>
-        <p:nvSpPr>
-          <p:cNvPr id="3" name="Espaço Reservado para Conteúdo 2">
-            <a:extLst>
-              <a:ext uri="{FF2B5EF4-FFF2-40B4-BE49-F238E27FC236}">
-                <a16:creationId xmlns:a16="http://schemas.microsoft.com/office/drawing/2014/main" id="{DE398648-3AD3-9986-3010-6210876DC9B1}"/>
-              </a:ext>
-            </a:extLst>
-          </p:cNvPr>
-          <p:cNvSpPr>
-            <a:spLocks noGrp="1"/>
-          </p:cNvSpPr>
-          <p:nvPr>
-            <p:ph idx="1"/>
-          </p:nvPr>
-        </p:nvSpPr>
-        <p:spPr>
-          <a:xfrm>
-            <a:off x="838200" y="1825625"/>
-            <a:ext cx="10849304" cy="4351338"/>
-          </a:xfrm>
-        </p:spPr>
-        <p:txBody>
-          <a:bodyPr/>
-          <a:lstStyle/>
-          <a:p>
-            <a:r>
-              <a:rPr lang="pt-BR" dirty="0"/>
-              <a:t>Quiz: “</a:t>
-            </a:r>
-            <a:r>
-              <a:rPr lang="pt-BR" b="1" i="1" dirty="0"/>
-              <a:t>TP557 – Evitando o sobreajuste</a:t>
-            </a:r>
-            <a:r>
-              <a:rPr lang="pt-BR" dirty="0"/>
-              <a:t>”.</a:t>
-            </a:r>
-          </a:p>
-          <a:p>
-            <a:r>
-              <a:rPr lang="pt-BR" dirty="0"/>
-              <a:t>Exercício #1: Sobreajuste em dados não ruidosos.</a:t>
-            </a:r>
-          </a:p>
-        </p:txBody>
-      </p:sp>
-    </p:spTree>
-    <p:extLst>
-      <p:ext uri="{BB962C8B-B14F-4D97-AF65-F5344CB8AC3E}">
-        <p14:creationId xmlns:p14="http://schemas.microsoft.com/office/powerpoint/2010/main" val="2918520294"/>
-      </p:ext>
-    </p:extLst>
-  </p:cSld>
-  <p:clrMapOvr>
-    <a:masterClrMapping/>
-  </p:clrMapOvr>
-</p:sld>
-</file>
-
-<file path=ppt/slides/slide25.xml><?xml version="1.0" encoding="utf-8"?>
-<p:sld xmlns:a="http://schemas.openxmlformats.org/drawingml/2006/main" xmlns:r="http://schemas.openxmlformats.org/officeDocument/2006/relationships" xmlns:p="http://schemas.openxmlformats.org/presentationml/2006/main">
-  <p:cSld>
-    <p:spTree>
-      <p:nvGrpSpPr>
-        <p:cNvPr id="1" name=""/>
-        <p:cNvGrpSpPr/>
-        <p:nvPr/>
-      </p:nvGrpSpPr>
-      <p:grpSpPr>
-        <a:xfrm>
-          <a:off x="0" y="0"/>
-          <a:ext cx="0" cy="0"/>
-          <a:chOff x="0" y="0"/>
-          <a:chExt cx="0" cy="0"/>
-        </a:xfrm>
-      </p:grpSpPr>
-      <p:sp>
-        <p:nvSpPr>
           <p:cNvPr id="4" name="Título 1">
             <a:extLst>
               <a:ext uri="{FF2B5EF4-FFF2-40B4-BE49-F238E27FC236}">
@@ -10617,7 +13140,7 @@
 </p:sld>
 </file>
 
-<file path=ppt/slides/slide26.xml><?xml version="1.0" encoding="utf-8"?>
+<file path=ppt/slides/slide25.xml><?xml version="1.0" encoding="utf-8"?>
 <p:sld xmlns:a="http://schemas.openxmlformats.org/drawingml/2006/main" xmlns:r="http://schemas.openxmlformats.org/officeDocument/2006/relationships" xmlns:p="http://schemas.openxmlformats.org/presentationml/2006/main">
   <p:cSld>
     <p:spTree>

--- a/slides/TP557_13_Prevenindo_o_sobreajuste.pptx
+++ b/slides/TP557_13_Prevenindo_o_sobreajuste.pptx
@@ -1538,6 +1538,185 @@
           <a:bodyPr/>
           <a:lstStyle/>
           <a:p>
+            <a:r>
+              <a:rPr lang="pt-BR" dirty="0"/>
+              <a:t>https://colab.research.google.com/github/zz4fap/tp557-iot-ml/blob/master/examples/Treinamento_com_e_sem_data_augmentation.ipynb</a:t>
+            </a:r>
+          </a:p>
+        </p:txBody>
+      </p:sp>
+      <p:sp>
+        <p:nvSpPr>
+          <p:cNvPr id="4" name="Espaço Reservado para Número de Slide 3"/>
+          <p:cNvSpPr>
+            <a:spLocks noGrp="1"/>
+          </p:cNvSpPr>
+          <p:nvPr>
+            <p:ph type="sldNum" sz="quarter" idx="5"/>
+          </p:nvPr>
+        </p:nvSpPr>
+        <p:spPr/>
+        <p:txBody>
+          <a:bodyPr/>
+          <a:lstStyle/>
+          <a:p>
+            <a:fld id="{6FC8D850-966F-45A6-8DE7-15B891E7D40D}" type="slidenum">
+              <a:rPr lang="pt-BR" smtClean="0"/>
+              <a:t>14</a:t>
+            </a:fld>
+            <a:endParaRPr lang="pt-BR"/>
+          </a:p>
+        </p:txBody>
+      </p:sp>
+    </p:spTree>
+    <p:extLst>
+      <p:ext uri="{BB962C8B-B14F-4D97-AF65-F5344CB8AC3E}">
+        <p14:creationId xmlns:p14="http://schemas.microsoft.com/office/powerpoint/2010/main" val="279026266"/>
+      </p:ext>
+    </p:extLst>
+  </p:cSld>
+  <p:clrMapOvr>
+    <a:masterClrMapping/>
+  </p:clrMapOvr>
+</p:notes>
+</file>
+
+<file path=ppt/notesSlides/notesSlide12.xml><?xml version="1.0" encoding="utf-8"?>
+<p:notes xmlns:a="http://schemas.openxmlformats.org/drawingml/2006/main" xmlns:r="http://schemas.openxmlformats.org/officeDocument/2006/relationships" xmlns:p="http://schemas.openxmlformats.org/presentationml/2006/main">
+  <p:cSld>
+    <p:spTree>
+      <p:nvGrpSpPr>
+        <p:cNvPr id="1" name=""/>
+        <p:cNvGrpSpPr/>
+        <p:nvPr/>
+      </p:nvGrpSpPr>
+      <p:grpSpPr>
+        <a:xfrm>
+          <a:off x="0" y="0"/>
+          <a:ext cx="0" cy="0"/>
+          <a:chOff x="0" y="0"/>
+          <a:chExt cx="0" cy="0"/>
+        </a:xfrm>
+      </p:grpSpPr>
+      <p:sp>
+        <p:nvSpPr>
+          <p:cNvPr id="2" name="Espaço Reservado para Imagem de Slide 1"/>
+          <p:cNvSpPr>
+            <a:spLocks noGrp="1" noRot="1" noChangeAspect="1"/>
+          </p:cNvSpPr>
+          <p:nvPr>
+            <p:ph type="sldImg"/>
+          </p:nvPr>
+        </p:nvSpPr>
+        <p:spPr/>
+      </p:sp>
+      <p:sp>
+        <p:nvSpPr>
+          <p:cNvPr id="3" name="Espaço Reservado para Anotações 2"/>
+          <p:cNvSpPr>
+            <a:spLocks noGrp="1"/>
+          </p:cNvSpPr>
+          <p:nvPr>
+            <p:ph type="body" idx="1"/>
+          </p:nvPr>
+        </p:nvSpPr>
+        <p:spPr/>
+        <p:txBody>
+          <a:bodyPr/>
+          <a:lstStyle/>
+          <a:p>
+            <a:r>
+              <a:rPr lang="pt-BR" dirty="0"/>
+              <a:t>https://colab.research.google.com/github/zz4fap/tp557-iot-ml/blob/master/examples/</a:t>
+            </a:r>
+            <a:r>
+              <a:rPr lang="pt-BR" sz="1200" dirty="0"/>
+              <a:t>data_augmentation.ipynb</a:t>
+            </a:r>
+            <a:endParaRPr lang="pt-BR" dirty="0"/>
+          </a:p>
+        </p:txBody>
+      </p:sp>
+      <p:sp>
+        <p:nvSpPr>
+          <p:cNvPr id="4" name="Espaço Reservado para Número de Slide 3"/>
+          <p:cNvSpPr>
+            <a:spLocks noGrp="1"/>
+          </p:cNvSpPr>
+          <p:nvPr>
+            <p:ph type="sldNum" sz="quarter" idx="5"/>
+          </p:nvPr>
+        </p:nvSpPr>
+        <p:spPr/>
+        <p:txBody>
+          <a:bodyPr/>
+          <a:lstStyle/>
+          <a:p>
+            <a:fld id="{6FC8D850-966F-45A6-8DE7-15B891E7D40D}" type="slidenum">
+              <a:rPr lang="pt-BR" smtClean="0"/>
+              <a:t>16</a:t>
+            </a:fld>
+            <a:endParaRPr lang="pt-BR"/>
+          </a:p>
+        </p:txBody>
+      </p:sp>
+    </p:spTree>
+    <p:extLst>
+      <p:ext uri="{BB962C8B-B14F-4D97-AF65-F5344CB8AC3E}">
+        <p14:creationId xmlns:p14="http://schemas.microsoft.com/office/powerpoint/2010/main" val="3152789456"/>
+      </p:ext>
+    </p:extLst>
+  </p:cSld>
+  <p:clrMapOvr>
+    <a:masterClrMapping/>
+  </p:clrMapOvr>
+</p:notes>
+</file>
+
+<file path=ppt/notesSlides/notesSlide13.xml><?xml version="1.0" encoding="utf-8"?>
+<p:notes xmlns:a="http://schemas.openxmlformats.org/drawingml/2006/main" xmlns:r="http://schemas.openxmlformats.org/officeDocument/2006/relationships" xmlns:p="http://schemas.openxmlformats.org/presentationml/2006/main">
+  <p:cSld>
+    <p:spTree>
+      <p:nvGrpSpPr>
+        <p:cNvPr id="1" name=""/>
+        <p:cNvGrpSpPr/>
+        <p:nvPr/>
+      </p:nvGrpSpPr>
+      <p:grpSpPr>
+        <a:xfrm>
+          <a:off x="0" y="0"/>
+          <a:ext cx="0" cy="0"/>
+          <a:chOff x="0" y="0"/>
+          <a:chExt cx="0" cy="0"/>
+        </a:xfrm>
+      </p:grpSpPr>
+      <p:sp>
+        <p:nvSpPr>
+          <p:cNvPr id="2" name="Espaço Reservado para Imagem de Slide 1"/>
+          <p:cNvSpPr>
+            <a:spLocks noGrp="1" noRot="1" noChangeAspect="1"/>
+          </p:cNvSpPr>
+          <p:nvPr>
+            <p:ph type="sldImg"/>
+          </p:nvPr>
+        </p:nvSpPr>
+        <p:spPr/>
+      </p:sp>
+      <p:sp>
+        <p:nvSpPr>
+          <p:cNvPr id="3" name="Espaço Reservado para Anotações 2"/>
+          <p:cNvSpPr>
+            <a:spLocks noGrp="1"/>
+          </p:cNvSpPr>
+          <p:nvPr>
+            <p:ph type="body" idx="1"/>
+          </p:nvPr>
+        </p:nvSpPr>
+        <p:spPr/>
+        <p:txBody>
+          <a:bodyPr/>
+          <a:lstStyle/>
+          <a:p>
             <a:pPr marL="0" marR="0" lvl="0" indent="0" algn="l" defTabSz="914400" rtl="0" eaLnBrk="1" fontAlgn="auto" latinLnBrk="0" hangingPunct="1">
               <a:lnSpc>
                 <a:spcPct val="100000"/>
@@ -1721,7 +1900,7 @@
 </p:notes>
 </file>
 
-<file path=ppt/notesSlides/notesSlide12.xml><?xml version="1.0" encoding="utf-8"?>
+<file path=ppt/notesSlides/notesSlide14.xml><?xml version="1.0" encoding="utf-8"?>
 <p:notes xmlns:a="http://schemas.openxmlformats.org/drawingml/2006/main" xmlns:r="http://schemas.openxmlformats.org/officeDocument/2006/relationships" xmlns:p="http://schemas.openxmlformats.org/presentationml/2006/main">
   <p:cSld>
     <p:spTree>
@@ -8744,7 +8923,7 @@
           <p:nvPr/>
         </p:nvPicPr>
         <p:blipFill>
-          <a:blip r:embed="rId2">
+          <a:blip r:embed="rId3">
             <a:extLst>
               <a:ext uri="{28A0092B-C50C-407E-A947-70E740481C1C}">
                 <a14:useLocalDpi xmlns:a14="http://schemas.microsoft.com/office/drawing/2010/main" val="0"/>
@@ -8776,6 +8955,50 @@
           </a:extLst>
         </p:spPr>
       </p:pic>
+      <p:sp>
+        <p:nvSpPr>
+          <p:cNvPr id="5" name="CaixaDeTexto 4">
+            <a:extLst>
+              <a:ext uri="{FF2B5EF4-FFF2-40B4-BE49-F238E27FC236}">
+                <a16:creationId xmlns:a16="http://schemas.microsoft.com/office/drawing/2014/main" id="{BB7DEDA5-F84D-C921-70EB-FD505F8C918F}"/>
+              </a:ext>
+            </a:extLst>
+          </p:cNvPr>
+          <p:cNvSpPr txBox="1"/>
+          <p:nvPr/>
+        </p:nvSpPr>
+        <p:spPr>
+          <a:xfrm>
+            <a:off x="8187865" y="6581000"/>
+            <a:ext cx="4117153" cy="276999"/>
+          </a:xfrm>
+          <a:prstGeom prst="rect">
+            <a:avLst/>
+          </a:prstGeom>
+          <a:noFill/>
+        </p:spPr>
+        <p:txBody>
+          <a:bodyPr wrap="none" rtlCol="0">
+            <a:spAutoFit/>
+          </a:bodyPr>
+          <a:lstStyle/>
+          <a:p>
+            <a:r>
+              <a:rPr lang="pt-BR" sz="1200" dirty="0">
+                <a:hlinkClick r:id="rId4"/>
+              </a:rPr>
+              <a:t>Exemplo: </a:t>
+            </a:r>
+            <a:r>
+              <a:rPr lang="pt-BR" sz="1200" dirty="0" err="1">
+                <a:hlinkClick r:id="rId4"/>
+              </a:rPr>
+              <a:t>Treinamento_com_e_sem_data_augmentation.ipynb</a:t>
+            </a:r>
+            <a:endParaRPr lang="pt-BR" sz="1200" dirty="0"/>
+          </a:p>
+        </p:txBody>
+      </p:sp>
     </p:spTree>
     <p:extLst>
       <p:ext uri="{BB962C8B-B14F-4D97-AF65-F5344CB8AC3E}">
@@ -9738,7 +9961,7 @@
           <p:nvPr/>
         </p:nvPicPr>
         <p:blipFill>
-          <a:blip r:embed="rId2">
+          <a:blip r:embed="rId3">
             <a:extLst>
               <a:ext uri="{28A0092B-C50C-407E-A947-70E740481C1C}">
                 <a14:useLocalDpi xmlns:a14="http://schemas.microsoft.com/office/drawing/2010/main" val="0"/>
@@ -9799,11 +10022,15 @@
           <a:lstStyle/>
           <a:p>
             <a:r>
-              <a:rPr lang="pt-BR" sz="1200" dirty="0"/>
+              <a:rPr lang="pt-BR" sz="1200" dirty="0">
+                <a:hlinkClick r:id="rId4"/>
+              </a:rPr>
               <a:t>Exemplo: </a:t>
             </a:r>
             <a:r>
-              <a:rPr lang="pt-BR" sz="1200" dirty="0" err="1"/>
+              <a:rPr lang="pt-BR" sz="1200" dirty="0" err="1">
+                <a:hlinkClick r:id="rId4"/>
+              </a:rPr>
               <a:t>data_augmentation.ipynb</a:t>
             </a:r>
             <a:endParaRPr lang="pt-BR" sz="1200" dirty="0"/>
@@ -12470,36 +12697,60 @@
           <a:lstStyle/>
           <a:p>
             <a:r>
+              <a:rPr lang="pt-BR" b="1" i="1" dirty="0" err="1"/>
+              <a:t>T</a:t>
+            </a:r>
+            <a:r>
+              <a:rPr lang="pt-BR" b="1" i="1" dirty="0" err="1">
+                <a:effectLst/>
+              </a:rPr>
+              <a:t>ransfer</a:t>
+            </a:r>
+            <a:r>
+              <a:rPr lang="pt-BR" b="1" i="1" dirty="0">
+                <a:effectLst/>
+              </a:rPr>
+              <a:t> </a:t>
+            </a:r>
+            <a:r>
+              <a:rPr lang="pt-BR" b="1" i="1" dirty="0" err="1">
+                <a:effectLst/>
+              </a:rPr>
+              <a:t>learning</a:t>
+            </a:r>
+            <a:r>
+              <a:rPr lang="pt-BR" dirty="0"/>
+              <a:t>: </a:t>
+            </a:r>
+            <a:r>
               <a:rPr lang="pt-BR" dirty="0" err="1"/>
-              <a:t>T</a:t>
-            </a:r>
-            <a:r>
-              <a:rPr lang="pt-BR" b="0" i="0" dirty="0" err="1">
+              <a:t>transfer^nia</a:t>
+            </a:r>
+            <a:r>
+              <a:rPr lang="pt-BR" dirty="0"/>
+              <a:t> de aprendizado ou ajuste </a:t>
+            </a:r>
+            <a:r>
+              <a:rPr lang="pt-BR"/>
+              <a:t>fino.</a:t>
+            </a:r>
+          </a:p>
+          <a:p>
+            <a:r>
+              <a:rPr lang="pt-BR"/>
+              <a:t>É</a:t>
+            </a:r>
+            <a:r>
+              <a:rPr lang="pt-BR" b="0" i="0">
                 <a:effectLst/>
               </a:rPr>
-              <a:t>ransfer</a:t>
+              <a:t> </a:t>
             </a:r>
             <a:r>
               <a:rPr lang="pt-BR" b="0" i="0" dirty="0">
                 <a:effectLst/>
               </a:rPr>
-              <a:t> </a:t>
-            </a:r>
-            <a:r>
-              <a:rPr lang="pt-BR" b="0" i="0" dirty="0" err="1">
-                <a:effectLst/>
-              </a:rPr>
-              <a:t>learning</a:t>
-            </a:r>
-            <a:r>
-              <a:rPr lang="pt-BR" dirty="0"/>
-              <a:t>: É</a:t>
-            </a:r>
-            <a:r>
-              <a:rPr lang="pt-BR" b="0" i="0" dirty="0">
-                <a:effectLst/>
-              </a:rPr>
-              <a:t> uma abordagem que envolve o uso de um modelo </a:t>
+              <a:t>uma abordagem que envolve o uso de um modelo </a:t>
             </a:r>
             <a:r>
               <a:rPr lang="pt-BR" b="0" i="0" dirty="0" err="1">
